--- a/Results/Design and Edit Figures_MS1_ATP.pptx
+++ b/Results/Design and Edit Figures_MS1_ATP.pptx
@@ -5,26 +5,28 @@
     <p:sldMasterId id="2147483648" r:id="rId1"/>
   </p:sldMasterIdLst>
   <p:notesMasterIdLst>
-    <p:notesMasterId r:id="rId19"/>
+    <p:notesMasterId r:id="rId21"/>
   </p:notesMasterIdLst>
   <p:sldIdLst>
     <p:sldId id="256" r:id="rId2"/>
     <p:sldId id="257" r:id="rId3"/>
-    <p:sldId id="258" r:id="rId4"/>
-    <p:sldId id="259" r:id="rId5"/>
-    <p:sldId id="266" r:id="rId6"/>
-    <p:sldId id="264" r:id="rId7"/>
-    <p:sldId id="265" r:id="rId8"/>
-    <p:sldId id="260" r:id="rId9"/>
-    <p:sldId id="262" r:id="rId10"/>
-    <p:sldId id="261" r:id="rId11"/>
-    <p:sldId id="263" r:id="rId12"/>
-    <p:sldId id="267" r:id="rId13"/>
-    <p:sldId id="268" r:id="rId14"/>
-    <p:sldId id="269" r:id="rId15"/>
-    <p:sldId id="270" r:id="rId16"/>
-    <p:sldId id="271" r:id="rId17"/>
-    <p:sldId id="272" r:id="rId18"/>
+    <p:sldId id="273" r:id="rId4"/>
+    <p:sldId id="274" r:id="rId5"/>
+    <p:sldId id="258" r:id="rId6"/>
+    <p:sldId id="259" r:id="rId7"/>
+    <p:sldId id="266" r:id="rId8"/>
+    <p:sldId id="264" r:id="rId9"/>
+    <p:sldId id="265" r:id="rId10"/>
+    <p:sldId id="260" r:id="rId11"/>
+    <p:sldId id="262" r:id="rId12"/>
+    <p:sldId id="261" r:id="rId13"/>
+    <p:sldId id="263" r:id="rId14"/>
+    <p:sldId id="267" r:id="rId15"/>
+    <p:sldId id="268" r:id="rId16"/>
+    <p:sldId id="269" r:id="rId17"/>
+    <p:sldId id="270" r:id="rId18"/>
+    <p:sldId id="271" r:id="rId19"/>
+    <p:sldId id="272" r:id="rId20"/>
   </p:sldIdLst>
   <p:sldSz cx="12192000" cy="6858000"/>
   <p:notesSz cx="6858000" cy="9144000"/>
@@ -7458,6 +7460,3353 @@
 </cs:chartStyle>
 </file>
 
+<file path=ppt/diagrams/colors1.xml><?xml version="1.0" encoding="utf-8"?>
+<dgm:colorsDef xmlns:dgm="http://schemas.openxmlformats.org/drawingml/2006/diagram" xmlns:a="http://schemas.openxmlformats.org/drawingml/2006/main" uniqueId="urn:microsoft.com/office/officeart/2005/8/colors/accent1_2">
+  <dgm:title val=""/>
+  <dgm:desc val=""/>
+  <dgm:catLst>
+    <dgm:cat type="accent1" pri="11200"/>
+  </dgm:catLst>
+  <dgm:styleLbl name="node0">
+    <dgm:fillClrLst meth="repeat">
+      <a:schemeClr val="accent1"/>
+    </dgm:fillClrLst>
+    <dgm:linClrLst meth="repeat">
+      <a:schemeClr val="lt1"/>
+    </dgm:linClrLst>
+    <dgm:effectClrLst/>
+    <dgm:txLinClrLst/>
+    <dgm:txFillClrLst/>
+    <dgm:txEffectClrLst/>
+  </dgm:styleLbl>
+  <dgm:styleLbl name="alignNode1">
+    <dgm:fillClrLst meth="repeat">
+      <a:schemeClr val="accent1"/>
+    </dgm:fillClrLst>
+    <dgm:linClrLst meth="repeat">
+      <a:schemeClr val="accent1"/>
+    </dgm:linClrLst>
+    <dgm:effectClrLst/>
+    <dgm:txLinClrLst/>
+    <dgm:txFillClrLst/>
+    <dgm:txEffectClrLst/>
+  </dgm:styleLbl>
+  <dgm:styleLbl name="node1">
+    <dgm:fillClrLst meth="repeat">
+      <a:schemeClr val="accent1"/>
+    </dgm:fillClrLst>
+    <dgm:linClrLst meth="repeat">
+      <a:schemeClr val="lt1"/>
+    </dgm:linClrLst>
+    <dgm:effectClrLst/>
+    <dgm:txLinClrLst/>
+    <dgm:txFillClrLst/>
+    <dgm:txEffectClrLst/>
+  </dgm:styleLbl>
+  <dgm:styleLbl name="lnNode1">
+    <dgm:fillClrLst meth="repeat">
+      <a:schemeClr val="accent1"/>
+    </dgm:fillClrLst>
+    <dgm:linClrLst meth="repeat">
+      <a:schemeClr val="lt1"/>
+    </dgm:linClrLst>
+    <dgm:effectClrLst/>
+    <dgm:txLinClrLst/>
+    <dgm:txFillClrLst/>
+    <dgm:txEffectClrLst/>
+  </dgm:styleLbl>
+  <dgm:styleLbl name="vennNode1">
+    <dgm:fillClrLst meth="repeat">
+      <a:schemeClr val="accent1">
+        <a:alpha val="50000"/>
+      </a:schemeClr>
+    </dgm:fillClrLst>
+    <dgm:linClrLst meth="repeat">
+      <a:schemeClr val="lt1"/>
+    </dgm:linClrLst>
+    <dgm:effectClrLst/>
+    <dgm:txLinClrLst/>
+    <dgm:txFillClrLst/>
+    <dgm:txEffectClrLst/>
+  </dgm:styleLbl>
+  <dgm:styleLbl name="node2">
+    <dgm:fillClrLst meth="repeat">
+      <a:schemeClr val="accent1"/>
+    </dgm:fillClrLst>
+    <dgm:linClrLst meth="repeat">
+      <a:schemeClr val="lt1"/>
+    </dgm:linClrLst>
+    <dgm:effectClrLst/>
+    <dgm:txLinClrLst/>
+    <dgm:txFillClrLst/>
+    <dgm:txEffectClrLst/>
+  </dgm:styleLbl>
+  <dgm:styleLbl name="node3">
+    <dgm:fillClrLst meth="repeat">
+      <a:schemeClr val="accent1"/>
+    </dgm:fillClrLst>
+    <dgm:linClrLst meth="repeat">
+      <a:schemeClr val="lt1"/>
+    </dgm:linClrLst>
+    <dgm:effectClrLst/>
+    <dgm:txLinClrLst/>
+    <dgm:txFillClrLst/>
+    <dgm:txEffectClrLst/>
+  </dgm:styleLbl>
+  <dgm:styleLbl name="node4">
+    <dgm:fillClrLst meth="repeat">
+      <a:schemeClr val="accent1"/>
+    </dgm:fillClrLst>
+    <dgm:linClrLst meth="repeat">
+      <a:schemeClr val="lt1"/>
+    </dgm:linClrLst>
+    <dgm:effectClrLst/>
+    <dgm:txLinClrLst/>
+    <dgm:txFillClrLst/>
+    <dgm:txEffectClrLst/>
+  </dgm:styleLbl>
+  <dgm:styleLbl name="fgImgPlace1">
+    <dgm:fillClrLst meth="repeat">
+      <a:schemeClr val="accent1">
+        <a:tint val="50000"/>
+      </a:schemeClr>
+    </dgm:fillClrLst>
+    <dgm:linClrLst meth="repeat">
+      <a:schemeClr val="lt1"/>
+    </dgm:linClrLst>
+    <dgm:effectClrLst/>
+    <dgm:txLinClrLst/>
+    <dgm:txFillClrLst meth="repeat">
+      <a:schemeClr val="lt1"/>
+    </dgm:txFillClrLst>
+    <dgm:txEffectClrLst/>
+  </dgm:styleLbl>
+  <dgm:styleLbl name="alignImgPlace1">
+    <dgm:fillClrLst meth="repeat">
+      <a:schemeClr val="accent1">
+        <a:tint val="50000"/>
+      </a:schemeClr>
+    </dgm:fillClrLst>
+    <dgm:linClrLst meth="repeat">
+      <a:schemeClr val="lt1"/>
+    </dgm:linClrLst>
+    <dgm:effectClrLst/>
+    <dgm:txLinClrLst/>
+    <dgm:txFillClrLst meth="repeat">
+      <a:schemeClr val="lt1"/>
+    </dgm:txFillClrLst>
+    <dgm:txEffectClrLst/>
+  </dgm:styleLbl>
+  <dgm:styleLbl name="bgImgPlace1">
+    <dgm:fillClrLst meth="repeat">
+      <a:schemeClr val="accent1">
+        <a:tint val="50000"/>
+      </a:schemeClr>
+    </dgm:fillClrLst>
+    <dgm:linClrLst meth="repeat">
+      <a:schemeClr val="lt1"/>
+    </dgm:linClrLst>
+    <dgm:effectClrLst/>
+    <dgm:txLinClrLst/>
+    <dgm:txFillClrLst meth="repeat">
+      <a:schemeClr val="lt1"/>
+    </dgm:txFillClrLst>
+    <dgm:txEffectClrLst/>
+  </dgm:styleLbl>
+  <dgm:styleLbl name="sibTrans2D1">
+    <dgm:fillClrLst meth="repeat">
+      <a:schemeClr val="accent1">
+        <a:tint val="60000"/>
+      </a:schemeClr>
+    </dgm:fillClrLst>
+    <dgm:linClrLst meth="repeat">
+      <a:schemeClr val="accent1">
+        <a:tint val="60000"/>
+      </a:schemeClr>
+    </dgm:linClrLst>
+    <dgm:effectClrLst/>
+    <dgm:txLinClrLst/>
+    <dgm:txFillClrLst/>
+    <dgm:txEffectClrLst/>
+  </dgm:styleLbl>
+  <dgm:styleLbl name="fgSibTrans2D1">
+    <dgm:fillClrLst meth="repeat">
+      <a:schemeClr val="accent1">
+        <a:tint val="60000"/>
+      </a:schemeClr>
+    </dgm:fillClrLst>
+    <dgm:linClrLst meth="repeat">
+      <a:schemeClr val="accent1">
+        <a:tint val="60000"/>
+      </a:schemeClr>
+    </dgm:linClrLst>
+    <dgm:effectClrLst/>
+    <dgm:txLinClrLst/>
+    <dgm:txFillClrLst/>
+    <dgm:txEffectClrLst/>
+  </dgm:styleLbl>
+  <dgm:styleLbl name="bgSibTrans2D1">
+    <dgm:fillClrLst meth="repeat">
+      <a:schemeClr val="accent1">
+        <a:tint val="60000"/>
+      </a:schemeClr>
+    </dgm:fillClrLst>
+    <dgm:linClrLst meth="repeat">
+      <a:schemeClr val="accent1">
+        <a:tint val="60000"/>
+      </a:schemeClr>
+    </dgm:linClrLst>
+    <dgm:effectClrLst/>
+    <dgm:txLinClrLst/>
+    <dgm:txFillClrLst/>
+    <dgm:txEffectClrLst/>
+  </dgm:styleLbl>
+  <dgm:styleLbl name="sibTrans1D1">
+    <dgm:fillClrLst meth="repeat">
+      <a:schemeClr val="accent1"/>
+    </dgm:fillClrLst>
+    <dgm:linClrLst meth="repeat">
+      <a:schemeClr val="accent1"/>
+    </dgm:linClrLst>
+    <dgm:effectClrLst/>
+    <dgm:txLinClrLst/>
+    <dgm:txFillClrLst meth="repeat">
+      <a:schemeClr val="tx1"/>
+    </dgm:txFillClrLst>
+    <dgm:txEffectClrLst/>
+  </dgm:styleLbl>
+  <dgm:styleLbl name="callout">
+    <dgm:fillClrLst meth="repeat">
+      <a:schemeClr val="accent1"/>
+    </dgm:fillClrLst>
+    <dgm:linClrLst meth="repeat">
+      <a:schemeClr val="accent1">
+        <a:tint val="50000"/>
+      </a:schemeClr>
+    </dgm:linClrLst>
+    <dgm:effectClrLst/>
+    <dgm:txLinClrLst/>
+    <dgm:txFillClrLst meth="repeat">
+      <a:schemeClr val="tx1"/>
+    </dgm:txFillClrLst>
+    <dgm:txEffectClrLst/>
+  </dgm:styleLbl>
+  <dgm:styleLbl name="asst0">
+    <dgm:fillClrLst meth="repeat">
+      <a:schemeClr val="accent1"/>
+    </dgm:fillClrLst>
+    <dgm:linClrLst meth="repeat">
+      <a:schemeClr val="lt1"/>
+    </dgm:linClrLst>
+    <dgm:effectClrLst/>
+    <dgm:txLinClrLst/>
+    <dgm:txFillClrLst/>
+    <dgm:txEffectClrLst/>
+  </dgm:styleLbl>
+  <dgm:styleLbl name="asst1">
+    <dgm:fillClrLst meth="repeat">
+      <a:schemeClr val="accent1"/>
+    </dgm:fillClrLst>
+    <dgm:linClrLst meth="repeat">
+      <a:schemeClr val="lt1"/>
+    </dgm:linClrLst>
+    <dgm:effectClrLst/>
+    <dgm:txLinClrLst/>
+    <dgm:txFillClrLst/>
+    <dgm:txEffectClrLst/>
+  </dgm:styleLbl>
+  <dgm:styleLbl name="asst2">
+    <dgm:fillClrLst meth="repeat">
+      <a:schemeClr val="accent1"/>
+    </dgm:fillClrLst>
+    <dgm:linClrLst meth="repeat">
+      <a:schemeClr val="lt1"/>
+    </dgm:linClrLst>
+    <dgm:effectClrLst/>
+    <dgm:txLinClrLst/>
+    <dgm:txFillClrLst/>
+    <dgm:txEffectClrLst/>
+  </dgm:styleLbl>
+  <dgm:styleLbl name="asst3">
+    <dgm:fillClrLst meth="repeat">
+      <a:schemeClr val="accent1"/>
+    </dgm:fillClrLst>
+    <dgm:linClrLst meth="repeat">
+      <a:schemeClr val="lt1"/>
+    </dgm:linClrLst>
+    <dgm:effectClrLst/>
+    <dgm:txLinClrLst/>
+    <dgm:txFillClrLst/>
+    <dgm:txEffectClrLst/>
+  </dgm:styleLbl>
+  <dgm:styleLbl name="asst4">
+    <dgm:fillClrLst meth="repeat">
+      <a:schemeClr val="accent1"/>
+    </dgm:fillClrLst>
+    <dgm:linClrLst meth="repeat">
+      <a:schemeClr val="lt1"/>
+    </dgm:linClrLst>
+    <dgm:effectClrLst/>
+    <dgm:txLinClrLst/>
+    <dgm:txFillClrLst/>
+    <dgm:txEffectClrLst/>
+  </dgm:styleLbl>
+  <dgm:styleLbl name="parChTrans2D1">
+    <dgm:fillClrLst meth="repeat">
+      <a:schemeClr val="accent1">
+        <a:tint val="60000"/>
+      </a:schemeClr>
+    </dgm:fillClrLst>
+    <dgm:linClrLst meth="repeat">
+      <a:schemeClr val="accent1">
+        <a:tint val="60000"/>
+      </a:schemeClr>
+    </dgm:linClrLst>
+    <dgm:effectClrLst/>
+    <dgm:txLinClrLst/>
+    <dgm:txFillClrLst meth="repeat">
+      <a:schemeClr val="lt1"/>
+    </dgm:txFillClrLst>
+    <dgm:txEffectClrLst/>
+  </dgm:styleLbl>
+  <dgm:styleLbl name="parChTrans2D2">
+    <dgm:fillClrLst meth="repeat">
+      <a:schemeClr val="accent1"/>
+    </dgm:fillClrLst>
+    <dgm:linClrLst meth="repeat">
+      <a:schemeClr val="accent1"/>
+    </dgm:linClrLst>
+    <dgm:effectClrLst/>
+    <dgm:txLinClrLst/>
+    <dgm:txFillClrLst meth="repeat">
+      <a:schemeClr val="lt1"/>
+    </dgm:txFillClrLst>
+    <dgm:txEffectClrLst/>
+  </dgm:styleLbl>
+  <dgm:styleLbl name="parChTrans2D3">
+    <dgm:fillClrLst meth="repeat">
+      <a:schemeClr val="accent1"/>
+    </dgm:fillClrLst>
+    <dgm:linClrLst meth="repeat">
+      <a:schemeClr val="accent1"/>
+    </dgm:linClrLst>
+    <dgm:effectClrLst/>
+    <dgm:txLinClrLst/>
+    <dgm:txFillClrLst meth="repeat">
+      <a:schemeClr val="lt1"/>
+    </dgm:txFillClrLst>
+    <dgm:txEffectClrLst/>
+  </dgm:styleLbl>
+  <dgm:styleLbl name="parChTrans2D4">
+    <dgm:fillClrLst meth="repeat">
+      <a:schemeClr val="accent1"/>
+    </dgm:fillClrLst>
+    <dgm:linClrLst meth="repeat">
+      <a:schemeClr val="accent1"/>
+    </dgm:linClrLst>
+    <dgm:effectClrLst/>
+    <dgm:txLinClrLst/>
+    <dgm:txFillClrLst meth="repeat">
+      <a:schemeClr val="lt1"/>
+    </dgm:txFillClrLst>
+    <dgm:txEffectClrLst/>
+  </dgm:styleLbl>
+  <dgm:styleLbl name="parChTrans1D1">
+    <dgm:fillClrLst meth="repeat">
+      <a:schemeClr val="accent1"/>
+    </dgm:fillClrLst>
+    <dgm:linClrLst meth="repeat">
+      <a:schemeClr val="accent1">
+        <a:shade val="60000"/>
+      </a:schemeClr>
+    </dgm:linClrLst>
+    <dgm:effectClrLst/>
+    <dgm:txLinClrLst/>
+    <dgm:txFillClrLst meth="repeat">
+      <a:schemeClr val="tx1"/>
+    </dgm:txFillClrLst>
+    <dgm:txEffectClrLst/>
+  </dgm:styleLbl>
+  <dgm:styleLbl name="parChTrans1D2">
+    <dgm:fillClrLst meth="repeat">
+      <a:schemeClr val="accent1"/>
+    </dgm:fillClrLst>
+    <dgm:linClrLst meth="repeat">
+      <a:schemeClr val="accent1">
+        <a:shade val="60000"/>
+      </a:schemeClr>
+    </dgm:linClrLst>
+    <dgm:effectClrLst/>
+    <dgm:txLinClrLst/>
+    <dgm:txFillClrLst meth="repeat">
+      <a:schemeClr val="tx1"/>
+    </dgm:txFillClrLst>
+    <dgm:txEffectClrLst/>
+  </dgm:styleLbl>
+  <dgm:styleLbl name="parChTrans1D3">
+    <dgm:fillClrLst meth="repeat">
+      <a:schemeClr val="accent1"/>
+    </dgm:fillClrLst>
+    <dgm:linClrLst meth="repeat">
+      <a:schemeClr val="accent1">
+        <a:shade val="80000"/>
+      </a:schemeClr>
+    </dgm:linClrLst>
+    <dgm:effectClrLst/>
+    <dgm:txLinClrLst/>
+    <dgm:txFillClrLst meth="repeat">
+      <a:schemeClr val="tx1"/>
+    </dgm:txFillClrLst>
+    <dgm:txEffectClrLst/>
+  </dgm:styleLbl>
+  <dgm:styleLbl name="parChTrans1D4">
+    <dgm:fillClrLst meth="repeat">
+      <a:schemeClr val="accent1"/>
+    </dgm:fillClrLst>
+    <dgm:linClrLst meth="repeat">
+      <a:schemeClr val="accent1">
+        <a:shade val="80000"/>
+      </a:schemeClr>
+    </dgm:linClrLst>
+    <dgm:effectClrLst/>
+    <dgm:txLinClrLst/>
+    <dgm:txFillClrLst meth="repeat">
+      <a:schemeClr val="tx1"/>
+    </dgm:txFillClrLst>
+    <dgm:txEffectClrLst/>
+  </dgm:styleLbl>
+  <dgm:styleLbl name="fgAcc1">
+    <dgm:fillClrLst meth="repeat">
+      <a:schemeClr val="lt1">
+        <a:alpha val="90000"/>
+      </a:schemeClr>
+    </dgm:fillClrLst>
+    <dgm:linClrLst meth="repeat">
+      <a:schemeClr val="accent1"/>
+    </dgm:linClrLst>
+    <dgm:effectClrLst/>
+    <dgm:txLinClrLst/>
+    <dgm:txFillClrLst meth="repeat">
+      <a:schemeClr val="dk1"/>
+    </dgm:txFillClrLst>
+    <dgm:txEffectClrLst/>
+  </dgm:styleLbl>
+  <dgm:styleLbl name="conFgAcc1">
+    <dgm:fillClrLst meth="repeat">
+      <a:schemeClr val="lt1">
+        <a:alpha val="90000"/>
+      </a:schemeClr>
+    </dgm:fillClrLst>
+    <dgm:linClrLst meth="repeat">
+      <a:schemeClr val="accent1"/>
+    </dgm:linClrLst>
+    <dgm:effectClrLst/>
+    <dgm:txLinClrLst/>
+    <dgm:txFillClrLst meth="repeat">
+      <a:schemeClr val="dk1"/>
+    </dgm:txFillClrLst>
+    <dgm:txEffectClrLst/>
+  </dgm:styleLbl>
+  <dgm:styleLbl name="alignAcc1">
+    <dgm:fillClrLst meth="repeat">
+      <a:schemeClr val="lt1">
+        <a:alpha val="90000"/>
+      </a:schemeClr>
+    </dgm:fillClrLst>
+    <dgm:linClrLst meth="repeat">
+      <a:schemeClr val="accent1"/>
+    </dgm:linClrLst>
+    <dgm:effectClrLst/>
+    <dgm:txLinClrLst/>
+    <dgm:txFillClrLst meth="repeat">
+      <a:schemeClr val="dk1"/>
+    </dgm:txFillClrLst>
+    <dgm:txEffectClrLst/>
+  </dgm:styleLbl>
+  <dgm:styleLbl name="trAlignAcc1">
+    <dgm:fillClrLst meth="repeat">
+      <a:schemeClr val="lt1">
+        <a:alpha val="40000"/>
+      </a:schemeClr>
+    </dgm:fillClrLst>
+    <dgm:linClrLst meth="repeat">
+      <a:schemeClr val="accent1"/>
+    </dgm:linClrLst>
+    <dgm:effectClrLst/>
+    <dgm:txLinClrLst/>
+    <dgm:txFillClrLst meth="repeat">
+      <a:schemeClr val="dk1"/>
+    </dgm:txFillClrLst>
+    <dgm:txEffectClrLst/>
+  </dgm:styleLbl>
+  <dgm:styleLbl name="bgAcc1">
+    <dgm:fillClrLst meth="repeat">
+      <a:schemeClr val="lt1">
+        <a:alpha val="90000"/>
+      </a:schemeClr>
+    </dgm:fillClrLst>
+    <dgm:linClrLst meth="repeat">
+      <a:schemeClr val="accent1"/>
+    </dgm:linClrLst>
+    <dgm:effectClrLst/>
+    <dgm:txLinClrLst/>
+    <dgm:txFillClrLst meth="repeat">
+      <a:schemeClr val="dk1"/>
+    </dgm:txFillClrLst>
+    <dgm:txEffectClrLst/>
+  </dgm:styleLbl>
+  <dgm:styleLbl name="solidFgAcc1">
+    <dgm:fillClrLst meth="repeat">
+      <a:schemeClr val="lt1"/>
+    </dgm:fillClrLst>
+    <dgm:linClrLst meth="repeat">
+      <a:schemeClr val="accent1"/>
+    </dgm:linClrLst>
+    <dgm:effectClrLst/>
+    <dgm:txLinClrLst/>
+    <dgm:txFillClrLst meth="repeat">
+      <a:schemeClr val="dk1"/>
+    </dgm:txFillClrLst>
+    <dgm:txEffectClrLst/>
+  </dgm:styleLbl>
+  <dgm:styleLbl name="solidAlignAcc1">
+    <dgm:fillClrLst meth="repeat">
+      <a:schemeClr val="lt1"/>
+    </dgm:fillClrLst>
+    <dgm:linClrLst meth="repeat">
+      <a:schemeClr val="accent1"/>
+    </dgm:linClrLst>
+    <dgm:effectClrLst/>
+    <dgm:txLinClrLst/>
+    <dgm:txFillClrLst meth="repeat">
+      <a:schemeClr val="dk1"/>
+    </dgm:txFillClrLst>
+    <dgm:txEffectClrLst/>
+  </dgm:styleLbl>
+  <dgm:styleLbl name="solidBgAcc1">
+    <dgm:fillClrLst meth="repeat">
+      <a:schemeClr val="lt1"/>
+    </dgm:fillClrLst>
+    <dgm:linClrLst meth="repeat">
+      <a:schemeClr val="accent1"/>
+    </dgm:linClrLst>
+    <dgm:effectClrLst/>
+    <dgm:txLinClrLst/>
+    <dgm:txFillClrLst meth="repeat">
+      <a:schemeClr val="dk1"/>
+    </dgm:txFillClrLst>
+    <dgm:txEffectClrLst/>
+  </dgm:styleLbl>
+  <dgm:styleLbl name="fgAccFollowNode1">
+    <dgm:fillClrLst meth="repeat">
+      <a:schemeClr val="accent1">
+        <a:alpha val="90000"/>
+        <a:tint val="40000"/>
+      </a:schemeClr>
+    </dgm:fillClrLst>
+    <dgm:linClrLst meth="repeat">
+      <a:schemeClr val="accent1">
+        <a:alpha val="90000"/>
+        <a:tint val="40000"/>
+      </a:schemeClr>
+    </dgm:linClrLst>
+    <dgm:effectClrLst/>
+    <dgm:txLinClrLst/>
+    <dgm:txFillClrLst meth="repeat">
+      <a:schemeClr val="dk1"/>
+    </dgm:txFillClrLst>
+    <dgm:txEffectClrLst/>
+  </dgm:styleLbl>
+  <dgm:styleLbl name="alignAccFollowNode1">
+    <dgm:fillClrLst meth="repeat">
+      <a:schemeClr val="accent1">
+        <a:alpha val="90000"/>
+        <a:tint val="40000"/>
+      </a:schemeClr>
+    </dgm:fillClrLst>
+    <dgm:linClrLst meth="repeat">
+      <a:schemeClr val="accent1">
+        <a:alpha val="90000"/>
+        <a:tint val="40000"/>
+      </a:schemeClr>
+    </dgm:linClrLst>
+    <dgm:effectClrLst/>
+    <dgm:txLinClrLst/>
+    <dgm:txFillClrLst meth="repeat">
+      <a:schemeClr val="dk1"/>
+    </dgm:txFillClrLst>
+    <dgm:txEffectClrLst/>
+  </dgm:styleLbl>
+  <dgm:styleLbl name="bgAccFollowNode1">
+    <dgm:fillClrLst meth="repeat">
+      <a:schemeClr val="accent1">
+        <a:alpha val="90000"/>
+        <a:tint val="40000"/>
+      </a:schemeClr>
+    </dgm:fillClrLst>
+    <dgm:linClrLst meth="repeat">
+      <a:schemeClr val="accent1">
+        <a:alpha val="90000"/>
+        <a:tint val="40000"/>
+      </a:schemeClr>
+    </dgm:linClrLst>
+    <dgm:effectClrLst/>
+    <dgm:txLinClrLst/>
+    <dgm:txFillClrLst meth="repeat">
+      <a:schemeClr val="dk1"/>
+    </dgm:txFillClrLst>
+    <dgm:txEffectClrLst/>
+  </dgm:styleLbl>
+  <dgm:styleLbl name="fgAcc0">
+    <dgm:fillClrLst meth="repeat">
+      <a:schemeClr val="lt1">
+        <a:alpha val="90000"/>
+      </a:schemeClr>
+    </dgm:fillClrLst>
+    <dgm:linClrLst meth="repeat">
+      <a:schemeClr val="accent1"/>
+    </dgm:linClrLst>
+    <dgm:effectClrLst/>
+    <dgm:txLinClrLst/>
+    <dgm:txFillClrLst meth="repeat">
+      <a:schemeClr val="dk1"/>
+    </dgm:txFillClrLst>
+    <dgm:txEffectClrLst/>
+  </dgm:styleLbl>
+  <dgm:styleLbl name="fgAcc2">
+    <dgm:fillClrLst meth="repeat">
+      <a:schemeClr val="lt1">
+        <a:alpha val="90000"/>
+      </a:schemeClr>
+    </dgm:fillClrLst>
+    <dgm:linClrLst meth="repeat">
+      <a:schemeClr val="accent1"/>
+    </dgm:linClrLst>
+    <dgm:effectClrLst/>
+    <dgm:txLinClrLst/>
+    <dgm:txFillClrLst meth="repeat">
+      <a:schemeClr val="dk1"/>
+    </dgm:txFillClrLst>
+    <dgm:txEffectClrLst/>
+  </dgm:styleLbl>
+  <dgm:styleLbl name="fgAcc3">
+    <dgm:fillClrLst meth="repeat">
+      <a:schemeClr val="lt1">
+        <a:alpha val="90000"/>
+      </a:schemeClr>
+    </dgm:fillClrLst>
+    <dgm:linClrLst meth="repeat">
+      <a:schemeClr val="accent1"/>
+    </dgm:linClrLst>
+    <dgm:effectClrLst/>
+    <dgm:txLinClrLst/>
+    <dgm:txFillClrLst meth="repeat">
+      <a:schemeClr val="dk1"/>
+    </dgm:txFillClrLst>
+    <dgm:txEffectClrLst/>
+  </dgm:styleLbl>
+  <dgm:styleLbl name="fgAcc4">
+    <dgm:fillClrLst meth="repeat">
+      <a:schemeClr val="lt1">
+        <a:alpha val="90000"/>
+      </a:schemeClr>
+    </dgm:fillClrLst>
+    <dgm:linClrLst meth="repeat">
+      <a:schemeClr val="accent1"/>
+    </dgm:linClrLst>
+    <dgm:effectClrLst/>
+    <dgm:txLinClrLst/>
+    <dgm:txFillClrLst meth="repeat">
+      <a:schemeClr val="dk1"/>
+    </dgm:txFillClrLst>
+    <dgm:txEffectClrLst/>
+  </dgm:styleLbl>
+  <dgm:styleLbl name="bgShp">
+    <dgm:fillClrLst meth="repeat">
+      <a:schemeClr val="accent1">
+        <a:tint val="40000"/>
+      </a:schemeClr>
+    </dgm:fillClrLst>
+    <dgm:linClrLst meth="repeat">
+      <a:schemeClr val="accent1"/>
+    </dgm:linClrLst>
+    <dgm:effectClrLst/>
+    <dgm:txLinClrLst/>
+    <dgm:txFillClrLst meth="repeat">
+      <a:schemeClr val="dk1"/>
+    </dgm:txFillClrLst>
+    <dgm:txEffectClrLst/>
+  </dgm:styleLbl>
+  <dgm:styleLbl name="dkBgShp">
+    <dgm:fillClrLst meth="repeat">
+      <a:schemeClr val="accent1">
+        <a:shade val="80000"/>
+      </a:schemeClr>
+    </dgm:fillClrLst>
+    <dgm:linClrLst meth="repeat">
+      <a:schemeClr val="accent1"/>
+    </dgm:linClrLst>
+    <dgm:effectClrLst/>
+    <dgm:txLinClrLst/>
+    <dgm:txFillClrLst meth="repeat">
+      <a:schemeClr val="lt1"/>
+    </dgm:txFillClrLst>
+    <dgm:txEffectClrLst/>
+  </dgm:styleLbl>
+  <dgm:styleLbl name="trBgShp">
+    <dgm:fillClrLst meth="repeat">
+      <a:schemeClr val="accent1">
+        <a:tint val="50000"/>
+        <a:alpha val="40000"/>
+      </a:schemeClr>
+    </dgm:fillClrLst>
+    <dgm:linClrLst meth="repeat">
+      <a:schemeClr val="accent1"/>
+    </dgm:linClrLst>
+    <dgm:effectClrLst/>
+    <dgm:txLinClrLst/>
+    <dgm:txFillClrLst meth="repeat">
+      <a:schemeClr val="lt1"/>
+    </dgm:txFillClrLst>
+    <dgm:txEffectClrLst/>
+  </dgm:styleLbl>
+  <dgm:styleLbl name="fgShp">
+    <dgm:fillClrLst meth="repeat">
+      <a:schemeClr val="accent1">
+        <a:tint val="60000"/>
+      </a:schemeClr>
+    </dgm:fillClrLst>
+    <dgm:linClrLst meth="repeat">
+      <a:schemeClr val="lt1"/>
+    </dgm:linClrLst>
+    <dgm:effectClrLst/>
+    <dgm:txLinClrLst/>
+    <dgm:txFillClrLst meth="repeat">
+      <a:schemeClr val="dk1"/>
+    </dgm:txFillClrLst>
+    <dgm:txEffectClrLst/>
+  </dgm:styleLbl>
+  <dgm:styleLbl name="revTx">
+    <dgm:fillClrLst meth="repeat">
+      <a:schemeClr val="lt1">
+        <a:alpha val="0"/>
+      </a:schemeClr>
+    </dgm:fillClrLst>
+    <dgm:linClrLst meth="repeat">
+      <a:schemeClr val="dk1">
+        <a:alpha val="0"/>
+      </a:schemeClr>
+    </dgm:linClrLst>
+    <dgm:effectClrLst/>
+    <dgm:txLinClrLst/>
+    <dgm:txFillClrLst meth="repeat">
+      <a:schemeClr val="tx1"/>
+    </dgm:txFillClrLst>
+    <dgm:txEffectClrLst/>
+  </dgm:styleLbl>
+</dgm:colorsDef>
+</file>
+
+<file path=ppt/diagrams/data1.xml><?xml version="1.0" encoding="utf-8"?>
+<dgm:dataModel xmlns:dgm="http://schemas.openxmlformats.org/drawingml/2006/diagram" xmlns:a="http://schemas.openxmlformats.org/drawingml/2006/main">
+  <dgm:ptLst>
+    <dgm:pt modelId="{F840D18A-DB8F-45BD-A525-FE9AB2C5FA75}" type="doc">
+      <dgm:prSet loTypeId="urn:microsoft.com/office/officeart/2005/8/layout/hProcess10" loCatId="process" qsTypeId="urn:microsoft.com/office/officeart/2005/8/quickstyle/simple1" qsCatId="simple" csTypeId="urn:microsoft.com/office/officeart/2005/8/colors/accent1_2" csCatId="accent1" phldr="1"/>
+      <dgm:spPr/>
+      <dgm:t>
+        <a:bodyPr/>
+        <a:lstStyle/>
+        <a:p>
+          <a:endParaRPr lang="en-GB"/>
+        </a:p>
+      </dgm:t>
+    </dgm:pt>
+    <dgm:pt modelId="{FEAFA151-AA5F-4D9E-BF68-BCC11D25286A}">
+      <dgm:prSet phldrT="[Text]" phldr="1"/>
+      <dgm:spPr/>
+      <dgm:t>
+        <a:bodyPr/>
+        <a:lstStyle/>
+        <a:p>
+          <a:endParaRPr lang="en-GB"/>
+        </a:p>
+      </dgm:t>
+    </dgm:pt>
+    <dgm:pt modelId="{BF962742-0E06-49B1-B6A8-8F97BFB52190}" type="parTrans" cxnId="{4CA70C3B-EF48-4FAE-A9B3-5D289A5AB1C1}">
+      <dgm:prSet/>
+      <dgm:spPr/>
+      <dgm:t>
+        <a:bodyPr/>
+        <a:lstStyle/>
+        <a:p>
+          <a:endParaRPr lang="en-GB"/>
+        </a:p>
+      </dgm:t>
+    </dgm:pt>
+    <dgm:pt modelId="{9BA645D8-40E8-452C-9E41-5CB71B8A0B2F}" type="sibTrans" cxnId="{4CA70C3B-EF48-4FAE-A9B3-5D289A5AB1C1}">
+      <dgm:prSet/>
+      <dgm:spPr/>
+      <dgm:t>
+        <a:bodyPr/>
+        <a:lstStyle/>
+        <a:p>
+          <a:endParaRPr lang="en-GB"/>
+        </a:p>
+      </dgm:t>
+    </dgm:pt>
+    <dgm:pt modelId="{8F83A746-47E0-4A8A-AD67-46C582387F34}">
+      <dgm:prSet phldrT="[Text]" phldr="1"/>
+      <dgm:spPr/>
+      <dgm:t>
+        <a:bodyPr/>
+        <a:lstStyle/>
+        <a:p>
+          <a:endParaRPr lang="en-GB"/>
+        </a:p>
+      </dgm:t>
+    </dgm:pt>
+    <dgm:pt modelId="{C35AA551-6772-4A50-A391-51DD77FD5F5C}" type="parTrans" cxnId="{0F4A0D7C-8665-4544-B03D-31DB7D086992}">
+      <dgm:prSet/>
+      <dgm:spPr/>
+      <dgm:t>
+        <a:bodyPr/>
+        <a:lstStyle/>
+        <a:p>
+          <a:endParaRPr lang="en-GB"/>
+        </a:p>
+      </dgm:t>
+    </dgm:pt>
+    <dgm:pt modelId="{D553E4DA-3F25-4A11-AE18-3C93D9D46119}" type="sibTrans" cxnId="{0F4A0D7C-8665-4544-B03D-31DB7D086992}">
+      <dgm:prSet/>
+      <dgm:spPr/>
+      <dgm:t>
+        <a:bodyPr/>
+        <a:lstStyle/>
+        <a:p>
+          <a:endParaRPr lang="en-GB"/>
+        </a:p>
+      </dgm:t>
+    </dgm:pt>
+    <dgm:pt modelId="{D68DC5F1-8E8B-4B02-B446-A276B52E5980}">
+      <dgm:prSet phldrT="[Text]" phldr="1"/>
+      <dgm:spPr/>
+      <dgm:t>
+        <a:bodyPr/>
+        <a:lstStyle/>
+        <a:p>
+          <a:endParaRPr lang="en-GB"/>
+        </a:p>
+      </dgm:t>
+    </dgm:pt>
+    <dgm:pt modelId="{398936BE-5B50-43BD-99B0-B81C39D2F58A}" type="parTrans" cxnId="{0072CB71-62F4-476A-B375-7693B032A1BA}">
+      <dgm:prSet/>
+      <dgm:spPr/>
+      <dgm:t>
+        <a:bodyPr/>
+        <a:lstStyle/>
+        <a:p>
+          <a:endParaRPr lang="en-GB"/>
+        </a:p>
+      </dgm:t>
+    </dgm:pt>
+    <dgm:pt modelId="{3C658CBF-FBD6-43A7-A01E-816D005D60F3}" type="sibTrans" cxnId="{0072CB71-62F4-476A-B375-7693B032A1BA}">
+      <dgm:prSet/>
+      <dgm:spPr/>
+      <dgm:t>
+        <a:bodyPr/>
+        <a:lstStyle/>
+        <a:p>
+          <a:endParaRPr lang="en-GB"/>
+        </a:p>
+      </dgm:t>
+    </dgm:pt>
+    <dgm:pt modelId="{8FBA3BFB-5BC1-48BA-A5AF-4B5D48B24C13}">
+      <dgm:prSet phldrT="[Text]" phldr="1"/>
+      <dgm:spPr/>
+      <dgm:t>
+        <a:bodyPr/>
+        <a:lstStyle/>
+        <a:p>
+          <a:endParaRPr lang="en-GB"/>
+        </a:p>
+      </dgm:t>
+    </dgm:pt>
+    <dgm:pt modelId="{511B9D47-6BE6-4BA8-843E-B67B85BD2602}" type="parTrans" cxnId="{1B6611B0-2883-4184-AA16-6209726A8863}">
+      <dgm:prSet/>
+      <dgm:spPr/>
+      <dgm:t>
+        <a:bodyPr/>
+        <a:lstStyle/>
+        <a:p>
+          <a:endParaRPr lang="en-GB"/>
+        </a:p>
+      </dgm:t>
+    </dgm:pt>
+    <dgm:pt modelId="{E98FA9AA-BC64-4666-A81D-F2D562D48B92}" type="sibTrans" cxnId="{1B6611B0-2883-4184-AA16-6209726A8863}">
+      <dgm:prSet/>
+      <dgm:spPr/>
+      <dgm:t>
+        <a:bodyPr/>
+        <a:lstStyle/>
+        <a:p>
+          <a:endParaRPr lang="en-GB"/>
+        </a:p>
+      </dgm:t>
+    </dgm:pt>
+    <dgm:pt modelId="{FEB3F70D-6FA8-40B0-8B5B-57B8E4B0270A}">
+      <dgm:prSet phldrT="[Text]" phldr="1"/>
+      <dgm:spPr/>
+      <dgm:t>
+        <a:bodyPr/>
+        <a:lstStyle/>
+        <a:p>
+          <a:endParaRPr lang="en-GB"/>
+        </a:p>
+      </dgm:t>
+    </dgm:pt>
+    <dgm:pt modelId="{1ABDA1A8-90B4-4DE0-9F62-0C5B7F7E84C3}" type="parTrans" cxnId="{96F97CD1-2CD2-410F-B83E-CC4A2EA7EC2E}">
+      <dgm:prSet/>
+      <dgm:spPr/>
+      <dgm:t>
+        <a:bodyPr/>
+        <a:lstStyle/>
+        <a:p>
+          <a:endParaRPr lang="en-GB"/>
+        </a:p>
+      </dgm:t>
+    </dgm:pt>
+    <dgm:pt modelId="{35500B43-DBDB-4DA7-879E-C608F0B1C2DA}" type="sibTrans" cxnId="{96F97CD1-2CD2-410F-B83E-CC4A2EA7EC2E}">
+      <dgm:prSet/>
+      <dgm:spPr/>
+      <dgm:t>
+        <a:bodyPr/>
+        <a:lstStyle/>
+        <a:p>
+          <a:endParaRPr lang="en-GB"/>
+        </a:p>
+      </dgm:t>
+    </dgm:pt>
+    <dgm:pt modelId="{25F9421E-89B7-490B-BED0-C306F3CCC7FE}">
+      <dgm:prSet phldrT="[Text]" phldr="1"/>
+      <dgm:spPr/>
+      <dgm:t>
+        <a:bodyPr/>
+        <a:lstStyle/>
+        <a:p>
+          <a:endParaRPr lang="en-GB"/>
+        </a:p>
+      </dgm:t>
+    </dgm:pt>
+    <dgm:pt modelId="{E690CA32-C7A0-4A8E-9CF3-DB6ED9FAD884}" type="parTrans" cxnId="{905A820D-7632-4DD3-91D7-E1BB58DF0BE6}">
+      <dgm:prSet/>
+      <dgm:spPr/>
+      <dgm:t>
+        <a:bodyPr/>
+        <a:lstStyle/>
+        <a:p>
+          <a:endParaRPr lang="en-GB"/>
+        </a:p>
+      </dgm:t>
+    </dgm:pt>
+    <dgm:pt modelId="{DC59A459-BB62-449E-BEAA-D46E44B5CCC9}" type="sibTrans" cxnId="{905A820D-7632-4DD3-91D7-E1BB58DF0BE6}">
+      <dgm:prSet/>
+      <dgm:spPr/>
+      <dgm:t>
+        <a:bodyPr/>
+        <a:lstStyle/>
+        <a:p>
+          <a:endParaRPr lang="en-GB"/>
+        </a:p>
+      </dgm:t>
+    </dgm:pt>
+    <dgm:pt modelId="{BE77A8FF-055A-4C42-9C2A-8BC5108BF362}">
+      <dgm:prSet phldrT="[Text]" phldr="1"/>
+      <dgm:spPr/>
+      <dgm:t>
+        <a:bodyPr/>
+        <a:lstStyle/>
+        <a:p>
+          <a:endParaRPr lang="en-GB"/>
+        </a:p>
+      </dgm:t>
+    </dgm:pt>
+    <dgm:pt modelId="{0B1B6829-2773-4BD3-9FCA-2BAF30894763}" type="parTrans" cxnId="{BA87AF8C-1F32-40AC-AC45-E8219B7A0B50}">
+      <dgm:prSet/>
+      <dgm:spPr/>
+      <dgm:t>
+        <a:bodyPr/>
+        <a:lstStyle/>
+        <a:p>
+          <a:endParaRPr lang="en-GB"/>
+        </a:p>
+      </dgm:t>
+    </dgm:pt>
+    <dgm:pt modelId="{D3D5ADA9-9F2A-4CF1-B555-ADD4E61B11EB}" type="sibTrans" cxnId="{BA87AF8C-1F32-40AC-AC45-E8219B7A0B50}">
+      <dgm:prSet/>
+      <dgm:spPr/>
+      <dgm:t>
+        <a:bodyPr/>
+        <a:lstStyle/>
+        <a:p>
+          <a:endParaRPr lang="en-GB"/>
+        </a:p>
+      </dgm:t>
+    </dgm:pt>
+    <dgm:pt modelId="{41CFA2E3-218A-4D44-B960-127504A3A20A}">
+      <dgm:prSet phldrT="[Text]" phldr="1"/>
+      <dgm:spPr/>
+      <dgm:t>
+        <a:bodyPr/>
+        <a:lstStyle/>
+        <a:p>
+          <a:endParaRPr lang="en-GB"/>
+        </a:p>
+      </dgm:t>
+    </dgm:pt>
+    <dgm:pt modelId="{DD46CD6D-E057-46E7-BD22-7DC87252DBF8}" type="parTrans" cxnId="{74E793DE-6510-4FCB-8A4F-88E56D1BF58C}">
+      <dgm:prSet/>
+      <dgm:spPr/>
+      <dgm:t>
+        <a:bodyPr/>
+        <a:lstStyle/>
+        <a:p>
+          <a:endParaRPr lang="en-GB"/>
+        </a:p>
+      </dgm:t>
+    </dgm:pt>
+    <dgm:pt modelId="{B6408223-F1EC-4F3B-8CB2-A6752BDAC65C}" type="sibTrans" cxnId="{74E793DE-6510-4FCB-8A4F-88E56D1BF58C}">
+      <dgm:prSet/>
+      <dgm:spPr/>
+      <dgm:t>
+        <a:bodyPr/>
+        <a:lstStyle/>
+        <a:p>
+          <a:endParaRPr lang="en-GB"/>
+        </a:p>
+      </dgm:t>
+    </dgm:pt>
+    <dgm:pt modelId="{4675D8BF-7BDB-4F48-8B4B-282D6419AB6C}">
+      <dgm:prSet phldrT="[Text]" phldr="1"/>
+      <dgm:spPr/>
+      <dgm:t>
+        <a:bodyPr/>
+        <a:lstStyle/>
+        <a:p>
+          <a:endParaRPr lang="en-GB"/>
+        </a:p>
+      </dgm:t>
+    </dgm:pt>
+    <dgm:pt modelId="{AC6CD23A-BAB8-4852-B37A-E97F30A35CFD}" type="parTrans" cxnId="{E7263929-E5A1-45D0-9CD8-0B5D1B6C685D}">
+      <dgm:prSet/>
+      <dgm:spPr/>
+      <dgm:t>
+        <a:bodyPr/>
+        <a:lstStyle/>
+        <a:p>
+          <a:endParaRPr lang="en-GB"/>
+        </a:p>
+      </dgm:t>
+    </dgm:pt>
+    <dgm:pt modelId="{4F90520D-BB86-4277-84F2-BA6EA186EB44}" type="sibTrans" cxnId="{E7263929-E5A1-45D0-9CD8-0B5D1B6C685D}">
+      <dgm:prSet/>
+      <dgm:spPr/>
+      <dgm:t>
+        <a:bodyPr/>
+        <a:lstStyle/>
+        <a:p>
+          <a:endParaRPr lang="en-GB"/>
+        </a:p>
+      </dgm:t>
+    </dgm:pt>
+    <dgm:pt modelId="{A1C4335A-C28F-4A7D-99D2-D36B7D9146B9}">
+      <dgm:prSet/>
+      <dgm:spPr/>
+      <dgm:t>
+        <a:bodyPr/>
+        <a:lstStyle/>
+        <a:p>
+          <a:endParaRPr lang="en-GB"/>
+        </a:p>
+      </dgm:t>
+    </dgm:pt>
+    <dgm:pt modelId="{C6D0EA83-0775-4FDE-A5E8-290977916051}" type="parTrans" cxnId="{55945BD7-260E-4837-8913-BC36943F9011}">
+      <dgm:prSet/>
+      <dgm:spPr/>
+      <dgm:t>
+        <a:bodyPr/>
+        <a:lstStyle/>
+        <a:p>
+          <a:endParaRPr lang="en-GB"/>
+        </a:p>
+      </dgm:t>
+    </dgm:pt>
+    <dgm:pt modelId="{9D6D960F-A257-40DF-AA6F-51DECA1629AD}" type="sibTrans" cxnId="{55945BD7-260E-4837-8913-BC36943F9011}">
+      <dgm:prSet/>
+      <dgm:spPr/>
+      <dgm:t>
+        <a:bodyPr/>
+        <a:lstStyle/>
+        <a:p>
+          <a:endParaRPr lang="en-GB"/>
+        </a:p>
+      </dgm:t>
+    </dgm:pt>
+    <dgm:pt modelId="{42479007-1437-4D9C-BB1E-E3086D1B3144}" type="pres">
+      <dgm:prSet presAssocID="{F840D18A-DB8F-45BD-A525-FE9AB2C5FA75}" presName="Name0" presStyleCnt="0">
+        <dgm:presLayoutVars>
+          <dgm:dir/>
+          <dgm:resizeHandles val="exact"/>
+        </dgm:presLayoutVars>
+      </dgm:prSet>
+      <dgm:spPr/>
+    </dgm:pt>
+    <dgm:pt modelId="{43A6B8EF-5D76-4979-9E55-695B05FF4BD3}" type="pres">
+      <dgm:prSet presAssocID="{FEAFA151-AA5F-4D9E-BF68-BCC11D25286A}" presName="composite" presStyleCnt="0"/>
+      <dgm:spPr/>
+    </dgm:pt>
+    <dgm:pt modelId="{919DBF07-9854-4939-A7E3-3AFFC5F72AA9}" type="pres">
+      <dgm:prSet presAssocID="{FEAFA151-AA5F-4D9E-BF68-BCC11D25286A}" presName="imagSh" presStyleLbl="bgImgPlace1" presStyleIdx="0" presStyleCnt="4"/>
+      <dgm:spPr/>
+    </dgm:pt>
+    <dgm:pt modelId="{B64EA482-A059-4645-8ADA-818158A37841}" type="pres">
+      <dgm:prSet presAssocID="{FEAFA151-AA5F-4D9E-BF68-BCC11D25286A}" presName="txNode" presStyleLbl="node1" presStyleIdx="0" presStyleCnt="4">
+        <dgm:presLayoutVars>
+          <dgm:bulletEnabled val="1"/>
+        </dgm:presLayoutVars>
+      </dgm:prSet>
+      <dgm:spPr/>
+    </dgm:pt>
+    <dgm:pt modelId="{AAA5FD79-25A9-4F38-8435-3BD1E9B2411D}" type="pres">
+      <dgm:prSet presAssocID="{9BA645D8-40E8-452C-9E41-5CB71B8A0B2F}" presName="sibTrans" presStyleLbl="sibTrans2D1" presStyleIdx="0" presStyleCnt="3"/>
+      <dgm:spPr/>
+    </dgm:pt>
+    <dgm:pt modelId="{71DF4F4E-0A5E-4930-AADF-403250085289}" type="pres">
+      <dgm:prSet presAssocID="{9BA645D8-40E8-452C-9E41-5CB71B8A0B2F}" presName="connTx" presStyleLbl="sibTrans2D1" presStyleIdx="0" presStyleCnt="3"/>
+      <dgm:spPr/>
+    </dgm:pt>
+    <dgm:pt modelId="{8A88A6A4-5B8E-4A02-808B-4C8D9537D916}" type="pres">
+      <dgm:prSet presAssocID="{8FBA3BFB-5BC1-48BA-A5AF-4B5D48B24C13}" presName="composite" presStyleCnt="0"/>
+      <dgm:spPr/>
+    </dgm:pt>
+    <dgm:pt modelId="{8932E2CD-8678-4462-9A0B-340FE2EA6313}" type="pres">
+      <dgm:prSet presAssocID="{8FBA3BFB-5BC1-48BA-A5AF-4B5D48B24C13}" presName="imagSh" presStyleLbl="bgImgPlace1" presStyleIdx="1" presStyleCnt="4"/>
+      <dgm:spPr/>
+    </dgm:pt>
+    <dgm:pt modelId="{6334DC73-5A84-484E-9921-F17AECB83AF0}" type="pres">
+      <dgm:prSet presAssocID="{8FBA3BFB-5BC1-48BA-A5AF-4B5D48B24C13}" presName="txNode" presStyleLbl="node1" presStyleIdx="1" presStyleCnt="4">
+        <dgm:presLayoutVars>
+          <dgm:bulletEnabled val="1"/>
+        </dgm:presLayoutVars>
+      </dgm:prSet>
+      <dgm:spPr/>
+    </dgm:pt>
+    <dgm:pt modelId="{6730C3ED-7C70-43AB-91F5-B368C39F307C}" type="pres">
+      <dgm:prSet presAssocID="{E98FA9AA-BC64-4666-A81D-F2D562D48B92}" presName="sibTrans" presStyleLbl="sibTrans2D1" presStyleIdx="1" presStyleCnt="3"/>
+      <dgm:spPr/>
+    </dgm:pt>
+    <dgm:pt modelId="{CD5C7400-FE4D-4813-AFA7-2542C3A2AF54}" type="pres">
+      <dgm:prSet presAssocID="{E98FA9AA-BC64-4666-A81D-F2D562D48B92}" presName="connTx" presStyleLbl="sibTrans2D1" presStyleIdx="1" presStyleCnt="3"/>
+      <dgm:spPr/>
+    </dgm:pt>
+    <dgm:pt modelId="{7E0E5DB6-9BC8-4854-A890-B17A1EBC06C2}" type="pres">
+      <dgm:prSet presAssocID="{A1C4335A-C28F-4A7D-99D2-D36B7D9146B9}" presName="composite" presStyleCnt="0"/>
+      <dgm:spPr/>
+    </dgm:pt>
+    <dgm:pt modelId="{6521BAA6-E804-4566-BCC9-22293B805E9B}" type="pres">
+      <dgm:prSet presAssocID="{A1C4335A-C28F-4A7D-99D2-D36B7D9146B9}" presName="imagSh" presStyleLbl="bgImgPlace1" presStyleIdx="2" presStyleCnt="4"/>
+      <dgm:spPr/>
+    </dgm:pt>
+    <dgm:pt modelId="{09855CBB-55D4-4AB9-8BE5-4D6FE7E0A2FE}" type="pres">
+      <dgm:prSet presAssocID="{A1C4335A-C28F-4A7D-99D2-D36B7D9146B9}" presName="txNode" presStyleLbl="node1" presStyleIdx="2" presStyleCnt="4">
+        <dgm:presLayoutVars>
+          <dgm:bulletEnabled val="1"/>
+        </dgm:presLayoutVars>
+      </dgm:prSet>
+      <dgm:spPr/>
+    </dgm:pt>
+    <dgm:pt modelId="{68EC8E15-F804-4683-A9B5-7F752BA12C4D}" type="pres">
+      <dgm:prSet presAssocID="{9D6D960F-A257-40DF-AA6F-51DECA1629AD}" presName="sibTrans" presStyleLbl="sibTrans2D1" presStyleIdx="2" presStyleCnt="3"/>
+      <dgm:spPr/>
+    </dgm:pt>
+    <dgm:pt modelId="{BBD014B0-20F4-444B-9DCC-1851739BAE41}" type="pres">
+      <dgm:prSet presAssocID="{9D6D960F-A257-40DF-AA6F-51DECA1629AD}" presName="connTx" presStyleLbl="sibTrans2D1" presStyleIdx="2" presStyleCnt="3"/>
+      <dgm:spPr/>
+    </dgm:pt>
+    <dgm:pt modelId="{CD6B4A0A-05C1-4A1C-A6A5-C40EBB01EA8A}" type="pres">
+      <dgm:prSet presAssocID="{BE77A8FF-055A-4C42-9C2A-8BC5108BF362}" presName="composite" presStyleCnt="0"/>
+      <dgm:spPr/>
+    </dgm:pt>
+    <dgm:pt modelId="{0E1AC073-C895-4F1F-991F-55CAF645EE97}" type="pres">
+      <dgm:prSet presAssocID="{BE77A8FF-055A-4C42-9C2A-8BC5108BF362}" presName="imagSh" presStyleLbl="bgImgPlace1" presStyleIdx="3" presStyleCnt="4"/>
+      <dgm:spPr/>
+    </dgm:pt>
+    <dgm:pt modelId="{C3EB46E8-6FE8-4336-96BE-1BC917A90310}" type="pres">
+      <dgm:prSet presAssocID="{BE77A8FF-055A-4C42-9C2A-8BC5108BF362}" presName="txNode" presStyleLbl="node1" presStyleIdx="3" presStyleCnt="4">
+        <dgm:presLayoutVars>
+          <dgm:bulletEnabled val="1"/>
+        </dgm:presLayoutVars>
+      </dgm:prSet>
+      <dgm:spPr/>
+    </dgm:pt>
+  </dgm:ptLst>
+  <dgm:cxnLst>
+    <dgm:cxn modelId="{58490609-9C5C-44D0-8935-04AB759260DF}" type="presOf" srcId="{9BA645D8-40E8-452C-9E41-5CB71B8A0B2F}" destId="{71DF4F4E-0A5E-4930-AADF-403250085289}" srcOrd="1" destOrd="0" presId="urn:microsoft.com/office/officeart/2005/8/layout/hProcess10"/>
+    <dgm:cxn modelId="{905A820D-7632-4DD3-91D7-E1BB58DF0BE6}" srcId="{8FBA3BFB-5BC1-48BA-A5AF-4B5D48B24C13}" destId="{25F9421E-89B7-490B-BED0-C306F3CCC7FE}" srcOrd="1" destOrd="0" parTransId="{E690CA32-C7A0-4A8E-9CF3-DB6ED9FAD884}" sibTransId="{DC59A459-BB62-449E-BEAA-D46E44B5CCC9}"/>
+    <dgm:cxn modelId="{AFC1DE17-CC9C-45CE-B04D-9B8EDC4A8C81}" type="presOf" srcId="{9D6D960F-A257-40DF-AA6F-51DECA1629AD}" destId="{BBD014B0-20F4-444B-9DCC-1851739BAE41}" srcOrd="1" destOrd="0" presId="urn:microsoft.com/office/officeart/2005/8/layout/hProcess10"/>
+    <dgm:cxn modelId="{E7263929-E5A1-45D0-9CD8-0B5D1B6C685D}" srcId="{BE77A8FF-055A-4C42-9C2A-8BC5108BF362}" destId="{4675D8BF-7BDB-4F48-8B4B-282D6419AB6C}" srcOrd="1" destOrd="0" parTransId="{AC6CD23A-BAB8-4852-B37A-E97F30A35CFD}" sibTransId="{4F90520D-BB86-4277-84F2-BA6EA186EB44}"/>
+    <dgm:cxn modelId="{4CA70C3B-EF48-4FAE-A9B3-5D289A5AB1C1}" srcId="{F840D18A-DB8F-45BD-A525-FE9AB2C5FA75}" destId="{FEAFA151-AA5F-4D9E-BF68-BCC11D25286A}" srcOrd="0" destOrd="0" parTransId="{BF962742-0E06-49B1-B6A8-8F97BFB52190}" sibTransId="{9BA645D8-40E8-452C-9E41-5CB71B8A0B2F}"/>
+    <dgm:cxn modelId="{25D58F5C-065A-4940-869C-EB1349BB0EEB}" type="presOf" srcId="{E98FA9AA-BC64-4666-A81D-F2D562D48B92}" destId="{CD5C7400-FE4D-4813-AFA7-2542C3A2AF54}" srcOrd="1" destOrd="0" presId="urn:microsoft.com/office/officeart/2005/8/layout/hProcess10"/>
+    <dgm:cxn modelId="{7B195B4B-FE68-490D-B2F3-8D540833930E}" type="presOf" srcId="{4675D8BF-7BDB-4F48-8B4B-282D6419AB6C}" destId="{C3EB46E8-6FE8-4336-96BE-1BC917A90310}" srcOrd="0" destOrd="2" presId="urn:microsoft.com/office/officeart/2005/8/layout/hProcess10"/>
+    <dgm:cxn modelId="{E7BDA56D-C06E-4C37-94F1-5E523B656417}" type="presOf" srcId="{D68DC5F1-8E8B-4B02-B446-A276B52E5980}" destId="{B64EA482-A059-4645-8ADA-818158A37841}" srcOrd="0" destOrd="2" presId="urn:microsoft.com/office/officeart/2005/8/layout/hProcess10"/>
+    <dgm:cxn modelId="{0072CB71-62F4-476A-B375-7693B032A1BA}" srcId="{FEAFA151-AA5F-4D9E-BF68-BCC11D25286A}" destId="{D68DC5F1-8E8B-4B02-B446-A276B52E5980}" srcOrd="1" destOrd="0" parTransId="{398936BE-5B50-43BD-99B0-B81C39D2F58A}" sibTransId="{3C658CBF-FBD6-43A7-A01E-816D005D60F3}"/>
+    <dgm:cxn modelId="{BE387972-1933-405C-8C8C-0158D375D0C0}" type="presOf" srcId="{9BA645D8-40E8-452C-9E41-5CB71B8A0B2F}" destId="{AAA5FD79-25A9-4F38-8435-3BD1E9B2411D}" srcOrd="0" destOrd="0" presId="urn:microsoft.com/office/officeart/2005/8/layout/hProcess10"/>
+    <dgm:cxn modelId="{19F1A255-D3B1-4D5B-BB81-36613AFC5D63}" type="presOf" srcId="{FEAFA151-AA5F-4D9E-BF68-BCC11D25286A}" destId="{B64EA482-A059-4645-8ADA-818158A37841}" srcOrd="0" destOrd="0" presId="urn:microsoft.com/office/officeart/2005/8/layout/hProcess10"/>
+    <dgm:cxn modelId="{0F4A0D7C-8665-4544-B03D-31DB7D086992}" srcId="{FEAFA151-AA5F-4D9E-BF68-BCC11D25286A}" destId="{8F83A746-47E0-4A8A-AD67-46C582387F34}" srcOrd="0" destOrd="0" parTransId="{C35AA551-6772-4A50-A391-51DD77FD5F5C}" sibTransId="{D553E4DA-3F25-4A11-AE18-3C93D9D46119}"/>
+    <dgm:cxn modelId="{69A00589-BFB1-4B39-A5D9-CCE1D39C035B}" type="presOf" srcId="{9D6D960F-A257-40DF-AA6F-51DECA1629AD}" destId="{68EC8E15-F804-4683-A9B5-7F752BA12C4D}" srcOrd="0" destOrd="0" presId="urn:microsoft.com/office/officeart/2005/8/layout/hProcess10"/>
+    <dgm:cxn modelId="{BA87AF8C-1F32-40AC-AC45-E8219B7A0B50}" srcId="{F840D18A-DB8F-45BD-A525-FE9AB2C5FA75}" destId="{BE77A8FF-055A-4C42-9C2A-8BC5108BF362}" srcOrd="3" destOrd="0" parTransId="{0B1B6829-2773-4BD3-9FCA-2BAF30894763}" sibTransId="{D3D5ADA9-9F2A-4CF1-B555-ADD4E61B11EB}"/>
+    <dgm:cxn modelId="{849C868E-12D4-41E8-B6AC-B6C2E8EDFA65}" type="presOf" srcId="{F840D18A-DB8F-45BD-A525-FE9AB2C5FA75}" destId="{42479007-1437-4D9C-BB1E-E3086D1B3144}" srcOrd="0" destOrd="0" presId="urn:microsoft.com/office/officeart/2005/8/layout/hProcess10"/>
+    <dgm:cxn modelId="{64D25F93-5621-4ED1-869A-4253DB71EAE4}" type="presOf" srcId="{E98FA9AA-BC64-4666-A81D-F2D562D48B92}" destId="{6730C3ED-7C70-43AB-91F5-B368C39F307C}" srcOrd="0" destOrd="0" presId="urn:microsoft.com/office/officeart/2005/8/layout/hProcess10"/>
+    <dgm:cxn modelId="{ADDE17AE-A6D2-4C03-A3F0-E86AC25B4752}" type="presOf" srcId="{41CFA2E3-218A-4D44-B960-127504A3A20A}" destId="{C3EB46E8-6FE8-4336-96BE-1BC917A90310}" srcOrd="0" destOrd="1" presId="urn:microsoft.com/office/officeart/2005/8/layout/hProcess10"/>
+    <dgm:cxn modelId="{1B6611B0-2883-4184-AA16-6209726A8863}" srcId="{F840D18A-DB8F-45BD-A525-FE9AB2C5FA75}" destId="{8FBA3BFB-5BC1-48BA-A5AF-4B5D48B24C13}" srcOrd="1" destOrd="0" parTransId="{511B9D47-6BE6-4BA8-843E-B67B85BD2602}" sibTransId="{E98FA9AA-BC64-4666-A81D-F2D562D48B92}"/>
+    <dgm:cxn modelId="{24B0B8CC-0C91-4DC1-B5C9-3D2DA75E456C}" type="presOf" srcId="{FEB3F70D-6FA8-40B0-8B5B-57B8E4B0270A}" destId="{6334DC73-5A84-484E-9921-F17AECB83AF0}" srcOrd="0" destOrd="1" presId="urn:microsoft.com/office/officeart/2005/8/layout/hProcess10"/>
+    <dgm:cxn modelId="{96F97CD1-2CD2-410F-B83E-CC4A2EA7EC2E}" srcId="{8FBA3BFB-5BC1-48BA-A5AF-4B5D48B24C13}" destId="{FEB3F70D-6FA8-40B0-8B5B-57B8E4B0270A}" srcOrd="0" destOrd="0" parTransId="{1ABDA1A8-90B4-4DE0-9F62-0C5B7F7E84C3}" sibTransId="{35500B43-DBDB-4DA7-879E-C608F0B1C2DA}"/>
+    <dgm:cxn modelId="{55945BD7-260E-4837-8913-BC36943F9011}" srcId="{F840D18A-DB8F-45BD-A525-FE9AB2C5FA75}" destId="{A1C4335A-C28F-4A7D-99D2-D36B7D9146B9}" srcOrd="2" destOrd="0" parTransId="{C6D0EA83-0775-4FDE-A5E8-290977916051}" sibTransId="{9D6D960F-A257-40DF-AA6F-51DECA1629AD}"/>
+    <dgm:cxn modelId="{A20925DC-6A80-4353-B9E2-B97D42B4D7CE}" type="presOf" srcId="{8F83A746-47E0-4A8A-AD67-46C582387F34}" destId="{B64EA482-A059-4645-8ADA-818158A37841}" srcOrd="0" destOrd="1" presId="urn:microsoft.com/office/officeart/2005/8/layout/hProcess10"/>
+    <dgm:cxn modelId="{74E793DE-6510-4FCB-8A4F-88E56D1BF58C}" srcId="{BE77A8FF-055A-4C42-9C2A-8BC5108BF362}" destId="{41CFA2E3-218A-4D44-B960-127504A3A20A}" srcOrd="0" destOrd="0" parTransId="{DD46CD6D-E057-46E7-BD22-7DC87252DBF8}" sibTransId="{B6408223-F1EC-4F3B-8CB2-A6752BDAC65C}"/>
+    <dgm:cxn modelId="{39358EE6-E1C0-4681-82B4-9DB215AE811A}" type="presOf" srcId="{BE77A8FF-055A-4C42-9C2A-8BC5108BF362}" destId="{C3EB46E8-6FE8-4336-96BE-1BC917A90310}" srcOrd="0" destOrd="0" presId="urn:microsoft.com/office/officeart/2005/8/layout/hProcess10"/>
+    <dgm:cxn modelId="{55C926F7-7CD1-4B7E-BD5D-D432772D5BE3}" type="presOf" srcId="{8FBA3BFB-5BC1-48BA-A5AF-4B5D48B24C13}" destId="{6334DC73-5A84-484E-9921-F17AECB83AF0}" srcOrd="0" destOrd="0" presId="urn:microsoft.com/office/officeart/2005/8/layout/hProcess10"/>
+    <dgm:cxn modelId="{CE545BF7-DB93-4828-BC3D-390CFDAF9CBA}" type="presOf" srcId="{A1C4335A-C28F-4A7D-99D2-D36B7D9146B9}" destId="{09855CBB-55D4-4AB9-8BE5-4D6FE7E0A2FE}" srcOrd="0" destOrd="0" presId="urn:microsoft.com/office/officeart/2005/8/layout/hProcess10"/>
+    <dgm:cxn modelId="{91FD07FD-8AC8-4FB8-9300-29A8A56CF53D}" type="presOf" srcId="{25F9421E-89B7-490B-BED0-C306F3CCC7FE}" destId="{6334DC73-5A84-484E-9921-F17AECB83AF0}" srcOrd="0" destOrd="2" presId="urn:microsoft.com/office/officeart/2005/8/layout/hProcess10"/>
+    <dgm:cxn modelId="{2311DFBC-980D-41C5-A0EB-9D1C8B4A1242}" type="presParOf" srcId="{42479007-1437-4D9C-BB1E-E3086D1B3144}" destId="{43A6B8EF-5D76-4979-9E55-695B05FF4BD3}" srcOrd="0" destOrd="0" presId="urn:microsoft.com/office/officeart/2005/8/layout/hProcess10"/>
+    <dgm:cxn modelId="{6361C8CF-270D-409C-8E78-8C8B835071C7}" type="presParOf" srcId="{43A6B8EF-5D76-4979-9E55-695B05FF4BD3}" destId="{919DBF07-9854-4939-A7E3-3AFFC5F72AA9}" srcOrd="0" destOrd="0" presId="urn:microsoft.com/office/officeart/2005/8/layout/hProcess10"/>
+    <dgm:cxn modelId="{C97F1F87-A7E8-49E0-827D-B6D7820026AE}" type="presParOf" srcId="{43A6B8EF-5D76-4979-9E55-695B05FF4BD3}" destId="{B64EA482-A059-4645-8ADA-818158A37841}" srcOrd="1" destOrd="0" presId="urn:microsoft.com/office/officeart/2005/8/layout/hProcess10"/>
+    <dgm:cxn modelId="{A82991BE-8C29-4267-8572-E06958D921F6}" type="presParOf" srcId="{42479007-1437-4D9C-BB1E-E3086D1B3144}" destId="{AAA5FD79-25A9-4F38-8435-3BD1E9B2411D}" srcOrd="1" destOrd="0" presId="urn:microsoft.com/office/officeart/2005/8/layout/hProcess10"/>
+    <dgm:cxn modelId="{B5805E33-F6A8-433B-98B5-60ECC1C59880}" type="presParOf" srcId="{AAA5FD79-25A9-4F38-8435-3BD1E9B2411D}" destId="{71DF4F4E-0A5E-4930-AADF-403250085289}" srcOrd="0" destOrd="0" presId="urn:microsoft.com/office/officeart/2005/8/layout/hProcess10"/>
+    <dgm:cxn modelId="{D9F31F00-A406-4D4A-B30A-119E7C004261}" type="presParOf" srcId="{42479007-1437-4D9C-BB1E-E3086D1B3144}" destId="{8A88A6A4-5B8E-4A02-808B-4C8D9537D916}" srcOrd="2" destOrd="0" presId="urn:microsoft.com/office/officeart/2005/8/layout/hProcess10"/>
+    <dgm:cxn modelId="{7F8B761F-D433-4DEB-9C46-9F0AAEC587EB}" type="presParOf" srcId="{8A88A6A4-5B8E-4A02-808B-4C8D9537D916}" destId="{8932E2CD-8678-4462-9A0B-340FE2EA6313}" srcOrd="0" destOrd="0" presId="urn:microsoft.com/office/officeart/2005/8/layout/hProcess10"/>
+    <dgm:cxn modelId="{462892E9-C041-4E82-83F8-D143D74127C3}" type="presParOf" srcId="{8A88A6A4-5B8E-4A02-808B-4C8D9537D916}" destId="{6334DC73-5A84-484E-9921-F17AECB83AF0}" srcOrd="1" destOrd="0" presId="urn:microsoft.com/office/officeart/2005/8/layout/hProcess10"/>
+    <dgm:cxn modelId="{5FDE89CA-A135-4D8F-AB89-207A642632CB}" type="presParOf" srcId="{42479007-1437-4D9C-BB1E-E3086D1B3144}" destId="{6730C3ED-7C70-43AB-91F5-B368C39F307C}" srcOrd="3" destOrd="0" presId="urn:microsoft.com/office/officeart/2005/8/layout/hProcess10"/>
+    <dgm:cxn modelId="{BAAF4B96-A7F1-4564-9BC3-C58B4BB97371}" type="presParOf" srcId="{6730C3ED-7C70-43AB-91F5-B368C39F307C}" destId="{CD5C7400-FE4D-4813-AFA7-2542C3A2AF54}" srcOrd="0" destOrd="0" presId="urn:microsoft.com/office/officeart/2005/8/layout/hProcess10"/>
+    <dgm:cxn modelId="{4384F5F9-7FE0-488B-89DC-15DCB12EFEF4}" type="presParOf" srcId="{42479007-1437-4D9C-BB1E-E3086D1B3144}" destId="{7E0E5DB6-9BC8-4854-A890-B17A1EBC06C2}" srcOrd="4" destOrd="0" presId="urn:microsoft.com/office/officeart/2005/8/layout/hProcess10"/>
+    <dgm:cxn modelId="{18B79A37-404C-4C84-91B0-4DE92FCCA85E}" type="presParOf" srcId="{7E0E5DB6-9BC8-4854-A890-B17A1EBC06C2}" destId="{6521BAA6-E804-4566-BCC9-22293B805E9B}" srcOrd="0" destOrd="0" presId="urn:microsoft.com/office/officeart/2005/8/layout/hProcess10"/>
+    <dgm:cxn modelId="{1F655410-6F81-4100-A371-6D2F5B1C54F7}" type="presParOf" srcId="{7E0E5DB6-9BC8-4854-A890-B17A1EBC06C2}" destId="{09855CBB-55D4-4AB9-8BE5-4D6FE7E0A2FE}" srcOrd="1" destOrd="0" presId="urn:microsoft.com/office/officeart/2005/8/layout/hProcess10"/>
+    <dgm:cxn modelId="{23430CBE-32DF-4E8C-BBAD-41804E918F49}" type="presParOf" srcId="{42479007-1437-4D9C-BB1E-E3086D1B3144}" destId="{68EC8E15-F804-4683-A9B5-7F752BA12C4D}" srcOrd="5" destOrd="0" presId="urn:microsoft.com/office/officeart/2005/8/layout/hProcess10"/>
+    <dgm:cxn modelId="{42AAAC34-6369-4D13-ABF4-D95C61A61077}" type="presParOf" srcId="{68EC8E15-F804-4683-A9B5-7F752BA12C4D}" destId="{BBD014B0-20F4-444B-9DCC-1851739BAE41}" srcOrd="0" destOrd="0" presId="urn:microsoft.com/office/officeart/2005/8/layout/hProcess10"/>
+    <dgm:cxn modelId="{D7C625F4-08D3-4866-A487-E4D0A1682F28}" type="presParOf" srcId="{42479007-1437-4D9C-BB1E-E3086D1B3144}" destId="{CD6B4A0A-05C1-4A1C-A6A5-C40EBB01EA8A}" srcOrd="6" destOrd="0" presId="urn:microsoft.com/office/officeart/2005/8/layout/hProcess10"/>
+    <dgm:cxn modelId="{4188E8F5-BD9D-4DDA-806C-5DA77B03BAB5}" type="presParOf" srcId="{CD6B4A0A-05C1-4A1C-A6A5-C40EBB01EA8A}" destId="{0E1AC073-C895-4F1F-991F-55CAF645EE97}" srcOrd="0" destOrd="0" presId="urn:microsoft.com/office/officeart/2005/8/layout/hProcess10"/>
+    <dgm:cxn modelId="{364147BB-BA07-4473-861A-D16DD620A494}" type="presParOf" srcId="{CD6B4A0A-05C1-4A1C-A6A5-C40EBB01EA8A}" destId="{C3EB46E8-6FE8-4336-96BE-1BC917A90310}" srcOrd="1" destOrd="0" presId="urn:microsoft.com/office/officeart/2005/8/layout/hProcess10"/>
+  </dgm:cxnLst>
+  <dgm:bg/>
+  <dgm:whole/>
+  <dgm:extLst>
+    <a:ext uri="http://schemas.microsoft.com/office/drawing/2008/diagram">
+      <dsp:dataModelExt xmlns:dsp="http://schemas.microsoft.com/office/drawing/2008/diagram" relId="rId7" minVer="http://schemas.openxmlformats.org/drawingml/2006/diagram"/>
+    </a:ext>
+    <a:ext uri="{C62137D5-CB1D-491B-B009-E17868A290BF}">
+      <dgm14:recolorImg xmlns:dgm14="http://schemas.microsoft.com/office/drawing/2010/diagram" val="1"/>
+    </a:ext>
+  </dgm:extLst>
+</dgm:dataModel>
+</file>
+
+<file path=ppt/diagrams/drawing1.xml><?xml version="1.0" encoding="utf-8"?>
+<dsp:drawing xmlns:dgm="http://schemas.openxmlformats.org/drawingml/2006/diagram" xmlns:dsp="http://schemas.microsoft.com/office/drawing/2008/diagram" xmlns:a="http://schemas.openxmlformats.org/drawingml/2006/main">
+  <dsp:spTree>
+    <dsp:nvGrpSpPr>
+      <dsp:cNvPr id="0" name=""/>
+      <dsp:cNvGrpSpPr/>
+    </dsp:nvGrpSpPr>
+    <dsp:grpSpPr/>
+    <dsp:sp modelId="{919DBF07-9854-4939-A7E3-3AFFC5F72AA9}">
+      <dsp:nvSpPr>
+        <dsp:cNvPr id="0" name=""/>
+        <dsp:cNvSpPr/>
+      </dsp:nvSpPr>
+      <dsp:spPr>
+        <a:xfrm>
+          <a:off x="1073" y="1591193"/>
+          <a:ext cx="1397674" cy="1397674"/>
+        </a:xfrm>
+        <a:prstGeom prst="roundRect">
+          <a:avLst>
+            <a:gd name="adj" fmla="val 10000"/>
+          </a:avLst>
+        </a:prstGeom>
+        <a:solidFill>
+          <a:schemeClr val="accent1">
+            <a:tint val="50000"/>
+            <a:hueOff val="0"/>
+            <a:satOff val="0"/>
+            <a:lumOff val="0"/>
+            <a:alphaOff val="0"/>
+          </a:schemeClr>
+        </a:solidFill>
+        <a:ln w="12700" cap="flat" cmpd="sng" algn="ctr">
+          <a:solidFill>
+            <a:schemeClr val="lt1">
+              <a:hueOff val="0"/>
+              <a:satOff val="0"/>
+              <a:lumOff val="0"/>
+              <a:alphaOff val="0"/>
+            </a:schemeClr>
+          </a:solidFill>
+          <a:prstDash val="solid"/>
+          <a:miter lim="800000"/>
+        </a:ln>
+        <a:effectLst/>
+      </dsp:spPr>
+      <dsp:style>
+        <a:lnRef idx="2">
+          <a:scrgbClr r="0" g="0" b="0"/>
+        </a:lnRef>
+        <a:fillRef idx="1">
+          <a:scrgbClr r="0" g="0" b="0"/>
+        </a:fillRef>
+        <a:effectRef idx="0">
+          <a:scrgbClr r="0" g="0" b="0"/>
+        </a:effectRef>
+        <a:fontRef idx="minor"/>
+      </dsp:style>
+    </dsp:sp>
+    <dsp:sp modelId="{B64EA482-A059-4645-8ADA-818158A37841}">
+      <dsp:nvSpPr>
+        <dsp:cNvPr id="0" name=""/>
+        <dsp:cNvSpPr/>
+      </dsp:nvSpPr>
+      <dsp:spPr>
+        <a:xfrm>
+          <a:off x="228601" y="2429798"/>
+          <a:ext cx="1397674" cy="1397674"/>
+        </a:xfrm>
+        <a:prstGeom prst="roundRect">
+          <a:avLst>
+            <a:gd name="adj" fmla="val 10000"/>
+          </a:avLst>
+        </a:prstGeom>
+        <a:solidFill>
+          <a:schemeClr val="accent1">
+            <a:hueOff val="0"/>
+            <a:satOff val="0"/>
+            <a:lumOff val="0"/>
+            <a:alphaOff val="0"/>
+          </a:schemeClr>
+        </a:solidFill>
+        <a:ln w="12700" cap="flat" cmpd="sng" algn="ctr">
+          <a:solidFill>
+            <a:schemeClr val="lt1">
+              <a:hueOff val="0"/>
+              <a:satOff val="0"/>
+              <a:lumOff val="0"/>
+              <a:alphaOff val="0"/>
+            </a:schemeClr>
+          </a:solidFill>
+          <a:prstDash val="solid"/>
+          <a:miter lim="800000"/>
+        </a:ln>
+        <a:effectLst/>
+      </dsp:spPr>
+      <dsp:style>
+        <a:lnRef idx="2">
+          <a:scrgbClr r="0" g="0" b="0"/>
+        </a:lnRef>
+        <a:fillRef idx="1">
+          <a:scrgbClr r="0" g="0" b="0"/>
+        </a:fillRef>
+        <a:effectRef idx="0">
+          <a:scrgbClr r="0" g="0" b="0"/>
+        </a:effectRef>
+        <a:fontRef idx="minor">
+          <a:schemeClr val="lt1"/>
+        </a:fontRef>
+      </dsp:style>
+      <dsp:txBody>
+        <a:bodyPr spcFirstLastPara="0" vert="horz" wrap="square" lIns="99060" tIns="99060" rIns="99060" bIns="99060" numCol="1" spcCol="1270" anchor="t" anchorCtr="0">
+          <a:noAutofit/>
+        </a:bodyPr>
+        <a:lstStyle/>
+        <a:p>
+          <a:pPr marL="0" lvl="0" indent="0" algn="l" defTabSz="1155700">
+            <a:lnSpc>
+              <a:spcPct val="90000"/>
+            </a:lnSpc>
+            <a:spcBef>
+              <a:spcPct val="0"/>
+            </a:spcBef>
+            <a:spcAft>
+              <a:spcPct val="35000"/>
+            </a:spcAft>
+            <a:buNone/>
+          </a:pPr>
+          <a:endParaRPr lang="en-GB" sz="2600" kern="1200"/>
+        </a:p>
+        <a:p>
+          <a:pPr marL="228600" lvl="1" indent="-228600" algn="l" defTabSz="889000">
+            <a:lnSpc>
+              <a:spcPct val="90000"/>
+            </a:lnSpc>
+            <a:spcBef>
+              <a:spcPct val="0"/>
+            </a:spcBef>
+            <a:spcAft>
+              <a:spcPct val="15000"/>
+            </a:spcAft>
+            <a:buChar char="•"/>
+          </a:pPr>
+          <a:endParaRPr lang="en-GB" sz="2000" kern="1200"/>
+        </a:p>
+        <a:p>
+          <a:pPr marL="228600" lvl="1" indent="-228600" algn="l" defTabSz="889000">
+            <a:lnSpc>
+              <a:spcPct val="90000"/>
+            </a:lnSpc>
+            <a:spcBef>
+              <a:spcPct val="0"/>
+            </a:spcBef>
+            <a:spcAft>
+              <a:spcPct val="15000"/>
+            </a:spcAft>
+            <a:buChar char="•"/>
+          </a:pPr>
+          <a:endParaRPr lang="en-GB" sz="2000" kern="1200"/>
+        </a:p>
+      </dsp:txBody>
+      <dsp:txXfrm>
+        <a:off x="269537" y="2470734"/>
+        <a:ext cx="1315802" cy="1315802"/>
+      </dsp:txXfrm>
+    </dsp:sp>
+    <dsp:sp modelId="{AAA5FD79-25A9-4F38-8435-3BD1E9B2411D}">
+      <dsp:nvSpPr>
+        <dsp:cNvPr id="0" name=""/>
+        <dsp:cNvSpPr/>
+      </dsp:nvSpPr>
+      <dsp:spPr>
+        <a:xfrm>
+          <a:off x="1667971" y="2122110"/>
+          <a:ext cx="269223" cy="335841"/>
+        </a:xfrm>
+        <a:prstGeom prst="rightArrow">
+          <a:avLst>
+            <a:gd name="adj1" fmla="val 60000"/>
+            <a:gd name="adj2" fmla="val 50000"/>
+          </a:avLst>
+        </a:prstGeom>
+        <a:solidFill>
+          <a:schemeClr val="accent1">
+            <a:tint val="60000"/>
+            <a:hueOff val="0"/>
+            <a:satOff val="0"/>
+            <a:lumOff val="0"/>
+            <a:alphaOff val="0"/>
+          </a:schemeClr>
+        </a:solidFill>
+        <a:ln>
+          <a:noFill/>
+        </a:ln>
+        <a:effectLst/>
+      </dsp:spPr>
+      <dsp:style>
+        <a:lnRef idx="0">
+          <a:scrgbClr r="0" g="0" b="0"/>
+        </a:lnRef>
+        <a:fillRef idx="1">
+          <a:scrgbClr r="0" g="0" b="0"/>
+        </a:fillRef>
+        <a:effectRef idx="0">
+          <a:scrgbClr r="0" g="0" b="0"/>
+        </a:effectRef>
+        <a:fontRef idx="minor">
+          <a:schemeClr val="lt1"/>
+        </a:fontRef>
+      </dsp:style>
+      <dsp:txBody>
+        <a:bodyPr spcFirstLastPara="0" vert="horz" wrap="square" lIns="0" tIns="0" rIns="0" bIns="0" numCol="1" spcCol="1270" anchor="ctr" anchorCtr="0">
+          <a:noAutofit/>
+        </a:bodyPr>
+        <a:lstStyle/>
+        <a:p>
+          <a:pPr marL="0" lvl="0" indent="0" algn="ctr" defTabSz="622300">
+            <a:lnSpc>
+              <a:spcPct val="90000"/>
+            </a:lnSpc>
+            <a:spcBef>
+              <a:spcPct val="0"/>
+            </a:spcBef>
+            <a:spcAft>
+              <a:spcPct val="35000"/>
+            </a:spcAft>
+            <a:buNone/>
+          </a:pPr>
+          <a:endParaRPr lang="en-GB" sz="1400" kern="1200"/>
+        </a:p>
+      </dsp:txBody>
+      <dsp:txXfrm>
+        <a:off x="1667971" y="2189278"/>
+        <a:ext cx="188456" cy="201505"/>
+      </dsp:txXfrm>
+    </dsp:sp>
+    <dsp:sp modelId="{8932E2CD-8678-4462-9A0B-340FE2EA6313}">
+      <dsp:nvSpPr>
+        <dsp:cNvPr id="0" name=""/>
+        <dsp:cNvSpPr/>
+      </dsp:nvSpPr>
+      <dsp:spPr>
+        <a:xfrm>
+          <a:off x="2167956" y="1591193"/>
+          <a:ext cx="1397674" cy="1397674"/>
+        </a:xfrm>
+        <a:prstGeom prst="roundRect">
+          <a:avLst>
+            <a:gd name="adj" fmla="val 10000"/>
+          </a:avLst>
+        </a:prstGeom>
+        <a:solidFill>
+          <a:schemeClr val="accent1">
+            <a:tint val="50000"/>
+            <a:hueOff val="0"/>
+            <a:satOff val="0"/>
+            <a:lumOff val="0"/>
+            <a:alphaOff val="0"/>
+          </a:schemeClr>
+        </a:solidFill>
+        <a:ln w="12700" cap="flat" cmpd="sng" algn="ctr">
+          <a:solidFill>
+            <a:schemeClr val="lt1">
+              <a:hueOff val="0"/>
+              <a:satOff val="0"/>
+              <a:lumOff val="0"/>
+              <a:alphaOff val="0"/>
+            </a:schemeClr>
+          </a:solidFill>
+          <a:prstDash val="solid"/>
+          <a:miter lim="800000"/>
+        </a:ln>
+        <a:effectLst/>
+      </dsp:spPr>
+      <dsp:style>
+        <a:lnRef idx="2">
+          <a:scrgbClr r="0" g="0" b="0"/>
+        </a:lnRef>
+        <a:fillRef idx="1">
+          <a:scrgbClr r="0" g="0" b="0"/>
+        </a:fillRef>
+        <a:effectRef idx="0">
+          <a:scrgbClr r="0" g="0" b="0"/>
+        </a:effectRef>
+        <a:fontRef idx="minor"/>
+      </dsp:style>
+    </dsp:sp>
+    <dsp:sp modelId="{6334DC73-5A84-484E-9921-F17AECB83AF0}">
+      <dsp:nvSpPr>
+        <dsp:cNvPr id="0" name=""/>
+        <dsp:cNvSpPr/>
+      </dsp:nvSpPr>
+      <dsp:spPr>
+        <a:xfrm>
+          <a:off x="2395485" y="2429798"/>
+          <a:ext cx="1397674" cy="1397674"/>
+        </a:xfrm>
+        <a:prstGeom prst="roundRect">
+          <a:avLst>
+            <a:gd name="adj" fmla="val 10000"/>
+          </a:avLst>
+        </a:prstGeom>
+        <a:solidFill>
+          <a:schemeClr val="accent1">
+            <a:hueOff val="0"/>
+            <a:satOff val="0"/>
+            <a:lumOff val="0"/>
+            <a:alphaOff val="0"/>
+          </a:schemeClr>
+        </a:solidFill>
+        <a:ln w="12700" cap="flat" cmpd="sng" algn="ctr">
+          <a:solidFill>
+            <a:schemeClr val="lt1">
+              <a:hueOff val="0"/>
+              <a:satOff val="0"/>
+              <a:lumOff val="0"/>
+              <a:alphaOff val="0"/>
+            </a:schemeClr>
+          </a:solidFill>
+          <a:prstDash val="solid"/>
+          <a:miter lim="800000"/>
+        </a:ln>
+        <a:effectLst/>
+      </dsp:spPr>
+      <dsp:style>
+        <a:lnRef idx="2">
+          <a:scrgbClr r="0" g="0" b="0"/>
+        </a:lnRef>
+        <a:fillRef idx="1">
+          <a:scrgbClr r="0" g="0" b="0"/>
+        </a:fillRef>
+        <a:effectRef idx="0">
+          <a:scrgbClr r="0" g="0" b="0"/>
+        </a:effectRef>
+        <a:fontRef idx="minor">
+          <a:schemeClr val="lt1"/>
+        </a:fontRef>
+      </dsp:style>
+      <dsp:txBody>
+        <a:bodyPr spcFirstLastPara="0" vert="horz" wrap="square" lIns="99060" tIns="99060" rIns="99060" bIns="99060" numCol="1" spcCol="1270" anchor="t" anchorCtr="0">
+          <a:noAutofit/>
+        </a:bodyPr>
+        <a:lstStyle/>
+        <a:p>
+          <a:pPr marL="0" lvl="0" indent="0" algn="l" defTabSz="1155700">
+            <a:lnSpc>
+              <a:spcPct val="90000"/>
+            </a:lnSpc>
+            <a:spcBef>
+              <a:spcPct val="0"/>
+            </a:spcBef>
+            <a:spcAft>
+              <a:spcPct val="35000"/>
+            </a:spcAft>
+            <a:buNone/>
+          </a:pPr>
+          <a:endParaRPr lang="en-GB" sz="2600" kern="1200"/>
+        </a:p>
+        <a:p>
+          <a:pPr marL="228600" lvl="1" indent="-228600" algn="l" defTabSz="889000">
+            <a:lnSpc>
+              <a:spcPct val="90000"/>
+            </a:lnSpc>
+            <a:spcBef>
+              <a:spcPct val="0"/>
+            </a:spcBef>
+            <a:spcAft>
+              <a:spcPct val="15000"/>
+            </a:spcAft>
+            <a:buChar char="•"/>
+          </a:pPr>
+          <a:endParaRPr lang="en-GB" sz="2000" kern="1200"/>
+        </a:p>
+        <a:p>
+          <a:pPr marL="228600" lvl="1" indent="-228600" algn="l" defTabSz="889000">
+            <a:lnSpc>
+              <a:spcPct val="90000"/>
+            </a:lnSpc>
+            <a:spcBef>
+              <a:spcPct val="0"/>
+            </a:spcBef>
+            <a:spcAft>
+              <a:spcPct val="15000"/>
+            </a:spcAft>
+            <a:buChar char="•"/>
+          </a:pPr>
+          <a:endParaRPr lang="en-GB" sz="2000" kern="1200"/>
+        </a:p>
+      </dsp:txBody>
+      <dsp:txXfrm>
+        <a:off x="2436421" y="2470734"/>
+        <a:ext cx="1315802" cy="1315802"/>
+      </dsp:txXfrm>
+    </dsp:sp>
+    <dsp:sp modelId="{6730C3ED-7C70-43AB-91F5-B368C39F307C}">
+      <dsp:nvSpPr>
+        <dsp:cNvPr id="0" name=""/>
+        <dsp:cNvSpPr/>
+      </dsp:nvSpPr>
+      <dsp:spPr>
+        <a:xfrm>
+          <a:off x="3834854" y="2122110"/>
+          <a:ext cx="269223" cy="335841"/>
+        </a:xfrm>
+        <a:prstGeom prst="rightArrow">
+          <a:avLst>
+            <a:gd name="adj1" fmla="val 60000"/>
+            <a:gd name="adj2" fmla="val 50000"/>
+          </a:avLst>
+        </a:prstGeom>
+        <a:solidFill>
+          <a:schemeClr val="accent1">
+            <a:tint val="60000"/>
+            <a:hueOff val="0"/>
+            <a:satOff val="0"/>
+            <a:lumOff val="0"/>
+            <a:alphaOff val="0"/>
+          </a:schemeClr>
+        </a:solidFill>
+        <a:ln>
+          <a:noFill/>
+        </a:ln>
+        <a:effectLst/>
+      </dsp:spPr>
+      <dsp:style>
+        <a:lnRef idx="0">
+          <a:scrgbClr r="0" g="0" b="0"/>
+        </a:lnRef>
+        <a:fillRef idx="1">
+          <a:scrgbClr r="0" g="0" b="0"/>
+        </a:fillRef>
+        <a:effectRef idx="0">
+          <a:scrgbClr r="0" g="0" b="0"/>
+        </a:effectRef>
+        <a:fontRef idx="minor">
+          <a:schemeClr val="lt1"/>
+        </a:fontRef>
+      </dsp:style>
+      <dsp:txBody>
+        <a:bodyPr spcFirstLastPara="0" vert="horz" wrap="square" lIns="0" tIns="0" rIns="0" bIns="0" numCol="1" spcCol="1270" anchor="ctr" anchorCtr="0">
+          <a:noAutofit/>
+        </a:bodyPr>
+        <a:lstStyle/>
+        <a:p>
+          <a:pPr marL="0" lvl="0" indent="0" algn="ctr" defTabSz="622300">
+            <a:lnSpc>
+              <a:spcPct val="90000"/>
+            </a:lnSpc>
+            <a:spcBef>
+              <a:spcPct val="0"/>
+            </a:spcBef>
+            <a:spcAft>
+              <a:spcPct val="35000"/>
+            </a:spcAft>
+            <a:buNone/>
+          </a:pPr>
+          <a:endParaRPr lang="en-GB" sz="1400" kern="1200"/>
+        </a:p>
+      </dsp:txBody>
+      <dsp:txXfrm>
+        <a:off x="3834854" y="2189278"/>
+        <a:ext cx="188456" cy="201505"/>
+      </dsp:txXfrm>
+    </dsp:sp>
+    <dsp:sp modelId="{6521BAA6-E804-4566-BCC9-22293B805E9B}">
+      <dsp:nvSpPr>
+        <dsp:cNvPr id="0" name=""/>
+        <dsp:cNvSpPr/>
+      </dsp:nvSpPr>
+      <dsp:spPr>
+        <a:xfrm>
+          <a:off x="4334840" y="1591193"/>
+          <a:ext cx="1397674" cy="1397674"/>
+        </a:xfrm>
+        <a:prstGeom prst="roundRect">
+          <a:avLst>
+            <a:gd name="adj" fmla="val 10000"/>
+          </a:avLst>
+        </a:prstGeom>
+        <a:solidFill>
+          <a:schemeClr val="accent1">
+            <a:tint val="50000"/>
+            <a:hueOff val="0"/>
+            <a:satOff val="0"/>
+            <a:lumOff val="0"/>
+            <a:alphaOff val="0"/>
+          </a:schemeClr>
+        </a:solidFill>
+        <a:ln w="12700" cap="flat" cmpd="sng" algn="ctr">
+          <a:solidFill>
+            <a:schemeClr val="lt1">
+              <a:hueOff val="0"/>
+              <a:satOff val="0"/>
+              <a:lumOff val="0"/>
+              <a:alphaOff val="0"/>
+            </a:schemeClr>
+          </a:solidFill>
+          <a:prstDash val="solid"/>
+          <a:miter lim="800000"/>
+        </a:ln>
+        <a:effectLst/>
+      </dsp:spPr>
+      <dsp:style>
+        <a:lnRef idx="2">
+          <a:scrgbClr r="0" g="0" b="0"/>
+        </a:lnRef>
+        <a:fillRef idx="1">
+          <a:scrgbClr r="0" g="0" b="0"/>
+        </a:fillRef>
+        <a:effectRef idx="0">
+          <a:scrgbClr r="0" g="0" b="0"/>
+        </a:effectRef>
+        <a:fontRef idx="minor"/>
+      </dsp:style>
+    </dsp:sp>
+    <dsp:sp modelId="{09855CBB-55D4-4AB9-8BE5-4D6FE7E0A2FE}">
+      <dsp:nvSpPr>
+        <dsp:cNvPr id="0" name=""/>
+        <dsp:cNvSpPr/>
+      </dsp:nvSpPr>
+      <dsp:spPr>
+        <a:xfrm>
+          <a:off x="4562368" y="2429798"/>
+          <a:ext cx="1397674" cy="1397674"/>
+        </a:xfrm>
+        <a:prstGeom prst="roundRect">
+          <a:avLst>
+            <a:gd name="adj" fmla="val 10000"/>
+          </a:avLst>
+        </a:prstGeom>
+        <a:solidFill>
+          <a:schemeClr val="accent1">
+            <a:hueOff val="0"/>
+            <a:satOff val="0"/>
+            <a:lumOff val="0"/>
+            <a:alphaOff val="0"/>
+          </a:schemeClr>
+        </a:solidFill>
+        <a:ln w="12700" cap="flat" cmpd="sng" algn="ctr">
+          <a:solidFill>
+            <a:schemeClr val="lt1">
+              <a:hueOff val="0"/>
+              <a:satOff val="0"/>
+              <a:lumOff val="0"/>
+              <a:alphaOff val="0"/>
+            </a:schemeClr>
+          </a:solidFill>
+          <a:prstDash val="solid"/>
+          <a:miter lim="800000"/>
+        </a:ln>
+        <a:effectLst/>
+      </dsp:spPr>
+      <dsp:style>
+        <a:lnRef idx="2">
+          <a:scrgbClr r="0" g="0" b="0"/>
+        </a:lnRef>
+        <a:fillRef idx="1">
+          <a:scrgbClr r="0" g="0" b="0"/>
+        </a:fillRef>
+        <a:effectRef idx="0">
+          <a:scrgbClr r="0" g="0" b="0"/>
+        </a:effectRef>
+        <a:fontRef idx="minor">
+          <a:schemeClr val="lt1"/>
+        </a:fontRef>
+      </dsp:style>
+      <dsp:txBody>
+        <a:bodyPr spcFirstLastPara="0" vert="horz" wrap="square" lIns="228600" tIns="228600" rIns="228600" bIns="228600" numCol="1" spcCol="1270" anchor="ctr" anchorCtr="0">
+          <a:noAutofit/>
+        </a:bodyPr>
+        <a:lstStyle/>
+        <a:p>
+          <a:pPr marL="0" lvl="0" indent="0" algn="ctr" defTabSz="2667000">
+            <a:lnSpc>
+              <a:spcPct val="90000"/>
+            </a:lnSpc>
+            <a:spcBef>
+              <a:spcPct val="0"/>
+            </a:spcBef>
+            <a:spcAft>
+              <a:spcPct val="35000"/>
+            </a:spcAft>
+            <a:buNone/>
+          </a:pPr>
+          <a:endParaRPr lang="en-GB" sz="6000" kern="1200"/>
+        </a:p>
+      </dsp:txBody>
+      <dsp:txXfrm>
+        <a:off x="4603304" y="2470734"/>
+        <a:ext cx="1315802" cy="1315802"/>
+      </dsp:txXfrm>
+    </dsp:sp>
+    <dsp:sp modelId="{68EC8E15-F804-4683-A9B5-7F752BA12C4D}">
+      <dsp:nvSpPr>
+        <dsp:cNvPr id="0" name=""/>
+        <dsp:cNvSpPr/>
+      </dsp:nvSpPr>
+      <dsp:spPr>
+        <a:xfrm>
+          <a:off x="6001737" y="2122110"/>
+          <a:ext cx="269223" cy="335841"/>
+        </a:xfrm>
+        <a:prstGeom prst="rightArrow">
+          <a:avLst>
+            <a:gd name="adj1" fmla="val 60000"/>
+            <a:gd name="adj2" fmla="val 50000"/>
+          </a:avLst>
+        </a:prstGeom>
+        <a:solidFill>
+          <a:schemeClr val="accent1">
+            <a:tint val="60000"/>
+            <a:hueOff val="0"/>
+            <a:satOff val="0"/>
+            <a:lumOff val="0"/>
+            <a:alphaOff val="0"/>
+          </a:schemeClr>
+        </a:solidFill>
+        <a:ln>
+          <a:noFill/>
+        </a:ln>
+        <a:effectLst/>
+      </dsp:spPr>
+      <dsp:style>
+        <a:lnRef idx="0">
+          <a:scrgbClr r="0" g="0" b="0"/>
+        </a:lnRef>
+        <a:fillRef idx="1">
+          <a:scrgbClr r="0" g="0" b="0"/>
+        </a:fillRef>
+        <a:effectRef idx="0">
+          <a:scrgbClr r="0" g="0" b="0"/>
+        </a:effectRef>
+        <a:fontRef idx="minor">
+          <a:schemeClr val="lt1"/>
+        </a:fontRef>
+      </dsp:style>
+      <dsp:txBody>
+        <a:bodyPr spcFirstLastPara="0" vert="horz" wrap="square" lIns="0" tIns="0" rIns="0" bIns="0" numCol="1" spcCol="1270" anchor="ctr" anchorCtr="0">
+          <a:noAutofit/>
+        </a:bodyPr>
+        <a:lstStyle/>
+        <a:p>
+          <a:pPr marL="0" lvl="0" indent="0" algn="ctr" defTabSz="622300">
+            <a:lnSpc>
+              <a:spcPct val="90000"/>
+            </a:lnSpc>
+            <a:spcBef>
+              <a:spcPct val="0"/>
+            </a:spcBef>
+            <a:spcAft>
+              <a:spcPct val="35000"/>
+            </a:spcAft>
+            <a:buNone/>
+          </a:pPr>
+          <a:endParaRPr lang="en-GB" sz="1400" kern="1200"/>
+        </a:p>
+      </dsp:txBody>
+      <dsp:txXfrm>
+        <a:off x="6001737" y="2189278"/>
+        <a:ext cx="188456" cy="201505"/>
+      </dsp:txXfrm>
+    </dsp:sp>
+    <dsp:sp modelId="{0E1AC073-C895-4F1F-991F-55CAF645EE97}">
+      <dsp:nvSpPr>
+        <dsp:cNvPr id="0" name=""/>
+        <dsp:cNvSpPr/>
+      </dsp:nvSpPr>
+      <dsp:spPr>
+        <a:xfrm>
+          <a:off x="6501723" y="1591193"/>
+          <a:ext cx="1397674" cy="1397674"/>
+        </a:xfrm>
+        <a:prstGeom prst="roundRect">
+          <a:avLst>
+            <a:gd name="adj" fmla="val 10000"/>
+          </a:avLst>
+        </a:prstGeom>
+        <a:solidFill>
+          <a:schemeClr val="accent1">
+            <a:tint val="50000"/>
+            <a:hueOff val="0"/>
+            <a:satOff val="0"/>
+            <a:lumOff val="0"/>
+            <a:alphaOff val="0"/>
+          </a:schemeClr>
+        </a:solidFill>
+        <a:ln w="12700" cap="flat" cmpd="sng" algn="ctr">
+          <a:solidFill>
+            <a:schemeClr val="lt1">
+              <a:hueOff val="0"/>
+              <a:satOff val="0"/>
+              <a:lumOff val="0"/>
+              <a:alphaOff val="0"/>
+            </a:schemeClr>
+          </a:solidFill>
+          <a:prstDash val="solid"/>
+          <a:miter lim="800000"/>
+        </a:ln>
+        <a:effectLst/>
+      </dsp:spPr>
+      <dsp:style>
+        <a:lnRef idx="2">
+          <a:scrgbClr r="0" g="0" b="0"/>
+        </a:lnRef>
+        <a:fillRef idx="1">
+          <a:scrgbClr r="0" g="0" b="0"/>
+        </a:fillRef>
+        <a:effectRef idx="0">
+          <a:scrgbClr r="0" g="0" b="0"/>
+        </a:effectRef>
+        <a:fontRef idx="minor"/>
+      </dsp:style>
+    </dsp:sp>
+    <dsp:sp modelId="{C3EB46E8-6FE8-4336-96BE-1BC917A90310}">
+      <dsp:nvSpPr>
+        <dsp:cNvPr id="0" name=""/>
+        <dsp:cNvSpPr/>
+      </dsp:nvSpPr>
+      <dsp:spPr>
+        <a:xfrm>
+          <a:off x="6729251" y="2429798"/>
+          <a:ext cx="1397674" cy="1397674"/>
+        </a:xfrm>
+        <a:prstGeom prst="roundRect">
+          <a:avLst>
+            <a:gd name="adj" fmla="val 10000"/>
+          </a:avLst>
+        </a:prstGeom>
+        <a:solidFill>
+          <a:schemeClr val="accent1">
+            <a:hueOff val="0"/>
+            <a:satOff val="0"/>
+            <a:lumOff val="0"/>
+            <a:alphaOff val="0"/>
+          </a:schemeClr>
+        </a:solidFill>
+        <a:ln w="12700" cap="flat" cmpd="sng" algn="ctr">
+          <a:solidFill>
+            <a:schemeClr val="lt1">
+              <a:hueOff val="0"/>
+              <a:satOff val="0"/>
+              <a:lumOff val="0"/>
+              <a:alphaOff val="0"/>
+            </a:schemeClr>
+          </a:solidFill>
+          <a:prstDash val="solid"/>
+          <a:miter lim="800000"/>
+        </a:ln>
+        <a:effectLst/>
+      </dsp:spPr>
+      <dsp:style>
+        <a:lnRef idx="2">
+          <a:scrgbClr r="0" g="0" b="0"/>
+        </a:lnRef>
+        <a:fillRef idx="1">
+          <a:scrgbClr r="0" g="0" b="0"/>
+        </a:fillRef>
+        <a:effectRef idx="0">
+          <a:scrgbClr r="0" g="0" b="0"/>
+        </a:effectRef>
+        <a:fontRef idx="minor">
+          <a:schemeClr val="lt1"/>
+        </a:fontRef>
+      </dsp:style>
+      <dsp:txBody>
+        <a:bodyPr spcFirstLastPara="0" vert="horz" wrap="square" lIns="99060" tIns="99060" rIns="99060" bIns="99060" numCol="1" spcCol="1270" anchor="t" anchorCtr="0">
+          <a:noAutofit/>
+        </a:bodyPr>
+        <a:lstStyle/>
+        <a:p>
+          <a:pPr marL="0" lvl="0" indent="0" algn="l" defTabSz="1155700">
+            <a:lnSpc>
+              <a:spcPct val="90000"/>
+            </a:lnSpc>
+            <a:spcBef>
+              <a:spcPct val="0"/>
+            </a:spcBef>
+            <a:spcAft>
+              <a:spcPct val="35000"/>
+            </a:spcAft>
+            <a:buNone/>
+          </a:pPr>
+          <a:endParaRPr lang="en-GB" sz="2600" kern="1200"/>
+        </a:p>
+        <a:p>
+          <a:pPr marL="228600" lvl="1" indent="-228600" algn="l" defTabSz="889000">
+            <a:lnSpc>
+              <a:spcPct val="90000"/>
+            </a:lnSpc>
+            <a:spcBef>
+              <a:spcPct val="0"/>
+            </a:spcBef>
+            <a:spcAft>
+              <a:spcPct val="15000"/>
+            </a:spcAft>
+            <a:buChar char="•"/>
+          </a:pPr>
+          <a:endParaRPr lang="en-GB" sz="2000" kern="1200"/>
+        </a:p>
+        <a:p>
+          <a:pPr marL="228600" lvl="1" indent="-228600" algn="l" defTabSz="889000">
+            <a:lnSpc>
+              <a:spcPct val="90000"/>
+            </a:lnSpc>
+            <a:spcBef>
+              <a:spcPct val="0"/>
+            </a:spcBef>
+            <a:spcAft>
+              <a:spcPct val="15000"/>
+            </a:spcAft>
+            <a:buChar char="•"/>
+          </a:pPr>
+          <a:endParaRPr lang="en-GB" sz="2000" kern="1200"/>
+        </a:p>
+      </dsp:txBody>
+      <dsp:txXfrm>
+        <a:off x="6770187" y="2470734"/>
+        <a:ext cx="1315802" cy="1315802"/>
+      </dsp:txXfrm>
+    </dsp:sp>
+  </dsp:spTree>
+</dsp:drawing>
+</file>
+
+<file path=ppt/diagrams/layout1.xml><?xml version="1.0" encoding="utf-8"?>
+<dgm:layoutDef xmlns:dgm="http://schemas.openxmlformats.org/drawingml/2006/diagram" xmlns:a="http://schemas.openxmlformats.org/drawingml/2006/main" uniqueId="urn:microsoft.com/office/officeart/2005/8/layout/hProcess10">
+  <dgm:title val=""/>
+  <dgm:desc val=""/>
+  <dgm:catLst>
+    <dgm:cat type="process" pri="3000"/>
+    <dgm:cat type="picture" pri="30000"/>
+    <dgm:cat type="pictureconvert" pri="30000"/>
+  </dgm:catLst>
+  <dgm:sampData>
+    <dgm:dataModel>
+      <dgm:ptLst>
+        <dgm:pt modelId="0" type="doc"/>
+        <dgm:pt modelId="1">
+          <dgm:prSet phldr="1"/>
+        </dgm:pt>
+        <dgm:pt modelId="11">
+          <dgm:prSet phldr="1"/>
+        </dgm:pt>
+        <dgm:pt modelId="12">
+          <dgm:prSet phldr="1"/>
+        </dgm:pt>
+        <dgm:pt modelId="2">
+          <dgm:prSet phldr="1"/>
+        </dgm:pt>
+        <dgm:pt modelId="21">
+          <dgm:prSet phldr="1"/>
+        </dgm:pt>
+        <dgm:pt modelId="22">
+          <dgm:prSet phldr="1"/>
+        </dgm:pt>
+        <dgm:pt modelId="3">
+          <dgm:prSet phldr="1"/>
+        </dgm:pt>
+        <dgm:pt modelId="31">
+          <dgm:prSet phldr="1"/>
+        </dgm:pt>
+        <dgm:pt modelId="32">
+          <dgm:prSet phldr="1"/>
+        </dgm:pt>
+      </dgm:ptLst>
+      <dgm:cxnLst>
+        <dgm:cxn modelId="4" srcId="0" destId="1" srcOrd="0" destOrd="0"/>
+        <dgm:cxn modelId="5" srcId="0" destId="2" srcOrd="1" destOrd="0"/>
+        <dgm:cxn modelId="6" srcId="0" destId="3" srcOrd="2" destOrd="0"/>
+        <dgm:cxn modelId="13" srcId="1" destId="11" srcOrd="0" destOrd="0"/>
+        <dgm:cxn modelId="14" srcId="1" destId="12" srcOrd="1" destOrd="0"/>
+        <dgm:cxn modelId="23" srcId="2" destId="21" srcOrd="0" destOrd="0"/>
+        <dgm:cxn modelId="24" srcId="2" destId="22" srcOrd="1" destOrd="0"/>
+        <dgm:cxn modelId="33" srcId="3" destId="31" srcOrd="0" destOrd="0"/>
+        <dgm:cxn modelId="34" srcId="3" destId="32" srcOrd="1" destOrd="0"/>
+      </dgm:cxnLst>
+      <dgm:bg/>
+      <dgm:whole/>
+    </dgm:dataModel>
+  </dgm:sampData>
+  <dgm:styleData>
+    <dgm:dataModel>
+      <dgm:ptLst>
+        <dgm:pt modelId="0" type="doc"/>
+        <dgm:pt modelId="1"/>
+        <dgm:pt modelId="11"/>
+        <dgm:pt modelId="2"/>
+        <dgm:pt modelId="21"/>
+      </dgm:ptLst>
+      <dgm:cxnLst>
+        <dgm:cxn modelId="4" srcId="0" destId="1" srcOrd="0" destOrd="0"/>
+        <dgm:cxn modelId="5" srcId="0" destId="2" srcOrd="1" destOrd="0"/>
+        <dgm:cxn modelId="13" srcId="1" destId="11" srcOrd="0" destOrd="0"/>
+        <dgm:cxn modelId="23" srcId="2" destId="21" srcOrd="0" destOrd="0"/>
+      </dgm:cxnLst>
+      <dgm:bg/>
+      <dgm:whole/>
+    </dgm:dataModel>
+  </dgm:styleData>
+  <dgm:clrData>
+    <dgm:dataModel>
+      <dgm:ptLst>
+        <dgm:pt modelId="0" type="doc"/>
+        <dgm:pt modelId="1"/>
+        <dgm:pt modelId="11"/>
+        <dgm:pt modelId="2"/>
+        <dgm:pt modelId="21"/>
+        <dgm:pt modelId="3"/>
+        <dgm:pt modelId="31"/>
+        <dgm:pt modelId="4"/>
+        <dgm:pt modelId="41"/>
+      </dgm:ptLst>
+      <dgm:cxnLst>
+        <dgm:cxn modelId="5" srcId="0" destId="1" srcOrd="0" destOrd="0"/>
+        <dgm:cxn modelId="6" srcId="0" destId="2" srcOrd="1" destOrd="0"/>
+        <dgm:cxn modelId="7" srcId="0" destId="3" srcOrd="2" destOrd="0"/>
+        <dgm:cxn modelId="8" srcId="0" destId="4" srcOrd="3" destOrd="0"/>
+        <dgm:cxn modelId="13" srcId="1" destId="11" srcOrd="0" destOrd="0"/>
+        <dgm:cxn modelId="23" srcId="2" destId="21" srcOrd="0" destOrd="0"/>
+        <dgm:cxn modelId="33" srcId="3" destId="31" srcOrd="0" destOrd="0"/>
+        <dgm:cxn modelId="43" srcId="4" destId="41" srcOrd="0" destOrd="0"/>
+      </dgm:cxnLst>
+      <dgm:bg/>
+      <dgm:whole/>
+    </dgm:dataModel>
+  </dgm:clrData>
+  <dgm:layoutNode name="Name0">
+    <dgm:varLst>
+      <dgm:dir/>
+      <dgm:resizeHandles val="exact"/>
+    </dgm:varLst>
+    <dgm:choose name="Name1">
+      <dgm:if name="Name2" func="var" arg="dir" op="equ" val="norm">
+        <dgm:alg type="lin"/>
+      </dgm:if>
+      <dgm:else name="Name3">
+        <dgm:alg type="lin">
+          <dgm:param type="linDir" val="fromR"/>
+        </dgm:alg>
+      </dgm:else>
+    </dgm:choose>
+    <dgm:shape xmlns:r="http://schemas.openxmlformats.org/officeDocument/2006/relationships" r:blip="">
+      <dgm:adjLst/>
+    </dgm:shape>
+    <dgm:presOf/>
+    <dgm:constrLst>
+      <dgm:constr type="w" for="ch" forName="composite" refType="w"/>
+      <dgm:constr type="w" for="ch" ptType="sibTrans" refType="w" refFor="ch" refForName="composite" op="equ" fact="0.3333"/>
+      <dgm:constr type="primFontSz" for="des" forName="txNode" op="equ" val="65"/>
+      <dgm:constr type="primFontSz" for="des" forName="connTx" op="equ" val="55"/>
+      <dgm:constr type="primFontSz" for="des" forName="connTx" refType="primFontSz" refFor="des" refForName="txNode" op="lte" fact="0.8"/>
+    </dgm:constrLst>
+    <dgm:ruleLst/>
+    <dgm:forEach name="Name4" axis="ch" ptType="node">
+      <dgm:layoutNode name="composite">
+        <dgm:alg type="composite"/>
+        <dgm:shape xmlns:r="http://schemas.openxmlformats.org/officeDocument/2006/relationships" r:blip="">
+          <dgm:adjLst/>
+        </dgm:shape>
+        <dgm:presOf/>
+        <dgm:choose name="Name5">
+          <dgm:if name="Name6" func="var" arg="dir" op="equ" val="norm">
+            <dgm:constrLst>
+              <dgm:constr type="l" for="ch" forName="imagSh"/>
+              <dgm:constr type="w" for="ch" forName="imagSh" refType="w" fact="0.86"/>
+              <dgm:constr type="t" for="ch" forName="imagSh"/>
+              <dgm:constr type="h" for="ch" forName="imagSh" refType="w" refFor="ch" refForName="imagSh"/>
+              <dgm:constr type="l" for="ch" forName="txNode" refType="w" fact="0.14"/>
+              <dgm:constr type="w" for="ch" forName="txNode" refType="w" refFor="ch" refForName="imagSh"/>
+              <dgm:constr type="t" for="ch" forName="txNode" refType="h" refFor="ch" refForName="imagSh" fact="0.6"/>
+              <dgm:constr type="h" for="ch" forName="txNode" refType="h" refFor="ch" refForName="imagSh"/>
+            </dgm:constrLst>
+          </dgm:if>
+          <dgm:else name="Name7">
+            <dgm:constrLst>
+              <dgm:constr type="l" for="ch" forName="imagSh" refType="w" fact="0.14"/>
+              <dgm:constr type="w" for="ch" forName="imagSh" refType="w" fact="0.86"/>
+              <dgm:constr type="t" for="ch" forName="imagSh"/>
+              <dgm:constr type="h" for="ch" forName="imagSh" refType="w" refFor="ch" refForName="imagSh"/>
+              <dgm:constr type="l" for="ch" forName="txNode"/>
+              <dgm:constr type="w" for="ch" forName="txNode" refType="w" refFor="ch" refForName="imagSh"/>
+              <dgm:constr type="t" for="ch" forName="txNode" refType="h" refFor="ch" refForName="imagSh" fact="0.6"/>
+              <dgm:constr type="h" for="ch" forName="txNode" refType="h" refFor="ch" refForName="imagSh"/>
+            </dgm:constrLst>
+          </dgm:else>
+        </dgm:choose>
+        <dgm:ruleLst/>
+        <dgm:layoutNode name="imagSh" styleLbl="bgImgPlace1">
+          <dgm:alg type="sp"/>
+          <dgm:shape xmlns:r="http://schemas.openxmlformats.org/officeDocument/2006/relationships" type="roundRect" r:blip="" blipPhldr="1">
+            <dgm:adjLst>
+              <dgm:adj idx="1" val="0.1"/>
+            </dgm:adjLst>
+          </dgm:shape>
+          <dgm:presOf/>
+          <dgm:constrLst/>
+          <dgm:ruleLst/>
+        </dgm:layoutNode>
+        <dgm:layoutNode name="txNode" styleLbl="node1">
+          <dgm:varLst>
+            <dgm:bulletEnabled val="1"/>
+          </dgm:varLst>
+          <dgm:alg type="tx"/>
+          <dgm:shape xmlns:r="http://schemas.openxmlformats.org/officeDocument/2006/relationships" type="roundRect" r:blip="">
+            <dgm:adjLst>
+              <dgm:adj idx="1" val="0.1"/>
+            </dgm:adjLst>
+          </dgm:shape>
+          <dgm:presOf axis="desOrSelf" ptType="node"/>
+          <dgm:constrLst>
+            <dgm:constr type="tMarg" refType="primFontSz" fact="0.3"/>
+            <dgm:constr type="bMarg" refType="primFontSz" fact="0.3"/>
+            <dgm:constr type="lMarg" refType="primFontSz" fact="0.3"/>
+            <dgm:constr type="rMarg" refType="primFontSz" fact="0.3"/>
+          </dgm:constrLst>
+          <dgm:ruleLst>
+            <dgm:rule type="primFontSz" val="5" fact="NaN" max="NaN"/>
+          </dgm:ruleLst>
+        </dgm:layoutNode>
+      </dgm:layoutNode>
+      <dgm:forEach name="sibTransForEach" axis="followSib" ptType="sibTrans" cnt="1">
+        <dgm:layoutNode name="sibTrans">
+          <dgm:alg type="conn">
+            <dgm:param type="begPts" val="auto"/>
+            <dgm:param type="endPts" val="auto"/>
+            <dgm:param type="srcNode" val="imagSh"/>
+            <dgm:param type="dstNode" val="imagSh"/>
+          </dgm:alg>
+          <dgm:shape xmlns:r="http://schemas.openxmlformats.org/officeDocument/2006/relationships" type="conn" r:blip="">
+            <dgm:adjLst/>
+          </dgm:shape>
+          <dgm:presOf axis="self"/>
+          <dgm:constrLst>
+            <dgm:constr type="h" refType="w" fact="0.62"/>
+            <dgm:constr type="connDist"/>
+            <dgm:constr type="begPad" refType="connDist" fact="0.35"/>
+            <dgm:constr type="endPad" refType="connDist" fact="0.3"/>
+          </dgm:constrLst>
+          <dgm:ruleLst/>
+          <dgm:layoutNode name="connTx">
+            <dgm:alg type="tx">
+              <dgm:param type="autoTxRot" val="grav"/>
+            </dgm:alg>
+            <dgm:shape xmlns:r="http://schemas.openxmlformats.org/officeDocument/2006/relationships" type="conn" r:blip="" hideGeom="1">
+              <dgm:adjLst/>
+            </dgm:shape>
+            <dgm:presOf axis="self"/>
+            <dgm:constrLst>
+              <dgm:constr type="lMarg"/>
+              <dgm:constr type="rMarg"/>
+              <dgm:constr type="tMarg"/>
+              <dgm:constr type="bMarg"/>
+            </dgm:constrLst>
+            <dgm:ruleLst>
+              <dgm:rule type="primFontSz" val="5" fact="NaN" max="NaN"/>
+            </dgm:ruleLst>
+          </dgm:layoutNode>
+        </dgm:layoutNode>
+      </dgm:forEach>
+    </dgm:forEach>
+  </dgm:layoutNode>
+</dgm:layoutDef>
+</file>
+
+<file path=ppt/diagrams/quickStyle1.xml><?xml version="1.0" encoding="utf-8"?>
+<dgm:styleDef xmlns:dgm="http://schemas.openxmlformats.org/drawingml/2006/diagram" xmlns:a="http://schemas.openxmlformats.org/drawingml/2006/main" uniqueId="urn:microsoft.com/office/officeart/2005/8/quickstyle/simple1">
+  <dgm:title val=""/>
+  <dgm:desc val=""/>
+  <dgm:catLst>
+    <dgm:cat type="simple" pri="10100"/>
+  </dgm:catLst>
+  <dgm:scene3d>
+    <a:camera prst="orthographicFront"/>
+    <a:lightRig rig="threePt" dir="t"/>
+  </dgm:scene3d>
+  <dgm:styleLbl name="node0">
+    <dgm:scene3d>
+      <a:camera prst="orthographicFront"/>
+      <a:lightRig rig="threePt" dir="t"/>
+    </dgm:scene3d>
+    <dgm:sp3d/>
+    <dgm:txPr/>
+    <dgm:style>
+      <a:lnRef idx="2">
+        <a:scrgbClr r="0" g="0" b="0"/>
+      </a:lnRef>
+      <a:fillRef idx="1">
+        <a:scrgbClr r="0" g="0" b="0"/>
+      </a:fillRef>
+      <a:effectRef idx="0">
+        <a:scrgbClr r="0" g="0" b="0"/>
+      </a:effectRef>
+      <a:fontRef idx="minor">
+        <a:schemeClr val="lt1"/>
+      </a:fontRef>
+    </dgm:style>
+  </dgm:styleLbl>
+  <dgm:styleLbl name="lnNode1">
+    <dgm:scene3d>
+      <a:camera prst="orthographicFront"/>
+      <a:lightRig rig="threePt" dir="t"/>
+    </dgm:scene3d>
+    <dgm:sp3d/>
+    <dgm:txPr/>
+    <dgm:style>
+      <a:lnRef idx="2">
+        <a:scrgbClr r="0" g="0" b="0"/>
+      </a:lnRef>
+      <a:fillRef idx="1">
+        <a:scrgbClr r="0" g="0" b="0"/>
+      </a:fillRef>
+      <a:effectRef idx="0">
+        <a:scrgbClr r="0" g="0" b="0"/>
+      </a:effectRef>
+      <a:fontRef idx="minor">
+        <a:schemeClr val="lt1"/>
+      </a:fontRef>
+    </dgm:style>
+  </dgm:styleLbl>
+  <dgm:styleLbl name="vennNode1">
+    <dgm:scene3d>
+      <a:camera prst="orthographicFront"/>
+      <a:lightRig rig="threePt" dir="t"/>
+    </dgm:scene3d>
+    <dgm:sp3d/>
+    <dgm:txPr/>
+    <dgm:style>
+      <a:lnRef idx="2">
+        <a:scrgbClr r="0" g="0" b="0"/>
+      </a:lnRef>
+      <a:fillRef idx="1">
+        <a:scrgbClr r="0" g="0" b="0"/>
+      </a:fillRef>
+      <a:effectRef idx="0">
+        <a:scrgbClr r="0" g="0" b="0"/>
+      </a:effectRef>
+      <a:fontRef idx="minor">
+        <a:schemeClr val="tx1"/>
+      </a:fontRef>
+    </dgm:style>
+  </dgm:styleLbl>
+  <dgm:styleLbl name="alignNode1">
+    <dgm:scene3d>
+      <a:camera prst="orthographicFront"/>
+      <a:lightRig rig="threePt" dir="t"/>
+    </dgm:scene3d>
+    <dgm:sp3d/>
+    <dgm:txPr/>
+    <dgm:style>
+      <a:lnRef idx="2">
+        <a:scrgbClr r="0" g="0" b="0"/>
+      </a:lnRef>
+      <a:fillRef idx="1">
+        <a:scrgbClr r="0" g="0" b="0"/>
+      </a:fillRef>
+      <a:effectRef idx="0">
+        <a:scrgbClr r="0" g="0" b="0"/>
+      </a:effectRef>
+      <a:fontRef idx="minor">
+        <a:schemeClr val="lt1"/>
+      </a:fontRef>
+    </dgm:style>
+  </dgm:styleLbl>
+  <dgm:styleLbl name="node1">
+    <dgm:scene3d>
+      <a:camera prst="orthographicFront"/>
+      <a:lightRig rig="threePt" dir="t"/>
+    </dgm:scene3d>
+    <dgm:sp3d/>
+    <dgm:txPr/>
+    <dgm:style>
+      <a:lnRef idx="2">
+        <a:scrgbClr r="0" g="0" b="0"/>
+      </a:lnRef>
+      <a:fillRef idx="1">
+        <a:scrgbClr r="0" g="0" b="0"/>
+      </a:fillRef>
+      <a:effectRef idx="0">
+        <a:scrgbClr r="0" g="0" b="0"/>
+      </a:effectRef>
+      <a:fontRef idx="minor">
+        <a:schemeClr val="lt1"/>
+      </a:fontRef>
+    </dgm:style>
+  </dgm:styleLbl>
+  <dgm:styleLbl name="node2">
+    <dgm:scene3d>
+      <a:camera prst="orthographicFront"/>
+      <a:lightRig rig="threePt" dir="t"/>
+    </dgm:scene3d>
+    <dgm:sp3d/>
+    <dgm:txPr/>
+    <dgm:style>
+      <a:lnRef idx="2">
+        <a:scrgbClr r="0" g="0" b="0"/>
+      </a:lnRef>
+      <a:fillRef idx="1">
+        <a:scrgbClr r="0" g="0" b="0"/>
+      </a:fillRef>
+      <a:effectRef idx="0">
+        <a:scrgbClr r="0" g="0" b="0"/>
+      </a:effectRef>
+      <a:fontRef idx="minor">
+        <a:schemeClr val="lt1"/>
+      </a:fontRef>
+    </dgm:style>
+  </dgm:styleLbl>
+  <dgm:styleLbl name="node3">
+    <dgm:scene3d>
+      <a:camera prst="orthographicFront"/>
+      <a:lightRig rig="threePt" dir="t"/>
+    </dgm:scene3d>
+    <dgm:sp3d/>
+    <dgm:txPr/>
+    <dgm:style>
+      <a:lnRef idx="2">
+        <a:scrgbClr r="0" g="0" b="0"/>
+      </a:lnRef>
+      <a:fillRef idx="1">
+        <a:scrgbClr r="0" g="0" b="0"/>
+      </a:fillRef>
+      <a:effectRef idx="0">
+        <a:scrgbClr r="0" g="0" b="0"/>
+      </a:effectRef>
+      <a:fontRef idx="minor">
+        <a:schemeClr val="lt1"/>
+      </a:fontRef>
+    </dgm:style>
+  </dgm:styleLbl>
+  <dgm:styleLbl name="node4">
+    <dgm:scene3d>
+      <a:camera prst="orthographicFront"/>
+      <a:lightRig rig="threePt" dir="t"/>
+    </dgm:scene3d>
+    <dgm:sp3d/>
+    <dgm:txPr/>
+    <dgm:style>
+      <a:lnRef idx="2">
+        <a:scrgbClr r="0" g="0" b="0"/>
+      </a:lnRef>
+      <a:fillRef idx="1">
+        <a:scrgbClr r="0" g="0" b="0"/>
+      </a:fillRef>
+      <a:effectRef idx="0">
+        <a:scrgbClr r="0" g="0" b="0"/>
+      </a:effectRef>
+      <a:fontRef idx="minor">
+        <a:schemeClr val="lt1"/>
+      </a:fontRef>
+    </dgm:style>
+  </dgm:styleLbl>
+  <dgm:styleLbl name="fgImgPlace1">
+    <dgm:scene3d>
+      <a:camera prst="orthographicFront"/>
+      <a:lightRig rig="threePt" dir="t"/>
+    </dgm:scene3d>
+    <dgm:sp3d/>
+    <dgm:txPr/>
+    <dgm:style>
+      <a:lnRef idx="2">
+        <a:scrgbClr r="0" g="0" b="0"/>
+      </a:lnRef>
+      <a:fillRef idx="1">
+        <a:scrgbClr r="0" g="0" b="0"/>
+      </a:fillRef>
+      <a:effectRef idx="0">
+        <a:scrgbClr r="0" g="0" b="0"/>
+      </a:effectRef>
+      <a:fontRef idx="minor"/>
+    </dgm:style>
+  </dgm:styleLbl>
+  <dgm:styleLbl name="alignImgPlace1">
+    <dgm:scene3d>
+      <a:camera prst="orthographicFront"/>
+      <a:lightRig rig="threePt" dir="t"/>
+    </dgm:scene3d>
+    <dgm:sp3d/>
+    <dgm:txPr/>
+    <dgm:style>
+      <a:lnRef idx="2">
+        <a:scrgbClr r="0" g="0" b="0"/>
+      </a:lnRef>
+      <a:fillRef idx="1">
+        <a:scrgbClr r="0" g="0" b="0"/>
+      </a:fillRef>
+      <a:effectRef idx="0">
+        <a:scrgbClr r="0" g="0" b="0"/>
+      </a:effectRef>
+      <a:fontRef idx="minor"/>
+    </dgm:style>
+  </dgm:styleLbl>
+  <dgm:styleLbl name="bgImgPlace1">
+    <dgm:scene3d>
+      <a:camera prst="orthographicFront"/>
+      <a:lightRig rig="threePt" dir="t"/>
+    </dgm:scene3d>
+    <dgm:sp3d/>
+    <dgm:txPr/>
+    <dgm:style>
+      <a:lnRef idx="2">
+        <a:scrgbClr r="0" g="0" b="0"/>
+      </a:lnRef>
+      <a:fillRef idx="1">
+        <a:scrgbClr r="0" g="0" b="0"/>
+      </a:fillRef>
+      <a:effectRef idx="0">
+        <a:scrgbClr r="0" g="0" b="0"/>
+      </a:effectRef>
+      <a:fontRef idx="minor"/>
+    </dgm:style>
+  </dgm:styleLbl>
+  <dgm:styleLbl name="sibTrans2D1">
+    <dgm:scene3d>
+      <a:camera prst="orthographicFront"/>
+      <a:lightRig rig="threePt" dir="t"/>
+    </dgm:scene3d>
+    <dgm:sp3d/>
+    <dgm:txPr/>
+    <dgm:style>
+      <a:lnRef idx="0">
+        <a:scrgbClr r="0" g="0" b="0"/>
+      </a:lnRef>
+      <a:fillRef idx="1">
+        <a:scrgbClr r="0" g="0" b="0"/>
+      </a:fillRef>
+      <a:effectRef idx="0">
+        <a:scrgbClr r="0" g="0" b="0"/>
+      </a:effectRef>
+      <a:fontRef idx="minor">
+        <a:schemeClr val="lt1"/>
+      </a:fontRef>
+    </dgm:style>
+  </dgm:styleLbl>
+  <dgm:styleLbl name="fgSibTrans2D1">
+    <dgm:scene3d>
+      <a:camera prst="orthographicFront"/>
+      <a:lightRig rig="threePt" dir="t"/>
+    </dgm:scene3d>
+    <dgm:sp3d/>
+    <dgm:txPr/>
+    <dgm:style>
+      <a:lnRef idx="0">
+        <a:scrgbClr r="0" g="0" b="0"/>
+      </a:lnRef>
+      <a:fillRef idx="1">
+        <a:scrgbClr r="0" g="0" b="0"/>
+      </a:fillRef>
+      <a:effectRef idx="0">
+        <a:scrgbClr r="0" g="0" b="0"/>
+      </a:effectRef>
+      <a:fontRef idx="minor">
+        <a:schemeClr val="lt1"/>
+      </a:fontRef>
+    </dgm:style>
+  </dgm:styleLbl>
+  <dgm:styleLbl name="bgSibTrans2D1">
+    <dgm:scene3d>
+      <a:camera prst="orthographicFront"/>
+      <a:lightRig rig="threePt" dir="t"/>
+    </dgm:scene3d>
+    <dgm:sp3d/>
+    <dgm:txPr/>
+    <dgm:style>
+      <a:lnRef idx="0">
+        <a:scrgbClr r="0" g="0" b="0"/>
+      </a:lnRef>
+      <a:fillRef idx="1">
+        <a:scrgbClr r="0" g="0" b="0"/>
+      </a:fillRef>
+      <a:effectRef idx="0">
+        <a:scrgbClr r="0" g="0" b="0"/>
+      </a:effectRef>
+      <a:fontRef idx="minor">
+        <a:schemeClr val="lt1"/>
+      </a:fontRef>
+    </dgm:style>
+  </dgm:styleLbl>
+  <dgm:styleLbl name="sibTrans1D1">
+    <dgm:scene3d>
+      <a:camera prst="orthographicFront"/>
+      <a:lightRig rig="threePt" dir="t"/>
+    </dgm:scene3d>
+    <dgm:sp3d/>
+    <dgm:txPr/>
+    <dgm:style>
+      <a:lnRef idx="1">
+        <a:scrgbClr r="0" g="0" b="0"/>
+      </a:lnRef>
+      <a:fillRef idx="0">
+        <a:scrgbClr r="0" g="0" b="0"/>
+      </a:fillRef>
+      <a:effectRef idx="0">
+        <a:scrgbClr r="0" g="0" b="0"/>
+      </a:effectRef>
+      <a:fontRef idx="minor"/>
+    </dgm:style>
+  </dgm:styleLbl>
+  <dgm:styleLbl name="callout">
+    <dgm:scene3d>
+      <a:camera prst="orthographicFront"/>
+      <a:lightRig rig="threePt" dir="t"/>
+    </dgm:scene3d>
+    <dgm:sp3d/>
+    <dgm:txPr/>
+    <dgm:style>
+      <a:lnRef idx="2">
+        <a:scrgbClr r="0" g="0" b="0"/>
+      </a:lnRef>
+      <a:fillRef idx="1">
+        <a:scrgbClr r="0" g="0" b="0"/>
+      </a:fillRef>
+      <a:effectRef idx="0">
+        <a:scrgbClr r="0" g="0" b="0"/>
+      </a:effectRef>
+      <a:fontRef idx="minor"/>
+    </dgm:style>
+  </dgm:styleLbl>
+  <dgm:styleLbl name="asst0">
+    <dgm:scene3d>
+      <a:camera prst="orthographicFront"/>
+      <a:lightRig rig="threePt" dir="t"/>
+    </dgm:scene3d>
+    <dgm:sp3d/>
+    <dgm:txPr/>
+    <dgm:style>
+      <a:lnRef idx="2">
+        <a:scrgbClr r="0" g="0" b="0"/>
+      </a:lnRef>
+      <a:fillRef idx="1">
+        <a:scrgbClr r="0" g="0" b="0"/>
+      </a:fillRef>
+      <a:effectRef idx="0">
+        <a:scrgbClr r="0" g="0" b="0"/>
+      </a:effectRef>
+      <a:fontRef idx="minor">
+        <a:schemeClr val="lt1"/>
+      </a:fontRef>
+    </dgm:style>
+  </dgm:styleLbl>
+  <dgm:styleLbl name="asst1">
+    <dgm:scene3d>
+      <a:camera prst="orthographicFront"/>
+      <a:lightRig rig="threePt" dir="t"/>
+    </dgm:scene3d>
+    <dgm:sp3d/>
+    <dgm:txPr/>
+    <dgm:style>
+      <a:lnRef idx="2">
+        <a:scrgbClr r="0" g="0" b="0"/>
+      </a:lnRef>
+      <a:fillRef idx="1">
+        <a:scrgbClr r="0" g="0" b="0"/>
+      </a:fillRef>
+      <a:effectRef idx="0">
+        <a:scrgbClr r="0" g="0" b="0"/>
+      </a:effectRef>
+      <a:fontRef idx="minor">
+        <a:schemeClr val="lt1"/>
+      </a:fontRef>
+    </dgm:style>
+  </dgm:styleLbl>
+  <dgm:styleLbl name="asst2">
+    <dgm:scene3d>
+      <a:camera prst="orthographicFront"/>
+      <a:lightRig rig="threePt" dir="t"/>
+    </dgm:scene3d>
+    <dgm:sp3d/>
+    <dgm:txPr/>
+    <dgm:style>
+      <a:lnRef idx="2">
+        <a:scrgbClr r="0" g="0" b="0"/>
+      </a:lnRef>
+      <a:fillRef idx="1">
+        <a:scrgbClr r="0" g="0" b="0"/>
+      </a:fillRef>
+      <a:effectRef idx="0">
+        <a:scrgbClr r="0" g="0" b="0"/>
+      </a:effectRef>
+      <a:fontRef idx="minor">
+        <a:schemeClr val="lt1"/>
+      </a:fontRef>
+    </dgm:style>
+  </dgm:styleLbl>
+  <dgm:styleLbl name="asst3">
+    <dgm:scene3d>
+      <a:camera prst="orthographicFront"/>
+      <a:lightRig rig="threePt" dir="t"/>
+    </dgm:scene3d>
+    <dgm:sp3d/>
+    <dgm:txPr/>
+    <dgm:style>
+      <a:lnRef idx="2">
+        <a:scrgbClr r="0" g="0" b="0"/>
+      </a:lnRef>
+      <a:fillRef idx="1">
+        <a:scrgbClr r="0" g="0" b="0"/>
+      </a:fillRef>
+      <a:effectRef idx="0">
+        <a:scrgbClr r="0" g="0" b="0"/>
+      </a:effectRef>
+      <a:fontRef idx="minor">
+        <a:schemeClr val="lt1"/>
+      </a:fontRef>
+    </dgm:style>
+  </dgm:styleLbl>
+  <dgm:styleLbl name="asst4">
+    <dgm:scene3d>
+      <a:camera prst="orthographicFront"/>
+      <a:lightRig rig="threePt" dir="t"/>
+    </dgm:scene3d>
+    <dgm:sp3d/>
+    <dgm:txPr/>
+    <dgm:style>
+      <a:lnRef idx="2">
+        <a:scrgbClr r="0" g="0" b="0"/>
+      </a:lnRef>
+      <a:fillRef idx="1">
+        <a:scrgbClr r="0" g="0" b="0"/>
+      </a:fillRef>
+      <a:effectRef idx="0">
+        <a:scrgbClr r="0" g="0" b="0"/>
+      </a:effectRef>
+      <a:fontRef idx="minor">
+        <a:schemeClr val="lt1"/>
+      </a:fontRef>
+    </dgm:style>
+  </dgm:styleLbl>
+  <dgm:styleLbl name="parChTrans2D1">
+    <dgm:scene3d>
+      <a:camera prst="orthographicFront"/>
+      <a:lightRig rig="threePt" dir="t"/>
+    </dgm:scene3d>
+    <dgm:sp3d/>
+    <dgm:txPr/>
+    <dgm:style>
+      <a:lnRef idx="2">
+        <a:scrgbClr r="0" g="0" b="0"/>
+      </a:lnRef>
+      <a:fillRef idx="1">
+        <a:scrgbClr r="0" g="0" b="0"/>
+      </a:fillRef>
+      <a:effectRef idx="0">
+        <a:scrgbClr r="0" g="0" b="0"/>
+      </a:effectRef>
+      <a:fontRef idx="minor">
+        <a:schemeClr val="lt1"/>
+      </a:fontRef>
+    </dgm:style>
+  </dgm:styleLbl>
+  <dgm:styleLbl name="parChTrans2D2">
+    <dgm:scene3d>
+      <a:camera prst="orthographicFront"/>
+      <a:lightRig rig="threePt" dir="t"/>
+    </dgm:scene3d>
+    <dgm:sp3d/>
+    <dgm:txPr/>
+    <dgm:style>
+      <a:lnRef idx="2">
+        <a:scrgbClr r="0" g="0" b="0"/>
+      </a:lnRef>
+      <a:fillRef idx="1">
+        <a:scrgbClr r="0" g="0" b="0"/>
+      </a:fillRef>
+      <a:effectRef idx="0">
+        <a:scrgbClr r="0" g="0" b="0"/>
+      </a:effectRef>
+      <a:fontRef idx="minor">
+        <a:schemeClr val="lt1"/>
+      </a:fontRef>
+    </dgm:style>
+  </dgm:styleLbl>
+  <dgm:styleLbl name="parChTrans2D3">
+    <dgm:scene3d>
+      <a:camera prst="orthographicFront"/>
+      <a:lightRig rig="threePt" dir="t"/>
+    </dgm:scene3d>
+    <dgm:sp3d/>
+    <dgm:txPr/>
+    <dgm:style>
+      <a:lnRef idx="2">
+        <a:scrgbClr r="0" g="0" b="0"/>
+      </a:lnRef>
+      <a:fillRef idx="1">
+        <a:scrgbClr r="0" g="0" b="0"/>
+      </a:fillRef>
+      <a:effectRef idx="0">
+        <a:scrgbClr r="0" g="0" b="0"/>
+      </a:effectRef>
+      <a:fontRef idx="minor">
+        <a:schemeClr val="lt1"/>
+      </a:fontRef>
+    </dgm:style>
+  </dgm:styleLbl>
+  <dgm:styleLbl name="parChTrans2D4">
+    <dgm:scene3d>
+      <a:camera prst="orthographicFront"/>
+      <a:lightRig rig="threePt" dir="t"/>
+    </dgm:scene3d>
+    <dgm:sp3d/>
+    <dgm:txPr/>
+    <dgm:style>
+      <a:lnRef idx="2">
+        <a:scrgbClr r="0" g="0" b="0"/>
+      </a:lnRef>
+      <a:fillRef idx="1">
+        <a:scrgbClr r="0" g="0" b="0"/>
+      </a:fillRef>
+      <a:effectRef idx="0">
+        <a:scrgbClr r="0" g="0" b="0"/>
+      </a:effectRef>
+      <a:fontRef idx="minor">
+        <a:schemeClr val="lt1"/>
+      </a:fontRef>
+    </dgm:style>
+  </dgm:styleLbl>
+  <dgm:styleLbl name="parChTrans1D1">
+    <dgm:scene3d>
+      <a:camera prst="orthographicFront"/>
+      <a:lightRig rig="threePt" dir="t"/>
+    </dgm:scene3d>
+    <dgm:sp3d/>
+    <dgm:txPr/>
+    <dgm:style>
+      <a:lnRef idx="2">
+        <a:scrgbClr r="0" g="0" b="0"/>
+      </a:lnRef>
+      <a:fillRef idx="0">
+        <a:scrgbClr r="0" g="0" b="0"/>
+      </a:fillRef>
+      <a:effectRef idx="0">
+        <a:scrgbClr r="0" g="0" b="0"/>
+      </a:effectRef>
+      <a:fontRef idx="minor"/>
+    </dgm:style>
+  </dgm:styleLbl>
+  <dgm:styleLbl name="parChTrans1D2">
+    <dgm:scene3d>
+      <a:camera prst="orthographicFront"/>
+      <a:lightRig rig="threePt" dir="t"/>
+    </dgm:scene3d>
+    <dgm:sp3d/>
+    <dgm:txPr/>
+    <dgm:style>
+      <a:lnRef idx="2">
+        <a:scrgbClr r="0" g="0" b="0"/>
+      </a:lnRef>
+      <a:fillRef idx="0">
+        <a:scrgbClr r="0" g="0" b="0"/>
+      </a:fillRef>
+      <a:effectRef idx="0">
+        <a:scrgbClr r="0" g="0" b="0"/>
+      </a:effectRef>
+      <a:fontRef idx="minor"/>
+    </dgm:style>
+  </dgm:styleLbl>
+  <dgm:styleLbl name="parChTrans1D3">
+    <dgm:scene3d>
+      <a:camera prst="orthographicFront"/>
+      <a:lightRig rig="threePt" dir="t"/>
+    </dgm:scene3d>
+    <dgm:sp3d/>
+    <dgm:txPr/>
+    <dgm:style>
+      <a:lnRef idx="2">
+        <a:scrgbClr r="0" g="0" b="0"/>
+      </a:lnRef>
+      <a:fillRef idx="0">
+        <a:scrgbClr r="0" g="0" b="0"/>
+      </a:fillRef>
+      <a:effectRef idx="0">
+        <a:scrgbClr r="0" g="0" b="0"/>
+      </a:effectRef>
+      <a:fontRef idx="minor"/>
+    </dgm:style>
+  </dgm:styleLbl>
+  <dgm:styleLbl name="parChTrans1D4">
+    <dgm:scene3d>
+      <a:camera prst="orthographicFront"/>
+      <a:lightRig rig="threePt" dir="t"/>
+    </dgm:scene3d>
+    <dgm:sp3d/>
+    <dgm:txPr/>
+    <dgm:style>
+      <a:lnRef idx="2">
+        <a:scrgbClr r="0" g="0" b="0"/>
+      </a:lnRef>
+      <a:fillRef idx="0">
+        <a:scrgbClr r="0" g="0" b="0"/>
+      </a:fillRef>
+      <a:effectRef idx="0">
+        <a:scrgbClr r="0" g="0" b="0"/>
+      </a:effectRef>
+      <a:fontRef idx="minor"/>
+    </dgm:style>
+  </dgm:styleLbl>
+  <dgm:styleLbl name="fgAcc1">
+    <dgm:scene3d>
+      <a:camera prst="orthographicFront"/>
+      <a:lightRig rig="threePt" dir="t"/>
+    </dgm:scene3d>
+    <dgm:sp3d/>
+    <dgm:txPr/>
+    <dgm:style>
+      <a:lnRef idx="2">
+        <a:scrgbClr r="0" g="0" b="0"/>
+      </a:lnRef>
+      <a:fillRef idx="1">
+        <a:scrgbClr r="0" g="0" b="0"/>
+      </a:fillRef>
+      <a:effectRef idx="0">
+        <a:scrgbClr r="0" g="0" b="0"/>
+      </a:effectRef>
+      <a:fontRef idx="minor"/>
+    </dgm:style>
+  </dgm:styleLbl>
+  <dgm:styleLbl name="conFgAcc1">
+    <dgm:scene3d>
+      <a:camera prst="orthographicFront"/>
+      <a:lightRig rig="threePt" dir="t"/>
+    </dgm:scene3d>
+    <dgm:sp3d/>
+    <dgm:txPr/>
+    <dgm:style>
+      <a:lnRef idx="2">
+        <a:scrgbClr r="0" g="0" b="0"/>
+      </a:lnRef>
+      <a:fillRef idx="1">
+        <a:scrgbClr r="0" g="0" b="0"/>
+      </a:fillRef>
+      <a:effectRef idx="0">
+        <a:scrgbClr r="0" g="0" b="0"/>
+      </a:effectRef>
+      <a:fontRef idx="minor"/>
+    </dgm:style>
+  </dgm:styleLbl>
+  <dgm:styleLbl name="alignAcc1">
+    <dgm:scene3d>
+      <a:camera prst="orthographicFront"/>
+      <a:lightRig rig="threePt" dir="t"/>
+    </dgm:scene3d>
+    <dgm:sp3d/>
+    <dgm:txPr/>
+    <dgm:style>
+      <a:lnRef idx="2">
+        <a:scrgbClr r="0" g="0" b="0"/>
+      </a:lnRef>
+      <a:fillRef idx="1">
+        <a:scrgbClr r="0" g="0" b="0"/>
+      </a:fillRef>
+      <a:effectRef idx="0">
+        <a:scrgbClr r="0" g="0" b="0"/>
+      </a:effectRef>
+      <a:fontRef idx="minor"/>
+    </dgm:style>
+  </dgm:styleLbl>
+  <dgm:styleLbl name="trAlignAcc1">
+    <dgm:scene3d>
+      <a:camera prst="orthographicFront"/>
+      <a:lightRig rig="threePt" dir="t"/>
+    </dgm:scene3d>
+    <dgm:sp3d/>
+    <dgm:txPr/>
+    <dgm:style>
+      <a:lnRef idx="1">
+        <a:scrgbClr r="0" g="0" b="0"/>
+      </a:lnRef>
+      <a:fillRef idx="1">
+        <a:scrgbClr r="0" g="0" b="0"/>
+      </a:fillRef>
+      <a:effectRef idx="0">
+        <a:scrgbClr r="0" g="0" b="0"/>
+      </a:effectRef>
+      <a:fontRef idx="minor"/>
+    </dgm:style>
+  </dgm:styleLbl>
+  <dgm:styleLbl name="bgAcc1">
+    <dgm:scene3d>
+      <a:camera prst="orthographicFront"/>
+      <a:lightRig rig="threePt" dir="t"/>
+    </dgm:scene3d>
+    <dgm:sp3d/>
+    <dgm:txPr/>
+    <dgm:style>
+      <a:lnRef idx="2">
+        <a:scrgbClr r="0" g="0" b="0"/>
+      </a:lnRef>
+      <a:fillRef idx="1">
+        <a:scrgbClr r="0" g="0" b="0"/>
+      </a:fillRef>
+      <a:effectRef idx="0">
+        <a:scrgbClr r="0" g="0" b="0"/>
+      </a:effectRef>
+      <a:fontRef idx="minor"/>
+    </dgm:style>
+  </dgm:styleLbl>
+  <dgm:styleLbl name="solidFgAcc1">
+    <dgm:scene3d>
+      <a:camera prst="orthographicFront"/>
+      <a:lightRig rig="threePt" dir="t"/>
+    </dgm:scene3d>
+    <dgm:sp3d/>
+    <dgm:txPr/>
+    <dgm:style>
+      <a:lnRef idx="2">
+        <a:scrgbClr r="0" g="0" b="0"/>
+      </a:lnRef>
+      <a:fillRef idx="1">
+        <a:scrgbClr r="0" g="0" b="0"/>
+      </a:fillRef>
+      <a:effectRef idx="0">
+        <a:scrgbClr r="0" g="0" b="0"/>
+      </a:effectRef>
+      <a:fontRef idx="minor"/>
+    </dgm:style>
+  </dgm:styleLbl>
+  <dgm:styleLbl name="solidAlignAcc1">
+    <dgm:scene3d>
+      <a:camera prst="orthographicFront"/>
+      <a:lightRig rig="threePt" dir="t"/>
+    </dgm:scene3d>
+    <dgm:sp3d/>
+    <dgm:txPr/>
+    <dgm:style>
+      <a:lnRef idx="2">
+        <a:scrgbClr r="0" g="0" b="0"/>
+      </a:lnRef>
+      <a:fillRef idx="1">
+        <a:scrgbClr r="0" g="0" b="0"/>
+      </a:fillRef>
+      <a:effectRef idx="0">
+        <a:scrgbClr r="0" g="0" b="0"/>
+      </a:effectRef>
+      <a:fontRef idx="minor"/>
+    </dgm:style>
+  </dgm:styleLbl>
+  <dgm:styleLbl name="solidBgAcc1">
+    <dgm:scene3d>
+      <a:camera prst="orthographicFront"/>
+      <a:lightRig rig="threePt" dir="t"/>
+    </dgm:scene3d>
+    <dgm:sp3d/>
+    <dgm:txPr/>
+    <dgm:style>
+      <a:lnRef idx="2">
+        <a:scrgbClr r="0" g="0" b="0"/>
+      </a:lnRef>
+      <a:fillRef idx="1">
+        <a:scrgbClr r="0" g="0" b="0"/>
+      </a:fillRef>
+      <a:effectRef idx="0">
+        <a:scrgbClr r="0" g="0" b="0"/>
+      </a:effectRef>
+      <a:fontRef idx="minor"/>
+    </dgm:style>
+  </dgm:styleLbl>
+  <dgm:styleLbl name="fgAccFollowNode1">
+    <dgm:scene3d>
+      <a:camera prst="orthographicFront"/>
+      <a:lightRig rig="threePt" dir="t"/>
+    </dgm:scene3d>
+    <dgm:sp3d/>
+    <dgm:txPr/>
+    <dgm:style>
+      <a:lnRef idx="2">
+        <a:scrgbClr r="0" g="0" b="0"/>
+      </a:lnRef>
+      <a:fillRef idx="1">
+        <a:scrgbClr r="0" g="0" b="0"/>
+      </a:fillRef>
+      <a:effectRef idx="0">
+        <a:scrgbClr r="0" g="0" b="0"/>
+      </a:effectRef>
+      <a:fontRef idx="minor"/>
+    </dgm:style>
+  </dgm:styleLbl>
+  <dgm:styleLbl name="alignAccFollowNode1">
+    <dgm:scene3d>
+      <a:camera prst="orthographicFront"/>
+      <a:lightRig rig="threePt" dir="t"/>
+    </dgm:scene3d>
+    <dgm:sp3d/>
+    <dgm:txPr/>
+    <dgm:style>
+      <a:lnRef idx="2">
+        <a:scrgbClr r="0" g="0" b="0"/>
+      </a:lnRef>
+      <a:fillRef idx="1">
+        <a:scrgbClr r="0" g="0" b="0"/>
+      </a:fillRef>
+      <a:effectRef idx="0">
+        <a:scrgbClr r="0" g="0" b="0"/>
+      </a:effectRef>
+      <a:fontRef idx="minor"/>
+    </dgm:style>
+  </dgm:styleLbl>
+  <dgm:styleLbl name="bgAccFollowNode1">
+    <dgm:scene3d>
+      <a:camera prst="orthographicFront"/>
+      <a:lightRig rig="threePt" dir="t"/>
+    </dgm:scene3d>
+    <dgm:sp3d/>
+    <dgm:txPr/>
+    <dgm:style>
+      <a:lnRef idx="2">
+        <a:scrgbClr r="0" g="0" b="0"/>
+      </a:lnRef>
+      <a:fillRef idx="1">
+        <a:scrgbClr r="0" g="0" b="0"/>
+      </a:fillRef>
+      <a:effectRef idx="0">
+        <a:scrgbClr r="0" g="0" b="0"/>
+      </a:effectRef>
+      <a:fontRef idx="minor"/>
+    </dgm:style>
+  </dgm:styleLbl>
+  <dgm:styleLbl name="fgAcc0">
+    <dgm:scene3d>
+      <a:camera prst="orthographicFront"/>
+      <a:lightRig rig="threePt" dir="t"/>
+    </dgm:scene3d>
+    <dgm:sp3d/>
+    <dgm:txPr/>
+    <dgm:style>
+      <a:lnRef idx="2">
+        <a:scrgbClr r="0" g="0" b="0"/>
+      </a:lnRef>
+      <a:fillRef idx="1">
+        <a:scrgbClr r="0" g="0" b="0"/>
+      </a:fillRef>
+      <a:effectRef idx="0">
+        <a:scrgbClr r="0" g="0" b="0"/>
+      </a:effectRef>
+      <a:fontRef idx="minor"/>
+    </dgm:style>
+  </dgm:styleLbl>
+  <dgm:styleLbl name="fgAcc2">
+    <dgm:scene3d>
+      <a:camera prst="orthographicFront"/>
+      <a:lightRig rig="threePt" dir="t"/>
+    </dgm:scene3d>
+    <dgm:sp3d/>
+    <dgm:txPr/>
+    <dgm:style>
+      <a:lnRef idx="2">
+        <a:scrgbClr r="0" g="0" b="0"/>
+      </a:lnRef>
+      <a:fillRef idx="1">
+        <a:scrgbClr r="0" g="0" b="0"/>
+      </a:fillRef>
+      <a:effectRef idx="0">
+        <a:scrgbClr r="0" g="0" b="0"/>
+      </a:effectRef>
+      <a:fontRef idx="minor"/>
+    </dgm:style>
+  </dgm:styleLbl>
+  <dgm:styleLbl name="fgAcc3">
+    <dgm:scene3d>
+      <a:camera prst="orthographicFront"/>
+      <a:lightRig rig="threePt" dir="t"/>
+    </dgm:scene3d>
+    <dgm:sp3d/>
+    <dgm:txPr/>
+    <dgm:style>
+      <a:lnRef idx="2">
+        <a:scrgbClr r="0" g="0" b="0"/>
+      </a:lnRef>
+      <a:fillRef idx="1">
+        <a:scrgbClr r="0" g="0" b="0"/>
+      </a:fillRef>
+      <a:effectRef idx="0">
+        <a:scrgbClr r="0" g="0" b="0"/>
+      </a:effectRef>
+      <a:fontRef idx="minor"/>
+    </dgm:style>
+  </dgm:styleLbl>
+  <dgm:styleLbl name="fgAcc4">
+    <dgm:scene3d>
+      <a:camera prst="orthographicFront"/>
+      <a:lightRig rig="threePt" dir="t"/>
+    </dgm:scene3d>
+    <dgm:sp3d/>
+    <dgm:txPr/>
+    <dgm:style>
+      <a:lnRef idx="2">
+        <a:scrgbClr r="0" g="0" b="0"/>
+      </a:lnRef>
+      <a:fillRef idx="1">
+        <a:scrgbClr r="0" g="0" b="0"/>
+      </a:fillRef>
+      <a:effectRef idx="0">
+        <a:scrgbClr r="0" g="0" b="0"/>
+      </a:effectRef>
+      <a:fontRef idx="minor"/>
+    </dgm:style>
+  </dgm:styleLbl>
+  <dgm:styleLbl name="bgShp">
+    <dgm:scene3d>
+      <a:camera prst="orthographicFront"/>
+      <a:lightRig rig="threePt" dir="t"/>
+    </dgm:scene3d>
+    <dgm:sp3d/>
+    <dgm:txPr/>
+    <dgm:style>
+      <a:lnRef idx="0">
+        <a:scrgbClr r="0" g="0" b="0"/>
+      </a:lnRef>
+      <a:fillRef idx="1">
+        <a:scrgbClr r="0" g="0" b="0"/>
+      </a:fillRef>
+      <a:effectRef idx="0">
+        <a:scrgbClr r="0" g="0" b="0"/>
+      </a:effectRef>
+      <a:fontRef idx="minor"/>
+    </dgm:style>
+  </dgm:styleLbl>
+  <dgm:styleLbl name="dkBgShp">
+    <dgm:scene3d>
+      <a:camera prst="orthographicFront"/>
+      <a:lightRig rig="threePt" dir="t"/>
+    </dgm:scene3d>
+    <dgm:sp3d/>
+    <dgm:txPr/>
+    <dgm:style>
+      <a:lnRef idx="0">
+        <a:scrgbClr r="0" g="0" b="0"/>
+      </a:lnRef>
+      <a:fillRef idx="1">
+        <a:scrgbClr r="0" g="0" b="0"/>
+      </a:fillRef>
+      <a:effectRef idx="0">
+        <a:scrgbClr r="0" g="0" b="0"/>
+      </a:effectRef>
+      <a:fontRef idx="minor"/>
+    </dgm:style>
+  </dgm:styleLbl>
+  <dgm:styleLbl name="trBgShp">
+    <dgm:scene3d>
+      <a:camera prst="orthographicFront"/>
+      <a:lightRig rig="threePt" dir="t"/>
+    </dgm:scene3d>
+    <dgm:sp3d/>
+    <dgm:txPr/>
+    <dgm:style>
+      <a:lnRef idx="0">
+        <a:scrgbClr r="0" g="0" b="0"/>
+      </a:lnRef>
+      <a:fillRef idx="1">
+        <a:scrgbClr r="0" g="0" b="0"/>
+      </a:fillRef>
+      <a:effectRef idx="0">
+        <a:scrgbClr r="0" g="0" b="0"/>
+      </a:effectRef>
+      <a:fontRef idx="minor"/>
+    </dgm:style>
+  </dgm:styleLbl>
+  <dgm:styleLbl name="fgShp">
+    <dgm:scene3d>
+      <a:camera prst="orthographicFront"/>
+      <a:lightRig rig="threePt" dir="t"/>
+    </dgm:scene3d>
+    <dgm:sp3d/>
+    <dgm:txPr/>
+    <dgm:style>
+      <a:lnRef idx="2">
+        <a:scrgbClr r="0" g="0" b="0"/>
+      </a:lnRef>
+      <a:fillRef idx="1">
+        <a:scrgbClr r="0" g="0" b="0"/>
+      </a:fillRef>
+      <a:effectRef idx="0">
+        <a:scrgbClr r="0" g="0" b="0"/>
+      </a:effectRef>
+      <a:fontRef idx="minor"/>
+    </dgm:style>
+  </dgm:styleLbl>
+  <dgm:styleLbl name="revTx">
+    <dgm:scene3d>
+      <a:camera prst="orthographicFront"/>
+      <a:lightRig rig="threePt" dir="t"/>
+    </dgm:scene3d>
+    <dgm:sp3d/>
+    <dgm:txPr/>
+    <dgm:style>
+      <a:lnRef idx="0">
+        <a:scrgbClr r="0" g="0" b="0"/>
+      </a:lnRef>
+      <a:fillRef idx="0">
+        <a:scrgbClr r="0" g="0" b="0"/>
+      </a:fillRef>
+      <a:effectRef idx="0">
+        <a:scrgbClr r="0" g="0" b="0"/>
+      </a:effectRef>
+      <a:fontRef idx="minor"/>
+    </dgm:style>
+  </dgm:styleLbl>
+</dgm:styleDef>
+</file>
+
 <file path=ppt/drawings/drawing1.xml><?xml version="1.0" encoding="utf-8"?>
 <c:userShapes xmlns:c="http://schemas.openxmlformats.org/drawingml/2006/chart">
   <cdr:relSizeAnchor xmlns:cdr="http://schemas.openxmlformats.org/drawingml/2006/chartDrawing">
@@ -7780,7 +11129,7 @@
           <a:p>
             <a:fld id="{60702B95-D4DE-4361-B9FE-3F00A8D442D3}" type="datetimeFigureOut">
               <a:rPr lang="en-US" smtClean="0"/>
-              <a:t>5/6/2023</a:t>
+              <a:t>5/10/2023</a:t>
             </a:fld>
             <a:endParaRPr lang="en-US"/>
           </a:p>
@@ -8112,7 +11461,7 @@
           <a:p>
             <a:fld id="{8EBD30F0-EA15-4A15-AB81-EC11200C50EB}" type="slidenum">
               <a:rPr lang="en-US" smtClean="0"/>
-              <a:t>5</a:t>
+              <a:t>7</a:t>
             </a:fld>
             <a:endParaRPr lang="en-US"/>
           </a:p>
@@ -8200,7 +11549,7 @@
           <a:p>
             <a:fld id="{8EBD30F0-EA15-4A15-AB81-EC11200C50EB}" type="slidenum">
               <a:rPr lang="en-US" smtClean="0"/>
-              <a:t>15</a:t>
+              <a:t>17</a:t>
             </a:fld>
             <a:endParaRPr lang="en-US"/>
           </a:p>
@@ -8288,7 +11637,7 @@
           <a:p>
             <a:fld id="{8EBD30F0-EA15-4A15-AB81-EC11200C50EB}" type="slidenum">
               <a:rPr lang="en-US" smtClean="0"/>
-              <a:t>16</a:t>
+              <a:t>18</a:t>
             </a:fld>
             <a:endParaRPr lang="en-US"/>
           </a:p>
@@ -8376,7 +11725,7 @@
           <a:p>
             <a:fld id="{8EBD30F0-EA15-4A15-AB81-EC11200C50EB}" type="slidenum">
               <a:rPr lang="en-US" smtClean="0"/>
-              <a:t>17</a:t>
+              <a:t>19</a:t>
             </a:fld>
             <a:endParaRPr lang="en-US"/>
           </a:p>
@@ -8496,7 +11845,7 @@
           <a:p>
             <a:fld id="{8EBD30F0-EA15-4A15-AB81-EC11200C50EB}" type="slidenum">
               <a:rPr lang="en-US" smtClean="0"/>
-              <a:t>6</a:t>
+              <a:t>8</a:t>
             </a:fld>
             <a:endParaRPr lang="en-US"/>
           </a:p>
@@ -8596,7 +11945,7 @@
           <a:p>
             <a:fld id="{8EBD30F0-EA15-4A15-AB81-EC11200C50EB}" type="slidenum">
               <a:rPr lang="en-US" smtClean="0"/>
-              <a:t>7</a:t>
+              <a:t>9</a:t>
             </a:fld>
             <a:endParaRPr lang="en-US"/>
           </a:p>
@@ -8712,7 +12061,7 @@
           <a:p>
             <a:fld id="{8EBD30F0-EA15-4A15-AB81-EC11200C50EB}" type="slidenum">
               <a:rPr lang="en-US" smtClean="0"/>
-              <a:t>8</a:t>
+              <a:t>10</a:t>
             </a:fld>
             <a:endParaRPr lang="en-US"/>
           </a:p>
@@ -8848,7 +12197,7 @@
           <a:p>
             <a:fld id="{8EBD30F0-EA15-4A15-AB81-EC11200C50EB}" type="slidenum">
               <a:rPr lang="en-US" smtClean="0"/>
-              <a:t>9</a:t>
+              <a:t>11</a:t>
             </a:fld>
             <a:endParaRPr lang="en-US"/>
           </a:p>
@@ -8935,7 +12284,7 @@
           <a:p>
             <a:fld id="{8EBD30F0-EA15-4A15-AB81-EC11200C50EB}" type="slidenum">
               <a:rPr lang="en-US" smtClean="0"/>
-              <a:t>10</a:t>
+              <a:t>12</a:t>
             </a:fld>
             <a:endParaRPr lang="en-US"/>
           </a:p>
@@ -9025,7 +12374,7 @@
           <a:p>
             <a:fld id="{8EBD30F0-EA15-4A15-AB81-EC11200C50EB}" type="slidenum">
               <a:rPr lang="en-US" smtClean="0"/>
-              <a:t>12</a:t>
+              <a:t>14</a:t>
             </a:fld>
             <a:endParaRPr lang="en-US"/>
           </a:p>
@@ -9112,7 +12461,7 @@
           <a:p>
             <a:fld id="{8EBD30F0-EA15-4A15-AB81-EC11200C50EB}" type="slidenum">
               <a:rPr lang="en-US" smtClean="0"/>
-              <a:t>13</a:t>
+              <a:t>15</a:t>
             </a:fld>
             <a:endParaRPr lang="en-US"/>
           </a:p>
@@ -9200,7 +12549,7 @@
           <a:p>
             <a:fld id="{8EBD30F0-EA15-4A15-AB81-EC11200C50EB}" type="slidenum">
               <a:rPr lang="en-US" smtClean="0"/>
-              <a:t>14</a:t>
+              <a:t>16</a:t>
             </a:fld>
             <a:endParaRPr lang="en-US"/>
           </a:p>
@@ -9350,7 +12699,7 @@
           <a:p>
             <a:fld id="{C43A76A3-ADC8-4477-8FC1-B9DD55D84908}" type="datetime1">
               <a:rPr lang="en-US" smtClean="0"/>
-              <a:t>5/6/2023</a:t>
+              <a:t>5/10/2023</a:t>
             </a:fld>
             <a:endParaRPr lang="en-US" dirty="0"/>
           </a:p>
@@ -9513,7 +12862,7 @@
           <a:p>
             <a:fld id="{D6762538-DC4D-4667-96E5-B3278DDF8B12}" type="datetime1">
               <a:rPr lang="en-US" smtClean="0"/>
-              <a:t>5/6/2023</a:t>
+              <a:t>5/10/2023</a:t>
             </a:fld>
             <a:endParaRPr lang="en-US"/>
           </a:p>
@@ -9686,7 +13035,7 @@
           <a:p>
             <a:fld id="{05880548-5C08-4BE3-B63E-F2BB63B0B00C}" type="datetime1">
               <a:rPr lang="en-US" smtClean="0"/>
-              <a:t>5/6/2023</a:t>
+              <a:t>5/10/2023</a:t>
             </a:fld>
             <a:endParaRPr lang="en-US"/>
           </a:p>
@@ -9849,7 +13198,7 @@
           <a:p>
             <a:fld id="{DE7F49BE-398D-479A-8A7E-5DDBCA61EDCB}" type="datetime1">
               <a:rPr lang="en-US" smtClean="0"/>
-              <a:t>5/6/2023</a:t>
+              <a:t>5/10/2023</a:t>
             </a:fld>
             <a:endParaRPr lang="en-US"/>
           </a:p>
@@ -10090,7 +13439,7 @@
           <a:p>
             <a:fld id="{CCD0C193-4974-4A1F-9C63-07D595E30D66}" type="datetime1">
               <a:rPr lang="en-US" smtClean="0"/>
-              <a:t>5/6/2023</a:t>
+              <a:t>5/10/2023</a:t>
             </a:fld>
             <a:endParaRPr lang="en-US"/>
           </a:p>
@@ -10316,7 +13665,7 @@
           <a:p>
             <a:fld id="{701AA87F-28D4-4BF0-B81F-877A89DFD5AC}" type="datetime1">
               <a:rPr lang="en-US" smtClean="0"/>
-              <a:t>5/6/2023</a:t>
+              <a:t>5/10/2023</a:t>
             </a:fld>
             <a:endParaRPr lang="en-US"/>
           </a:p>
@@ -10677,7 +14026,7 @@
           <a:p>
             <a:fld id="{A8A9F1F3-208B-49A3-B337-9C8ACEB3E0E1}" type="datetime1">
               <a:rPr lang="en-US" smtClean="0"/>
-              <a:t>5/6/2023</a:t>
+              <a:t>5/10/2023</a:t>
             </a:fld>
             <a:endParaRPr lang="en-US"/>
           </a:p>
@@ -10795,7 +14144,7 @@
           <a:p>
             <a:fld id="{27AF6CA6-7293-4AA2-A0E0-A3BF4416E786}" type="datetime1">
               <a:rPr lang="en-US" smtClean="0"/>
-              <a:t>5/6/2023</a:t>
+              <a:t>5/10/2023</a:t>
             </a:fld>
             <a:endParaRPr lang="en-US"/>
           </a:p>
@@ -10885,7 +14234,7 @@
           <a:p>
             <a:fld id="{98D87016-7BCD-46FB-8EE3-AB6C369108B4}" type="datetime1">
               <a:rPr lang="en-US" smtClean="0"/>
-              <a:t>5/6/2023</a:t>
+              <a:t>5/10/2023</a:t>
             </a:fld>
             <a:endParaRPr lang="en-US"/>
           </a:p>
@@ -11163,7 +14512,7 @@
           <a:p>
             <a:fld id="{A1547011-1FFC-4EF8-9A2E-53B4AD2ADBD4}" type="datetime1">
               <a:rPr lang="en-US" smtClean="0"/>
-              <a:t>5/6/2023</a:t>
+              <a:t>5/10/2023</a:t>
             </a:fld>
             <a:endParaRPr lang="en-US"/>
           </a:p>
@@ -11417,7 +14766,7 @@
           <a:p>
             <a:fld id="{9562EB47-45B4-4EF5-A743-B4885DD2F060}" type="datetime1">
               <a:rPr lang="en-US" smtClean="0"/>
-              <a:t>5/6/2023</a:t>
+              <a:t>5/10/2023</a:t>
             </a:fld>
             <a:endParaRPr lang="en-US"/>
           </a:p>
@@ -12671,7 +16020,7 @@
           <a:p>
             <a:fld id="{4A8D24A4-5FEC-4062-8995-EB21925B3B40}" type="datetime1">
               <a:rPr lang="en-US" smtClean="0"/>
-              <a:t>5/6/2023</a:t>
+              <a:t>5/10/2023</a:t>
             </a:fld>
             <a:endParaRPr lang="en-US" sz="1000" dirty="0"/>
           </a:p>
@@ -13819,6 +17168,1664 @@
           <a:chExt cx="0" cy="0"/>
         </a:xfrm>
       </p:grpSpPr>
+      <p:sp useBgFill="1">
+        <p:nvSpPr>
+          <p:cNvPr id="94" name="Rectangle 68">
+            <a:extLst>
+              <a:ext uri="{FF2B5EF4-FFF2-40B4-BE49-F238E27FC236}">
+                <a16:creationId xmlns:a16="http://schemas.microsoft.com/office/drawing/2014/main" id="{BACC6370-2D7E-4714-9D71-7542949D7D5D}"/>
+              </a:ext>
+              <a:ext uri="{C183D7F6-B498-43B3-948B-1728B52AA6E4}">
+                <adec:decorative xmlns:adec="http://schemas.microsoft.com/office/drawing/2017/decorative" val="1"/>
+              </a:ext>
+            </a:extLst>
+          </p:cNvPr>
+          <p:cNvSpPr>
+            <a:spLocks noGrp="1" noRot="1" noChangeAspect="1" noMove="1" noResize="1" noEditPoints="1" noAdjustHandles="1" noChangeArrowheads="1" noChangeShapeType="1" noTextEdit="1"/>
+          </p:cNvSpPr>
+          <p:nvPr>
+            <p:extLst>
+              <p:ext uri="{386F3935-93C4-4BCD-93E2-E3B085C9AB24}">
+                <p16:designElem xmlns:p16="http://schemas.microsoft.com/office/powerpoint/2015/main" val="1"/>
+              </p:ext>
+            </p:extLst>
+          </p:nvPr>
+        </p:nvSpPr>
+        <p:spPr>
+          <a:xfrm>
+            <a:off x="0" y="0"/>
+            <a:ext cx="12192000" cy="6858000"/>
+          </a:xfrm>
+          <a:prstGeom prst="rect">
+            <a:avLst/>
+          </a:prstGeom>
+          <a:ln w="12700" cap="flat" cmpd="sng" algn="ctr">
+            <a:noFill/>
+            <a:prstDash val="solid"/>
+            <a:miter lim="800000"/>
+          </a:ln>
+          <a:effectLst/>
+          <a:extLst>
+            <a:ext uri="{91240B29-F687-4F45-9708-019B960494DF}">
+              <a14:hiddenLine xmlns:a14="http://schemas.microsoft.com/office/drawing/2010/main" w="12700" cap="flat" cmpd="sng" algn="ctr">
+                <a:solidFill>
+                  <a:schemeClr val="accent1">
+                    <a:shade val="50000"/>
+                  </a:schemeClr>
+                </a:solidFill>
+                <a:prstDash val="solid"/>
+                <a:miter lim="800000"/>
+              </a14:hiddenLine>
+            </a:ext>
+          </a:extLst>
+        </p:spPr>
+        <p:style>
+          <a:lnRef idx="2">
+            <a:schemeClr val="accent1">
+              <a:shade val="50000"/>
+            </a:schemeClr>
+          </a:lnRef>
+          <a:fillRef idx="1">
+            <a:schemeClr val="accent1"/>
+          </a:fillRef>
+          <a:effectRef idx="0">
+            <a:schemeClr val="accent1"/>
+          </a:effectRef>
+          <a:fontRef idx="minor">
+            <a:schemeClr val="lt1"/>
+          </a:fontRef>
+        </p:style>
+        <p:txBody>
+          <a:bodyPr rtlCol="0" anchor="ctr"/>
+          <a:lstStyle/>
+          <a:p>
+            <a:pPr algn="ctr"/>
+            <a:endParaRPr lang="en-US"/>
+          </a:p>
+        </p:txBody>
+      </p:sp>
+      <p:sp>
+        <p:nvSpPr>
+          <p:cNvPr id="95" name="Rectangle 70">
+            <a:extLst>
+              <a:ext uri="{FF2B5EF4-FFF2-40B4-BE49-F238E27FC236}">
+                <a16:creationId xmlns:a16="http://schemas.microsoft.com/office/drawing/2014/main" id="{256B2C21-A230-48C0-8DF1-C46611373C44}"/>
+              </a:ext>
+              <a:ext uri="{C183D7F6-B498-43B3-948B-1728B52AA6E4}">
+                <adec:decorative xmlns:adec="http://schemas.microsoft.com/office/drawing/2017/decorative" val="1"/>
+              </a:ext>
+            </a:extLst>
+          </p:cNvPr>
+          <p:cNvSpPr>
+            <a:spLocks noGrp="1" noRot="1" noChangeAspect="1" noMove="1" noResize="1" noEditPoints="1" noAdjustHandles="1" noChangeArrowheads="1" noChangeShapeType="1" noTextEdit="1"/>
+          </p:cNvSpPr>
+          <p:nvPr>
+            <p:extLst>
+              <p:ext uri="{386F3935-93C4-4BCD-93E2-E3B085C9AB24}">
+                <p16:designElem xmlns:p16="http://schemas.microsoft.com/office/powerpoint/2015/main" val="1"/>
+              </p:ext>
+            </p:extLst>
+          </p:nvPr>
+        </p:nvSpPr>
+        <p:spPr>
+          <a:xfrm rot="5400000" flipH="1">
+            <a:off x="-1410084" y="1410082"/>
+            <a:ext cx="6858000" cy="4037836"/>
+          </a:xfrm>
+          <a:prstGeom prst="rect">
+            <a:avLst/>
+          </a:prstGeom>
+          <a:gradFill>
+            <a:gsLst>
+              <a:gs pos="8000">
+                <a:srgbClr val="000000"/>
+              </a:gs>
+              <a:gs pos="100000">
+                <a:schemeClr val="accent1">
+                  <a:lumMod val="75000"/>
+                </a:schemeClr>
+              </a:gs>
+            </a:gsLst>
+            <a:lin ang="3000000" scaled="0"/>
+          </a:gradFill>
+          <a:ln>
+            <a:noFill/>
+          </a:ln>
+        </p:spPr>
+        <p:style>
+          <a:lnRef idx="2">
+            <a:schemeClr val="accent1">
+              <a:shade val="50000"/>
+            </a:schemeClr>
+          </a:lnRef>
+          <a:fillRef idx="1">
+            <a:schemeClr val="accent1"/>
+          </a:fillRef>
+          <a:effectRef idx="0">
+            <a:schemeClr val="accent1"/>
+          </a:effectRef>
+          <a:fontRef idx="minor">
+            <a:schemeClr val="lt1"/>
+          </a:fontRef>
+        </p:style>
+        <p:txBody>
+          <a:bodyPr rtlCol="0" anchor="ctr"/>
+          <a:lstStyle/>
+          <a:p>
+            <a:pPr algn="ctr"/>
+            <a:endParaRPr lang="en-US"/>
+          </a:p>
+        </p:txBody>
+      </p:sp>
+      <p:sp>
+        <p:nvSpPr>
+          <p:cNvPr id="96" name="Rectangle 72">
+            <a:extLst>
+              <a:ext uri="{FF2B5EF4-FFF2-40B4-BE49-F238E27FC236}">
+                <a16:creationId xmlns:a16="http://schemas.microsoft.com/office/drawing/2014/main" id="{3847E18C-932D-4C95-AABA-FEC7C9499AD7}"/>
+              </a:ext>
+              <a:ext uri="{C183D7F6-B498-43B3-948B-1728B52AA6E4}">
+                <adec:decorative xmlns:adec="http://schemas.microsoft.com/office/drawing/2017/decorative" val="1"/>
+              </a:ext>
+            </a:extLst>
+          </p:cNvPr>
+          <p:cNvSpPr>
+            <a:spLocks noGrp="1" noRot="1" noChangeAspect="1" noMove="1" noResize="1" noEditPoints="1" noAdjustHandles="1" noChangeArrowheads="1" noChangeShapeType="1" noTextEdit="1"/>
+          </p:cNvSpPr>
+          <p:nvPr>
+            <p:extLst>
+              <p:ext uri="{386F3935-93C4-4BCD-93E2-E3B085C9AB24}">
+                <p16:designElem xmlns:p16="http://schemas.microsoft.com/office/powerpoint/2015/main" val="1"/>
+              </p:ext>
+            </p:extLst>
+          </p:nvPr>
+        </p:nvSpPr>
+        <p:spPr>
+          <a:xfrm rot="5400000" flipH="1">
+            <a:off x="-1410085" y="1420219"/>
+            <a:ext cx="6857999" cy="4037839"/>
+          </a:xfrm>
+          <a:prstGeom prst="rect">
+            <a:avLst/>
+          </a:prstGeom>
+          <a:gradFill>
+            <a:gsLst>
+              <a:gs pos="0">
+                <a:srgbClr val="000000">
+                  <a:alpha val="0"/>
+                </a:srgbClr>
+              </a:gs>
+              <a:gs pos="99000">
+                <a:schemeClr val="accent1">
+                  <a:alpha val="46000"/>
+                </a:schemeClr>
+              </a:gs>
+            </a:gsLst>
+            <a:lin ang="1800000" scaled="0"/>
+          </a:gradFill>
+          <a:ln>
+            <a:noFill/>
+          </a:ln>
+        </p:spPr>
+        <p:style>
+          <a:lnRef idx="2">
+            <a:schemeClr val="accent1">
+              <a:shade val="50000"/>
+            </a:schemeClr>
+          </a:lnRef>
+          <a:fillRef idx="1">
+            <a:schemeClr val="accent1"/>
+          </a:fillRef>
+          <a:effectRef idx="0">
+            <a:schemeClr val="accent1"/>
+          </a:effectRef>
+          <a:fontRef idx="minor">
+            <a:schemeClr val="lt1"/>
+          </a:fontRef>
+        </p:style>
+        <p:txBody>
+          <a:bodyPr rtlCol="0" anchor="ctr"/>
+          <a:lstStyle/>
+          <a:p>
+            <a:pPr algn="ctr"/>
+            <a:endParaRPr lang="en-US"/>
+          </a:p>
+        </p:txBody>
+      </p:sp>
+      <p:sp>
+        <p:nvSpPr>
+          <p:cNvPr id="97" name="Rectangle 74">
+            <a:extLst>
+              <a:ext uri="{FF2B5EF4-FFF2-40B4-BE49-F238E27FC236}">
+                <a16:creationId xmlns:a16="http://schemas.microsoft.com/office/drawing/2014/main" id="{3150CB11-0C61-439E-910F-5787759E72A0}"/>
+              </a:ext>
+              <a:ext uri="{C183D7F6-B498-43B3-948B-1728B52AA6E4}">
+                <adec:decorative xmlns:adec="http://schemas.microsoft.com/office/drawing/2017/decorative" val="1"/>
+              </a:ext>
+            </a:extLst>
+          </p:cNvPr>
+          <p:cNvSpPr>
+            <a:spLocks noGrp="1" noRot="1" noChangeAspect="1" noMove="1" noResize="1" noEditPoints="1" noAdjustHandles="1" noChangeArrowheads="1" noChangeShapeType="1" noTextEdit="1"/>
+          </p:cNvSpPr>
+          <p:nvPr>
+            <p:extLst>
+              <p:ext uri="{386F3935-93C4-4BCD-93E2-E3B085C9AB24}">
+                <p16:designElem xmlns:p16="http://schemas.microsoft.com/office/powerpoint/2015/main" val="1"/>
+              </p:ext>
+            </p:extLst>
+          </p:nvPr>
+        </p:nvSpPr>
+        <p:spPr>
+          <a:xfrm rot="5400000" flipH="1">
+            <a:off x="767923" y="3588085"/>
+            <a:ext cx="2501979" cy="4037841"/>
+          </a:xfrm>
+          <a:prstGeom prst="rect">
+            <a:avLst/>
+          </a:prstGeom>
+          <a:gradFill>
+            <a:gsLst>
+              <a:gs pos="2000">
+                <a:schemeClr val="accent1">
+                  <a:alpha val="29000"/>
+                </a:schemeClr>
+              </a:gs>
+              <a:gs pos="100000">
+                <a:srgbClr val="000000">
+                  <a:alpha val="30000"/>
+                </a:srgbClr>
+              </a:gs>
+            </a:gsLst>
+            <a:lin ang="7800000" scaled="0"/>
+          </a:gradFill>
+          <a:ln>
+            <a:noFill/>
+          </a:ln>
+        </p:spPr>
+        <p:style>
+          <a:lnRef idx="2">
+            <a:schemeClr val="accent1">
+              <a:shade val="50000"/>
+            </a:schemeClr>
+          </a:lnRef>
+          <a:fillRef idx="1">
+            <a:schemeClr val="accent1"/>
+          </a:fillRef>
+          <a:effectRef idx="0">
+            <a:schemeClr val="accent1"/>
+          </a:effectRef>
+          <a:fontRef idx="minor">
+            <a:schemeClr val="lt1"/>
+          </a:fontRef>
+        </p:style>
+        <p:txBody>
+          <a:bodyPr rtlCol="0" anchor="ctr"/>
+          <a:lstStyle/>
+          <a:p>
+            <a:pPr algn="ctr"/>
+            <a:endParaRPr lang="en-US" dirty="0"/>
+          </a:p>
+        </p:txBody>
+      </p:sp>
+      <p:sp>
+        <p:nvSpPr>
+          <p:cNvPr id="98" name="Freeform: Shape 76">
+            <a:extLst>
+              <a:ext uri="{FF2B5EF4-FFF2-40B4-BE49-F238E27FC236}">
+                <a16:creationId xmlns:a16="http://schemas.microsoft.com/office/drawing/2014/main" id="{43F8A58B-5155-44CE-A5FF-7647B47D0A7A}"/>
+              </a:ext>
+              <a:ext uri="{C183D7F6-B498-43B3-948B-1728B52AA6E4}">
+                <adec:decorative xmlns:adec="http://schemas.microsoft.com/office/drawing/2017/decorative" val="1"/>
+              </a:ext>
+            </a:extLst>
+          </p:cNvPr>
+          <p:cNvSpPr>
+            <a:spLocks noGrp="1" noRot="1" noChangeAspect="1" noMove="1" noResize="1" noEditPoints="1" noAdjustHandles="1" noChangeArrowheads="1" noChangeShapeType="1" noTextEdit="1"/>
+          </p:cNvSpPr>
+          <p:nvPr>
+            <p:extLst>
+              <p:ext uri="{386F3935-93C4-4BCD-93E2-E3B085C9AB24}">
+                <p16:designElem xmlns:p16="http://schemas.microsoft.com/office/powerpoint/2015/main" val="1"/>
+              </p:ext>
+            </p:extLst>
+          </p:nvPr>
+        </p:nvSpPr>
+        <p:spPr>
+          <a:xfrm rot="20635413">
+            <a:off x="-501737" y="969718"/>
+            <a:ext cx="3900357" cy="4178958"/>
+          </a:xfrm>
+          <a:custGeom>
+            <a:avLst/>
+            <a:gdLst>
+              <a:gd name="connsiteX0" fmla="*/ 2432225 w 3900357"/>
+              <a:gd name="connsiteY0" fmla="*/ 93939 h 4178958"/>
+              <a:gd name="connsiteX1" fmla="*/ 3900357 w 3900357"/>
+              <a:gd name="connsiteY1" fmla="*/ 2089479 h 4178958"/>
+              <a:gd name="connsiteX2" fmla="*/ 1810878 w 3900357"/>
+              <a:gd name="connsiteY2" fmla="*/ 4178958 h 4178958"/>
+              <a:gd name="connsiteX3" fmla="*/ 78249 w 3900357"/>
+              <a:gd name="connsiteY3" fmla="*/ 3257727 h 4178958"/>
+              <a:gd name="connsiteX4" fmla="*/ 0 w 3900357"/>
+              <a:gd name="connsiteY4" fmla="*/ 3128923 h 4178958"/>
+              <a:gd name="connsiteX5" fmla="*/ 831324 w 3900357"/>
+              <a:gd name="connsiteY5" fmla="*/ 244281 h 4178958"/>
+              <a:gd name="connsiteX6" fmla="*/ 997559 w 3900357"/>
+              <a:gd name="connsiteY6" fmla="*/ 164202 h 4178958"/>
+              <a:gd name="connsiteX7" fmla="*/ 1810878 w 3900357"/>
+              <a:gd name="connsiteY7" fmla="*/ 0 h 4178958"/>
+              <a:gd name="connsiteX8" fmla="*/ 2432225 w 3900357"/>
+              <a:gd name="connsiteY8" fmla="*/ 93939 h 4178958"/>
+            </a:gdLst>
+            <a:ahLst/>
+            <a:cxnLst>
+              <a:cxn ang="0">
+                <a:pos x="connsiteX0" y="connsiteY0"/>
+              </a:cxn>
+              <a:cxn ang="0">
+                <a:pos x="connsiteX1" y="connsiteY1"/>
+              </a:cxn>
+              <a:cxn ang="0">
+                <a:pos x="connsiteX2" y="connsiteY2"/>
+              </a:cxn>
+              <a:cxn ang="0">
+                <a:pos x="connsiteX3" y="connsiteY3"/>
+              </a:cxn>
+              <a:cxn ang="0">
+                <a:pos x="connsiteX4" y="connsiteY4"/>
+              </a:cxn>
+              <a:cxn ang="0">
+                <a:pos x="connsiteX5" y="connsiteY5"/>
+              </a:cxn>
+              <a:cxn ang="0">
+                <a:pos x="connsiteX6" y="connsiteY6"/>
+              </a:cxn>
+              <a:cxn ang="0">
+                <a:pos x="connsiteX7" y="connsiteY7"/>
+              </a:cxn>
+              <a:cxn ang="0">
+                <a:pos x="connsiteX8" y="connsiteY8"/>
+              </a:cxn>
+            </a:cxnLst>
+            <a:rect l="l" t="t" r="r" b="b"/>
+            <a:pathLst>
+              <a:path w="3900357" h="4178958">
+                <a:moveTo>
+                  <a:pt x="2432225" y="93939"/>
+                </a:moveTo>
+                <a:cubicBezTo>
+                  <a:pt x="3282786" y="358491"/>
+                  <a:pt x="3900357" y="1151865"/>
+                  <a:pt x="3900357" y="2089479"/>
+                </a:cubicBezTo>
+                <a:cubicBezTo>
+                  <a:pt x="3900357" y="3243466"/>
+                  <a:pt x="2964865" y="4178958"/>
+                  <a:pt x="1810878" y="4178958"/>
+                </a:cubicBezTo>
+                <a:cubicBezTo>
+                  <a:pt x="1089636" y="4178958"/>
+                  <a:pt x="453744" y="3813531"/>
+                  <a:pt x="78249" y="3257727"/>
+                </a:cubicBezTo>
+                <a:lnTo>
+                  <a:pt x="0" y="3128923"/>
+                </a:lnTo>
+                <a:lnTo>
+                  <a:pt x="831324" y="244281"/>
+                </a:lnTo>
+                <a:lnTo>
+                  <a:pt x="997559" y="164202"/>
+                </a:lnTo>
+                <a:cubicBezTo>
+                  <a:pt x="1247540" y="58468"/>
+                  <a:pt x="1522381" y="0"/>
+                  <a:pt x="1810878" y="0"/>
+                </a:cubicBezTo>
+                <a:cubicBezTo>
+                  <a:pt x="2027251" y="0"/>
+                  <a:pt x="2235942" y="32888"/>
+                  <a:pt x="2432225" y="93939"/>
+                </a:cubicBezTo>
+                <a:close/>
+              </a:path>
+            </a:pathLst>
+          </a:custGeom>
+          <a:gradFill>
+            <a:gsLst>
+              <a:gs pos="29000">
+                <a:srgbClr val="000000">
+                  <a:alpha val="0"/>
+                </a:srgbClr>
+              </a:gs>
+              <a:gs pos="100000">
+                <a:schemeClr val="accent1">
+                  <a:alpha val="43000"/>
+                </a:schemeClr>
+              </a:gs>
+            </a:gsLst>
+            <a:lin ang="1800000" scaled="0"/>
+          </a:gradFill>
+          <a:ln>
+            <a:noFill/>
+          </a:ln>
+        </p:spPr>
+        <p:style>
+          <a:lnRef idx="2">
+            <a:schemeClr val="accent1">
+              <a:shade val="50000"/>
+            </a:schemeClr>
+          </a:lnRef>
+          <a:fillRef idx="1">
+            <a:schemeClr val="accent1"/>
+          </a:fillRef>
+          <a:effectRef idx="0">
+            <a:schemeClr val="accent1"/>
+          </a:effectRef>
+          <a:fontRef idx="minor">
+            <a:schemeClr val="lt1"/>
+          </a:fontRef>
+        </p:style>
+        <p:txBody>
+          <a:bodyPr wrap="square" rtlCol="0" anchor="ctr">
+            <a:noAutofit/>
+          </a:bodyPr>
+          <a:lstStyle/>
+          <a:p>
+            <a:pPr algn="ctr"/>
+            <a:endParaRPr lang="en-US" dirty="0"/>
+          </a:p>
+        </p:txBody>
+      </p:sp>
+      <p:sp>
+        <p:nvSpPr>
+          <p:cNvPr id="99" name="Rectangle 78">
+            <a:extLst>
+              <a:ext uri="{FF2B5EF4-FFF2-40B4-BE49-F238E27FC236}">
+                <a16:creationId xmlns:a16="http://schemas.microsoft.com/office/drawing/2014/main" id="{443F2ACA-E6D6-4028-82DD-F03C262D5DE6}"/>
+              </a:ext>
+              <a:ext uri="{C183D7F6-B498-43B3-948B-1728B52AA6E4}">
+                <adec:decorative xmlns:adec="http://schemas.microsoft.com/office/drawing/2017/decorative" val="1"/>
+              </a:ext>
+            </a:extLst>
+          </p:cNvPr>
+          <p:cNvSpPr>
+            <a:spLocks noGrp="1" noRot="1" noChangeAspect="1" noMove="1" noResize="1" noEditPoints="1" noAdjustHandles="1" noChangeArrowheads="1" noChangeShapeType="1" noTextEdit="1"/>
+          </p:cNvSpPr>
+          <p:nvPr>
+            <p:extLst>
+              <p:ext uri="{386F3935-93C4-4BCD-93E2-E3B085C9AB24}">
+                <p16:designElem xmlns:p16="http://schemas.microsoft.com/office/powerpoint/2015/main" val="1"/>
+              </p:ext>
+            </p:extLst>
+          </p:nvPr>
+        </p:nvSpPr>
+        <p:spPr>
+          <a:xfrm rot="5400000" flipH="1">
+            <a:off x="-1410095" y="1410079"/>
+            <a:ext cx="6858003" cy="4037835"/>
+          </a:xfrm>
+          <a:prstGeom prst="rect">
+            <a:avLst/>
+          </a:prstGeom>
+          <a:gradFill>
+            <a:gsLst>
+              <a:gs pos="0">
+                <a:srgbClr val="000000">
+                  <a:alpha val="0"/>
+                </a:srgbClr>
+              </a:gs>
+              <a:gs pos="99000">
+                <a:schemeClr val="accent1">
+                  <a:lumMod val="60000"/>
+                  <a:lumOff val="40000"/>
+                  <a:alpha val="11000"/>
+                </a:schemeClr>
+              </a:gs>
+            </a:gsLst>
+            <a:lin ang="7200000" scaled="0"/>
+          </a:gradFill>
+          <a:ln>
+            <a:noFill/>
+          </a:ln>
+        </p:spPr>
+        <p:style>
+          <a:lnRef idx="2">
+            <a:schemeClr val="accent1">
+              <a:shade val="50000"/>
+            </a:schemeClr>
+          </a:lnRef>
+          <a:fillRef idx="1">
+            <a:schemeClr val="accent1"/>
+          </a:fillRef>
+          <a:effectRef idx="0">
+            <a:schemeClr val="accent1"/>
+          </a:effectRef>
+          <a:fontRef idx="minor">
+            <a:schemeClr val="lt1"/>
+          </a:fontRef>
+        </p:style>
+        <p:txBody>
+          <a:bodyPr rtlCol="0" anchor="ctr"/>
+          <a:lstStyle/>
+          <a:p>
+            <a:pPr algn="ctr"/>
+            <a:endParaRPr lang="en-US"/>
+          </a:p>
+        </p:txBody>
+      </p:sp>
+      <p:sp>
+        <p:nvSpPr>
+          <p:cNvPr id="48" name="TextBox 47">
+            <a:extLst>
+              <a:ext uri="{FF2B5EF4-FFF2-40B4-BE49-F238E27FC236}">
+                <a16:creationId xmlns:a16="http://schemas.microsoft.com/office/drawing/2014/main" id="{605A3C86-A49C-E64A-F8A6-18A82F36B38C}"/>
+              </a:ext>
+            </a:extLst>
+          </p:cNvPr>
+          <p:cNvSpPr txBox="1"/>
+          <p:nvPr/>
+        </p:nvSpPr>
+        <p:spPr>
+          <a:xfrm>
+            <a:off x="586478" y="1683756"/>
+            <a:ext cx="3115265" cy="2396359"/>
+          </a:xfrm>
+          <a:prstGeom prst="rect">
+            <a:avLst/>
+          </a:prstGeom>
+        </p:spPr>
+        <p:txBody>
+          <a:bodyPr vert="horz" lIns="91440" tIns="45720" rIns="91440" bIns="45720" rtlCol="0" anchor="b">
+            <a:normAutofit/>
+          </a:bodyPr>
+          <a:lstStyle/>
+          <a:p>
+            <a:pPr algn="r">
+              <a:lnSpc>
+                <a:spcPct val="90000"/>
+              </a:lnSpc>
+              <a:spcBef>
+                <a:spcPct val="0"/>
+              </a:spcBef>
+              <a:spcAft>
+                <a:spcPts val="600"/>
+              </a:spcAft>
+            </a:pPr>
+            <a:r>
+              <a:rPr lang="en-US" sz="4000" dirty="0">
+                <a:solidFill>
+                  <a:srgbClr val="FFFFFF"/>
+                </a:solidFill>
+                <a:latin typeface="+mj-lt"/>
+                <a:ea typeface="+mj-ea"/>
+                <a:cs typeface="+mj-cs"/>
+              </a:rPr>
+              <a:t>Processed</a:t>
+            </a:r>
+            <a:r>
+              <a:rPr lang="en-US" sz="4000" kern="1200" dirty="0">
+                <a:solidFill>
+                  <a:srgbClr val="FFFFFF"/>
+                </a:solidFill>
+                <a:latin typeface="+mj-lt"/>
+                <a:ea typeface="+mj-ea"/>
+                <a:cs typeface="+mj-cs"/>
+              </a:rPr>
+              <a:t> frass</a:t>
+            </a:r>
+          </a:p>
+        </p:txBody>
+      </p:sp>
+      <p:grpSp>
+        <p:nvGrpSpPr>
+          <p:cNvPr id="12" name="Group 11">
+            <a:extLst>
+              <a:ext uri="{FF2B5EF4-FFF2-40B4-BE49-F238E27FC236}">
+                <a16:creationId xmlns:a16="http://schemas.microsoft.com/office/drawing/2014/main" id="{FAE3AF9D-3936-7B21-E649-E586B00B4E76}"/>
+              </a:ext>
+            </a:extLst>
+          </p:cNvPr>
+          <p:cNvGrpSpPr/>
+          <p:nvPr/>
+        </p:nvGrpSpPr>
+        <p:grpSpPr>
+          <a:xfrm>
+            <a:off x="5989508" y="137597"/>
+            <a:ext cx="4572000" cy="3031108"/>
+            <a:chOff x="1304544" y="255284"/>
+            <a:chExt cx="6194196" cy="4080470"/>
+          </a:xfrm>
+        </p:grpSpPr>
+        <p:pic>
+          <p:nvPicPr>
+            <p:cNvPr id="4" name="Picture 3" descr="Chart, box and whisker chart&#10;&#10;Description automatically generated">
+              <a:extLst>
+                <a:ext uri="{FF2B5EF4-FFF2-40B4-BE49-F238E27FC236}">
+                  <a16:creationId xmlns:a16="http://schemas.microsoft.com/office/drawing/2014/main" id="{84529EA0-6BC6-520D-318D-5EC00B6A1CF3}"/>
+                </a:ext>
+              </a:extLst>
+            </p:cNvPr>
+            <p:cNvPicPr>
+              <a:picLocks noChangeAspect="1"/>
+            </p:cNvPicPr>
+            <p:nvPr/>
+          </p:nvPicPr>
+          <p:blipFill rotWithShape="1">
+            <a:blip r:embed="rId3" cstate="print">
+              <a:extLst>
+                <a:ext uri="{28A0092B-C50C-407E-A947-70E740481C1C}">
+                  <a14:useLocalDpi xmlns:a14="http://schemas.microsoft.com/office/drawing/2010/main" val="0"/>
+                </a:ext>
+              </a:extLst>
+            </a:blip>
+            <a:srcRect b="11622"/>
+            <a:stretch/>
+          </p:blipFill>
+          <p:spPr>
+            <a:xfrm>
+              <a:off x="1304544" y="255284"/>
+              <a:ext cx="6194196" cy="4080470"/>
+            </a:xfrm>
+            <a:prstGeom prst="rect">
+              <a:avLst/>
+            </a:prstGeom>
+          </p:spPr>
+        </p:pic>
+        <p:sp>
+          <p:nvSpPr>
+            <p:cNvPr id="10" name="TextBox 9">
+              <a:extLst>
+                <a:ext uri="{FF2B5EF4-FFF2-40B4-BE49-F238E27FC236}">
+                  <a16:creationId xmlns:a16="http://schemas.microsoft.com/office/drawing/2014/main" id="{57C7CB80-388E-5095-53E6-469B4B8F2C16}"/>
+                </a:ext>
+              </a:extLst>
+            </p:cNvPr>
+            <p:cNvSpPr txBox="1"/>
+            <p:nvPr/>
+          </p:nvSpPr>
+          <p:spPr>
+            <a:xfrm>
+              <a:off x="1304544" y="3783683"/>
+              <a:ext cx="430727" cy="456032"/>
+            </a:xfrm>
+            <a:prstGeom prst="rect">
+              <a:avLst/>
+            </a:prstGeom>
+            <a:noFill/>
+          </p:spPr>
+          <p:txBody>
+            <a:bodyPr wrap="square" rtlCol="0">
+              <a:normAutofit/>
+            </a:bodyPr>
+            <a:lstStyle/>
+            <a:p>
+              <a:pPr>
+                <a:lnSpc>
+                  <a:spcPct val="90000"/>
+                </a:lnSpc>
+                <a:spcAft>
+                  <a:spcPts val="600"/>
+                </a:spcAft>
+              </a:pPr>
+              <a:r>
+                <a:rPr lang="en-US" sz="1200" b="1" dirty="0">
+                  <a:latin typeface="Arial" panose="020B0604020202020204" pitchFamily="34" charset="0"/>
+                  <a:cs typeface="Arial" panose="020B0604020202020204" pitchFamily="34" charset="0"/>
+                </a:rPr>
+                <a:t>A</a:t>
+              </a:r>
+            </a:p>
+          </p:txBody>
+        </p:sp>
+      </p:grpSp>
+      <p:grpSp>
+        <p:nvGrpSpPr>
+          <p:cNvPr id="18" name="Group 17">
+            <a:extLst>
+              <a:ext uri="{FF2B5EF4-FFF2-40B4-BE49-F238E27FC236}">
+                <a16:creationId xmlns:a16="http://schemas.microsoft.com/office/drawing/2014/main" id="{1ED993C9-3472-BB8E-B981-4E626F6DD624}"/>
+              </a:ext>
+            </a:extLst>
+          </p:cNvPr>
+          <p:cNvGrpSpPr/>
+          <p:nvPr/>
+        </p:nvGrpSpPr>
+        <p:grpSpPr>
+          <a:xfrm>
+            <a:off x="5989508" y="3339302"/>
+            <a:ext cx="4572000" cy="3358898"/>
+            <a:chOff x="1345818" y="4480569"/>
+            <a:chExt cx="6311430" cy="4944892"/>
+          </a:xfrm>
+        </p:grpSpPr>
+        <p:pic>
+          <p:nvPicPr>
+            <p:cNvPr id="16" name="Picture 15" descr="Chart, box and whisker chart&#10;&#10;Description automatically generated">
+              <a:extLst>
+                <a:ext uri="{FF2B5EF4-FFF2-40B4-BE49-F238E27FC236}">
+                  <a16:creationId xmlns:a16="http://schemas.microsoft.com/office/drawing/2014/main" id="{AE77A4A5-715D-1485-6BCB-7050CCAFDD74}"/>
+                </a:ext>
+              </a:extLst>
+            </p:cNvPr>
+            <p:cNvPicPr>
+              <a:picLocks noChangeAspect="1"/>
+            </p:cNvPicPr>
+            <p:nvPr/>
+          </p:nvPicPr>
+          <p:blipFill rotWithShape="1">
+            <a:blip r:embed="rId4" cstate="print">
+              <a:extLst>
+                <a:ext uri="{28A0092B-C50C-407E-A947-70E740481C1C}">
+                  <a14:useLocalDpi xmlns:a14="http://schemas.microsoft.com/office/drawing/2010/main" val="0"/>
+                </a:ext>
+              </a:extLst>
+            </a:blip>
+            <a:srcRect t="2064"/>
+            <a:stretch/>
+          </p:blipFill>
+          <p:spPr>
+            <a:xfrm>
+              <a:off x="1345818" y="4480569"/>
+              <a:ext cx="6311430" cy="4944892"/>
+            </a:xfrm>
+            <a:prstGeom prst="rect">
+              <a:avLst/>
+            </a:prstGeom>
+          </p:spPr>
+        </p:pic>
+        <p:sp>
+          <p:nvSpPr>
+            <p:cNvPr id="17" name="TextBox 16">
+              <a:extLst>
+                <a:ext uri="{FF2B5EF4-FFF2-40B4-BE49-F238E27FC236}">
+                  <a16:creationId xmlns:a16="http://schemas.microsoft.com/office/drawing/2014/main" id="{1B600881-6F04-2E48-3997-17715BAA1D64}"/>
+                </a:ext>
+              </a:extLst>
+            </p:cNvPr>
+            <p:cNvSpPr txBox="1"/>
+            <p:nvPr/>
+          </p:nvSpPr>
+          <p:spPr>
+            <a:xfrm>
+              <a:off x="1345818" y="8195401"/>
+              <a:ext cx="438880" cy="498710"/>
+            </a:xfrm>
+            <a:prstGeom prst="rect">
+              <a:avLst/>
+            </a:prstGeom>
+            <a:noFill/>
+          </p:spPr>
+          <p:txBody>
+            <a:bodyPr wrap="square" rtlCol="0">
+              <a:normAutofit/>
+            </a:bodyPr>
+            <a:lstStyle/>
+            <a:p>
+              <a:pPr>
+                <a:lnSpc>
+                  <a:spcPct val="90000"/>
+                </a:lnSpc>
+                <a:spcAft>
+                  <a:spcPts val="600"/>
+                </a:spcAft>
+              </a:pPr>
+              <a:r>
+                <a:rPr lang="en-US" sz="1200" b="1" dirty="0">
+                  <a:latin typeface="Arial" panose="020B0604020202020204" pitchFamily="34" charset="0"/>
+                  <a:cs typeface="Arial" panose="020B0604020202020204" pitchFamily="34" charset="0"/>
+                </a:rPr>
+                <a:t>B</a:t>
+              </a:r>
+            </a:p>
+          </p:txBody>
+        </p:sp>
+      </p:grpSp>
+    </p:spTree>
+  </p:cSld>
+  <p:clrMapOvr>
+    <a:masterClrMapping/>
+  </p:clrMapOvr>
+</p:sld>
+</file>
+
+<file path=ppt/slides/slide11.xml><?xml version="1.0" encoding="utf-8"?>
+<p:sld xmlns:a="http://schemas.openxmlformats.org/drawingml/2006/main" xmlns:r="http://schemas.openxmlformats.org/officeDocument/2006/relationships" xmlns:p="http://schemas.openxmlformats.org/presentationml/2006/main">
+  <p:cSld>
+    <p:bg>
+      <p:bgPr>
+        <a:solidFill>
+          <a:schemeClr val="bg1"/>
+        </a:solidFill>
+        <a:effectLst/>
+      </p:bgPr>
+    </p:bg>
+    <p:spTree>
+      <p:nvGrpSpPr>
+        <p:cNvPr id="1" name=""/>
+        <p:cNvGrpSpPr/>
+        <p:nvPr/>
+      </p:nvGrpSpPr>
+      <p:grpSpPr>
+        <a:xfrm>
+          <a:off x="0" y="0"/>
+          <a:ext cx="0" cy="0"/>
+          <a:chOff x="0" y="0"/>
+          <a:chExt cx="0" cy="0"/>
+        </a:xfrm>
+      </p:grpSpPr>
+      <p:sp>
+        <p:nvSpPr>
+          <p:cNvPr id="75" name="Rectangle 65">
+            <a:extLst>
+              <a:ext uri="{FF2B5EF4-FFF2-40B4-BE49-F238E27FC236}">
+                <a16:creationId xmlns:a16="http://schemas.microsoft.com/office/drawing/2014/main" id="{F3060C83-F051-4F0E-ABAD-AA0DFC48B218}"/>
+              </a:ext>
+              <a:ext uri="{C183D7F6-B498-43B3-948B-1728B52AA6E4}">
+                <adec:decorative xmlns:adec="http://schemas.microsoft.com/office/drawing/2017/decorative" val="1"/>
+              </a:ext>
+            </a:extLst>
+          </p:cNvPr>
+          <p:cNvSpPr>
+            <a:spLocks noGrp="1" noRot="1" noChangeAspect="1" noMove="1" noResize="1" noEditPoints="1" noAdjustHandles="1" noChangeArrowheads="1" noChangeShapeType="1" noTextEdit="1"/>
+          </p:cNvSpPr>
+          <p:nvPr>
+            <p:extLst>
+              <p:ext uri="{386F3935-93C4-4BCD-93E2-E3B085C9AB24}">
+                <p16:designElem xmlns:p16="http://schemas.microsoft.com/office/powerpoint/2015/main" val="1"/>
+              </p:ext>
+            </p:extLst>
+          </p:nvPr>
+        </p:nvSpPr>
+        <p:spPr>
+          <a:xfrm>
+            <a:off x="0" y="0"/>
+            <a:ext cx="12192000" cy="6858000"/>
+          </a:xfrm>
+          <a:prstGeom prst="rect">
+            <a:avLst/>
+          </a:prstGeom>
+          <a:solidFill>
+            <a:schemeClr val="bg1"/>
+          </a:solidFill>
+          <a:ln>
+            <a:noFill/>
+          </a:ln>
+        </p:spPr>
+        <p:style>
+          <a:lnRef idx="2">
+            <a:schemeClr val="accent1">
+              <a:shade val="50000"/>
+            </a:schemeClr>
+          </a:lnRef>
+          <a:fillRef idx="1">
+            <a:schemeClr val="accent1"/>
+          </a:fillRef>
+          <a:effectRef idx="0">
+            <a:schemeClr val="accent1"/>
+          </a:effectRef>
+          <a:fontRef idx="minor">
+            <a:schemeClr val="lt1"/>
+          </a:fontRef>
+        </p:style>
+        <p:txBody>
+          <a:bodyPr rtlCol="0" anchor="ctr"/>
+          <a:lstStyle/>
+          <a:p>
+            <a:pPr algn="ctr"/>
+            <a:endParaRPr lang="en-US" dirty="0"/>
+          </a:p>
+        </p:txBody>
+      </p:sp>
+      <p:sp>
+        <p:nvSpPr>
+          <p:cNvPr id="77" name="Freeform: Shape 67">
+            <a:extLst>
+              <a:ext uri="{FF2B5EF4-FFF2-40B4-BE49-F238E27FC236}">
+                <a16:creationId xmlns:a16="http://schemas.microsoft.com/office/drawing/2014/main" id="{83C98ABE-055B-441F-B07E-44F97F083C39}"/>
+              </a:ext>
+              <a:ext uri="{C183D7F6-B498-43B3-948B-1728B52AA6E4}">
+                <adec:decorative xmlns:adec="http://schemas.microsoft.com/office/drawing/2017/decorative" val="1"/>
+              </a:ext>
+            </a:extLst>
+          </p:cNvPr>
+          <p:cNvSpPr>
+            <a:spLocks noGrp="1" noRot="1" noChangeAspect="1" noMove="1" noResize="1" noEditPoints="1" noAdjustHandles="1" noChangeArrowheads="1" noChangeShapeType="1" noTextEdit="1"/>
+          </p:cNvSpPr>
+          <p:nvPr>
+            <p:extLst>
+              <p:ext uri="{386F3935-93C4-4BCD-93E2-E3B085C9AB24}">
+                <p16:designElem xmlns:p16="http://schemas.microsoft.com/office/powerpoint/2015/main" val="1"/>
+              </p:ext>
+            </p:extLst>
+          </p:nvPr>
+        </p:nvSpPr>
+        <p:spPr>
+          <a:xfrm rot="18900000" flipH="1">
+            <a:off x="-376156" y="-253670"/>
+            <a:ext cx="1827638" cy="1376989"/>
+          </a:xfrm>
+          <a:custGeom>
+            <a:avLst/>
+            <a:gdLst>
+              <a:gd name="connsiteX0" fmla="*/ 0 w 1827638"/>
+              <a:gd name="connsiteY0" fmla="*/ 987379 h 1376989"/>
+              <a:gd name="connsiteX1" fmla="*/ 987379 w 1827638"/>
+              <a:gd name="connsiteY1" fmla="*/ 0 h 1376989"/>
+              <a:gd name="connsiteX2" fmla="*/ 1827638 w 1827638"/>
+              <a:gd name="connsiteY2" fmla="*/ 840260 h 1376989"/>
+              <a:gd name="connsiteX3" fmla="*/ 1827638 w 1827638"/>
+              <a:gd name="connsiteY3" fmla="*/ 1376989 h 1376989"/>
+              <a:gd name="connsiteX4" fmla="*/ 0 w 1827638"/>
+              <a:gd name="connsiteY4" fmla="*/ 1376989 h 1376989"/>
+            </a:gdLst>
+            <a:ahLst/>
+            <a:cxnLst>
+              <a:cxn ang="0">
+                <a:pos x="connsiteX0" y="connsiteY0"/>
+              </a:cxn>
+              <a:cxn ang="0">
+                <a:pos x="connsiteX1" y="connsiteY1"/>
+              </a:cxn>
+              <a:cxn ang="0">
+                <a:pos x="connsiteX2" y="connsiteY2"/>
+              </a:cxn>
+              <a:cxn ang="0">
+                <a:pos x="connsiteX3" y="connsiteY3"/>
+              </a:cxn>
+              <a:cxn ang="0">
+                <a:pos x="connsiteX4" y="connsiteY4"/>
+              </a:cxn>
+            </a:cxnLst>
+            <a:rect l="l" t="t" r="r" b="b"/>
+            <a:pathLst>
+              <a:path w="1827638" h="1376989">
+                <a:moveTo>
+                  <a:pt x="0" y="987379"/>
+                </a:moveTo>
+                <a:lnTo>
+                  <a:pt x="987379" y="0"/>
+                </a:lnTo>
+                <a:lnTo>
+                  <a:pt x="1827638" y="840260"/>
+                </a:lnTo>
+                <a:lnTo>
+                  <a:pt x="1827638" y="1376989"/>
+                </a:lnTo>
+                <a:lnTo>
+                  <a:pt x="0" y="1376989"/>
+                </a:lnTo>
+                <a:close/>
+              </a:path>
+            </a:pathLst>
+          </a:custGeom>
+          <a:solidFill>
+            <a:schemeClr val="accent1">
+              <a:alpha val="30000"/>
+            </a:schemeClr>
+          </a:solidFill>
+          <a:ln>
+            <a:noFill/>
+          </a:ln>
+        </p:spPr>
+        <p:style>
+          <a:lnRef idx="2">
+            <a:schemeClr val="accent1">
+              <a:shade val="50000"/>
+            </a:schemeClr>
+          </a:lnRef>
+          <a:fillRef idx="1">
+            <a:schemeClr val="accent1"/>
+          </a:fillRef>
+          <a:effectRef idx="0">
+            <a:schemeClr val="accent1"/>
+          </a:effectRef>
+          <a:fontRef idx="minor">
+            <a:schemeClr val="lt1"/>
+          </a:fontRef>
+        </p:style>
+        <p:txBody>
+          <a:bodyPr rtlCol="0" anchor="ctr"/>
+          <a:lstStyle/>
+          <a:p>
+            <a:pPr algn="ctr"/>
+            <a:endParaRPr lang="en-US" dirty="0"/>
+          </a:p>
+        </p:txBody>
+      </p:sp>
+      <p:sp>
+        <p:nvSpPr>
+          <p:cNvPr id="79" name="Rectangle 69">
+            <a:extLst>
+              <a:ext uri="{FF2B5EF4-FFF2-40B4-BE49-F238E27FC236}">
+                <a16:creationId xmlns:a16="http://schemas.microsoft.com/office/drawing/2014/main" id="{29FDB030-9B49-4CED-8CCD-4D99382388AC}"/>
+              </a:ext>
+              <a:ext uri="{C183D7F6-B498-43B3-948B-1728B52AA6E4}">
+                <adec:decorative xmlns:adec="http://schemas.microsoft.com/office/drawing/2017/decorative" val="1"/>
+              </a:ext>
+            </a:extLst>
+          </p:cNvPr>
+          <p:cNvSpPr>
+            <a:spLocks noGrp="1" noRot="1" noChangeAspect="1" noMove="1" noResize="1" noEditPoints="1" noAdjustHandles="1" noChangeArrowheads="1" noChangeShapeType="1" noTextEdit="1"/>
+          </p:cNvSpPr>
+          <p:nvPr>
+            <p:extLst>
+              <p:ext uri="{386F3935-93C4-4BCD-93E2-E3B085C9AB24}">
+                <p16:designElem xmlns:p16="http://schemas.microsoft.com/office/powerpoint/2015/main" val="1"/>
+              </p:ext>
+            </p:extLst>
+          </p:nvPr>
+        </p:nvSpPr>
+        <p:spPr>
+          <a:xfrm rot="18900000" flipH="1">
+            <a:off x="891641" y="422146"/>
+            <a:ext cx="645368" cy="645368"/>
+          </a:xfrm>
+          <a:prstGeom prst="rect">
+            <a:avLst/>
+          </a:prstGeom>
+          <a:solidFill>
+            <a:schemeClr val="accent1">
+              <a:alpha val="30000"/>
+            </a:schemeClr>
+          </a:solidFill>
+          <a:ln>
+            <a:noFill/>
+          </a:ln>
+        </p:spPr>
+        <p:style>
+          <a:lnRef idx="2">
+            <a:schemeClr val="accent1">
+              <a:shade val="50000"/>
+            </a:schemeClr>
+          </a:lnRef>
+          <a:fillRef idx="1">
+            <a:schemeClr val="accent1"/>
+          </a:fillRef>
+          <a:effectRef idx="0">
+            <a:schemeClr val="accent1"/>
+          </a:effectRef>
+          <a:fontRef idx="minor">
+            <a:schemeClr val="lt1"/>
+          </a:fontRef>
+        </p:style>
+        <p:txBody>
+          <a:bodyPr rtlCol="0" anchor="ctr"/>
+          <a:lstStyle/>
+          <a:p>
+            <a:pPr algn="ctr"/>
+            <a:endParaRPr lang="en-US"/>
+          </a:p>
+        </p:txBody>
+      </p:sp>
+      <p:sp>
+        <p:nvSpPr>
+          <p:cNvPr id="80" name="Rectangle 71">
+            <a:extLst>
+              <a:ext uri="{FF2B5EF4-FFF2-40B4-BE49-F238E27FC236}">
+                <a16:creationId xmlns:a16="http://schemas.microsoft.com/office/drawing/2014/main" id="{3783CA14-24A1-485C-8B30-D6A5D87987AD}"/>
+              </a:ext>
+              <a:ext uri="{C183D7F6-B498-43B3-948B-1728B52AA6E4}">
+                <adec:decorative xmlns:adec="http://schemas.microsoft.com/office/drawing/2017/decorative" val="1"/>
+              </a:ext>
+            </a:extLst>
+          </p:cNvPr>
+          <p:cNvSpPr>
+            <a:spLocks noGrp="1" noRot="1" noChangeAspect="1" noMove="1" noResize="1" noEditPoints="1" noAdjustHandles="1" noChangeArrowheads="1" noChangeShapeType="1" noTextEdit="1"/>
+          </p:cNvSpPr>
+          <p:nvPr>
+            <p:extLst>
+              <p:ext uri="{386F3935-93C4-4BCD-93E2-E3B085C9AB24}">
+                <p16:designElem xmlns:p16="http://schemas.microsoft.com/office/powerpoint/2015/main" val="1"/>
+              </p:ext>
+            </p:extLst>
+          </p:nvPr>
+        </p:nvSpPr>
+        <p:spPr>
+          <a:xfrm rot="18900000" flipH="1">
+            <a:off x="10043482" y="655140"/>
+            <a:ext cx="687472" cy="687472"/>
+          </a:xfrm>
+          <a:prstGeom prst="rect">
+            <a:avLst/>
+          </a:prstGeom>
+          <a:solidFill>
+            <a:schemeClr val="accent4">
+              <a:alpha val="30000"/>
+            </a:schemeClr>
+          </a:solidFill>
+          <a:ln>
+            <a:noFill/>
+          </a:ln>
+        </p:spPr>
+        <p:style>
+          <a:lnRef idx="2">
+            <a:schemeClr val="accent1">
+              <a:shade val="50000"/>
+            </a:schemeClr>
+          </a:lnRef>
+          <a:fillRef idx="1">
+            <a:schemeClr val="accent1"/>
+          </a:fillRef>
+          <a:effectRef idx="0">
+            <a:schemeClr val="accent1"/>
+          </a:effectRef>
+          <a:fontRef idx="minor">
+            <a:schemeClr val="lt1"/>
+          </a:fontRef>
+        </p:style>
+        <p:txBody>
+          <a:bodyPr rtlCol="0" anchor="ctr"/>
+          <a:lstStyle/>
+          <a:p>
+            <a:pPr algn="ctr"/>
+            <a:endParaRPr lang="en-US"/>
+          </a:p>
+        </p:txBody>
+      </p:sp>
+      <p:sp>
+        <p:nvSpPr>
+          <p:cNvPr id="74" name="Freeform: Shape 73">
+            <a:extLst>
+              <a:ext uri="{FF2B5EF4-FFF2-40B4-BE49-F238E27FC236}">
+                <a16:creationId xmlns:a16="http://schemas.microsoft.com/office/drawing/2014/main" id="{9A97C86A-04D6-40F7-AE84-31AB43E6A846}"/>
+              </a:ext>
+              <a:ext uri="{C183D7F6-B498-43B3-948B-1728B52AA6E4}">
+                <adec:decorative xmlns:adec="http://schemas.microsoft.com/office/drawing/2017/decorative" val="1"/>
+              </a:ext>
+            </a:extLst>
+          </p:cNvPr>
+          <p:cNvSpPr>
+            <a:spLocks noGrp="1" noRot="1" noChangeAspect="1" noMove="1" noResize="1" noEditPoints="1" noAdjustHandles="1" noChangeArrowheads="1" noChangeShapeType="1" noTextEdit="1"/>
+          </p:cNvSpPr>
+          <p:nvPr>
+            <p:extLst>
+              <p:ext uri="{386F3935-93C4-4BCD-93E2-E3B085C9AB24}">
+                <p16:designElem xmlns:p16="http://schemas.microsoft.com/office/powerpoint/2015/main" val="1"/>
+              </p:ext>
+            </p:extLst>
+          </p:nvPr>
+        </p:nvSpPr>
+        <p:spPr>
+          <a:xfrm rot="10800000" flipH="1">
+            <a:off x="9356643" y="0"/>
+            <a:ext cx="2835357" cy="1480837"/>
+          </a:xfrm>
+          <a:custGeom>
+            <a:avLst/>
+            <a:gdLst>
+              <a:gd name="connsiteX0" fmla="*/ 2835357 w 2835357"/>
+              <a:gd name="connsiteY0" fmla="*/ 1480837 h 1480837"/>
+              <a:gd name="connsiteX1" fmla="*/ 0 w 2835357"/>
+              <a:gd name="connsiteY1" fmla="*/ 1480837 h 1480837"/>
+              <a:gd name="connsiteX2" fmla="*/ 1552727 w 2835357"/>
+              <a:gd name="connsiteY2" fmla="*/ 0 h 1480837"/>
+              <a:gd name="connsiteX3" fmla="*/ 2835357 w 2835357"/>
+              <a:gd name="connsiteY3" fmla="*/ 1223245 h 1480837"/>
+            </a:gdLst>
+            <a:ahLst/>
+            <a:cxnLst>
+              <a:cxn ang="0">
+                <a:pos x="connsiteX0" y="connsiteY0"/>
+              </a:cxn>
+              <a:cxn ang="0">
+                <a:pos x="connsiteX1" y="connsiteY1"/>
+              </a:cxn>
+              <a:cxn ang="0">
+                <a:pos x="connsiteX2" y="connsiteY2"/>
+              </a:cxn>
+              <a:cxn ang="0">
+                <a:pos x="connsiteX3" y="connsiteY3"/>
+              </a:cxn>
+            </a:cxnLst>
+            <a:rect l="l" t="t" r="r" b="b"/>
+            <a:pathLst>
+              <a:path w="2835357" h="1480837">
+                <a:moveTo>
+                  <a:pt x="2835357" y="1480837"/>
+                </a:moveTo>
+                <a:lnTo>
+                  <a:pt x="0" y="1480837"/>
+                </a:lnTo>
+                <a:lnTo>
+                  <a:pt x="1552727" y="0"/>
+                </a:lnTo>
+                <a:lnTo>
+                  <a:pt x="2835357" y="1223245"/>
+                </a:lnTo>
+                <a:close/>
+              </a:path>
+            </a:pathLst>
+          </a:custGeom>
+          <a:solidFill>
+            <a:schemeClr val="accent4">
+              <a:alpha val="30000"/>
+            </a:schemeClr>
+          </a:solidFill>
+          <a:ln>
+            <a:noFill/>
+          </a:ln>
+        </p:spPr>
+        <p:style>
+          <a:lnRef idx="2">
+            <a:schemeClr val="accent1">
+              <a:shade val="50000"/>
+            </a:schemeClr>
+          </a:lnRef>
+          <a:fillRef idx="1">
+            <a:schemeClr val="accent1"/>
+          </a:fillRef>
+          <a:effectRef idx="0">
+            <a:schemeClr val="accent1"/>
+          </a:effectRef>
+          <a:fontRef idx="minor">
+            <a:schemeClr val="lt1"/>
+          </a:fontRef>
+        </p:style>
+        <p:txBody>
+          <a:bodyPr wrap="square" rtlCol="0" anchor="ctr">
+            <a:noAutofit/>
+          </a:bodyPr>
+          <a:lstStyle/>
+          <a:p>
+            <a:pPr algn="ctr"/>
+            <a:endParaRPr lang="en-US" dirty="0"/>
+          </a:p>
+        </p:txBody>
+      </p:sp>
+      <p:sp>
+        <p:nvSpPr>
+          <p:cNvPr id="76" name="Isosceles Triangle 75">
+            <a:extLst>
+              <a:ext uri="{FF2B5EF4-FFF2-40B4-BE49-F238E27FC236}">
+                <a16:creationId xmlns:a16="http://schemas.microsoft.com/office/drawing/2014/main" id="{FF9F2414-84E8-453E-B1F3-389FDE8192D9}"/>
+              </a:ext>
+              <a:ext uri="{C183D7F6-B498-43B3-948B-1728B52AA6E4}">
+                <adec:decorative xmlns:adec="http://schemas.microsoft.com/office/drawing/2017/decorative" val="1"/>
+              </a:ext>
+            </a:extLst>
+          </p:cNvPr>
+          <p:cNvSpPr>
+            <a:spLocks noGrp="1" noRot="1" noChangeAspect="1" noMove="1" noResize="1" noEditPoints="1" noAdjustHandles="1" noChangeArrowheads="1" noChangeShapeType="1" noTextEdit="1"/>
+          </p:cNvSpPr>
+          <p:nvPr>
+            <p:extLst>
+              <p:ext uri="{386F3935-93C4-4BCD-93E2-E3B085C9AB24}">
+                <p16:designElem xmlns:p16="http://schemas.microsoft.com/office/powerpoint/2015/main" val="1"/>
+              </p:ext>
+            </p:extLst>
+          </p:nvPr>
+        </p:nvSpPr>
+        <p:spPr>
+          <a:xfrm flipH="1">
+            <a:off x="7976344" y="6115501"/>
+            <a:ext cx="1494513" cy="742499"/>
+          </a:xfrm>
+          <a:prstGeom prst="triangle">
+            <a:avLst/>
+          </a:prstGeom>
+          <a:solidFill>
+            <a:schemeClr val="accent1">
+              <a:alpha val="30000"/>
+            </a:schemeClr>
+          </a:solidFill>
+          <a:ln>
+            <a:noFill/>
+          </a:ln>
+        </p:spPr>
+        <p:style>
+          <a:lnRef idx="2">
+            <a:schemeClr val="accent1">
+              <a:shade val="50000"/>
+            </a:schemeClr>
+          </a:lnRef>
+          <a:fillRef idx="1">
+            <a:schemeClr val="accent1"/>
+          </a:fillRef>
+          <a:effectRef idx="0">
+            <a:schemeClr val="accent1"/>
+          </a:effectRef>
+          <a:fontRef idx="minor">
+            <a:schemeClr val="lt1"/>
+          </a:fontRef>
+        </p:style>
+        <p:txBody>
+          <a:bodyPr rtlCol="0" anchor="ctr"/>
+          <a:lstStyle/>
+          <a:p>
+            <a:pPr algn="ctr"/>
+            <a:endParaRPr lang="en-US"/>
+          </a:p>
+        </p:txBody>
+      </p:sp>
+      <p:sp>
+        <p:nvSpPr>
+          <p:cNvPr id="78" name="Isosceles Triangle 77">
+            <a:extLst>
+              <a:ext uri="{FF2B5EF4-FFF2-40B4-BE49-F238E27FC236}">
+                <a16:creationId xmlns:a16="http://schemas.microsoft.com/office/drawing/2014/main" id="{3ECA69A1-7536-43AC-85EF-C7106179F5ED}"/>
+              </a:ext>
+              <a:ext uri="{C183D7F6-B498-43B3-948B-1728B52AA6E4}">
+                <adec:decorative xmlns:adec="http://schemas.microsoft.com/office/drawing/2017/decorative" val="1"/>
+              </a:ext>
+            </a:extLst>
+          </p:cNvPr>
+          <p:cNvSpPr>
+            <a:spLocks noGrp="1" noRot="1" noChangeAspect="1" noMove="1" noResize="1" noEditPoints="1" noAdjustHandles="1" noChangeArrowheads="1" noChangeShapeType="1" noTextEdit="1"/>
+          </p:cNvSpPr>
+          <p:nvPr>
+            <p:extLst>
+              <p:ext uri="{386F3935-93C4-4BCD-93E2-E3B085C9AB24}">
+                <p16:designElem xmlns:p16="http://schemas.microsoft.com/office/powerpoint/2015/main" val="1"/>
+              </p:ext>
+            </p:extLst>
+          </p:nvPr>
+        </p:nvSpPr>
+        <p:spPr>
+          <a:xfrm flipH="1">
+            <a:off x="7604080" y="6453143"/>
+            <a:ext cx="814903" cy="404857"/>
+          </a:xfrm>
+          <a:prstGeom prst="triangle">
+            <a:avLst/>
+          </a:prstGeom>
+          <a:solidFill>
+            <a:schemeClr val="accent1">
+              <a:alpha val="30000"/>
+            </a:schemeClr>
+          </a:solidFill>
+          <a:ln>
+            <a:noFill/>
+          </a:ln>
+        </p:spPr>
+        <p:style>
+          <a:lnRef idx="2">
+            <a:schemeClr val="accent1">
+              <a:shade val="50000"/>
+            </a:schemeClr>
+          </a:lnRef>
+          <a:fillRef idx="1">
+            <a:schemeClr val="accent1"/>
+          </a:fillRef>
+          <a:effectRef idx="0">
+            <a:schemeClr val="accent1"/>
+          </a:effectRef>
+          <a:fontRef idx="minor">
+            <a:schemeClr val="lt1"/>
+          </a:fontRef>
+        </p:style>
+        <p:txBody>
+          <a:bodyPr rtlCol="0" anchor="ctr"/>
+          <a:lstStyle/>
+          <a:p>
+            <a:pPr algn="ctr"/>
+            <a:endParaRPr lang="en-US"/>
+          </a:p>
+        </p:txBody>
+      </p:sp>
+      <p:grpSp>
+        <p:nvGrpSpPr>
+          <p:cNvPr id="9" name="Group 8">
+            <a:extLst>
+              <a:ext uri="{FF2B5EF4-FFF2-40B4-BE49-F238E27FC236}">
+                <a16:creationId xmlns:a16="http://schemas.microsoft.com/office/drawing/2014/main" id="{B69B09CD-B3C9-262F-D15B-9A6DB4D24DC7}"/>
+              </a:ext>
+            </a:extLst>
+          </p:cNvPr>
+          <p:cNvGrpSpPr/>
+          <p:nvPr/>
+        </p:nvGrpSpPr>
+        <p:grpSpPr>
+          <a:xfrm>
+            <a:off x="4215657" y="228600"/>
+            <a:ext cx="4572000" cy="6400800"/>
+            <a:chOff x="-1" y="10"/>
+            <a:chExt cx="4038601" cy="6058718"/>
+          </a:xfrm>
+        </p:grpSpPr>
+        <p:grpSp>
+          <p:nvGrpSpPr>
+            <p:cNvPr id="8" name="Group 7">
+              <a:extLst>
+                <a:ext uri="{FF2B5EF4-FFF2-40B4-BE49-F238E27FC236}">
+                  <a16:creationId xmlns:a16="http://schemas.microsoft.com/office/drawing/2014/main" id="{E0EA5136-9229-1F28-ACFE-599988983AA2}"/>
+                </a:ext>
+              </a:extLst>
+            </p:cNvPr>
+            <p:cNvGrpSpPr/>
+            <p:nvPr/>
+          </p:nvGrpSpPr>
+          <p:grpSpPr>
+            <a:xfrm>
+              <a:off x="-1" y="10"/>
+              <a:ext cx="4038601" cy="2876355"/>
+              <a:chOff x="-1" y="10"/>
+              <a:chExt cx="4038601" cy="2876355"/>
+            </a:xfrm>
+          </p:grpSpPr>
+          <p:pic>
+            <p:nvPicPr>
+              <p:cNvPr id="4" name="Picture 3" descr="Chart, box and whisker chart&#10;&#10;Description automatically generated">
+                <a:extLst>
+                  <a:ext uri="{FF2B5EF4-FFF2-40B4-BE49-F238E27FC236}">
+                    <a16:creationId xmlns:a16="http://schemas.microsoft.com/office/drawing/2014/main" id="{E2D77B6E-E41F-CCDC-C826-776E911F81B9}"/>
+                  </a:ext>
+                </a:extLst>
+              </p:cNvPr>
+              <p:cNvPicPr>
+                <a:picLocks noChangeAspect="1"/>
+              </p:cNvPicPr>
+              <p:nvPr/>
+            </p:nvPicPr>
+            <p:blipFill rotWithShape="1">
+              <a:blip r:embed="rId3" cstate="print">
+                <a:extLst>
+                  <a:ext uri="{28A0092B-C50C-407E-A947-70E740481C1C}">
+                    <a14:useLocalDpi xmlns:a14="http://schemas.microsoft.com/office/drawing/2010/main" val="0"/>
+                  </a:ext>
+                </a:extLst>
+              </a:blip>
+              <a:srcRect r="5" b="10977"/>
+              <a:stretch/>
+            </p:blipFill>
+            <p:spPr>
+              <a:xfrm>
+                <a:off x="-1" y="10"/>
+                <a:ext cx="4038601" cy="2876355"/>
+              </a:xfrm>
+              <a:prstGeom prst="rect">
+                <a:avLst/>
+              </a:prstGeom>
+            </p:spPr>
+          </p:pic>
+          <p:sp>
+            <p:nvSpPr>
+              <p:cNvPr id="5" name="TextBox 4">
+                <a:extLst>
+                  <a:ext uri="{FF2B5EF4-FFF2-40B4-BE49-F238E27FC236}">
+                    <a16:creationId xmlns:a16="http://schemas.microsoft.com/office/drawing/2014/main" id="{6D384AC2-8784-A695-CEDD-B243EF0EA014}"/>
+                  </a:ext>
+                </a:extLst>
+              </p:cNvPr>
+              <p:cNvSpPr txBox="1"/>
+              <p:nvPr/>
+            </p:nvSpPr>
+            <p:spPr>
+              <a:xfrm>
+                <a:off x="0" y="2366378"/>
+                <a:ext cx="317924" cy="316486"/>
+              </a:xfrm>
+              <a:prstGeom prst="rect">
+                <a:avLst/>
+              </a:prstGeom>
+              <a:noFill/>
+            </p:spPr>
+            <p:txBody>
+              <a:bodyPr wrap="square" rtlCol="0">
+                <a:normAutofit/>
+              </a:bodyPr>
+              <a:lstStyle/>
+              <a:p>
+                <a:pPr>
+                  <a:lnSpc>
+                    <a:spcPct val="90000"/>
+                  </a:lnSpc>
+                  <a:spcAft>
+                    <a:spcPts val="600"/>
+                  </a:spcAft>
+                </a:pPr>
+                <a:r>
+                  <a:rPr lang="en-US" sz="1200" b="1" dirty="0">
+                    <a:latin typeface="Arial" panose="020B0604020202020204" pitchFamily="34" charset="0"/>
+                    <a:cs typeface="Arial" panose="020B0604020202020204" pitchFamily="34" charset="0"/>
+                  </a:rPr>
+                  <a:t>A</a:t>
+                </a:r>
+              </a:p>
+            </p:txBody>
+          </p:sp>
+        </p:grpSp>
+        <p:grpSp>
+          <p:nvGrpSpPr>
+            <p:cNvPr id="7" name="Group 6">
+              <a:extLst>
+                <a:ext uri="{FF2B5EF4-FFF2-40B4-BE49-F238E27FC236}">
+                  <a16:creationId xmlns:a16="http://schemas.microsoft.com/office/drawing/2014/main" id="{3C2C92CF-EF5F-FF71-390E-051670F53610}"/>
+                </a:ext>
+              </a:extLst>
+            </p:cNvPr>
+            <p:cNvGrpSpPr/>
+            <p:nvPr/>
+          </p:nvGrpSpPr>
+          <p:grpSpPr>
+            <a:xfrm>
+              <a:off x="0" y="2876365"/>
+              <a:ext cx="4038600" cy="3182363"/>
+              <a:chOff x="0" y="2876365"/>
+              <a:chExt cx="4038600" cy="3182363"/>
+            </a:xfrm>
+          </p:grpSpPr>
+          <p:pic>
+            <p:nvPicPr>
+              <p:cNvPr id="3" name="Picture 2" descr="Chart, box and whisker chart&#10;&#10;Description automatically generated">
+                <a:extLst>
+                  <a:ext uri="{FF2B5EF4-FFF2-40B4-BE49-F238E27FC236}">
+                    <a16:creationId xmlns:a16="http://schemas.microsoft.com/office/drawing/2014/main" id="{B4AD5842-C69B-D34D-8783-6A210EA9B597}"/>
+                  </a:ext>
+                </a:extLst>
+              </p:cNvPr>
+              <p:cNvPicPr>
+                <a:picLocks noChangeAspect="1"/>
+              </p:cNvPicPr>
+              <p:nvPr/>
+            </p:nvPicPr>
+            <p:blipFill rotWithShape="1">
+              <a:blip r:embed="rId4" cstate="print">
+                <a:extLst>
+                  <a:ext uri="{28A0092B-C50C-407E-A947-70E740481C1C}">
+                    <a14:useLocalDpi xmlns:a14="http://schemas.microsoft.com/office/drawing/2010/main" val="0"/>
+                  </a:ext>
+                </a:extLst>
+              </a:blip>
+              <a:srcRect t="1501" r="-4" b="-4"/>
+              <a:stretch/>
+            </p:blipFill>
+            <p:spPr>
+              <a:xfrm>
+                <a:off x="19" y="2876365"/>
+                <a:ext cx="4038581" cy="3182363"/>
+              </a:xfrm>
+              <a:prstGeom prst="rect">
+                <a:avLst/>
+              </a:prstGeom>
+            </p:spPr>
+          </p:pic>
+          <p:sp>
+            <p:nvSpPr>
+              <p:cNvPr id="6" name="TextBox 5">
+                <a:extLst>
+                  <a:ext uri="{FF2B5EF4-FFF2-40B4-BE49-F238E27FC236}">
+                    <a16:creationId xmlns:a16="http://schemas.microsoft.com/office/drawing/2014/main" id="{0EE28AB9-A383-813D-C9F3-1B8DB8706FBF}"/>
+                  </a:ext>
+                </a:extLst>
+              </p:cNvPr>
+              <p:cNvSpPr txBox="1"/>
+              <p:nvPr/>
+            </p:nvSpPr>
+            <p:spPr>
+              <a:xfrm>
+                <a:off x="0" y="5263825"/>
+                <a:ext cx="317925" cy="316487"/>
+              </a:xfrm>
+              <a:prstGeom prst="rect">
+                <a:avLst/>
+              </a:prstGeom>
+              <a:noFill/>
+            </p:spPr>
+            <p:txBody>
+              <a:bodyPr wrap="square" rtlCol="0">
+                <a:normAutofit/>
+              </a:bodyPr>
+              <a:lstStyle/>
+              <a:p>
+                <a:pPr>
+                  <a:lnSpc>
+                    <a:spcPct val="90000"/>
+                  </a:lnSpc>
+                  <a:spcAft>
+                    <a:spcPts val="600"/>
+                  </a:spcAft>
+                </a:pPr>
+                <a:r>
+                  <a:rPr lang="en-US" sz="1200" b="1" dirty="0">
+                    <a:latin typeface="Arial" panose="020B0604020202020204" pitchFamily="34" charset="0"/>
+                    <a:cs typeface="Arial" panose="020B0604020202020204" pitchFamily="34" charset="0"/>
+                  </a:rPr>
+                  <a:t>B</a:t>
+                </a:r>
+              </a:p>
+            </p:txBody>
+          </p:sp>
+        </p:grpSp>
+      </p:grpSp>
+    </p:spTree>
+    <p:extLst>
+      <p:ext uri="{BB962C8B-B14F-4D97-AF65-F5344CB8AC3E}">
+        <p14:creationId xmlns:p14="http://schemas.microsoft.com/office/powerpoint/2010/main" val="3238053923"/>
+      </p:ext>
+    </p:extLst>
+  </p:cSld>
+  <p:clrMapOvr>
+    <a:masterClrMapping/>
+  </p:clrMapOvr>
+</p:sld>
+</file>
+
+<file path=ppt/slides/slide12.xml><?xml version="1.0" encoding="utf-8"?>
+<p:sld xmlns:a="http://schemas.openxmlformats.org/drawingml/2006/main" xmlns:r="http://schemas.openxmlformats.org/officeDocument/2006/relationships" xmlns:p="http://schemas.openxmlformats.org/presentationml/2006/main">
+  <p:cSld>
+    <p:bg>
+      <p:bgPr>
+        <a:solidFill>
+          <a:schemeClr val="bg1"/>
+        </a:solidFill>
+        <a:effectLst/>
+      </p:bgPr>
+    </p:bg>
+    <p:spTree>
+      <p:nvGrpSpPr>
+        <p:cNvPr id="1" name=""/>
+        <p:cNvGrpSpPr/>
+        <p:nvPr/>
+      </p:nvGrpSpPr>
+      <p:grpSpPr>
+        <a:xfrm>
+          <a:off x="0" y="0"/>
+          <a:ext cx="0" cy="0"/>
+          <a:chOff x="0" y="0"/>
+          <a:chExt cx="0" cy="0"/>
+        </a:xfrm>
+      </p:grpSpPr>
       <p:sp>
         <p:nvSpPr>
           <p:cNvPr id="25" name="Rectangle 24">
@@ -14641,7 +19648,7 @@
 </p:sld>
 </file>
 
-<file path=ppt/slides/slide11.xml><?xml version="1.0" encoding="utf-8"?>
+<file path=ppt/slides/slide13.xml><?xml version="1.0" encoding="utf-8"?>
 <p:sld xmlns:a="http://schemas.openxmlformats.org/drawingml/2006/main" xmlns:r="http://schemas.openxmlformats.org/officeDocument/2006/relationships" xmlns:p="http://schemas.openxmlformats.org/presentationml/2006/main">
   <p:cSld>
     <p:bg>
@@ -14780,7 +19787,7 @@
 </p:sld>
 </file>
 
-<file path=ppt/slides/slide12.xml><?xml version="1.0" encoding="utf-8"?>
+<file path=ppt/slides/slide14.xml><?xml version="1.0" encoding="utf-8"?>
 <p:sld xmlns:a="http://schemas.openxmlformats.org/drawingml/2006/main" xmlns:r="http://schemas.openxmlformats.org/officeDocument/2006/relationships" xmlns:p="http://schemas.openxmlformats.org/presentationml/2006/main">
   <p:cSld>
     <p:bg>
@@ -14911,7 +19918,7 @@
 </p:sld>
 </file>
 
-<file path=ppt/slides/slide13.xml><?xml version="1.0" encoding="utf-8"?>
+<file path=ppt/slides/slide15.xml><?xml version="1.0" encoding="utf-8"?>
 <p:sld xmlns:a="http://schemas.openxmlformats.org/drawingml/2006/main" xmlns:r="http://schemas.openxmlformats.org/officeDocument/2006/relationships" xmlns:p="http://schemas.openxmlformats.org/presentationml/2006/main">
   <p:cSld>
     <p:bg>
@@ -15591,7 +20598,7 @@
 </p:sld>
 </file>
 
-<file path=ppt/slides/slide14.xml><?xml version="1.0" encoding="utf-8"?>
+<file path=ppt/slides/slide16.xml><?xml version="1.0" encoding="utf-8"?>
 <p:sld xmlns:a="http://schemas.openxmlformats.org/drawingml/2006/main" xmlns:r="http://schemas.openxmlformats.org/officeDocument/2006/relationships" xmlns:p="http://schemas.openxmlformats.org/presentationml/2006/main">
   <p:cSld>
     <p:spTree>
@@ -15714,7 +20721,7 @@
 </p:sld>
 </file>
 
-<file path=ppt/slides/slide15.xml><?xml version="1.0" encoding="utf-8"?>
+<file path=ppt/slides/slide17.xml><?xml version="1.0" encoding="utf-8"?>
 <p:sld xmlns:a="http://schemas.openxmlformats.org/drawingml/2006/main" xmlns:r="http://schemas.openxmlformats.org/officeDocument/2006/relationships" xmlns:p="http://schemas.openxmlformats.org/presentationml/2006/main">
   <p:cSld>
     <p:spTree>
@@ -15837,7 +20844,7 @@
 </p:sld>
 </file>
 
-<file path=ppt/slides/slide16.xml><?xml version="1.0" encoding="utf-8"?>
+<file path=ppt/slides/slide18.xml><?xml version="1.0" encoding="utf-8"?>
 <p:sld xmlns:a="http://schemas.openxmlformats.org/drawingml/2006/main" xmlns:r="http://schemas.openxmlformats.org/officeDocument/2006/relationships" xmlns:p="http://schemas.openxmlformats.org/presentationml/2006/main">
   <p:cSld>
     <p:spTree>
@@ -15960,7 +20967,7 @@
 </p:sld>
 </file>
 
-<file path=ppt/slides/slide17.xml><?xml version="1.0" encoding="utf-8"?>
+<file path=ppt/slides/slide19.xml><?xml version="1.0" encoding="utf-8"?>
 <p:sld xmlns:a="http://schemas.openxmlformats.org/drawingml/2006/main" xmlns:r="http://schemas.openxmlformats.org/officeDocument/2006/relationships" xmlns:p="http://schemas.openxmlformats.org/presentationml/2006/main">
   <p:cSld>
     <p:spTree>
@@ -16794,6 +21801,458 @@
           <a:chExt cx="0" cy="0"/>
         </a:xfrm>
       </p:grpSpPr>
+      <p:pic>
+        <p:nvPicPr>
+          <p:cNvPr id="3" name="Content Placeholder 6" descr="A pile of dirt on a black background&#10;&#10;Description automatically generated">
+            <a:extLst>
+              <a:ext uri="{FF2B5EF4-FFF2-40B4-BE49-F238E27FC236}">
+                <a16:creationId xmlns:a16="http://schemas.microsoft.com/office/drawing/2014/main" id="{743D4AEE-0412-08AB-52CC-2D12E9234BCC}"/>
+              </a:ext>
+            </a:extLst>
+          </p:cNvPr>
+          <p:cNvPicPr>
+            <a:picLocks noChangeAspect="1"/>
+          </p:cNvPicPr>
+          <p:nvPr/>
+        </p:nvPicPr>
+        <p:blipFill>
+          <a:blip r:embed="rId2" cstate="print">
+            <a:extLst>
+              <a:ext uri="{28A0092B-C50C-407E-A947-70E740481C1C}">
+                <a14:useLocalDpi xmlns:a14="http://schemas.microsoft.com/office/drawing/2010/main" val="0"/>
+              </a:ext>
+            </a:extLst>
+          </a:blip>
+          <a:stretch>
+            <a:fillRect/>
+          </a:stretch>
+        </p:blipFill>
+        <p:spPr>
+          <a:xfrm>
+            <a:off x="3751831" y="5132034"/>
+            <a:ext cx="1782056" cy="1696278"/>
+          </a:xfrm>
+          <a:prstGeom prst="rect">
+            <a:avLst/>
+          </a:prstGeom>
+        </p:spPr>
+      </p:pic>
+      <p:pic>
+        <p:nvPicPr>
+          <p:cNvPr id="1026" name="Picture 2" descr="Insect frass in the development of sustainable agriculture. A review |  SpringerLink">
+            <a:extLst>
+              <a:ext uri="{FF2B5EF4-FFF2-40B4-BE49-F238E27FC236}">
+                <a16:creationId xmlns:a16="http://schemas.microsoft.com/office/drawing/2014/main" id="{A3BEAE7D-7E81-3DFD-EF52-44B90542320F}"/>
+              </a:ext>
+            </a:extLst>
+          </p:cNvPr>
+          <p:cNvPicPr>
+            <a:picLocks noChangeAspect="1" noChangeArrowheads="1"/>
+          </p:cNvPicPr>
+          <p:nvPr/>
+        </p:nvPicPr>
+        <p:blipFill>
+          <a:blip r:embed="rId3">
+            <a:extLst>
+              <a:ext uri="{28A0092B-C50C-407E-A947-70E740481C1C}">
+                <a14:useLocalDpi xmlns:a14="http://schemas.microsoft.com/office/drawing/2010/main" val="0"/>
+              </a:ext>
+            </a:extLst>
+          </a:blip>
+          <a:srcRect/>
+          <a:stretch>
+            <a:fillRect/>
+          </a:stretch>
+        </p:blipFill>
+        <p:spPr bwMode="auto">
+          <a:xfrm>
+            <a:off x="5326368" y="1047750"/>
+            <a:ext cx="6524625" cy="4762500"/>
+          </a:xfrm>
+          <a:prstGeom prst="rect">
+            <a:avLst/>
+          </a:prstGeom>
+          <a:noFill/>
+          <a:extLst>
+            <a:ext uri="{909E8E84-426E-40DD-AFC4-6F175D3DCCD1}">
+              <a14:hiddenFill xmlns:a14="http://schemas.microsoft.com/office/drawing/2010/main">
+                <a:solidFill>
+                  <a:srgbClr val="FFFFFF"/>
+                </a:solidFill>
+              </a14:hiddenFill>
+            </a:ext>
+          </a:extLst>
+        </p:spPr>
+      </p:pic>
+      <p:pic>
+        <p:nvPicPr>
+          <p:cNvPr id="1028" name="Picture 4" descr="Frass derived from black soldier fly larvae treatment of biodegradable  wastes. A critical review and future perspectives - ScienceDirect">
+            <a:extLst>
+              <a:ext uri="{FF2B5EF4-FFF2-40B4-BE49-F238E27FC236}">
+                <a16:creationId xmlns:a16="http://schemas.microsoft.com/office/drawing/2014/main" id="{815C5BFF-DDBB-FC5E-EB4C-96D3E3EED1F4}"/>
+              </a:ext>
+            </a:extLst>
+          </p:cNvPr>
+          <p:cNvPicPr>
+            <a:picLocks noChangeAspect="1" noChangeArrowheads="1"/>
+          </p:cNvPicPr>
+          <p:nvPr/>
+        </p:nvPicPr>
+        <p:blipFill>
+          <a:blip r:embed="rId4">
+            <a:extLst>
+              <a:ext uri="{28A0092B-C50C-407E-A947-70E740481C1C}">
+                <a14:useLocalDpi xmlns:a14="http://schemas.microsoft.com/office/drawing/2010/main" val="0"/>
+              </a:ext>
+            </a:extLst>
+          </a:blip>
+          <a:srcRect/>
+          <a:stretch>
+            <a:fillRect/>
+          </a:stretch>
+        </p:blipFill>
+        <p:spPr bwMode="auto">
+          <a:xfrm>
+            <a:off x="341007" y="3892825"/>
+            <a:ext cx="4762500" cy="1457325"/>
+          </a:xfrm>
+          <a:prstGeom prst="rect">
+            <a:avLst/>
+          </a:prstGeom>
+          <a:noFill/>
+          <a:extLst>
+            <a:ext uri="{909E8E84-426E-40DD-AFC4-6F175D3DCCD1}">
+              <a14:hiddenFill xmlns:a14="http://schemas.microsoft.com/office/drawing/2010/main">
+                <a:solidFill>
+                  <a:srgbClr val="FFFFFF"/>
+                </a:solidFill>
+              </a14:hiddenFill>
+            </a:ext>
+          </a:extLst>
+        </p:spPr>
+      </p:pic>
+      <p:grpSp>
+        <p:nvGrpSpPr>
+          <p:cNvPr id="4" name="Group 3">
+            <a:extLst>
+              <a:ext uri="{FF2B5EF4-FFF2-40B4-BE49-F238E27FC236}">
+                <a16:creationId xmlns:a16="http://schemas.microsoft.com/office/drawing/2014/main" id="{6F591153-E3E7-6550-631F-EB0BDE6ABD34}"/>
+              </a:ext>
+            </a:extLst>
+          </p:cNvPr>
+          <p:cNvGrpSpPr/>
+          <p:nvPr/>
+        </p:nvGrpSpPr>
+        <p:grpSpPr>
+          <a:xfrm>
+            <a:off x="192331" y="519733"/>
+            <a:ext cx="4618450" cy="2935326"/>
+            <a:chOff x="192331" y="519733"/>
+            <a:chExt cx="4618450" cy="2935326"/>
+          </a:xfrm>
+        </p:grpSpPr>
+        <p:pic>
+          <p:nvPicPr>
+            <p:cNvPr id="1030" name="Picture 6" descr="How should we dispose of food waste? - New Food Magazine">
+              <a:extLst>
+                <a:ext uri="{FF2B5EF4-FFF2-40B4-BE49-F238E27FC236}">
+                  <a16:creationId xmlns:a16="http://schemas.microsoft.com/office/drawing/2014/main" id="{234FA368-1060-D93E-1C01-CB1A3AA9CA72}"/>
+                </a:ext>
+              </a:extLst>
+            </p:cNvPr>
+            <p:cNvPicPr>
+              <a:picLocks noChangeAspect="1" noChangeArrowheads="1"/>
+            </p:cNvPicPr>
+            <p:nvPr/>
+          </p:nvPicPr>
+          <p:blipFill>
+            <a:blip r:embed="rId5">
+              <a:extLst>
+                <a:ext uri="{28A0092B-C50C-407E-A947-70E740481C1C}">
+                  <a14:useLocalDpi xmlns:a14="http://schemas.microsoft.com/office/drawing/2010/main" val="0"/>
+                </a:ext>
+              </a:extLst>
+            </a:blip>
+            <a:srcRect/>
+            <a:stretch>
+              <a:fillRect/>
+            </a:stretch>
+          </p:blipFill>
+          <p:spPr bwMode="auto">
+            <a:xfrm>
+              <a:off x="1029356" y="519733"/>
+              <a:ext cx="2762250" cy="1657350"/>
+            </a:xfrm>
+            <a:prstGeom prst="rect">
+              <a:avLst/>
+            </a:prstGeom>
+            <a:noFill/>
+            <a:extLst>
+              <a:ext uri="{909E8E84-426E-40DD-AFC4-6F175D3DCCD1}">
+                <a14:hiddenFill xmlns:a14="http://schemas.microsoft.com/office/drawing/2010/main">
+                  <a:solidFill>
+                    <a:srgbClr val="FFFFFF"/>
+                  </a:solidFill>
+                </a14:hiddenFill>
+              </a:ext>
+            </a:extLst>
+          </p:spPr>
+        </p:pic>
+        <p:pic>
+          <p:nvPicPr>
+            <p:cNvPr id="1032" name="Picture 8" descr="Food Waste Action Week this week - Vale of White Horse District Council">
+              <a:extLst>
+                <a:ext uri="{FF2B5EF4-FFF2-40B4-BE49-F238E27FC236}">
+                  <a16:creationId xmlns:a16="http://schemas.microsoft.com/office/drawing/2014/main" id="{C9219A6C-F326-A00E-D846-A6DABA312161}"/>
+                </a:ext>
+              </a:extLst>
+            </p:cNvPr>
+            <p:cNvPicPr>
+              <a:picLocks noChangeAspect="1" noChangeArrowheads="1"/>
+            </p:cNvPicPr>
+            <p:nvPr/>
+          </p:nvPicPr>
+          <p:blipFill>
+            <a:blip r:embed="rId6">
+              <a:extLst>
+                <a:ext uri="{28A0092B-C50C-407E-A947-70E740481C1C}">
+                  <a14:useLocalDpi xmlns:a14="http://schemas.microsoft.com/office/drawing/2010/main" val="0"/>
+                </a:ext>
+              </a:extLst>
+            </a:blip>
+            <a:srcRect/>
+            <a:stretch>
+              <a:fillRect/>
+            </a:stretch>
+          </p:blipFill>
+          <p:spPr bwMode="auto">
+            <a:xfrm>
+              <a:off x="2410481" y="1357802"/>
+              <a:ext cx="2400300" cy="1905000"/>
+            </a:xfrm>
+            <a:prstGeom prst="rect">
+              <a:avLst/>
+            </a:prstGeom>
+            <a:noFill/>
+            <a:extLst>
+              <a:ext uri="{909E8E84-426E-40DD-AFC4-6F175D3DCCD1}">
+                <a14:hiddenFill xmlns:a14="http://schemas.microsoft.com/office/drawing/2010/main">
+                  <a:solidFill>
+                    <a:srgbClr val="FFFFFF"/>
+                  </a:solidFill>
+                </a14:hiddenFill>
+              </a:ext>
+            </a:extLst>
+          </p:spPr>
+        </p:pic>
+        <p:pic>
+          <p:nvPicPr>
+            <p:cNvPr id="1036" name="Picture 12" descr="Food Waste | The Nutrition Source | Harvard T.H. Chan School of Public  Health">
+              <a:extLst>
+                <a:ext uri="{FF2B5EF4-FFF2-40B4-BE49-F238E27FC236}">
+                  <a16:creationId xmlns:a16="http://schemas.microsoft.com/office/drawing/2014/main" id="{E7ADFE6D-0511-0902-1F7D-DA0BF7AB10C1}"/>
+                </a:ext>
+              </a:extLst>
+            </p:cNvPr>
+            <p:cNvPicPr>
+              <a:picLocks noChangeAspect="1" noChangeArrowheads="1"/>
+            </p:cNvPicPr>
+            <p:nvPr/>
+          </p:nvPicPr>
+          <p:blipFill rotWithShape="1">
+            <a:blip r:embed="rId7">
+              <a:extLst>
+                <a:ext uri="{28A0092B-C50C-407E-A947-70E740481C1C}">
+                  <a14:useLocalDpi xmlns:a14="http://schemas.microsoft.com/office/drawing/2010/main" val="0"/>
+                </a:ext>
+              </a:extLst>
+            </a:blip>
+            <a:srcRect l="40180" t="30667" r="36024" b="37827"/>
+            <a:stretch/>
+          </p:blipFill>
+          <p:spPr bwMode="auto">
+            <a:xfrm>
+              <a:off x="2389617" y="650258"/>
+              <a:ext cx="1362214" cy="1200425"/>
+            </a:xfrm>
+            <a:prstGeom prst="rect">
+              <a:avLst/>
+            </a:prstGeom>
+            <a:noFill/>
+            <a:extLst>
+              <a:ext uri="{909E8E84-426E-40DD-AFC4-6F175D3DCCD1}">
+                <a14:hiddenFill xmlns:a14="http://schemas.microsoft.com/office/drawing/2010/main">
+                  <a:solidFill>
+                    <a:srgbClr val="FFFFFF"/>
+                  </a:solidFill>
+                </a14:hiddenFill>
+              </a:ext>
+            </a:extLst>
+          </p:spPr>
+        </p:pic>
+        <p:pic>
+          <p:nvPicPr>
+            <p:cNvPr id="1040" name="Picture 16" descr="Diversey Consulting reveals food waste challenge">
+              <a:extLst>
+                <a:ext uri="{FF2B5EF4-FFF2-40B4-BE49-F238E27FC236}">
+                  <a16:creationId xmlns:a16="http://schemas.microsoft.com/office/drawing/2014/main" id="{C2AA7FC4-1C6C-4567-C40D-12623204EBFD}"/>
+                </a:ext>
+              </a:extLst>
+            </p:cNvPr>
+            <p:cNvPicPr>
+              <a:picLocks noChangeAspect="1" noChangeArrowheads="1"/>
+            </p:cNvPicPr>
+            <p:nvPr/>
+          </p:nvPicPr>
+          <p:blipFill rotWithShape="1">
+            <a:blip r:embed="rId8">
+              <a:extLst>
+                <a:ext uri="{28A0092B-C50C-407E-A947-70E740481C1C}">
+                  <a14:useLocalDpi xmlns:a14="http://schemas.microsoft.com/office/drawing/2010/main" val="0"/>
+                </a:ext>
+              </a:extLst>
+            </a:blip>
+            <a:srcRect l="39226" t="35227" r="29777" b="30882"/>
+            <a:stretch/>
+          </p:blipFill>
+          <p:spPr bwMode="auto">
+            <a:xfrm>
+              <a:off x="192331" y="1850683"/>
+              <a:ext cx="2214300" cy="1604376"/>
+            </a:xfrm>
+            <a:prstGeom prst="rect">
+              <a:avLst/>
+            </a:prstGeom>
+            <a:noFill/>
+            <a:extLst>
+              <a:ext uri="{909E8E84-426E-40DD-AFC4-6F175D3DCCD1}">
+                <a14:hiddenFill xmlns:a14="http://schemas.microsoft.com/office/drawing/2010/main">
+                  <a:solidFill>
+                    <a:srgbClr val="FFFFFF"/>
+                  </a:solidFill>
+                </a14:hiddenFill>
+              </a:ext>
+            </a:extLst>
+          </p:spPr>
+        </p:pic>
+      </p:grpSp>
+    </p:spTree>
+    <p:extLst>
+      <p:ext uri="{BB962C8B-B14F-4D97-AF65-F5344CB8AC3E}">
+        <p14:creationId xmlns:p14="http://schemas.microsoft.com/office/powerpoint/2010/main" val="571741306"/>
+      </p:ext>
+    </p:extLst>
+  </p:cSld>
+  <p:clrMapOvr>
+    <a:masterClrMapping/>
+  </p:clrMapOvr>
+</p:sld>
+</file>
+
+<file path=ppt/slides/slide4.xml><?xml version="1.0" encoding="utf-8"?>
+<p:sld xmlns:a="http://schemas.openxmlformats.org/drawingml/2006/main" xmlns:r="http://schemas.openxmlformats.org/officeDocument/2006/relationships" xmlns:p="http://schemas.openxmlformats.org/presentationml/2006/main">
+  <p:cSld>
+    <p:spTree>
+      <p:nvGrpSpPr>
+        <p:cNvPr id="1" name=""/>
+        <p:cNvGrpSpPr/>
+        <p:nvPr/>
+      </p:nvGrpSpPr>
+      <p:grpSpPr>
+        <a:xfrm>
+          <a:off x="0" y="0"/>
+          <a:ext cx="0" cy="0"/>
+          <a:chOff x="0" y="0"/>
+          <a:chExt cx="0" cy="0"/>
+        </a:xfrm>
+      </p:grpSpPr>
+      <p:pic>
+        <p:nvPicPr>
+          <p:cNvPr id="7" name="Picture 6">
+            <a:extLst>
+              <a:ext uri="{FF2B5EF4-FFF2-40B4-BE49-F238E27FC236}">
+                <a16:creationId xmlns:a16="http://schemas.microsoft.com/office/drawing/2014/main" id="{96F4F3B7-EE44-79B4-226C-9F52E621BA72}"/>
+              </a:ext>
+            </a:extLst>
+          </p:cNvPr>
+          <p:cNvPicPr>
+            <a:picLocks noChangeAspect="1"/>
+          </p:cNvPicPr>
+          <p:nvPr/>
+        </p:nvPicPr>
+        <p:blipFill rotWithShape="1">
+          <a:blip r:embed="rId2"/>
+          <a:srcRect l="19963" t="14726" r="23854" b="15366"/>
+          <a:stretch/>
+        </p:blipFill>
+        <p:spPr>
+          <a:xfrm>
+            <a:off x="1603332" y="263046"/>
+            <a:ext cx="2592888" cy="2054270"/>
+          </a:xfrm>
+          <a:prstGeom prst="rect">
+            <a:avLst/>
+          </a:prstGeom>
+        </p:spPr>
+      </p:pic>
+      <p:graphicFrame>
+        <p:nvGraphicFramePr>
+          <p:cNvPr id="9" name="Diagram 8">
+            <a:extLst>
+              <a:ext uri="{FF2B5EF4-FFF2-40B4-BE49-F238E27FC236}">
+                <a16:creationId xmlns:a16="http://schemas.microsoft.com/office/drawing/2014/main" id="{EB546097-2DA2-A1FD-00A7-4583ADA2690A}"/>
+              </a:ext>
+            </a:extLst>
+          </p:cNvPr>
+          <p:cNvGraphicFramePr/>
+          <p:nvPr>
+            <p:extLst>
+              <p:ext uri="{D42A27DB-BD31-4B8C-83A1-F6EECF244321}">
+                <p14:modId xmlns:p14="http://schemas.microsoft.com/office/powerpoint/2010/main" val="1960794757"/>
+              </p:ext>
+            </p:extLst>
+          </p:nvPr>
+        </p:nvGraphicFramePr>
+        <p:xfrm>
+          <a:off x="1731376" y="2548466"/>
+          <a:ext cx="8128000" cy="5418667"/>
+        </p:xfrm>
+        <a:graphic>
+          <a:graphicData uri="http://schemas.openxmlformats.org/drawingml/2006/diagram">
+            <dgm:relIds xmlns:dgm="http://schemas.openxmlformats.org/drawingml/2006/diagram" xmlns:r="http://schemas.openxmlformats.org/officeDocument/2006/relationships" r:dm="rId3" r:lo="rId4" r:qs="rId5" r:cs="rId6"/>
+          </a:graphicData>
+        </a:graphic>
+      </p:graphicFrame>
+    </p:spTree>
+    <p:extLst>
+      <p:ext uri="{BB962C8B-B14F-4D97-AF65-F5344CB8AC3E}">
+        <p14:creationId xmlns:p14="http://schemas.microsoft.com/office/powerpoint/2010/main" val="448720172"/>
+      </p:ext>
+    </p:extLst>
+  </p:cSld>
+  <p:clrMapOvr>
+    <a:masterClrMapping/>
+  </p:clrMapOvr>
+</p:sld>
+</file>
+
+<file path=ppt/slides/slide5.xml><?xml version="1.0" encoding="utf-8"?>
+<p:sld xmlns:a="http://schemas.openxmlformats.org/drawingml/2006/main" xmlns:r="http://schemas.openxmlformats.org/officeDocument/2006/relationships" xmlns:p="http://schemas.openxmlformats.org/presentationml/2006/main">
+  <p:cSld>
+    <p:spTree>
+      <p:nvGrpSpPr>
+        <p:cNvPr id="1" name=""/>
+        <p:cNvGrpSpPr/>
+        <p:nvPr/>
+      </p:nvGrpSpPr>
+      <p:grpSpPr>
+        <a:xfrm>
+          <a:off x="0" y="0"/>
+          <a:ext cx="0" cy="0"/>
+          <a:chOff x="0" y="0"/>
+          <a:chExt cx="0" cy="0"/>
+        </a:xfrm>
+      </p:grpSpPr>
       <p:sp>
         <p:nvSpPr>
           <p:cNvPr id="12" name="TextBox 11"/>
@@ -17447,7 +22906,7 @@
 </p:sld>
 </file>
 
-<file path=ppt/slides/slide4.xml><?xml version="1.0" encoding="utf-8"?>
+<file path=ppt/slides/slide6.xml><?xml version="1.0" encoding="utf-8"?>
 <p:sld xmlns:a="http://schemas.openxmlformats.org/drawingml/2006/main" xmlns:r="http://schemas.openxmlformats.org/officeDocument/2006/relationships" xmlns:p="http://schemas.openxmlformats.org/presentationml/2006/main">
   <p:cSld>
     <p:spTree>
@@ -18319,7 +23778,7 @@
 </p:sld>
 </file>
 
-<file path=ppt/slides/slide5.xml><?xml version="1.0" encoding="utf-8"?>
+<file path=ppt/slides/slide7.xml><?xml version="1.0" encoding="utf-8"?>
 <p:sld xmlns:a="http://schemas.openxmlformats.org/drawingml/2006/main" xmlns:r="http://schemas.openxmlformats.org/officeDocument/2006/relationships" xmlns:p="http://schemas.openxmlformats.org/presentationml/2006/main" showMasterSp="0">
   <p:cSld>
     <p:bg>
@@ -20156,7 +25615,7 @@
 </p:sld>
 </file>
 
-<file path=ppt/slides/slide6.xml><?xml version="1.0" encoding="utf-8"?>
+<file path=ppt/slides/slide8.xml><?xml version="1.0" encoding="utf-8"?>
 <p:sld xmlns:a="http://schemas.openxmlformats.org/drawingml/2006/main" xmlns:r="http://schemas.openxmlformats.org/officeDocument/2006/relationships" xmlns:p="http://schemas.openxmlformats.org/presentationml/2006/main">
   <p:cSld>
     <p:spTree>
@@ -20455,7 +25914,7 @@
 </p:sld>
 </file>
 
-<file path=ppt/slides/slide7.xml><?xml version="1.0" encoding="utf-8"?>
+<file path=ppt/slides/slide9.xml><?xml version="1.0" encoding="utf-8"?>
 <p:sld xmlns:a="http://schemas.openxmlformats.org/drawingml/2006/main" xmlns:r="http://schemas.openxmlformats.org/officeDocument/2006/relationships" xmlns:p="http://schemas.openxmlformats.org/presentationml/2006/main">
   <p:cSld>
     <p:spTree>
@@ -20739,1664 +26198,6 @@
     <p:extLst>
       <p:ext uri="{BB962C8B-B14F-4D97-AF65-F5344CB8AC3E}">
         <p14:creationId xmlns:p14="http://schemas.microsoft.com/office/powerpoint/2010/main" val="1041882557"/>
-      </p:ext>
-    </p:extLst>
-  </p:cSld>
-  <p:clrMapOvr>
-    <a:masterClrMapping/>
-  </p:clrMapOvr>
-</p:sld>
-</file>
-
-<file path=ppt/slides/slide8.xml><?xml version="1.0" encoding="utf-8"?>
-<p:sld xmlns:a="http://schemas.openxmlformats.org/drawingml/2006/main" xmlns:r="http://schemas.openxmlformats.org/officeDocument/2006/relationships" xmlns:p="http://schemas.openxmlformats.org/presentationml/2006/main">
-  <p:cSld>
-    <p:bg>
-      <p:bgPr>
-        <a:solidFill>
-          <a:schemeClr val="bg1"/>
-        </a:solidFill>
-        <a:effectLst/>
-      </p:bgPr>
-    </p:bg>
-    <p:spTree>
-      <p:nvGrpSpPr>
-        <p:cNvPr id="1" name=""/>
-        <p:cNvGrpSpPr/>
-        <p:nvPr/>
-      </p:nvGrpSpPr>
-      <p:grpSpPr>
-        <a:xfrm>
-          <a:off x="0" y="0"/>
-          <a:ext cx="0" cy="0"/>
-          <a:chOff x="0" y="0"/>
-          <a:chExt cx="0" cy="0"/>
-        </a:xfrm>
-      </p:grpSpPr>
-      <p:sp useBgFill="1">
-        <p:nvSpPr>
-          <p:cNvPr id="94" name="Rectangle 68">
-            <a:extLst>
-              <a:ext uri="{FF2B5EF4-FFF2-40B4-BE49-F238E27FC236}">
-                <a16:creationId xmlns:a16="http://schemas.microsoft.com/office/drawing/2014/main" id="{BACC6370-2D7E-4714-9D71-7542949D7D5D}"/>
-              </a:ext>
-              <a:ext uri="{C183D7F6-B498-43B3-948B-1728B52AA6E4}">
-                <adec:decorative xmlns:adec="http://schemas.microsoft.com/office/drawing/2017/decorative" val="1"/>
-              </a:ext>
-            </a:extLst>
-          </p:cNvPr>
-          <p:cNvSpPr>
-            <a:spLocks noGrp="1" noRot="1" noChangeAspect="1" noMove="1" noResize="1" noEditPoints="1" noAdjustHandles="1" noChangeArrowheads="1" noChangeShapeType="1" noTextEdit="1"/>
-          </p:cNvSpPr>
-          <p:nvPr>
-            <p:extLst>
-              <p:ext uri="{386F3935-93C4-4BCD-93E2-E3B085C9AB24}">
-                <p16:designElem xmlns:p16="http://schemas.microsoft.com/office/powerpoint/2015/main" val="1"/>
-              </p:ext>
-            </p:extLst>
-          </p:nvPr>
-        </p:nvSpPr>
-        <p:spPr>
-          <a:xfrm>
-            <a:off x="0" y="0"/>
-            <a:ext cx="12192000" cy="6858000"/>
-          </a:xfrm>
-          <a:prstGeom prst="rect">
-            <a:avLst/>
-          </a:prstGeom>
-          <a:ln w="12700" cap="flat" cmpd="sng" algn="ctr">
-            <a:noFill/>
-            <a:prstDash val="solid"/>
-            <a:miter lim="800000"/>
-          </a:ln>
-          <a:effectLst/>
-          <a:extLst>
-            <a:ext uri="{91240B29-F687-4F45-9708-019B960494DF}">
-              <a14:hiddenLine xmlns:a14="http://schemas.microsoft.com/office/drawing/2010/main" w="12700" cap="flat" cmpd="sng" algn="ctr">
-                <a:solidFill>
-                  <a:schemeClr val="accent1">
-                    <a:shade val="50000"/>
-                  </a:schemeClr>
-                </a:solidFill>
-                <a:prstDash val="solid"/>
-                <a:miter lim="800000"/>
-              </a14:hiddenLine>
-            </a:ext>
-          </a:extLst>
-        </p:spPr>
-        <p:style>
-          <a:lnRef idx="2">
-            <a:schemeClr val="accent1">
-              <a:shade val="50000"/>
-            </a:schemeClr>
-          </a:lnRef>
-          <a:fillRef idx="1">
-            <a:schemeClr val="accent1"/>
-          </a:fillRef>
-          <a:effectRef idx="0">
-            <a:schemeClr val="accent1"/>
-          </a:effectRef>
-          <a:fontRef idx="minor">
-            <a:schemeClr val="lt1"/>
-          </a:fontRef>
-        </p:style>
-        <p:txBody>
-          <a:bodyPr rtlCol="0" anchor="ctr"/>
-          <a:lstStyle/>
-          <a:p>
-            <a:pPr algn="ctr"/>
-            <a:endParaRPr lang="en-US"/>
-          </a:p>
-        </p:txBody>
-      </p:sp>
-      <p:sp>
-        <p:nvSpPr>
-          <p:cNvPr id="95" name="Rectangle 70">
-            <a:extLst>
-              <a:ext uri="{FF2B5EF4-FFF2-40B4-BE49-F238E27FC236}">
-                <a16:creationId xmlns:a16="http://schemas.microsoft.com/office/drawing/2014/main" id="{256B2C21-A230-48C0-8DF1-C46611373C44}"/>
-              </a:ext>
-              <a:ext uri="{C183D7F6-B498-43B3-948B-1728B52AA6E4}">
-                <adec:decorative xmlns:adec="http://schemas.microsoft.com/office/drawing/2017/decorative" val="1"/>
-              </a:ext>
-            </a:extLst>
-          </p:cNvPr>
-          <p:cNvSpPr>
-            <a:spLocks noGrp="1" noRot="1" noChangeAspect="1" noMove="1" noResize="1" noEditPoints="1" noAdjustHandles="1" noChangeArrowheads="1" noChangeShapeType="1" noTextEdit="1"/>
-          </p:cNvSpPr>
-          <p:nvPr>
-            <p:extLst>
-              <p:ext uri="{386F3935-93C4-4BCD-93E2-E3B085C9AB24}">
-                <p16:designElem xmlns:p16="http://schemas.microsoft.com/office/powerpoint/2015/main" val="1"/>
-              </p:ext>
-            </p:extLst>
-          </p:nvPr>
-        </p:nvSpPr>
-        <p:spPr>
-          <a:xfrm rot="5400000" flipH="1">
-            <a:off x="-1410084" y="1410082"/>
-            <a:ext cx="6858000" cy="4037836"/>
-          </a:xfrm>
-          <a:prstGeom prst="rect">
-            <a:avLst/>
-          </a:prstGeom>
-          <a:gradFill>
-            <a:gsLst>
-              <a:gs pos="8000">
-                <a:srgbClr val="000000"/>
-              </a:gs>
-              <a:gs pos="100000">
-                <a:schemeClr val="accent1">
-                  <a:lumMod val="75000"/>
-                </a:schemeClr>
-              </a:gs>
-            </a:gsLst>
-            <a:lin ang="3000000" scaled="0"/>
-          </a:gradFill>
-          <a:ln>
-            <a:noFill/>
-          </a:ln>
-        </p:spPr>
-        <p:style>
-          <a:lnRef idx="2">
-            <a:schemeClr val="accent1">
-              <a:shade val="50000"/>
-            </a:schemeClr>
-          </a:lnRef>
-          <a:fillRef idx="1">
-            <a:schemeClr val="accent1"/>
-          </a:fillRef>
-          <a:effectRef idx="0">
-            <a:schemeClr val="accent1"/>
-          </a:effectRef>
-          <a:fontRef idx="minor">
-            <a:schemeClr val="lt1"/>
-          </a:fontRef>
-        </p:style>
-        <p:txBody>
-          <a:bodyPr rtlCol="0" anchor="ctr"/>
-          <a:lstStyle/>
-          <a:p>
-            <a:pPr algn="ctr"/>
-            <a:endParaRPr lang="en-US"/>
-          </a:p>
-        </p:txBody>
-      </p:sp>
-      <p:sp>
-        <p:nvSpPr>
-          <p:cNvPr id="96" name="Rectangle 72">
-            <a:extLst>
-              <a:ext uri="{FF2B5EF4-FFF2-40B4-BE49-F238E27FC236}">
-                <a16:creationId xmlns:a16="http://schemas.microsoft.com/office/drawing/2014/main" id="{3847E18C-932D-4C95-AABA-FEC7C9499AD7}"/>
-              </a:ext>
-              <a:ext uri="{C183D7F6-B498-43B3-948B-1728B52AA6E4}">
-                <adec:decorative xmlns:adec="http://schemas.microsoft.com/office/drawing/2017/decorative" val="1"/>
-              </a:ext>
-            </a:extLst>
-          </p:cNvPr>
-          <p:cNvSpPr>
-            <a:spLocks noGrp="1" noRot="1" noChangeAspect="1" noMove="1" noResize="1" noEditPoints="1" noAdjustHandles="1" noChangeArrowheads="1" noChangeShapeType="1" noTextEdit="1"/>
-          </p:cNvSpPr>
-          <p:nvPr>
-            <p:extLst>
-              <p:ext uri="{386F3935-93C4-4BCD-93E2-E3B085C9AB24}">
-                <p16:designElem xmlns:p16="http://schemas.microsoft.com/office/powerpoint/2015/main" val="1"/>
-              </p:ext>
-            </p:extLst>
-          </p:nvPr>
-        </p:nvSpPr>
-        <p:spPr>
-          <a:xfrm rot="5400000" flipH="1">
-            <a:off x="-1410085" y="1420219"/>
-            <a:ext cx="6857999" cy="4037839"/>
-          </a:xfrm>
-          <a:prstGeom prst="rect">
-            <a:avLst/>
-          </a:prstGeom>
-          <a:gradFill>
-            <a:gsLst>
-              <a:gs pos="0">
-                <a:srgbClr val="000000">
-                  <a:alpha val="0"/>
-                </a:srgbClr>
-              </a:gs>
-              <a:gs pos="99000">
-                <a:schemeClr val="accent1">
-                  <a:alpha val="46000"/>
-                </a:schemeClr>
-              </a:gs>
-            </a:gsLst>
-            <a:lin ang="1800000" scaled="0"/>
-          </a:gradFill>
-          <a:ln>
-            <a:noFill/>
-          </a:ln>
-        </p:spPr>
-        <p:style>
-          <a:lnRef idx="2">
-            <a:schemeClr val="accent1">
-              <a:shade val="50000"/>
-            </a:schemeClr>
-          </a:lnRef>
-          <a:fillRef idx="1">
-            <a:schemeClr val="accent1"/>
-          </a:fillRef>
-          <a:effectRef idx="0">
-            <a:schemeClr val="accent1"/>
-          </a:effectRef>
-          <a:fontRef idx="minor">
-            <a:schemeClr val="lt1"/>
-          </a:fontRef>
-        </p:style>
-        <p:txBody>
-          <a:bodyPr rtlCol="0" anchor="ctr"/>
-          <a:lstStyle/>
-          <a:p>
-            <a:pPr algn="ctr"/>
-            <a:endParaRPr lang="en-US"/>
-          </a:p>
-        </p:txBody>
-      </p:sp>
-      <p:sp>
-        <p:nvSpPr>
-          <p:cNvPr id="97" name="Rectangle 74">
-            <a:extLst>
-              <a:ext uri="{FF2B5EF4-FFF2-40B4-BE49-F238E27FC236}">
-                <a16:creationId xmlns:a16="http://schemas.microsoft.com/office/drawing/2014/main" id="{3150CB11-0C61-439E-910F-5787759E72A0}"/>
-              </a:ext>
-              <a:ext uri="{C183D7F6-B498-43B3-948B-1728B52AA6E4}">
-                <adec:decorative xmlns:adec="http://schemas.microsoft.com/office/drawing/2017/decorative" val="1"/>
-              </a:ext>
-            </a:extLst>
-          </p:cNvPr>
-          <p:cNvSpPr>
-            <a:spLocks noGrp="1" noRot="1" noChangeAspect="1" noMove="1" noResize="1" noEditPoints="1" noAdjustHandles="1" noChangeArrowheads="1" noChangeShapeType="1" noTextEdit="1"/>
-          </p:cNvSpPr>
-          <p:nvPr>
-            <p:extLst>
-              <p:ext uri="{386F3935-93C4-4BCD-93E2-E3B085C9AB24}">
-                <p16:designElem xmlns:p16="http://schemas.microsoft.com/office/powerpoint/2015/main" val="1"/>
-              </p:ext>
-            </p:extLst>
-          </p:nvPr>
-        </p:nvSpPr>
-        <p:spPr>
-          <a:xfrm rot="5400000" flipH="1">
-            <a:off x="767923" y="3588085"/>
-            <a:ext cx="2501979" cy="4037841"/>
-          </a:xfrm>
-          <a:prstGeom prst="rect">
-            <a:avLst/>
-          </a:prstGeom>
-          <a:gradFill>
-            <a:gsLst>
-              <a:gs pos="2000">
-                <a:schemeClr val="accent1">
-                  <a:alpha val="29000"/>
-                </a:schemeClr>
-              </a:gs>
-              <a:gs pos="100000">
-                <a:srgbClr val="000000">
-                  <a:alpha val="30000"/>
-                </a:srgbClr>
-              </a:gs>
-            </a:gsLst>
-            <a:lin ang="7800000" scaled="0"/>
-          </a:gradFill>
-          <a:ln>
-            <a:noFill/>
-          </a:ln>
-        </p:spPr>
-        <p:style>
-          <a:lnRef idx="2">
-            <a:schemeClr val="accent1">
-              <a:shade val="50000"/>
-            </a:schemeClr>
-          </a:lnRef>
-          <a:fillRef idx="1">
-            <a:schemeClr val="accent1"/>
-          </a:fillRef>
-          <a:effectRef idx="0">
-            <a:schemeClr val="accent1"/>
-          </a:effectRef>
-          <a:fontRef idx="minor">
-            <a:schemeClr val="lt1"/>
-          </a:fontRef>
-        </p:style>
-        <p:txBody>
-          <a:bodyPr rtlCol="0" anchor="ctr"/>
-          <a:lstStyle/>
-          <a:p>
-            <a:pPr algn="ctr"/>
-            <a:endParaRPr lang="en-US" dirty="0"/>
-          </a:p>
-        </p:txBody>
-      </p:sp>
-      <p:sp>
-        <p:nvSpPr>
-          <p:cNvPr id="98" name="Freeform: Shape 76">
-            <a:extLst>
-              <a:ext uri="{FF2B5EF4-FFF2-40B4-BE49-F238E27FC236}">
-                <a16:creationId xmlns:a16="http://schemas.microsoft.com/office/drawing/2014/main" id="{43F8A58B-5155-44CE-A5FF-7647B47D0A7A}"/>
-              </a:ext>
-              <a:ext uri="{C183D7F6-B498-43B3-948B-1728B52AA6E4}">
-                <adec:decorative xmlns:adec="http://schemas.microsoft.com/office/drawing/2017/decorative" val="1"/>
-              </a:ext>
-            </a:extLst>
-          </p:cNvPr>
-          <p:cNvSpPr>
-            <a:spLocks noGrp="1" noRot="1" noChangeAspect="1" noMove="1" noResize="1" noEditPoints="1" noAdjustHandles="1" noChangeArrowheads="1" noChangeShapeType="1" noTextEdit="1"/>
-          </p:cNvSpPr>
-          <p:nvPr>
-            <p:extLst>
-              <p:ext uri="{386F3935-93C4-4BCD-93E2-E3B085C9AB24}">
-                <p16:designElem xmlns:p16="http://schemas.microsoft.com/office/powerpoint/2015/main" val="1"/>
-              </p:ext>
-            </p:extLst>
-          </p:nvPr>
-        </p:nvSpPr>
-        <p:spPr>
-          <a:xfrm rot="20635413">
-            <a:off x="-501737" y="969718"/>
-            <a:ext cx="3900357" cy="4178958"/>
-          </a:xfrm>
-          <a:custGeom>
-            <a:avLst/>
-            <a:gdLst>
-              <a:gd name="connsiteX0" fmla="*/ 2432225 w 3900357"/>
-              <a:gd name="connsiteY0" fmla="*/ 93939 h 4178958"/>
-              <a:gd name="connsiteX1" fmla="*/ 3900357 w 3900357"/>
-              <a:gd name="connsiteY1" fmla="*/ 2089479 h 4178958"/>
-              <a:gd name="connsiteX2" fmla="*/ 1810878 w 3900357"/>
-              <a:gd name="connsiteY2" fmla="*/ 4178958 h 4178958"/>
-              <a:gd name="connsiteX3" fmla="*/ 78249 w 3900357"/>
-              <a:gd name="connsiteY3" fmla="*/ 3257727 h 4178958"/>
-              <a:gd name="connsiteX4" fmla="*/ 0 w 3900357"/>
-              <a:gd name="connsiteY4" fmla="*/ 3128923 h 4178958"/>
-              <a:gd name="connsiteX5" fmla="*/ 831324 w 3900357"/>
-              <a:gd name="connsiteY5" fmla="*/ 244281 h 4178958"/>
-              <a:gd name="connsiteX6" fmla="*/ 997559 w 3900357"/>
-              <a:gd name="connsiteY6" fmla="*/ 164202 h 4178958"/>
-              <a:gd name="connsiteX7" fmla="*/ 1810878 w 3900357"/>
-              <a:gd name="connsiteY7" fmla="*/ 0 h 4178958"/>
-              <a:gd name="connsiteX8" fmla="*/ 2432225 w 3900357"/>
-              <a:gd name="connsiteY8" fmla="*/ 93939 h 4178958"/>
-            </a:gdLst>
-            <a:ahLst/>
-            <a:cxnLst>
-              <a:cxn ang="0">
-                <a:pos x="connsiteX0" y="connsiteY0"/>
-              </a:cxn>
-              <a:cxn ang="0">
-                <a:pos x="connsiteX1" y="connsiteY1"/>
-              </a:cxn>
-              <a:cxn ang="0">
-                <a:pos x="connsiteX2" y="connsiteY2"/>
-              </a:cxn>
-              <a:cxn ang="0">
-                <a:pos x="connsiteX3" y="connsiteY3"/>
-              </a:cxn>
-              <a:cxn ang="0">
-                <a:pos x="connsiteX4" y="connsiteY4"/>
-              </a:cxn>
-              <a:cxn ang="0">
-                <a:pos x="connsiteX5" y="connsiteY5"/>
-              </a:cxn>
-              <a:cxn ang="0">
-                <a:pos x="connsiteX6" y="connsiteY6"/>
-              </a:cxn>
-              <a:cxn ang="0">
-                <a:pos x="connsiteX7" y="connsiteY7"/>
-              </a:cxn>
-              <a:cxn ang="0">
-                <a:pos x="connsiteX8" y="connsiteY8"/>
-              </a:cxn>
-            </a:cxnLst>
-            <a:rect l="l" t="t" r="r" b="b"/>
-            <a:pathLst>
-              <a:path w="3900357" h="4178958">
-                <a:moveTo>
-                  <a:pt x="2432225" y="93939"/>
-                </a:moveTo>
-                <a:cubicBezTo>
-                  <a:pt x="3282786" y="358491"/>
-                  <a:pt x="3900357" y="1151865"/>
-                  <a:pt x="3900357" y="2089479"/>
-                </a:cubicBezTo>
-                <a:cubicBezTo>
-                  <a:pt x="3900357" y="3243466"/>
-                  <a:pt x="2964865" y="4178958"/>
-                  <a:pt x="1810878" y="4178958"/>
-                </a:cubicBezTo>
-                <a:cubicBezTo>
-                  <a:pt x="1089636" y="4178958"/>
-                  <a:pt x="453744" y="3813531"/>
-                  <a:pt x="78249" y="3257727"/>
-                </a:cubicBezTo>
-                <a:lnTo>
-                  <a:pt x="0" y="3128923"/>
-                </a:lnTo>
-                <a:lnTo>
-                  <a:pt x="831324" y="244281"/>
-                </a:lnTo>
-                <a:lnTo>
-                  <a:pt x="997559" y="164202"/>
-                </a:lnTo>
-                <a:cubicBezTo>
-                  <a:pt x="1247540" y="58468"/>
-                  <a:pt x="1522381" y="0"/>
-                  <a:pt x="1810878" y="0"/>
-                </a:cubicBezTo>
-                <a:cubicBezTo>
-                  <a:pt x="2027251" y="0"/>
-                  <a:pt x="2235942" y="32888"/>
-                  <a:pt x="2432225" y="93939"/>
-                </a:cubicBezTo>
-                <a:close/>
-              </a:path>
-            </a:pathLst>
-          </a:custGeom>
-          <a:gradFill>
-            <a:gsLst>
-              <a:gs pos="29000">
-                <a:srgbClr val="000000">
-                  <a:alpha val="0"/>
-                </a:srgbClr>
-              </a:gs>
-              <a:gs pos="100000">
-                <a:schemeClr val="accent1">
-                  <a:alpha val="43000"/>
-                </a:schemeClr>
-              </a:gs>
-            </a:gsLst>
-            <a:lin ang="1800000" scaled="0"/>
-          </a:gradFill>
-          <a:ln>
-            <a:noFill/>
-          </a:ln>
-        </p:spPr>
-        <p:style>
-          <a:lnRef idx="2">
-            <a:schemeClr val="accent1">
-              <a:shade val="50000"/>
-            </a:schemeClr>
-          </a:lnRef>
-          <a:fillRef idx="1">
-            <a:schemeClr val="accent1"/>
-          </a:fillRef>
-          <a:effectRef idx="0">
-            <a:schemeClr val="accent1"/>
-          </a:effectRef>
-          <a:fontRef idx="minor">
-            <a:schemeClr val="lt1"/>
-          </a:fontRef>
-        </p:style>
-        <p:txBody>
-          <a:bodyPr wrap="square" rtlCol="0" anchor="ctr">
-            <a:noAutofit/>
-          </a:bodyPr>
-          <a:lstStyle/>
-          <a:p>
-            <a:pPr algn="ctr"/>
-            <a:endParaRPr lang="en-US" dirty="0"/>
-          </a:p>
-        </p:txBody>
-      </p:sp>
-      <p:sp>
-        <p:nvSpPr>
-          <p:cNvPr id="99" name="Rectangle 78">
-            <a:extLst>
-              <a:ext uri="{FF2B5EF4-FFF2-40B4-BE49-F238E27FC236}">
-                <a16:creationId xmlns:a16="http://schemas.microsoft.com/office/drawing/2014/main" id="{443F2ACA-E6D6-4028-82DD-F03C262D5DE6}"/>
-              </a:ext>
-              <a:ext uri="{C183D7F6-B498-43B3-948B-1728B52AA6E4}">
-                <adec:decorative xmlns:adec="http://schemas.microsoft.com/office/drawing/2017/decorative" val="1"/>
-              </a:ext>
-            </a:extLst>
-          </p:cNvPr>
-          <p:cNvSpPr>
-            <a:spLocks noGrp="1" noRot="1" noChangeAspect="1" noMove="1" noResize="1" noEditPoints="1" noAdjustHandles="1" noChangeArrowheads="1" noChangeShapeType="1" noTextEdit="1"/>
-          </p:cNvSpPr>
-          <p:nvPr>
-            <p:extLst>
-              <p:ext uri="{386F3935-93C4-4BCD-93E2-E3B085C9AB24}">
-                <p16:designElem xmlns:p16="http://schemas.microsoft.com/office/powerpoint/2015/main" val="1"/>
-              </p:ext>
-            </p:extLst>
-          </p:nvPr>
-        </p:nvSpPr>
-        <p:spPr>
-          <a:xfrm rot="5400000" flipH="1">
-            <a:off x="-1410095" y="1410079"/>
-            <a:ext cx="6858003" cy="4037835"/>
-          </a:xfrm>
-          <a:prstGeom prst="rect">
-            <a:avLst/>
-          </a:prstGeom>
-          <a:gradFill>
-            <a:gsLst>
-              <a:gs pos="0">
-                <a:srgbClr val="000000">
-                  <a:alpha val="0"/>
-                </a:srgbClr>
-              </a:gs>
-              <a:gs pos="99000">
-                <a:schemeClr val="accent1">
-                  <a:lumMod val="60000"/>
-                  <a:lumOff val="40000"/>
-                  <a:alpha val="11000"/>
-                </a:schemeClr>
-              </a:gs>
-            </a:gsLst>
-            <a:lin ang="7200000" scaled="0"/>
-          </a:gradFill>
-          <a:ln>
-            <a:noFill/>
-          </a:ln>
-        </p:spPr>
-        <p:style>
-          <a:lnRef idx="2">
-            <a:schemeClr val="accent1">
-              <a:shade val="50000"/>
-            </a:schemeClr>
-          </a:lnRef>
-          <a:fillRef idx="1">
-            <a:schemeClr val="accent1"/>
-          </a:fillRef>
-          <a:effectRef idx="0">
-            <a:schemeClr val="accent1"/>
-          </a:effectRef>
-          <a:fontRef idx="minor">
-            <a:schemeClr val="lt1"/>
-          </a:fontRef>
-        </p:style>
-        <p:txBody>
-          <a:bodyPr rtlCol="0" anchor="ctr"/>
-          <a:lstStyle/>
-          <a:p>
-            <a:pPr algn="ctr"/>
-            <a:endParaRPr lang="en-US"/>
-          </a:p>
-        </p:txBody>
-      </p:sp>
-      <p:sp>
-        <p:nvSpPr>
-          <p:cNvPr id="48" name="TextBox 47">
-            <a:extLst>
-              <a:ext uri="{FF2B5EF4-FFF2-40B4-BE49-F238E27FC236}">
-                <a16:creationId xmlns:a16="http://schemas.microsoft.com/office/drawing/2014/main" id="{605A3C86-A49C-E64A-F8A6-18A82F36B38C}"/>
-              </a:ext>
-            </a:extLst>
-          </p:cNvPr>
-          <p:cNvSpPr txBox="1"/>
-          <p:nvPr/>
-        </p:nvSpPr>
-        <p:spPr>
-          <a:xfrm>
-            <a:off x="586478" y="1683756"/>
-            <a:ext cx="3115265" cy="2396359"/>
-          </a:xfrm>
-          <a:prstGeom prst="rect">
-            <a:avLst/>
-          </a:prstGeom>
-        </p:spPr>
-        <p:txBody>
-          <a:bodyPr vert="horz" lIns="91440" tIns="45720" rIns="91440" bIns="45720" rtlCol="0" anchor="b">
-            <a:normAutofit/>
-          </a:bodyPr>
-          <a:lstStyle/>
-          <a:p>
-            <a:pPr algn="r">
-              <a:lnSpc>
-                <a:spcPct val="90000"/>
-              </a:lnSpc>
-              <a:spcBef>
-                <a:spcPct val="0"/>
-              </a:spcBef>
-              <a:spcAft>
-                <a:spcPts val="600"/>
-              </a:spcAft>
-            </a:pPr>
-            <a:r>
-              <a:rPr lang="en-US" sz="4000" dirty="0">
-                <a:solidFill>
-                  <a:srgbClr val="FFFFFF"/>
-                </a:solidFill>
-                <a:latin typeface="+mj-lt"/>
-                <a:ea typeface="+mj-ea"/>
-                <a:cs typeface="+mj-cs"/>
-              </a:rPr>
-              <a:t>Processed</a:t>
-            </a:r>
-            <a:r>
-              <a:rPr lang="en-US" sz="4000" kern="1200" dirty="0">
-                <a:solidFill>
-                  <a:srgbClr val="FFFFFF"/>
-                </a:solidFill>
-                <a:latin typeface="+mj-lt"/>
-                <a:ea typeface="+mj-ea"/>
-                <a:cs typeface="+mj-cs"/>
-              </a:rPr>
-              <a:t> frass</a:t>
-            </a:r>
-          </a:p>
-        </p:txBody>
-      </p:sp>
-      <p:grpSp>
-        <p:nvGrpSpPr>
-          <p:cNvPr id="12" name="Group 11">
-            <a:extLst>
-              <a:ext uri="{FF2B5EF4-FFF2-40B4-BE49-F238E27FC236}">
-                <a16:creationId xmlns:a16="http://schemas.microsoft.com/office/drawing/2014/main" id="{FAE3AF9D-3936-7B21-E649-E586B00B4E76}"/>
-              </a:ext>
-            </a:extLst>
-          </p:cNvPr>
-          <p:cNvGrpSpPr/>
-          <p:nvPr/>
-        </p:nvGrpSpPr>
-        <p:grpSpPr>
-          <a:xfrm>
-            <a:off x="5989508" y="137597"/>
-            <a:ext cx="4572000" cy="3031108"/>
-            <a:chOff x="1304544" y="255284"/>
-            <a:chExt cx="6194196" cy="4080470"/>
-          </a:xfrm>
-        </p:grpSpPr>
-        <p:pic>
-          <p:nvPicPr>
-            <p:cNvPr id="4" name="Picture 3" descr="Chart, box and whisker chart&#10;&#10;Description automatically generated">
-              <a:extLst>
-                <a:ext uri="{FF2B5EF4-FFF2-40B4-BE49-F238E27FC236}">
-                  <a16:creationId xmlns:a16="http://schemas.microsoft.com/office/drawing/2014/main" id="{84529EA0-6BC6-520D-318D-5EC00B6A1CF3}"/>
-                </a:ext>
-              </a:extLst>
-            </p:cNvPr>
-            <p:cNvPicPr>
-              <a:picLocks noChangeAspect="1"/>
-            </p:cNvPicPr>
-            <p:nvPr/>
-          </p:nvPicPr>
-          <p:blipFill rotWithShape="1">
-            <a:blip r:embed="rId3" cstate="print">
-              <a:extLst>
-                <a:ext uri="{28A0092B-C50C-407E-A947-70E740481C1C}">
-                  <a14:useLocalDpi xmlns:a14="http://schemas.microsoft.com/office/drawing/2010/main" val="0"/>
-                </a:ext>
-              </a:extLst>
-            </a:blip>
-            <a:srcRect b="11622"/>
-            <a:stretch/>
-          </p:blipFill>
-          <p:spPr>
-            <a:xfrm>
-              <a:off x="1304544" y="255284"/>
-              <a:ext cx="6194196" cy="4080470"/>
-            </a:xfrm>
-            <a:prstGeom prst="rect">
-              <a:avLst/>
-            </a:prstGeom>
-          </p:spPr>
-        </p:pic>
-        <p:sp>
-          <p:nvSpPr>
-            <p:cNvPr id="10" name="TextBox 9">
-              <a:extLst>
-                <a:ext uri="{FF2B5EF4-FFF2-40B4-BE49-F238E27FC236}">
-                  <a16:creationId xmlns:a16="http://schemas.microsoft.com/office/drawing/2014/main" id="{57C7CB80-388E-5095-53E6-469B4B8F2C16}"/>
-                </a:ext>
-              </a:extLst>
-            </p:cNvPr>
-            <p:cNvSpPr txBox="1"/>
-            <p:nvPr/>
-          </p:nvSpPr>
-          <p:spPr>
-            <a:xfrm>
-              <a:off x="1304544" y="3783683"/>
-              <a:ext cx="430727" cy="456032"/>
-            </a:xfrm>
-            <a:prstGeom prst="rect">
-              <a:avLst/>
-            </a:prstGeom>
-            <a:noFill/>
-          </p:spPr>
-          <p:txBody>
-            <a:bodyPr wrap="square" rtlCol="0">
-              <a:normAutofit/>
-            </a:bodyPr>
-            <a:lstStyle/>
-            <a:p>
-              <a:pPr>
-                <a:lnSpc>
-                  <a:spcPct val="90000"/>
-                </a:lnSpc>
-                <a:spcAft>
-                  <a:spcPts val="600"/>
-                </a:spcAft>
-              </a:pPr>
-              <a:r>
-                <a:rPr lang="en-US" sz="1200" b="1" dirty="0">
-                  <a:latin typeface="Arial" panose="020B0604020202020204" pitchFamily="34" charset="0"/>
-                  <a:cs typeface="Arial" panose="020B0604020202020204" pitchFamily="34" charset="0"/>
-                </a:rPr>
-                <a:t>A</a:t>
-              </a:r>
-            </a:p>
-          </p:txBody>
-        </p:sp>
-      </p:grpSp>
-      <p:grpSp>
-        <p:nvGrpSpPr>
-          <p:cNvPr id="18" name="Group 17">
-            <a:extLst>
-              <a:ext uri="{FF2B5EF4-FFF2-40B4-BE49-F238E27FC236}">
-                <a16:creationId xmlns:a16="http://schemas.microsoft.com/office/drawing/2014/main" id="{1ED993C9-3472-BB8E-B981-4E626F6DD624}"/>
-              </a:ext>
-            </a:extLst>
-          </p:cNvPr>
-          <p:cNvGrpSpPr/>
-          <p:nvPr/>
-        </p:nvGrpSpPr>
-        <p:grpSpPr>
-          <a:xfrm>
-            <a:off x="5989508" y="3339302"/>
-            <a:ext cx="4572000" cy="3358898"/>
-            <a:chOff x="1345818" y="4480569"/>
-            <a:chExt cx="6311430" cy="4944892"/>
-          </a:xfrm>
-        </p:grpSpPr>
-        <p:pic>
-          <p:nvPicPr>
-            <p:cNvPr id="16" name="Picture 15" descr="Chart, box and whisker chart&#10;&#10;Description automatically generated">
-              <a:extLst>
-                <a:ext uri="{FF2B5EF4-FFF2-40B4-BE49-F238E27FC236}">
-                  <a16:creationId xmlns:a16="http://schemas.microsoft.com/office/drawing/2014/main" id="{AE77A4A5-715D-1485-6BCB-7050CCAFDD74}"/>
-                </a:ext>
-              </a:extLst>
-            </p:cNvPr>
-            <p:cNvPicPr>
-              <a:picLocks noChangeAspect="1"/>
-            </p:cNvPicPr>
-            <p:nvPr/>
-          </p:nvPicPr>
-          <p:blipFill rotWithShape="1">
-            <a:blip r:embed="rId4" cstate="print">
-              <a:extLst>
-                <a:ext uri="{28A0092B-C50C-407E-A947-70E740481C1C}">
-                  <a14:useLocalDpi xmlns:a14="http://schemas.microsoft.com/office/drawing/2010/main" val="0"/>
-                </a:ext>
-              </a:extLst>
-            </a:blip>
-            <a:srcRect t="2064"/>
-            <a:stretch/>
-          </p:blipFill>
-          <p:spPr>
-            <a:xfrm>
-              <a:off x="1345818" y="4480569"/>
-              <a:ext cx="6311430" cy="4944892"/>
-            </a:xfrm>
-            <a:prstGeom prst="rect">
-              <a:avLst/>
-            </a:prstGeom>
-          </p:spPr>
-        </p:pic>
-        <p:sp>
-          <p:nvSpPr>
-            <p:cNvPr id="17" name="TextBox 16">
-              <a:extLst>
-                <a:ext uri="{FF2B5EF4-FFF2-40B4-BE49-F238E27FC236}">
-                  <a16:creationId xmlns:a16="http://schemas.microsoft.com/office/drawing/2014/main" id="{1B600881-6F04-2E48-3997-17715BAA1D64}"/>
-                </a:ext>
-              </a:extLst>
-            </p:cNvPr>
-            <p:cNvSpPr txBox="1"/>
-            <p:nvPr/>
-          </p:nvSpPr>
-          <p:spPr>
-            <a:xfrm>
-              <a:off x="1345818" y="8195401"/>
-              <a:ext cx="438880" cy="498710"/>
-            </a:xfrm>
-            <a:prstGeom prst="rect">
-              <a:avLst/>
-            </a:prstGeom>
-            <a:noFill/>
-          </p:spPr>
-          <p:txBody>
-            <a:bodyPr wrap="square" rtlCol="0">
-              <a:normAutofit/>
-            </a:bodyPr>
-            <a:lstStyle/>
-            <a:p>
-              <a:pPr>
-                <a:lnSpc>
-                  <a:spcPct val="90000"/>
-                </a:lnSpc>
-                <a:spcAft>
-                  <a:spcPts val="600"/>
-                </a:spcAft>
-              </a:pPr>
-              <a:r>
-                <a:rPr lang="en-US" sz="1200" b="1" dirty="0">
-                  <a:latin typeface="Arial" panose="020B0604020202020204" pitchFamily="34" charset="0"/>
-                  <a:cs typeface="Arial" panose="020B0604020202020204" pitchFamily="34" charset="0"/>
-                </a:rPr>
-                <a:t>B</a:t>
-              </a:r>
-            </a:p>
-          </p:txBody>
-        </p:sp>
-      </p:grpSp>
-    </p:spTree>
-  </p:cSld>
-  <p:clrMapOvr>
-    <a:masterClrMapping/>
-  </p:clrMapOvr>
-</p:sld>
-</file>
-
-<file path=ppt/slides/slide9.xml><?xml version="1.0" encoding="utf-8"?>
-<p:sld xmlns:a="http://schemas.openxmlformats.org/drawingml/2006/main" xmlns:r="http://schemas.openxmlformats.org/officeDocument/2006/relationships" xmlns:p="http://schemas.openxmlformats.org/presentationml/2006/main">
-  <p:cSld>
-    <p:bg>
-      <p:bgPr>
-        <a:solidFill>
-          <a:schemeClr val="bg1"/>
-        </a:solidFill>
-        <a:effectLst/>
-      </p:bgPr>
-    </p:bg>
-    <p:spTree>
-      <p:nvGrpSpPr>
-        <p:cNvPr id="1" name=""/>
-        <p:cNvGrpSpPr/>
-        <p:nvPr/>
-      </p:nvGrpSpPr>
-      <p:grpSpPr>
-        <a:xfrm>
-          <a:off x="0" y="0"/>
-          <a:ext cx="0" cy="0"/>
-          <a:chOff x="0" y="0"/>
-          <a:chExt cx="0" cy="0"/>
-        </a:xfrm>
-      </p:grpSpPr>
-      <p:sp>
-        <p:nvSpPr>
-          <p:cNvPr id="75" name="Rectangle 65">
-            <a:extLst>
-              <a:ext uri="{FF2B5EF4-FFF2-40B4-BE49-F238E27FC236}">
-                <a16:creationId xmlns:a16="http://schemas.microsoft.com/office/drawing/2014/main" id="{F3060C83-F051-4F0E-ABAD-AA0DFC48B218}"/>
-              </a:ext>
-              <a:ext uri="{C183D7F6-B498-43B3-948B-1728B52AA6E4}">
-                <adec:decorative xmlns:adec="http://schemas.microsoft.com/office/drawing/2017/decorative" val="1"/>
-              </a:ext>
-            </a:extLst>
-          </p:cNvPr>
-          <p:cNvSpPr>
-            <a:spLocks noGrp="1" noRot="1" noChangeAspect="1" noMove="1" noResize="1" noEditPoints="1" noAdjustHandles="1" noChangeArrowheads="1" noChangeShapeType="1" noTextEdit="1"/>
-          </p:cNvSpPr>
-          <p:nvPr>
-            <p:extLst>
-              <p:ext uri="{386F3935-93C4-4BCD-93E2-E3B085C9AB24}">
-                <p16:designElem xmlns:p16="http://schemas.microsoft.com/office/powerpoint/2015/main" val="1"/>
-              </p:ext>
-            </p:extLst>
-          </p:nvPr>
-        </p:nvSpPr>
-        <p:spPr>
-          <a:xfrm>
-            <a:off x="0" y="0"/>
-            <a:ext cx="12192000" cy="6858000"/>
-          </a:xfrm>
-          <a:prstGeom prst="rect">
-            <a:avLst/>
-          </a:prstGeom>
-          <a:solidFill>
-            <a:schemeClr val="bg1"/>
-          </a:solidFill>
-          <a:ln>
-            <a:noFill/>
-          </a:ln>
-        </p:spPr>
-        <p:style>
-          <a:lnRef idx="2">
-            <a:schemeClr val="accent1">
-              <a:shade val="50000"/>
-            </a:schemeClr>
-          </a:lnRef>
-          <a:fillRef idx="1">
-            <a:schemeClr val="accent1"/>
-          </a:fillRef>
-          <a:effectRef idx="0">
-            <a:schemeClr val="accent1"/>
-          </a:effectRef>
-          <a:fontRef idx="minor">
-            <a:schemeClr val="lt1"/>
-          </a:fontRef>
-        </p:style>
-        <p:txBody>
-          <a:bodyPr rtlCol="0" anchor="ctr"/>
-          <a:lstStyle/>
-          <a:p>
-            <a:pPr algn="ctr"/>
-            <a:endParaRPr lang="en-US" dirty="0"/>
-          </a:p>
-        </p:txBody>
-      </p:sp>
-      <p:sp>
-        <p:nvSpPr>
-          <p:cNvPr id="77" name="Freeform: Shape 67">
-            <a:extLst>
-              <a:ext uri="{FF2B5EF4-FFF2-40B4-BE49-F238E27FC236}">
-                <a16:creationId xmlns:a16="http://schemas.microsoft.com/office/drawing/2014/main" id="{83C98ABE-055B-441F-B07E-44F97F083C39}"/>
-              </a:ext>
-              <a:ext uri="{C183D7F6-B498-43B3-948B-1728B52AA6E4}">
-                <adec:decorative xmlns:adec="http://schemas.microsoft.com/office/drawing/2017/decorative" val="1"/>
-              </a:ext>
-            </a:extLst>
-          </p:cNvPr>
-          <p:cNvSpPr>
-            <a:spLocks noGrp="1" noRot="1" noChangeAspect="1" noMove="1" noResize="1" noEditPoints="1" noAdjustHandles="1" noChangeArrowheads="1" noChangeShapeType="1" noTextEdit="1"/>
-          </p:cNvSpPr>
-          <p:nvPr>
-            <p:extLst>
-              <p:ext uri="{386F3935-93C4-4BCD-93E2-E3B085C9AB24}">
-                <p16:designElem xmlns:p16="http://schemas.microsoft.com/office/powerpoint/2015/main" val="1"/>
-              </p:ext>
-            </p:extLst>
-          </p:nvPr>
-        </p:nvSpPr>
-        <p:spPr>
-          <a:xfrm rot="18900000" flipH="1">
-            <a:off x="-376156" y="-253670"/>
-            <a:ext cx="1827638" cy="1376989"/>
-          </a:xfrm>
-          <a:custGeom>
-            <a:avLst/>
-            <a:gdLst>
-              <a:gd name="connsiteX0" fmla="*/ 0 w 1827638"/>
-              <a:gd name="connsiteY0" fmla="*/ 987379 h 1376989"/>
-              <a:gd name="connsiteX1" fmla="*/ 987379 w 1827638"/>
-              <a:gd name="connsiteY1" fmla="*/ 0 h 1376989"/>
-              <a:gd name="connsiteX2" fmla="*/ 1827638 w 1827638"/>
-              <a:gd name="connsiteY2" fmla="*/ 840260 h 1376989"/>
-              <a:gd name="connsiteX3" fmla="*/ 1827638 w 1827638"/>
-              <a:gd name="connsiteY3" fmla="*/ 1376989 h 1376989"/>
-              <a:gd name="connsiteX4" fmla="*/ 0 w 1827638"/>
-              <a:gd name="connsiteY4" fmla="*/ 1376989 h 1376989"/>
-            </a:gdLst>
-            <a:ahLst/>
-            <a:cxnLst>
-              <a:cxn ang="0">
-                <a:pos x="connsiteX0" y="connsiteY0"/>
-              </a:cxn>
-              <a:cxn ang="0">
-                <a:pos x="connsiteX1" y="connsiteY1"/>
-              </a:cxn>
-              <a:cxn ang="0">
-                <a:pos x="connsiteX2" y="connsiteY2"/>
-              </a:cxn>
-              <a:cxn ang="0">
-                <a:pos x="connsiteX3" y="connsiteY3"/>
-              </a:cxn>
-              <a:cxn ang="0">
-                <a:pos x="connsiteX4" y="connsiteY4"/>
-              </a:cxn>
-            </a:cxnLst>
-            <a:rect l="l" t="t" r="r" b="b"/>
-            <a:pathLst>
-              <a:path w="1827638" h="1376989">
-                <a:moveTo>
-                  <a:pt x="0" y="987379"/>
-                </a:moveTo>
-                <a:lnTo>
-                  <a:pt x="987379" y="0"/>
-                </a:lnTo>
-                <a:lnTo>
-                  <a:pt x="1827638" y="840260"/>
-                </a:lnTo>
-                <a:lnTo>
-                  <a:pt x="1827638" y="1376989"/>
-                </a:lnTo>
-                <a:lnTo>
-                  <a:pt x="0" y="1376989"/>
-                </a:lnTo>
-                <a:close/>
-              </a:path>
-            </a:pathLst>
-          </a:custGeom>
-          <a:solidFill>
-            <a:schemeClr val="accent1">
-              <a:alpha val="30000"/>
-            </a:schemeClr>
-          </a:solidFill>
-          <a:ln>
-            <a:noFill/>
-          </a:ln>
-        </p:spPr>
-        <p:style>
-          <a:lnRef idx="2">
-            <a:schemeClr val="accent1">
-              <a:shade val="50000"/>
-            </a:schemeClr>
-          </a:lnRef>
-          <a:fillRef idx="1">
-            <a:schemeClr val="accent1"/>
-          </a:fillRef>
-          <a:effectRef idx="0">
-            <a:schemeClr val="accent1"/>
-          </a:effectRef>
-          <a:fontRef idx="minor">
-            <a:schemeClr val="lt1"/>
-          </a:fontRef>
-        </p:style>
-        <p:txBody>
-          <a:bodyPr rtlCol="0" anchor="ctr"/>
-          <a:lstStyle/>
-          <a:p>
-            <a:pPr algn="ctr"/>
-            <a:endParaRPr lang="en-US" dirty="0"/>
-          </a:p>
-        </p:txBody>
-      </p:sp>
-      <p:sp>
-        <p:nvSpPr>
-          <p:cNvPr id="79" name="Rectangle 69">
-            <a:extLst>
-              <a:ext uri="{FF2B5EF4-FFF2-40B4-BE49-F238E27FC236}">
-                <a16:creationId xmlns:a16="http://schemas.microsoft.com/office/drawing/2014/main" id="{29FDB030-9B49-4CED-8CCD-4D99382388AC}"/>
-              </a:ext>
-              <a:ext uri="{C183D7F6-B498-43B3-948B-1728B52AA6E4}">
-                <adec:decorative xmlns:adec="http://schemas.microsoft.com/office/drawing/2017/decorative" val="1"/>
-              </a:ext>
-            </a:extLst>
-          </p:cNvPr>
-          <p:cNvSpPr>
-            <a:spLocks noGrp="1" noRot="1" noChangeAspect="1" noMove="1" noResize="1" noEditPoints="1" noAdjustHandles="1" noChangeArrowheads="1" noChangeShapeType="1" noTextEdit="1"/>
-          </p:cNvSpPr>
-          <p:nvPr>
-            <p:extLst>
-              <p:ext uri="{386F3935-93C4-4BCD-93E2-E3B085C9AB24}">
-                <p16:designElem xmlns:p16="http://schemas.microsoft.com/office/powerpoint/2015/main" val="1"/>
-              </p:ext>
-            </p:extLst>
-          </p:nvPr>
-        </p:nvSpPr>
-        <p:spPr>
-          <a:xfrm rot="18900000" flipH="1">
-            <a:off x="891641" y="422146"/>
-            <a:ext cx="645368" cy="645368"/>
-          </a:xfrm>
-          <a:prstGeom prst="rect">
-            <a:avLst/>
-          </a:prstGeom>
-          <a:solidFill>
-            <a:schemeClr val="accent1">
-              <a:alpha val="30000"/>
-            </a:schemeClr>
-          </a:solidFill>
-          <a:ln>
-            <a:noFill/>
-          </a:ln>
-        </p:spPr>
-        <p:style>
-          <a:lnRef idx="2">
-            <a:schemeClr val="accent1">
-              <a:shade val="50000"/>
-            </a:schemeClr>
-          </a:lnRef>
-          <a:fillRef idx="1">
-            <a:schemeClr val="accent1"/>
-          </a:fillRef>
-          <a:effectRef idx="0">
-            <a:schemeClr val="accent1"/>
-          </a:effectRef>
-          <a:fontRef idx="minor">
-            <a:schemeClr val="lt1"/>
-          </a:fontRef>
-        </p:style>
-        <p:txBody>
-          <a:bodyPr rtlCol="0" anchor="ctr"/>
-          <a:lstStyle/>
-          <a:p>
-            <a:pPr algn="ctr"/>
-            <a:endParaRPr lang="en-US"/>
-          </a:p>
-        </p:txBody>
-      </p:sp>
-      <p:sp>
-        <p:nvSpPr>
-          <p:cNvPr id="80" name="Rectangle 71">
-            <a:extLst>
-              <a:ext uri="{FF2B5EF4-FFF2-40B4-BE49-F238E27FC236}">
-                <a16:creationId xmlns:a16="http://schemas.microsoft.com/office/drawing/2014/main" id="{3783CA14-24A1-485C-8B30-D6A5D87987AD}"/>
-              </a:ext>
-              <a:ext uri="{C183D7F6-B498-43B3-948B-1728B52AA6E4}">
-                <adec:decorative xmlns:adec="http://schemas.microsoft.com/office/drawing/2017/decorative" val="1"/>
-              </a:ext>
-            </a:extLst>
-          </p:cNvPr>
-          <p:cNvSpPr>
-            <a:spLocks noGrp="1" noRot="1" noChangeAspect="1" noMove="1" noResize="1" noEditPoints="1" noAdjustHandles="1" noChangeArrowheads="1" noChangeShapeType="1" noTextEdit="1"/>
-          </p:cNvSpPr>
-          <p:nvPr>
-            <p:extLst>
-              <p:ext uri="{386F3935-93C4-4BCD-93E2-E3B085C9AB24}">
-                <p16:designElem xmlns:p16="http://schemas.microsoft.com/office/powerpoint/2015/main" val="1"/>
-              </p:ext>
-            </p:extLst>
-          </p:nvPr>
-        </p:nvSpPr>
-        <p:spPr>
-          <a:xfrm rot="18900000" flipH="1">
-            <a:off x="10043482" y="655140"/>
-            <a:ext cx="687472" cy="687472"/>
-          </a:xfrm>
-          <a:prstGeom prst="rect">
-            <a:avLst/>
-          </a:prstGeom>
-          <a:solidFill>
-            <a:schemeClr val="accent4">
-              <a:alpha val="30000"/>
-            </a:schemeClr>
-          </a:solidFill>
-          <a:ln>
-            <a:noFill/>
-          </a:ln>
-        </p:spPr>
-        <p:style>
-          <a:lnRef idx="2">
-            <a:schemeClr val="accent1">
-              <a:shade val="50000"/>
-            </a:schemeClr>
-          </a:lnRef>
-          <a:fillRef idx="1">
-            <a:schemeClr val="accent1"/>
-          </a:fillRef>
-          <a:effectRef idx="0">
-            <a:schemeClr val="accent1"/>
-          </a:effectRef>
-          <a:fontRef idx="minor">
-            <a:schemeClr val="lt1"/>
-          </a:fontRef>
-        </p:style>
-        <p:txBody>
-          <a:bodyPr rtlCol="0" anchor="ctr"/>
-          <a:lstStyle/>
-          <a:p>
-            <a:pPr algn="ctr"/>
-            <a:endParaRPr lang="en-US"/>
-          </a:p>
-        </p:txBody>
-      </p:sp>
-      <p:sp>
-        <p:nvSpPr>
-          <p:cNvPr id="74" name="Freeform: Shape 73">
-            <a:extLst>
-              <a:ext uri="{FF2B5EF4-FFF2-40B4-BE49-F238E27FC236}">
-                <a16:creationId xmlns:a16="http://schemas.microsoft.com/office/drawing/2014/main" id="{9A97C86A-04D6-40F7-AE84-31AB43E6A846}"/>
-              </a:ext>
-              <a:ext uri="{C183D7F6-B498-43B3-948B-1728B52AA6E4}">
-                <adec:decorative xmlns:adec="http://schemas.microsoft.com/office/drawing/2017/decorative" val="1"/>
-              </a:ext>
-            </a:extLst>
-          </p:cNvPr>
-          <p:cNvSpPr>
-            <a:spLocks noGrp="1" noRot="1" noChangeAspect="1" noMove="1" noResize="1" noEditPoints="1" noAdjustHandles="1" noChangeArrowheads="1" noChangeShapeType="1" noTextEdit="1"/>
-          </p:cNvSpPr>
-          <p:nvPr>
-            <p:extLst>
-              <p:ext uri="{386F3935-93C4-4BCD-93E2-E3B085C9AB24}">
-                <p16:designElem xmlns:p16="http://schemas.microsoft.com/office/powerpoint/2015/main" val="1"/>
-              </p:ext>
-            </p:extLst>
-          </p:nvPr>
-        </p:nvSpPr>
-        <p:spPr>
-          <a:xfrm rot="10800000" flipH="1">
-            <a:off x="9356643" y="0"/>
-            <a:ext cx="2835357" cy="1480837"/>
-          </a:xfrm>
-          <a:custGeom>
-            <a:avLst/>
-            <a:gdLst>
-              <a:gd name="connsiteX0" fmla="*/ 2835357 w 2835357"/>
-              <a:gd name="connsiteY0" fmla="*/ 1480837 h 1480837"/>
-              <a:gd name="connsiteX1" fmla="*/ 0 w 2835357"/>
-              <a:gd name="connsiteY1" fmla="*/ 1480837 h 1480837"/>
-              <a:gd name="connsiteX2" fmla="*/ 1552727 w 2835357"/>
-              <a:gd name="connsiteY2" fmla="*/ 0 h 1480837"/>
-              <a:gd name="connsiteX3" fmla="*/ 2835357 w 2835357"/>
-              <a:gd name="connsiteY3" fmla="*/ 1223245 h 1480837"/>
-            </a:gdLst>
-            <a:ahLst/>
-            <a:cxnLst>
-              <a:cxn ang="0">
-                <a:pos x="connsiteX0" y="connsiteY0"/>
-              </a:cxn>
-              <a:cxn ang="0">
-                <a:pos x="connsiteX1" y="connsiteY1"/>
-              </a:cxn>
-              <a:cxn ang="0">
-                <a:pos x="connsiteX2" y="connsiteY2"/>
-              </a:cxn>
-              <a:cxn ang="0">
-                <a:pos x="connsiteX3" y="connsiteY3"/>
-              </a:cxn>
-            </a:cxnLst>
-            <a:rect l="l" t="t" r="r" b="b"/>
-            <a:pathLst>
-              <a:path w="2835357" h="1480837">
-                <a:moveTo>
-                  <a:pt x="2835357" y="1480837"/>
-                </a:moveTo>
-                <a:lnTo>
-                  <a:pt x="0" y="1480837"/>
-                </a:lnTo>
-                <a:lnTo>
-                  <a:pt x="1552727" y="0"/>
-                </a:lnTo>
-                <a:lnTo>
-                  <a:pt x="2835357" y="1223245"/>
-                </a:lnTo>
-                <a:close/>
-              </a:path>
-            </a:pathLst>
-          </a:custGeom>
-          <a:solidFill>
-            <a:schemeClr val="accent4">
-              <a:alpha val="30000"/>
-            </a:schemeClr>
-          </a:solidFill>
-          <a:ln>
-            <a:noFill/>
-          </a:ln>
-        </p:spPr>
-        <p:style>
-          <a:lnRef idx="2">
-            <a:schemeClr val="accent1">
-              <a:shade val="50000"/>
-            </a:schemeClr>
-          </a:lnRef>
-          <a:fillRef idx="1">
-            <a:schemeClr val="accent1"/>
-          </a:fillRef>
-          <a:effectRef idx="0">
-            <a:schemeClr val="accent1"/>
-          </a:effectRef>
-          <a:fontRef idx="minor">
-            <a:schemeClr val="lt1"/>
-          </a:fontRef>
-        </p:style>
-        <p:txBody>
-          <a:bodyPr wrap="square" rtlCol="0" anchor="ctr">
-            <a:noAutofit/>
-          </a:bodyPr>
-          <a:lstStyle/>
-          <a:p>
-            <a:pPr algn="ctr"/>
-            <a:endParaRPr lang="en-US" dirty="0"/>
-          </a:p>
-        </p:txBody>
-      </p:sp>
-      <p:sp>
-        <p:nvSpPr>
-          <p:cNvPr id="76" name="Isosceles Triangle 75">
-            <a:extLst>
-              <a:ext uri="{FF2B5EF4-FFF2-40B4-BE49-F238E27FC236}">
-                <a16:creationId xmlns:a16="http://schemas.microsoft.com/office/drawing/2014/main" id="{FF9F2414-84E8-453E-B1F3-389FDE8192D9}"/>
-              </a:ext>
-              <a:ext uri="{C183D7F6-B498-43B3-948B-1728B52AA6E4}">
-                <adec:decorative xmlns:adec="http://schemas.microsoft.com/office/drawing/2017/decorative" val="1"/>
-              </a:ext>
-            </a:extLst>
-          </p:cNvPr>
-          <p:cNvSpPr>
-            <a:spLocks noGrp="1" noRot="1" noChangeAspect="1" noMove="1" noResize="1" noEditPoints="1" noAdjustHandles="1" noChangeArrowheads="1" noChangeShapeType="1" noTextEdit="1"/>
-          </p:cNvSpPr>
-          <p:nvPr>
-            <p:extLst>
-              <p:ext uri="{386F3935-93C4-4BCD-93E2-E3B085C9AB24}">
-                <p16:designElem xmlns:p16="http://schemas.microsoft.com/office/powerpoint/2015/main" val="1"/>
-              </p:ext>
-            </p:extLst>
-          </p:nvPr>
-        </p:nvSpPr>
-        <p:spPr>
-          <a:xfrm flipH="1">
-            <a:off x="7976344" y="6115501"/>
-            <a:ext cx="1494513" cy="742499"/>
-          </a:xfrm>
-          <a:prstGeom prst="triangle">
-            <a:avLst/>
-          </a:prstGeom>
-          <a:solidFill>
-            <a:schemeClr val="accent1">
-              <a:alpha val="30000"/>
-            </a:schemeClr>
-          </a:solidFill>
-          <a:ln>
-            <a:noFill/>
-          </a:ln>
-        </p:spPr>
-        <p:style>
-          <a:lnRef idx="2">
-            <a:schemeClr val="accent1">
-              <a:shade val="50000"/>
-            </a:schemeClr>
-          </a:lnRef>
-          <a:fillRef idx="1">
-            <a:schemeClr val="accent1"/>
-          </a:fillRef>
-          <a:effectRef idx="0">
-            <a:schemeClr val="accent1"/>
-          </a:effectRef>
-          <a:fontRef idx="minor">
-            <a:schemeClr val="lt1"/>
-          </a:fontRef>
-        </p:style>
-        <p:txBody>
-          <a:bodyPr rtlCol="0" anchor="ctr"/>
-          <a:lstStyle/>
-          <a:p>
-            <a:pPr algn="ctr"/>
-            <a:endParaRPr lang="en-US"/>
-          </a:p>
-        </p:txBody>
-      </p:sp>
-      <p:sp>
-        <p:nvSpPr>
-          <p:cNvPr id="78" name="Isosceles Triangle 77">
-            <a:extLst>
-              <a:ext uri="{FF2B5EF4-FFF2-40B4-BE49-F238E27FC236}">
-                <a16:creationId xmlns:a16="http://schemas.microsoft.com/office/drawing/2014/main" id="{3ECA69A1-7536-43AC-85EF-C7106179F5ED}"/>
-              </a:ext>
-              <a:ext uri="{C183D7F6-B498-43B3-948B-1728B52AA6E4}">
-                <adec:decorative xmlns:adec="http://schemas.microsoft.com/office/drawing/2017/decorative" val="1"/>
-              </a:ext>
-            </a:extLst>
-          </p:cNvPr>
-          <p:cNvSpPr>
-            <a:spLocks noGrp="1" noRot="1" noChangeAspect="1" noMove="1" noResize="1" noEditPoints="1" noAdjustHandles="1" noChangeArrowheads="1" noChangeShapeType="1" noTextEdit="1"/>
-          </p:cNvSpPr>
-          <p:nvPr>
-            <p:extLst>
-              <p:ext uri="{386F3935-93C4-4BCD-93E2-E3B085C9AB24}">
-                <p16:designElem xmlns:p16="http://schemas.microsoft.com/office/powerpoint/2015/main" val="1"/>
-              </p:ext>
-            </p:extLst>
-          </p:nvPr>
-        </p:nvSpPr>
-        <p:spPr>
-          <a:xfrm flipH="1">
-            <a:off x="7604080" y="6453143"/>
-            <a:ext cx="814903" cy="404857"/>
-          </a:xfrm>
-          <a:prstGeom prst="triangle">
-            <a:avLst/>
-          </a:prstGeom>
-          <a:solidFill>
-            <a:schemeClr val="accent1">
-              <a:alpha val="30000"/>
-            </a:schemeClr>
-          </a:solidFill>
-          <a:ln>
-            <a:noFill/>
-          </a:ln>
-        </p:spPr>
-        <p:style>
-          <a:lnRef idx="2">
-            <a:schemeClr val="accent1">
-              <a:shade val="50000"/>
-            </a:schemeClr>
-          </a:lnRef>
-          <a:fillRef idx="1">
-            <a:schemeClr val="accent1"/>
-          </a:fillRef>
-          <a:effectRef idx="0">
-            <a:schemeClr val="accent1"/>
-          </a:effectRef>
-          <a:fontRef idx="minor">
-            <a:schemeClr val="lt1"/>
-          </a:fontRef>
-        </p:style>
-        <p:txBody>
-          <a:bodyPr rtlCol="0" anchor="ctr"/>
-          <a:lstStyle/>
-          <a:p>
-            <a:pPr algn="ctr"/>
-            <a:endParaRPr lang="en-US"/>
-          </a:p>
-        </p:txBody>
-      </p:sp>
-      <p:grpSp>
-        <p:nvGrpSpPr>
-          <p:cNvPr id="9" name="Group 8">
-            <a:extLst>
-              <a:ext uri="{FF2B5EF4-FFF2-40B4-BE49-F238E27FC236}">
-                <a16:creationId xmlns:a16="http://schemas.microsoft.com/office/drawing/2014/main" id="{B69B09CD-B3C9-262F-D15B-9A6DB4D24DC7}"/>
-              </a:ext>
-            </a:extLst>
-          </p:cNvPr>
-          <p:cNvGrpSpPr/>
-          <p:nvPr/>
-        </p:nvGrpSpPr>
-        <p:grpSpPr>
-          <a:xfrm>
-            <a:off x="4215657" y="228600"/>
-            <a:ext cx="4572000" cy="6400800"/>
-            <a:chOff x="-1" y="10"/>
-            <a:chExt cx="4038601" cy="6058718"/>
-          </a:xfrm>
-        </p:grpSpPr>
-        <p:grpSp>
-          <p:nvGrpSpPr>
-            <p:cNvPr id="8" name="Group 7">
-              <a:extLst>
-                <a:ext uri="{FF2B5EF4-FFF2-40B4-BE49-F238E27FC236}">
-                  <a16:creationId xmlns:a16="http://schemas.microsoft.com/office/drawing/2014/main" id="{E0EA5136-9229-1F28-ACFE-599988983AA2}"/>
-                </a:ext>
-              </a:extLst>
-            </p:cNvPr>
-            <p:cNvGrpSpPr/>
-            <p:nvPr/>
-          </p:nvGrpSpPr>
-          <p:grpSpPr>
-            <a:xfrm>
-              <a:off x="-1" y="10"/>
-              <a:ext cx="4038601" cy="2876355"/>
-              <a:chOff x="-1" y="10"/>
-              <a:chExt cx="4038601" cy="2876355"/>
-            </a:xfrm>
-          </p:grpSpPr>
-          <p:pic>
-            <p:nvPicPr>
-              <p:cNvPr id="4" name="Picture 3" descr="Chart, box and whisker chart&#10;&#10;Description automatically generated">
-                <a:extLst>
-                  <a:ext uri="{FF2B5EF4-FFF2-40B4-BE49-F238E27FC236}">
-                    <a16:creationId xmlns:a16="http://schemas.microsoft.com/office/drawing/2014/main" id="{E2D77B6E-E41F-CCDC-C826-776E911F81B9}"/>
-                  </a:ext>
-                </a:extLst>
-              </p:cNvPr>
-              <p:cNvPicPr>
-                <a:picLocks noChangeAspect="1"/>
-              </p:cNvPicPr>
-              <p:nvPr/>
-            </p:nvPicPr>
-            <p:blipFill rotWithShape="1">
-              <a:blip r:embed="rId3" cstate="print">
-                <a:extLst>
-                  <a:ext uri="{28A0092B-C50C-407E-A947-70E740481C1C}">
-                    <a14:useLocalDpi xmlns:a14="http://schemas.microsoft.com/office/drawing/2010/main" val="0"/>
-                  </a:ext>
-                </a:extLst>
-              </a:blip>
-              <a:srcRect r="5" b="10977"/>
-              <a:stretch/>
-            </p:blipFill>
-            <p:spPr>
-              <a:xfrm>
-                <a:off x="-1" y="10"/>
-                <a:ext cx="4038601" cy="2876355"/>
-              </a:xfrm>
-              <a:prstGeom prst="rect">
-                <a:avLst/>
-              </a:prstGeom>
-            </p:spPr>
-          </p:pic>
-          <p:sp>
-            <p:nvSpPr>
-              <p:cNvPr id="5" name="TextBox 4">
-                <a:extLst>
-                  <a:ext uri="{FF2B5EF4-FFF2-40B4-BE49-F238E27FC236}">
-                    <a16:creationId xmlns:a16="http://schemas.microsoft.com/office/drawing/2014/main" id="{6D384AC2-8784-A695-CEDD-B243EF0EA014}"/>
-                  </a:ext>
-                </a:extLst>
-              </p:cNvPr>
-              <p:cNvSpPr txBox="1"/>
-              <p:nvPr/>
-            </p:nvSpPr>
-            <p:spPr>
-              <a:xfrm>
-                <a:off x="0" y="2366378"/>
-                <a:ext cx="317924" cy="316486"/>
-              </a:xfrm>
-              <a:prstGeom prst="rect">
-                <a:avLst/>
-              </a:prstGeom>
-              <a:noFill/>
-            </p:spPr>
-            <p:txBody>
-              <a:bodyPr wrap="square" rtlCol="0">
-                <a:normAutofit/>
-              </a:bodyPr>
-              <a:lstStyle/>
-              <a:p>
-                <a:pPr>
-                  <a:lnSpc>
-                    <a:spcPct val="90000"/>
-                  </a:lnSpc>
-                  <a:spcAft>
-                    <a:spcPts val="600"/>
-                  </a:spcAft>
-                </a:pPr>
-                <a:r>
-                  <a:rPr lang="en-US" sz="1200" b="1" dirty="0">
-                    <a:latin typeface="Arial" panose="020B0604020202020204" pitchFamily="34" charset="0"/>
-                    <a:cs typeface="Arial" panose="020B0604020202020204" pitchFamily="34" charset="0"/>
-                  </a:rPr>
-                  <a:t>A</a:t>
-                </a:r>
-              </a:p>
-            </p:txBody>
-          </p:sp>
-        </p:grpSp>
-        <p:grpSp>
-          <p:nvGrpSpPr>
-            <p:cNvPr id="7" name="Group 6">
-              <a:extLst>
-                <a:ext uri="{FF2B5EF4-FFF2-40B4-BE49-F238E27FC236}">
-                  <a16:creationId xmlns:a16="http://schemas.microsoft.com/office/drawing/2014/main" id="{3C2C92CF-EF5F-FF71-390E-051670F53610}"/>
-                </a:ext>
-              </a:extLst>
-            </p:cNvPr>
-            <p:cNvGrpSpPr/>
-            <p:nvPr/>
-          </p:nvGrpSpPr>
-          <p:grpSpPr>
-            <a:xfrm>
-              <a:off x="0" y="2876365"/>
-              <a:ext cx="4038600" cy="3182363"/>
-              <a:chOff x="0" y="2876365"/>
-              <a:chExt cx="4038600" cy="3182363"/>
-            </a:xfrm>
-          </p:grpSpPr>
-          <p:pic>
-            <p:nvPicPr>
-              <p:cNvPr id="3" name="Picture 2" descr="Chart, box and whisker chart&#10;&#10;Description automatically generated">
-                <a:extLst>
-                  <a:ext uri="{FF2B5EF4-FFF2-40B4-BE49-F238E27FC236}">
-                    <a16:creationId xmlns:a16="http://schemas.microsoft.com/office/drawing/2014/main" id="{B4AD5842-C69B-D34D-8783-6A210EA9B597}"/>
-                  </a:ext>
-                </a:extLst>
-              </p:cNvPr>
-              <p:cNvPicPr>
-                <a:picLocks noChangeAspect="1"/>
-              </p:cNvPicPr>
-              <p:nvPr/>
-            </p:nvPicPr>
-            <p:blipFill rotWithShape="1">
-              <a:blip r:embed="rId4" cstate="print">
-                <a:extLst>
-                  <a:ext uri="{28A0092B-C50C-407E-A947-70E740481C1C}">
-                    <a14:useLocalDpi xmlns:a14="http://schemas.microsoft.com/office/drawing/2010/main" val="0"/>
-                  </a:ext>
-                </a:extLst>
-              </a:blip>
-              <a:srcRect t="1501" r="-4" b="-4"/>
-              <a:stretch/>
-            </p:blipFill>
-            <p:spPr>
-              <a:xfrm>
-                <a:off x="19" y="2876365"/>
-                <a:ext cx="4038581" cy="3182363"/>
-              </a:xfrm>
-              <a:prstGeom prst="rect">
-                <a:avLst/>
-              </a:prstGeom>
-            </p:spPr>
-          </p:pic>
-          <p:sp>
-            <p:nvSpPr>
-              <p:cNvPr id="6" name="TextBox 5">
-                <a:extLst>
-                  <a:ext uri="{FF2B5EF4-FFF2-40B4-BE49-F238E27FC236}">
-                    <a16:creationId xmlns:a16="http://schemas.microsoft.com/office/drawing/2014/main" id="{0EE28AB9-A383-813D-C9F3-1B8DB8706FBF}"/>
-                  </a:ext>
-                </a:extLst>
-              </p:cNvPr>
-              <p:cNvSpPr txBox="1"/>
-              <p:nvPr/>
-            </p:nvSpPr>
-            <p:spPr>
-              <a:xfrm>
-                <a:off x="0" y="5263825"/>
-                <a:ext cx="317925" cy="316487"/>
-              </a:xfrm>
-              <a:prstGeom prst="rect">
-                <a:avLst/>
-              </a:prstGeom>
-              <a:noFill/>
-            </p:spPr>
-            <p:txBody>
-              <a:bodyPr wrap="square" rtlCol="0">
-                <a:normAutofit/>
-              </a:bodyPr>
-              <a:lstStyle/>
-              <a:p>
-                <a:pPr>
-                  <a:lnSpc>
-                    <a:spcPct val="90000"/>
-                  </a:lnSpc>
-                  <a:spcAft>
-                    <a:spcPts val="600"/>
-                  </a:spcAft>
-                </a:pPr>
-                <a:r>
-                  <a:rPr lang="en-US" sz="1200" b="1" dirty="0">
-                    <a:latin typeface="Arial" panose="020B0604020202020204" pitchFamily="34" charset="0"/>
-                    <a:cs typeface="Arial" panose="020B0604020202020204" pitchFamily="34" charset="0"/>
-                  </a:rPr>
-                  <a:t>B</a:t>
-                </a:r>
-              </a:p>
-            </p:txBody>
-          </p:sp>
-        </p:grpSp>
-      </p:grpSp>
-    </p:spTree>
-    <p:extLst>
-      <p:ext uri="{BB962C8B-B14F-4D97-AF65-F5344CB8AC3E}">
-        <p14:creationId xmlns:p14="http://schemas.microsoft.com/office/powerpoint/2010/main" val="3238053923"/>
       </p:ext>
     </p:extLst>
   </p:cSld>

--- a/Results/Design and Edit Figures_MS1_ATP.pptx
+++ b/Results/Design and Edit Figures_MS1_ATP.pptx
@@ -5,7 +5,7 @@
     <p:sldMasterId id="2147483648" r:id="rId1"/>
   </p:sldMasterIdLst>
   <p:notesMasterIdLst>
-    <p:notesMasterId r:id="rId21"/>
+    <p:notesMasterId r:id="rId22"/>
   </p:notesMasterIdLst>
   <p:sldIdLst>
     <p:sldId id="256" r:id="rId2"/>
@@ -15,18 +15,19 @@
     <p:sldId id="258" r:id="rId6"/>
     <p:sldId id="259" r:id="rId7"/>
     <p:sldId id="266" r:id="rId8"/>
-    <p:sldId id="264" r:id="rId9"/>
-    <p:sldId id="265" r:id="rId10"/>
-    <p:sldId id="260" r:id="rId11"/>
-    <p:sldId id="262" r:id="rId12"/>
-    <p:sldId id="261" r:id="rId13"/>
-    <p:sldId id="263" r:id="rId14"/>
-    <p:sldId id="267" r:id="rId15"/>
-    <p:sldId id="268" r:id="rId16"/>
-    <p:sldId id="269" r:id="rId17"/>
-    <p:sldId id="270" r:id="rId18"/>
-    <p:sldId id="271" r:id="rId19"/>
-    <p:sldId id="272" r:id="rId20"/>
+    <p:sldId id="275" r:id="rId9"/>
+    <p:sldId id="264" r:id="rId10"/>
+    <p:sldId id="265" r:id="rId11"/>
+    <p:sldId id="260" r:id="rId12"/>
+    <p:sldId id="262" r:id="rId13"/>
+    <p:sldId id="261" r:id="rId14"/>
+    <p:sldId id="263" r:id="rId15"/>
+    <p:sldId id="267" r:id="rId16"/>
+    <p:sldId id="268" r:id="rId17"/>
+    <p:sldId id="269" r:id="rId18"/>
+    <p:sldId id="270" r:id="rId19"/>
+    <p:sldId id="271" r:id="rId20"/>
+    <p:sldId id="272" r:id="rId21"/>
   </p:sldIdLst>
   <p:sldSz cx="12192000" cy="6858000"/>
   <p:notesSz cx="6858000" cy="9144000"/>
@@ -136,7 +137,7 @@
 <file path=ppt/charts/chart1.xml><?xml version="1.0" encoding="utf-8"?>
 <c:chartSpace xmlns:c="http://schemas.openxmlformats.org/drawingml/2006/chart" xmlns:a="http://schemas.openxmlformats.org/drawingml/2006/main" xmlns:r="http://schemas.openxmlformats.org/officeDocument/2006/relationships" xmlns:c16r2="http://schemas.microsoft.com/office/drawing/2015/06/chart">
   <c:date1904 val="0"/>
-  <c:lang val="en-US"/>
+  <c:lang val="en-GB"/>
   <c:roundedCorners val="0"/>
   <mc:AlternateContent xmlns:mc="http://schemas.openxmlformats.org/markup-compatibility/2006">
     <mc:Choice xmlns:c14="http://schemas.microsoft.com/office/drawing/2007/8/2/chart" Requires="c14">
@@ -508,7 +509,7 @@
 <file path=ppt/charts/chart2.xml><?xml version="1.0" encoding="utf-8"?>
 <c:chartSpace xmlns:c="http://schemas.openxmlformats.org/drawingml/2006/chart" xmlns:a="http://schemas.openxmlformats.org/drawingml/2006/main" xmlns:r="http://schemas.openxmlformats.org/officeDocument/2006/relationships" xmlns:c16r2="http://schemas.microsoft.com/office/drawing/2015/06/chart">
   <c:date1904 val="0"/>
-  <c:lang val="en-US"/>
+  <c:lang val="en-GB"/>
   <c:roundedCorners val="0"/>
   <mc:AlternateContent xmlns:mc="http://schemas.openxmlformats.org/markup-compatibility/2006">
     <mc:Choice xmlns:c14="http://schemas.microsoft.com/office/drawing/2007/8/2/chart" Requires="c14">
@@ -920,7 +921,7 @@
 <file path=ppt/charts/chart3.xml><?xml version="1.0" encoding="utf-8"?>
 <c:chartSpace xmlns:c="http://schemas.openxmlformats.org/drawingml/2006/chart" xmlns:a="http://schemas.openxmlformats.org/drawingml/2006/main" xmlns:r="http://schemas.openxmlformats.org/officeDocument/2006/relationships" xmlns:c16r2="http://schemas.microsoft.com/office/drawing/2015/06/chart">
   <c:date1904 val="0"/>
-  <c:lang val="en-US"/>
+  <c:lang val="en-GB"/>
   <c:roundedCorners val="0"/>
   <mc:AlternateContent xmlns:mc="http://schemas.openxmlformats.org/markup-compatibility/2006">
     <mc:Choice xmlns:c14="http://schemas.microsoft.com/office/drawing/2007/8/2/chart" Requires="c14">
@@ -1279,7 +1280,7 @@
 <file path=ppt/charts/chart4.xml><?xml version="1.0" encoding="utf-8"?>
 <c:chartSpace xmlns:c="http://schemas.openxmlformats.org/drawingml/2006/chart" xmlns:a="http://schemas.openxmlformats.org/drawingml/2006/main" xmlns:r="http://schemas.openxmlformats.org/officeDocument/2006/relationships" xmlns:c16r2="http://schemas.microsoft.com/office/drawing/2015/06/chart">
   <c:date1904 val="0"/>
-  <c:lang val="en-US"/>
+  <c:lang val="en-GB"/>
   <c:roundedCorners val="0"/>
   <mc:AlternateContent xmlns:mc="http://schemas.openxmlformats.org/markup-compatibility/2006">
     <mc:Choice xmlns:c14="http://schemas.microsoft.com/office/drawing/2007/8/2/chart" Requires="c14">
@@ -1680,7 +1681,7 @@
 <file path=ppt/charts/chart5.xml><?xml version="1.0" encoding="utf-8"?>
 <c:chartSpace xmlns:c="http://schemas.openxmlformats.org/drawingml/2006/chart" xmlns:a="http://schemas.openxmlformats.org/drawingml/2006/main" xmlns:r="http://schemas.openxmlformats.org/officeDocument/2006/relationships" xmlns:c16r2="http://schemas.microsoft.com/office/drawing/2015/06/chart">
   <c:date1904 val="0"/>
-  <c:lang val="en-US"/>
+  <c:lang val="en-GB"/>
   <c:roundedCorners val="0"/>
   <mc:AlternateContent xmlns:mc="http://schemas.openxmlformats.org/markup-compatibility/2006">
     <mc:Choice xmlns:c14="http://schemas.microsoft.com/office/drawing/2007/8/2/chart" Requires="c14">
@@ -1995,7 +1996,7 @@
 <file path=ppt/charts/chart6.xml><?xml version="1.0" encoding="utf-8"?>
 <c:chartSpace xmlns:c="http://schemas.openxmlformats.org/drawingml/2006/chart" xmlns:a="http://schemas.openxmlformats.org/drawingml/2006/main" xmlns:r="http://schemas.openxmlformats.org/officeDocument/2006/relationships" xmlns:c16r2="http://schemas.microsoft.com/office/drawing/2015/06/chart">
   <c:date1904 val="0"/>
-  <c:lang val="en-US"/>
+  <c:lang val="en-GB"/>
   <c:roundedCorners val="0"/>
   <mc:AlternateContent xmlns:mc="http://schemas.openxmlformats.org/markup-compatibility/2006">
     <mc:Choice xmlns:c14="http://schemas.microsoft.com/office/drawing/2007/8/2/chart" Requires="c14">
@@ -2297,7 +2298,7 @@
 <file path=ppt/charts/chart7.xml><?xml version="1.0" encoding="utf-8"?>
 <c:chartSpace xmlns:c="http://schemas.openxmlformats.org/drawingml/2006/chart" xmlns:a="http://schemas.openxmlformats.org/drawingml/2006/main" xmlns:r="http://schemas.openxmlformats.org/officeDocument/2006/relationships" xmlns:c16r2="http://schemas.microsoft.com/office/drawing/2015/06/chart">
   <c:date1904 val="0"/>
-  <c:lang val="en-US"/>
+  <c:lang val="en-GB"/>
   <c:roundedCorners val="0"/>
   <mc:AlternateContent xmlns:mc="http://schemas.openxmlformats.org/markup-compatibility/2006">
     <mc:Choice xmlns:c14="http://schemas.microsoft.com/office/drawing/2007/8/2/chart" Requires="c14">
@@ -2706,7 +2707,7 @@
 <file path=ppt/charts/chart8.xml><?xml version="1.0" encoding="utf-8"?>
 <c:chartSpace xmlns:c="http://schemas.openxmlformats.org/drawingml/2006/chart" xmlns:a="http://schemas.openxmlformats.org/drawingml/2006/main" xmlns:r="http://schemas.openxmlformats.org/officeDocument/2006/relationships" xmlns:c16r2="http://schemas.microsoft.com/office/drawing/2015/06/chart">
   <c:date1904 val="0"/>
-  <c:lang val="en-US"/>
+  <c:lang val="en-GB"/>
   <c:roundedCorners val="0"/>
   <mc:AlternateContent xmlns:mc="http://schemas.openxmlformats.org/markup-compatibility/2006">
     <mc:Choice xmlns:c14="http://schemas.microsoft.com/office/drawing/2007/8/2/chart" Requires="c14">
@@ -11129,7 +11130,7 @@
           <a:p>
             <a:fld id="{60702B95-D4DE-4361-B9FE-3F00A8D442D3}" type="datetimeFigureOut">
               <a:rPr lang="en-US" smtClean="0"/>
-              <a:t>5/10/2023</a:t>
+              <a:t>7/27/2023</a:t>
             </a:fld>
             <a:endParaRPr lang="en-US"/>
           </a:p>
@@ -11526,7 +11527,7 @@
           <a:p>
             <a:r>
               <a:rPr lang="en-US" dirty="0"/>
-              <a:t>Figure S8; Leaf damage, trials 1 &amp; 2</a:t>
+              <a:t>Time until first flower emergence, raw frass</a:t>
             </a:r>
             <a:endParaRPr lang="en-GB" dirty="0"/>
           </a:p>
@@ -11558,6 +11559,94 @@
     </p:spTree>
     <p:extLst>
       <p:ext uri="{BB962C8B-B14F-4D97-AF65-F5344CB8AC3E}">
+        <p14:creationId xmlns:p14="http://schemas.microsoft.com/office/powerpoint/2010/main" val="4043136409"/>
+      </p:ext>
+    </p:extLst>
+  </p:cSld>
+  <p:clrMapOvr>
+    <a:masterClrMapping/>
+  </p:clrMapOvr>
+</p:notes>
+</file>
+
+<file path=ppt/notesSlides/notesSlide11.xml><?xml version="1.0" encoding="utf-8"?>
+<p:notes xmlns:a="http://schemas.openxmlformats.org/drawingml/2006/main" xmlns:r="http://schemas.openxmlformats.org/officeDocument/2006/relationships" xmlns:p="http://schemas.openxmlformats.org/presentationml/2006/main">
+  <p:cSld>
+    <p:spTree>
+      <p:nvGrpSpPr>
+        <p:cNvPr id="1" name=""/>
+        <p:cNvGrpSpPr/>
+        <p:nvPr/>
+      </p:nvGrpSpPr>
+      <p:grpSpPr>
+        <a:xfrm>
+          <a:off x="0" y="0"/>
+          <a:ext cx="0" cy="0"/>
+          <a:chOff x="0" y="0"/>
+          <a:chExt cx="0" cy="0"/>
+        </a:xfrm>
+      </p:grpSpPr>
+      <p:sp>
+        <p:nvSpPr>
+          <p:cNvPr id="2" name="Slide Image Placeholder 1"/>
+          <p:cNvSpPr>
+            <a:spLocks noGrp="1" noRot="1" noChangeAspect="1"/>
+          </p:cNvSpPr>
+          <p:nvPr>
+            <p:ph type="sldImg"/>
+          </p:nvPr>
+        </p:nvSpPr>
+        <p:spPr/>
+      </p:sp>
+      <p:sp>
+        <p:nvSpPr>
+          <p:cNvPr id="3" name="Notes Placeholder 2"/>
+          <p:cNvSpPr>
+            <a:spLocks noGrp="1"/>
+          </p:cNvSpPr>
+          <p:nvPr>
+            <p:ph type="body" idx="1"/>
+          </p:nvPr>
+        </p:nvSpPr>
+        <p:spPr/>
+        <p:txBody>
+          <a:bodyPr/>
+          <a:lstStyle/>
+          <a:p>
+            <a:r>
+              <a:rPr lang="en-US" dirty="0"/>
+              <a:t>Figure S8; Leaf damage, trials 1 &amp; 2</a:t>
+            </a:r>
+            <a:endParaRPr lang="en-GB" dirty="0"/>
+          </a:p>
+        </p:txBody>
+      </p:sp>
+      <p:sp>
+        <p:nvSpPr>
+          <p:cNvPr id="4" name="Slide Number Placeholder 3"/>
+          <p:cNvSpPr>
+            <a:spLocks noGrp="1"/>
+          </p:cNvSpPr>
+          <p:nvPr>
+            <p:ph type="sldNum" sz="quarter" idx="5"/>
+          </p:nvPr>
+        </p:nvSpPr>
+        <p:spPr/>
+        <p:txBody>
+          <a:bodyPr/>
+          <a:lstStyle/>
+          <a:p>
+            <a:fld id="{8EBD30F0-EA15-4A15-AB81-EC11200C50EB}" type="slidenum">
+              <a:rPr lang="en-US" smtClean="0"/>
+              <a:t>18</a:t>
+            </a:fld>
+            <a:endParaRPr lang="en-US"/>
+          </a:p>
+        </p:txBody>
+      </p:sp>
+    </p:spTree>
+    <p:extLst>
+      <p:ext uri="{BB962C8B-B14F-4D97-AF65-F5344CB8AC3E}">
         <p14:creationId xmlns:p14="http://schemas.microsoft.com/office/powerpoint/2010/main" val="565507596"/>
       </p:ext>
     </p:extLst>
@@ -11568,7 +11657,7 @@
 </p:notes>
 </file>
 
-<file path=ppt/notesSlides/notesSlide11.xml><?xml version="1.0" encoding="utf-8"?>
+<file path=ppt/notesSlides/notesSlide12.xml><?xml version="1.0" encoding="utf-8"?>
 <p:notes xmlns:a="http://schemas.openxmlformats.org/drawingml/2006/main" xmlns:r="http://schemas.openxmlformats.org/officeDocument/2006/relationships" xmlns:p="http://schemas.openxmlformats.org/presentationml/2006/main">
   <p:cSld>
     <p:spTree>
@@ -11637,7 +11726,7 @@
           <a:p>
             <a:fld id="{8EBD30F0-EA15-4A15-AB81-EC11200C50EB}" type="slidenum">
               <a:rPr lang="en-US" smtClean="0"/>
-              <a:t>18</a:t>
+              <a:t>19</a:t>
             </a:fld>
             <a:endParaRPr lang="en-US"/>
           </a:p>
@@ -11656,7 +11745,7 @@
 </p:notes>
 </file>
 
-<file path=ppt/notesSlides/notesSlide12.xml><?xml version="1.0" encoding="utf-8"?>
+<file path=ppt/notesSlides/notesSlide13.xml><?xml version="1.0" encoding="utf-8"?>
 <p:notes xmlns:a="http://schemas.openxmlformats.org/drawingml/2006/main" xmlns:r="http://schemas.openxmlformats.org/officeDocument/2006/relationships" xmlns:p="http://schemas.openxmlformats.org/presentationml/2006/main">
   <p:cSld>
     <p:spTree>
@@ -11725,7 +11814,7 @@
           <a:p>
             <a:fld id="{8EBD30F0-EA15-4A15-AB81-EC11200C50EB}" type="slidenum">
               <a:rPr lang="en-US" smtClean="0"/>
-              <a:t>19</a:t>
+              <a:t>20</a:t>
             </a:fld>
             <a:endParaRPr lang="en-US"/>
           </a:p>
@@ -11745,6 +11834,94 @@
 </file>
 
 <file path=ppt/notesSlides/notesSlide2.xml><?xml version="1.0" encoding="utf-8"?>
+<p:notes xmlns:a="http://schemas.openxmlformats.org/drawingml/2006/main" xmlns:r="http://schemas.openxmlformats.org/officeDocument/2006/relationships" xmlns:p="http://schemas.openxmlformats.org/presentationml/2006/main">
+  <p:cSld>
+    <p:spTree>
+      <p:nvGrpSpPr>
+        <p:cNvPr id="1" name=""/>
+        <p:cNvGrpSpPr/>
+        <p:nvPr/>
+      </p:nvGrpSpPr>
+      <p:grpSpPr>
+        <a:xfrm>
+          <a:off x="0" y="0"/>
+          <a:ext cx="0" cy="0"/>
+          <a:chOff x="0" y="0"/>
+          <a:chExt cx="0" cy="0"/>
+        </a:xfrm>
+      </p:grpSpPr>
+      <p:sp>
+        <p:nvSpPr>
+          <p:cNvPr id="2" name="Slide Image Placeholder 1"/>
+          <p:cNvSpPr>
+            <a:spLocks noGrp="1" noRot="1" noChangeAspect="1"/>
+          </p:cNvSpPr>
+          <p:nvPr>
+            <p:ph type="sldImg"/>
+          </p:nvPr>
+        </p:nvSpPr>
+        <p:spPr/>
+      </p:sp>
+      <p:sp>
+        <p:nvSpPr>
+          <p:cNvPr id="3" name="Notes Placeholder 2"/>
+          <p:cNvSpPr>
+            <a:spLocks noGrp="1"/>
+          </p:cNvSpPr>
+          <p:nvPr>
+            <p:ph type="body" idx="1"/>
+          </p:nvPr>
+        </p:nvSpPr>
+        <p:spPr/>
+        <p:txBody>
+          <a:bodyPr/>
+          <a:lstStyle/>
+          <a:p>
+            <a:r>
+              <a:rPr lang="en-GB" dirty="0"/>
+              <a:t>Final Figure S7</a:t>
+            </a:r>
+            <a:endParaRPr lang="en-US" dirty="0"/>
+          </a:p>
+        </p:txBody>
+      </p:sp>
+      <p:sp>
+        <p:nvSpPr>
+          <p:cNvPr id="4" name="Slide Number Placeholder 3"/>
+          <p:cNvSpPr>
+            <a:spLocks noGrp="1"/>
+          </p:cNvSpPr>
+          <p:nvPr>
+            <p:ph type="sldNum" sz="quarter" idx="5"/>
+          </p:nvPr>
+        </p:nvSpPr>
+        <p:spPr/>
+        <p:txBody>
+          <a:bodyPr/>
+          <a:lstStyle/>
+          <a:p>
+            <a:fld id="{8EBD30F0-EA15-4A15-AB81-EC11200C50EB}" type="slidenum">
+              <a:rPr lang="en-US" smtClean="0"/>
+              <a:t>8</a:t>
+            </a:fld>
+            <a:endParaRPr lang="en-US"/>
+          </a:p>
+        </p:txBody>
+      </p:sp>
+    </p:spTree>
+    <p:extLst>
+      <p:ext uri="{BB962C8B-B14F-4D97-AF65-F5344CB8AC3E}">
+        <p14:creationId xmlns:p14="http://schemas.microsoft.com/office/powerpoint/2010/main" val="3929389537"/>
+      </p:ext>
+    </p:extLst>
+  </p:cSld>
+  <p:clrMapOvr>
+    <a:masterClrMapping/>
+  </p:clrMapOvr>
+</p:notes>
+</file>
+
+<file path=ppt/notesSlides/notesSlide3.xml><?xml version="1.0" encoding="utf-8"?>
 <p:notes xmlns:a="http://schemas.openxmlformats.org/drawingml/2006/main" xmlns:r="http://schemas.openxmlformats.org/officeDocument/2006/relationships" xmlns:p="http://schemas.openxmlformats.org/presentationml/2006/main">
   <p:cSld>
     <p:spTree>
@@ -11845,7 +12022,7 @@
           <a:p>
             <a:fld id="{8EBD30F0-EA15-4A15-AB81-EC11200C50EB}" type="slidenum">
               <a:rPr lang="en-US" smtClean="0"/>
-              <a:t>8</a:t>
+              <a:t>9</a:t>
             </a:fld>
             <a:endParaRPr lang="en-US"/>
           </a:p>
@@ -11864,7 +12041,7 @@
 </p:notes>
 </file>
 
-<file path=ppt/notesSlides/notesSlide3.xml><?xml version="1.0" encoding="utf-8"?>
+<file path=ppt/notesSlides/notesSlide4.xml><?xml version="1.0" encoding="utf-8"?>
 <p:notes xmlns:a="http://schemas.openxmlformats.org/drawingml/2006/main" xmlns:r="http://schemas.openxmlformats.org/officeDocument/2006/relationships" xmlns:p="http://schemas.openxmlformats.org/presentationml/2006/main">
   <p:cSld>
     <p:spTree>
@@ -11945,7 +12122,7 @@
           <a:p>
             <a:fld id="{8EBD30F0-EA15-4A15-AB81-EC11200C50EB}" type="slidenum">
               <a:rPr lang="en-US" smtClean="0"/>
-              <a:t>9</a:t>
+              <a:t>10</a:t>
             </a:fld>
             <a:endParaRPr lang="en-US"/>
           </a:p>
@@ -11964,7 +12141,7 @@
 </p:notes>
 </file>
 
-<file path=ppt/notesSlides/notesSlide4.xml><?xml version="1.0" encoding="utf-8"?>
+<file path=ppt/notesSlides/notesSlide5.xml><?xml version="1.0" encoding="utf-8"?>
 <p:notes xmlns:a="http://schemas.openxmlformats.org/drawingml/2006/main" xmlns:r="http://schemas.openxmlformats.org/officeDocument/2006/relationships" xmlns:p="http://schemas.openxmlformats.org/presentationml/2006/main">
   <p:cSld>
     <p:spTree>
@@ -12061,7 +12238,7 @@
           <a:p>
             <a:fld id="{8EBD30F0-EA15-4A15-AB81-EC11200C50EB}" type="slidenum">
               <a:rPr lang="en-US" smtClean="0"/>
-              <a:t>10</a:t>
+              <a:t>11</a:t>
             </a:fld>
             <a:endParaRPr lang="en-US"/>
           </a:p>
@@ -12080,7 +12257,7 @@
 </p:notes>
 </file>
 
-<file path=ppt/notesSlides/notesSlide5.xml><?xml version="1.0" encoding="utf-8"?>
+<file path=ppt/notesSlides/notesSlide6.xml><?xml version="1.0" encoding="utf-8"?>
 <p:notes xmlns:a="http://schemas.openxmlformats.org/drawingml/2006/main" xmlns:r="http://schemas.openxmlformats.org/officeDocument/2006/relationships" xmlns:p="http://schemas.openxmlformats.org/presentationml/2006/main">
   <p:cSld>
     <p:spTree>
@@ -12197,7 +12374,7 @@
           <a:p>
             <a:fld id="{8EBD30F0-EA15-4A15-AB81-EC11200C50EB}" type="slidenum">
               <a:rPr lang="en-US" smtClean="0"/>
-              <a:t>11</a:t>
+              <a:t>12</a:t>
             </a:fld>
             <a:endParaRPr lang="en-US"/>
           </a:p>
@@ -12216,7 +12393,7 @@
 </p:notes>
 </file>
 
-<file path=ppt/notesSlides/notesSlide6.xml><?xml version="1.0" encoding="utf-8"?>
+<file path=ppt/notesSlides/notesSlide7.xml><?xml version="1.0" encoding="utf-8"?>
 <p:notes xmlns:a="http://schemas.openxmlformats.org/drawingml/2006/main" xmlns:r="http://schemas.openxmlformats.org/officeDocument/2006/relationships" xmlns:p="http://schemas.openxmlformats.org/presentationml/2006/main">
   <p:cSld>
     <p:spTree>
@@ -12284,7 +12461,7 @@
           <a:p>
             <a:fld id="{8EBD30F0-EA15-4A15-AB81-EC11200C50EB}" type="slidenum">
               <a:rPr lang="en-US" smtClean="0"/>
-              <a:t>12</a:t>
+              <a:t>13</a:t>
             </a:fld>
             <a:endParaRPr lang="en-US"/>
           </a:p>
@@ -12303,7 +12480,7 @@
 </p:notes>
 </file>
 
-<file path=ppt/notesSlides/notesSlide7.xml><?xml version="1.0" encoding="utf-8"?>
+<file path=ppt/notesSlides/notesSlide8.xml><?xml version="1.0" encoding="utf-8"?>
 <p:notes xmlns:a="http://schemas.openxmlformats.org/drawingml/2006/main" xmlns:r="http://schemas.openxmlformats.org/officeDocument/2006/relationships" xmlns:p="http://schemas.openxmlformats.org/presentationml/2006/main">
   <p:cSld>
     <p:spTree>
@@ -12374,7 +12551,7 @@
           <a:p>
             <a:fld id="{8EBD30F0-EA15-4A15-AB81-EC11200C50EB}" type="slidenum">
               <a:rPr lang="en-US" smtClean="0"/>
-              <a:t>14</a:t>
+              <a:t>15</a:t>
             </a:fld>
             <a:endParaRPr lang="en-US"/>
           </a:p>
@@ -12393,7 +12570,7 @@
 </p:notes>
 </file>
 
-<file path=ppt/notesSlides/notesSlide8.xml><?xml version="1.0" encoding="utf-8"?>
+<file path=ppt/notesSlides/notesSlide9.xml><?xml version="1.0" encoding="utf-8"?>
 <p:notes xmlns:a="http://schemas.openxmlformats.org/drawingml/2006/main" xmlns:r="http://schemas.openxmlformats.org/officeDocument/2006/relationships" xmlns:p="http://schemas.openxmlformats.org/presentationml/2006/main">
   <p:cSld>
     <p:spTree>
@@ -12461,7 +12638,7 @@
           <a:p>
             <a:fld id="{8EBD30F0-EA15-4A15-AB81-EC11200C50EB}" type="slidenum">
               <a:rPr lang="en-US" smtClean="0"/>
-              <a:t>15</a:t>
+              <a:t>16</a:t>
             </a:fld>
             <a:endParaRPr lang="en-US"/>
           </a:p>
@@ -12471,94 +12648,6 @@
     <p:extLst>
       <p:ext uri="{BB962C8B-B14F-4D97-AF65-F5344CB8AC3E}">
         <p14:creationId xmlns:p14="http://schemas.microsoft.com/office/powerpoint/2010/main" val="52690585"/>
-      </p:ext>
-    </p:extLst>
-  </p:cSld>
-  <p:clrMapOvr>
-    <a:masterClrMapping/>
-  </p:clrMapOvr>
-</p:notes>
-</file>
-
-<file path=ppt/notesSlides/notesSlide9.xml><?xml version="1.0" encoding="utf-8"?>
-<p:notes xmlns:a="http://schemas.openxmlformats.org/drawingml/2006/main" xmlns:r="http://schemas.openxmlformats.org/officeDocument/2006/relationships" xmlns:p="http://schemas.openxmlformats.org/presentationml/2006/main">
-  <p:cSld>
-    <p:spTree>
-      <p:nvGrpSpPr>
-        <p:cNvPr id="1" name=""/>
-        <p:cNvGrpSpPr/>
-        <p:nvPr/>
-      </p:nvGrpSpPr>
-      <p:grpSpPr>
-        <a:xfrm>
-          <a:off x="0" y="0"/>
-          <a:ext cx="0" cy="0"/>
-          <a:chOff x="0" y="0"/>
-          <a:chExt cx="0" cy="0"/>
-        </a:xfrm>
-      </p:grpSpPr>
-      <p:sp>
-        <p:nvSpPr>
-          <p:cNvPr id="2" name="Slide Image Placeholder 1"/>
-          <p:cNvSpPr>
-            <a:spLocks noGrp="1" noRot="1" noChangeAspect="1"/>
-          </p:cNvSpPr>
-          <p:nvPr>
-            <p:ph type="sldImg"/>
-          </p:nvPr>
-        </p:nvSpPr>
-        <p:spPr/>
-      </p:sp>
-      <p:sp>
-        <p:nvSpPr>
-          <p:cNvPr id="3" name="Notes Placeholder 2"/>
-          <p:cNvSpPr>
-            <a:spLocks noGrp="1"/>
-          </p:cNvSpPr>
-          <p:nvPr>
-            <p:ph type="body" idx="1"/>
-          </p:nvPr>
-        </p:nvSpPr>
-        <p:spPr/>
-        <p:txBody>
-          <a:bodyPr/>
-          <a:lstStyle/>
-          <a:p>
-            <a:r>
-              <a:rPr lang="en-US" dirty="0"/>
-              <a:t>Time until first flower emergence, raw frass</a:t>
-            </a:r>
-            <a:endParaRPr lang="en-GB" dirty="0"/>
-          </a:p>
-        </p:txBody>
-      </p:sp>
-      <p:sp>
-        <p:nvSpPr>
-          <p:cNvPr id="4" name="Slide Number Placeholder 3"/>
-          <p:cNvSpPr>
-            <a:spLocks noGrp="1"/>
-          </p:cNvSpPr>
-          <p:nvPr>
-            <p:ph type="sldNum" sz="quarter" idx="5"/>
-          </p:nvPr>
-        </p:nvSpPr>
-        <p:spPr/>
-        <p:txBody>
-          <a:bodyPr/>
-          <a:lstStyle/>
-          <a:p>
-            <a:fld id="{8EBD30F0-EA15-4A15-AB81-EC11200C50EB}" type="slidenum">
-              <a:rPr lang="en-US" smtClean="0"/>
-              <a:t>16</a:t>
-            </a:fld>
-            <a:endParaRPr lang="en-US"/>
-          </a:p>
-        </p:txBody>
-      </p:sp>
-    </p:spTree>
-    <p:extLst>
-      <p:ext uri="{BB962C8B-B14F-4D97-AF65-F5344CB8AC3E}">
-        <p14:creationId xmlns:p14="http://schemas.microsoft.com/office/powerpoint/2010/main" val="4043136409"/>
       </p:ext>
     </p:extLst>
   </p:cSld>
@@ -12699,7 +12788,7 @@
           <a:p>
             <a:fld id="{C43A76A3-ADC8-4477-8FC1-B9DD55D84908}" type="datetime1">
               <a:rPr lang="en-US" smtClean="0"/>
-              <a:t>5/10/2023</a:t>
+              <a:t>7/27/2023</a:t>
             </a:fld>
             <a:endParaRPr lang="en-US" dirty="0"/>
           </a:p>
@@ -12862,7 +12951,7 @@
           <a:p>
             <a:fld id="{D6762538-DC4D-4667-96E5-B3278DDF8B12}" type="datetime1">
               <a:rPr lang="en-US" smtClean="0"/>
-              <a:t>5/10/2023</a:t>
+              <a:t>7/27/2023</a:t>
             </a:fld>
             <a:endParaRPr lang="en-US"/>
           </a:p>
@@ -13035,7 +13124,7 @@
           <a:p>
             <a:fld id="{05880548-5C08-4BE3-B63E-F2BB63B0B00C}" type="datetime1">
               <a:rPr lang="en-US" smtClean="0"/>
-              <a:t>5/10/2023</a:t>
+              <a:t>7/27/2023</a:t>
             </a:fld>
             <a:endParaRPr lang="en-US"/>
           </a:p>
@@ -13198,7 +13287,7 @@
           <a:p>
             <a:fld id="{DE7F49BE-398D-479A-8A7E-5DDBCA61EDCB}" type="datetime1">
               <a:rPr lang="en-US" smtClean="0"/>
-              <a:t>5/10/2023</a:t>
+              <a:t>7/27/2023</a:t>
             </a:fld>
             <a:endParaRPr lang="en-US"/>
           </a:p>
@@ -13439,7 +13528,7 @@
           <a:p>
             <a:fld id="{CCD0C193-4974-4A1F-9C63-07D595E30D66}" type="datetime1">
               <a:rPr lang="en-US" smtClean="0"/>
-              <a:t>5/10/2023</a:t>
+              <a:t>7/27/2023</a:t>
             </a:fld>
             <a:endParaRPr lang="en-US"/>
           </a:p>
@@ -13665,7 +13754,7 @@
           <a:p>
             <a:fld id="{701AA87F-28D4-4BF0-B81F-877A89DFD5AC}" type="datetime1">
               <a:rPr lang="en-US" smtClean="0"/>
-              <a:t>5/10/2023</a:t>
+              <a:t>7/27/2023</a:t>
             </a:fld>
             <a:endParaRPr lang="en-US"/>
           </a:p>
@@ -14026,7 +14115,7 @@
           <a:p>
             <a:fld id="{A8A9F1F3-208B-49A3-B337-9C8ACEB3E0E1}" type="datetime1">
               <a:rPr lang="en-US" smtClean="0"/>
-              <a:t>5/10/2023</a:t>
+              <a:t>7/27/2023</a:t>
             </a:fld>
             <a:endParaRPr lang="en-US"/>
           </a:p>
@@ -14144,7 +14233,7 @@
           <a:p>
             <a:fld id="{27AF6CA6-7293-4AA2-A0E0-A3BF4416E786}" type="datetime1">
               <a:rPr lang="en-US" smtClean="0"/>
-              <a:t>5/10/2023</a:t>
+              <a:t>7/27/2023</a:t>
             </a:fld>
             <a:endParaRPr lang="en-US"/>
           </a:p>
@@ -14234,7 +14323,7 @@
           <a:p>
             <a:fld id="{98D87016-7BCD-46FB-8EE3-AB6C369108B4}" type="datetime1">
               <a:rPr lang="en-US" smtClean="0"/>
-              <a:t>5/10/2023</a:t>
+              <a:t>7/27/2023</a:t>
             </a:fld>
             <a:endParaRPr lang="en-US"/>
           </a:p>
@@ -14512,7 +14601,7 @@
           <a:p>
             <a:fld id="{A1547011-1FFC-4EF8-9A2E-53B4AD2ADBD4}" type="datetime1">
               <a:rPr lang="en-US" smtClean="0"/>
-              <a:t>5/10/2023</a:t>
+              <a:t>7/27/2023</a:t>
             </a:fld>
             <a:endParaRPr lang="en-US"/>
           </a:p>
@@ -14766,7 +14855,7 @@
           <a:p>
             <a:fld id="{9562EB47-45B4-4EF5-A743-B4885DD2F060}" type="datetime1">
               <a:rPr lang="en-US" smtClean="0"/>
-              <a:t>5/10/2023</a:t>
+              <a:t>7/27/2023</a:t>
             </a:fld>
             <a:endParaRPr lang="en-US"/>
           </a:p>
@@ -16020,7 +16109,7 @@
           <a:p>
             <a:fld id="{4A8D24A4-5FEC-4062-8995-EB21925B3B40}" type="datetime1">
               <a:rPr lang="en-US" smtClean="0"/>
-              <a:t>5/10/2023</a:t>
+              <a:t>7/27/2023</a:t>
             </a:fld>
             <a:endParaRPr lang="en-US" sz="1000" dirty="0"/>
           </a:p>
@@ -17146,6 +17235,299 @@
 <file path=ppt/slides/slide10.xml><?xml version="1.0" encoding="utf-8"?>
 <p:sld xmlns:a="http://schemas.openxmlformats.org/drawingml/2006/main" xmlns:r="http://schemas.openxmlformats.org/officeDocument/2006/relationships" xmlns:p="http://schemas.openxmlformats.org/presentationml/2006/main">
   <p:cSld>
+    <p:spTree>
+      <p:nvGrpSpPr>
+        <p:cNvPr id="1" name=""/>
+        <p:cNvGrpSpPr/>
+        <p:nvPr/>
+      </p:nvGrpSpPr>
+      <p:grpSpPr>
+        <a:xfrm>
+          <a:off x="0" y="0"/>
+          <a:ext cx="0" cy="0"/>
+          <a:chOff x="0" y="0"/>
+          <a:chExt cx="0" cy="0"/>
+        </a:xfrm>
+      </p:grpSpPr>
+      <p:grpSp>
+        <p:nvGrpSpPr>
+          <p:cNvPr id="11" name="Group 10">
+            <a:extLst>
+              <a:ext uri="{FF2B5EF4-FFF2-40B4-BE49-F238E27FC236}">
+                <a16:creationId xmlns:a16="http://schemas.microsoft.com/office/drawing/2014/main" id="{AE8B8D3E-2E74-722D-A5E7-7DE1F4005CCE}"/>
+              </a:ext>
+            </a:extLst>
+          </p:cNvPr>
+          <p:cNvGrpSpPr/>
+          <p:nvPr/>
+        </p:nvGrpSpPr>
+        <p:grpSpPr>
+          <a:xfrm>
+            <a:off x="3810000" y="87549"/>
+            <a:ext cx="4572000" cy="6770451"/>
+            <a:chOff x="3810000" y="87549"/>
+            <a:chExt cx="4572000" cy="6770451"/>
+          </a:xfrm>
+        </p:grpSpPr>
+        <p:grpSp>
+          <p:nvGrpSpPr>
+            <p:cNvPr id="9" name="Group 8">
+              <a:extLst>
+                <a:ext uri="{FF2B5EF4-FFF2-40B4-BE49-F238E27FC236}">
+                  <a16:creationId xmlns:a16="http://schemas.microsoft.com/office/drawing/2014/main" id="{D5EA3472-3995-B7A3-2B6B-4A2E5D901D67}"/>
+                </a:ext>
+              </a:extLst>
+            </p:cNvPr>
+            <p:cNvGrpSpPr/>
+            <p:nvPr/>
+          </p:nvGrpSpPr>
+          <p:grpSpPr>
+            <a:xfrm>
+              <a:off x="3810001" y="87549"/>
+              <a:ext cx="4571999" cy="3229584"/>
+              <a:chOff x="3810001" y="87549"/>
+              <a:chExt cx="4571999" cy="3229584"/>
+            </a:xfrm>
+          </p:grpSpPr>
+          <p:pic>
+            <p:nvPicPr>
+              <p:cNvPr id="3" name="Picture 2" descr="Chart, box and whisker chart&#10;&#10;Description automatically generated">
+                <a:extLst>
+                  <a:ext uri="{FF2B5EF4-FFF2-40B4-BE49-F238E27FC236}">
+                    <a16:creationId xmlns:a16="http://schemas.microsoft.com/office/drawing/2014/main" id="{234E1ED3-93F5-59D9-EEFD-59E0B1F2C411}"/>
+                  </a:ext>
+                </a:extLst>
+              </p:cNvPr>
+              <p:cNvPicPr>
+                <a:picLocks noChangeAspect="1"/>
+              </p:cNvPicPr>
+              <p:nvPr/>
+            </p:nvPicPr>
+            <p:blipFill rotWithShape="1">
+              <a:blip r:embed="rId3" cstate="print">
+                <a:extLst>
+                  <a:ext uri="{28A0092B-C50C-407E-A947-70E740481C1C}">
+                    <a14:useLocalDpi xmlns:a14="http://schemas.microsoft.com/office/drawing/2010/main" val="0"/>
+                  </a:ext>
+                </a:extLst>
+              </a:blip>
+              <a:srcRect l="1521" b="11702"/>
+              <a:stretch/>
+            </p:blipFill>
+            <p:spPr>
+              <a:xfrm>
+                <a:off x="3879542" y="87549"/>
+                <a:ext cx="4502458" cy="3229584"/>
+              </a:xfrm>
+              <a:prstGeom prst="rect">
+                <a:avLst/>
+              </a:prstGeom>
+            </p:spPr>
+          </p:pic>
+          <p:sp>
+            <p:nvSpPr>
+              <p:cNvPr id="7" name="TextBox 6">
+                <a:extLst>
+                  <a:ext uri="{FF2B5EF4-FFF2-40B4-BE49-F238E27FC236}">
+                    <a16:creationId xmlns:a16="http://schemas.microsoft.com/office/drawing/2014/main" id="{AB7B2DB1-1BB7-9E5B-834F-9B961E908E5F}"/>
+                  </a:ext>
+                </a:extLst>
+              </p:cNvPr>
+              <p:cNvSpPr txBox="1"/>
+              <p:nvPr/>
+            </p:nvSpPr>
+            <p:spPr>
+              <a:xfrm>
+                <a:off x="3810001" y="2882777"/>
+                <a:ext cx="317924" cy="322112"/>
+              </a:xfrm>
+              <a:prstGeom prst="rect">
+                <a:avLst/>
+              </a:prstGeom>
+              <a:noFill/>
+            </p:spPr>
+            <p:txBody>
+              <a:bodyPr wrap="square" rtlCol="0">
+                <a:normAutofit/>
+              </a:bodyPr>
+              <a:lstStyle/>
+              <a:p>
+                <a:pPr algn="ctr">
+                  <a:lnSpc>
+                    <a:spcPct val="90000"/>
+                  </a:lnSpc>
+                  <a:spcAft>
+                    <a:spcPts val="600"/>
+                  </a:spcAft>
+                </a:pPr>
+                <a:r>
+                  <a:rPr lang="en-US" sz="1200" b="1" dirty="0">
+                    <a:latin typeface="Arial" panose="020B0604020202020204" pitchFamily="34" charset="0"/>
+                    <a:cs typeface="Arial" panose="020B0604020202020204" pitchFamily="34" charset="0"/>
+                  </a:rPr>
+                  <a:t>A</a:t>
+                </a:r>
+              </a:p>
+            </p:txBody>
+          </p:sp>
+        </p:grpSp>
+        <p:grpSp>
+          <p:nvGrpSpPr>
+            <p:cNvPr id="10" name="Group 9">
+              <a:extLst>
+                <a:ext uri="{FF2B5EF4-FFF2-40B4-BE49-F238E27FC236}">
+                  <a16:creationId xmlns:a16="http://schemas.microsoft.com/office/drawing/2014/main" id="{56BF6CAC-5AB7-3ABD-DD66-47CF650FCFA0}"/>
+                </a:ext>
+              </a:extLst>
+            </p:cNvPr>
+            <p:cNvGrpSpPr/>
+            <p:nvPr/>
+          </p:nvGrpSpPr>
+          <p:grpSpPr>
+            <a:xfrm>
+              <a:off x="3810000" y="3317133"/>
+              <a:ext cx="4572000" cy="3540867"/>
+              <a:chOff x="3810000" y="3317133"/>
+              <a:chExt cx="4572000" cy="3540867"/>
+            </a:xfrm>
+          </p:grpSpPr>
+          <p:pic>
+            <p:nvPicPr>
+              <p:cNvPr id="6" name="Picture 5">
+                <a:extLst>
+                  <a:ext uri="{FF2B5EF4-FFF2-40B4-BE49-F238E27FC236}">
+                    <a16:creationId xmlns:a16="http://schemas.microsoft.com/office/drawing/2014/main" id="{9CD50F88-112A-B1F6-5658-5BFF1A6E2EFC}"/>
+                  </a:ext>
+                </a:extLst>
+              </p:cNvPr>
+              <p:cNvPicPr>
+                <a:picLocks noChangeAspect="1"/>
+              </p:cNvPicPr>
+              <p:nvPr/>
+            </p:nvPicPr>
+            <p:blipFill rotWithShape="1">
+              <a:blip r:embed="rId4"/>
+              <a:srcRect t="1596" b="1596"/>
+              <a:stretch/>
+            </p:blipFill>
+            <p:spPr>
+              <a:xfrm>
+                <a:off x="3879542" y="3317133"/>
+                <a:ext cx="4502458" cy="3540867"/>
+              </a:xfrm>
+              <a:prstGeom prst="rect">
+                <a:avLst/>
+              </a:prstGeom>
+            </p:spPr>
+          </p:pic>
+          <p:sp>
+            <p:nvSpPr>
+              <p:cNvPr id="8" name="TextBox 7">
+                <a:extLst>
+                  <a:ext uri="{FF2B5EF4-FFF2-40B4-BE49-F238E27FC236}">
+                    <a16:creationId xmlns:a16="http://schemas.microsoft.com/office/drawing/2014/main" id="{0F4B5DC6-F4A6-0DB1-97E4-7DFF7404DDDA}"/>
+                  </a:ext>
+                </a:extLst>
+              </p:cNvPr>
+              <p:cNvSpPr txBox="1"/>
+              <p:nvPr/>
+            </p:nvSpPr>
+            <p:spPr>
+              <a:xfrm>
+                <a:off x="3810000" y="6101531"/>
+                <a:ext cx="317925" cy="322113"/>
+              </a:xfrm>
+              <a:prstGeom prst="rect">
+                <a:avLst/>
+              </a:prstGeom>
+              <a:noFill/>
+            </p:spPr>
+            <p:txBody>
+              <a:bodyPr wrap="square" rtlCol="0">
+                <a:normAutofit/>
+              </a:bodyPr>
+              <a:lstStyle/>
+              <a:p>
+                <a:pPr>
+                  <a:lnSpc>
+                    <a:spcPct val="90000"/>
+                  </a:lnSpc>
+                  <a:spcAft>
+                    <a:spcPts val="600"/>
+                  </a:spcAft>
+                </a:pPr>
+                <a:r>
+                  <a:rPr lang="en-US" sz="1200" b="1" dirty="0">
+                    <a:latin typeface="Arial" panose="020B0604020202020204" pitchFamily="34" charset="0"/>
+                    <a:cs typeface="Arial" panose="020B0604020202020204" pitchFamily="34" charset="0"/>
+                  </a:rPr>
+                  <a:t>B</a:t>
+                </a:r>
+              </a:p>
+            </p:txBody>
+          </p:sp>
+        </p:grpSp>
+      </p:grpSp>
+      <p:sp>
+        <p:nvSpPr>
+          <p:cNvPr id="13" name="TextBox 12">
+            <a:extLst>
+              <a:ext uri="{FF2B5EF4-FFF2-40B4-BE49-F238E27FC236}">
+                <a16:creationId xmlns:a16="http://schemas.microsoft.com/office/drawing/2014/main" id="{F3C5D877-4145-F406-23A8-1C935B9E4423}"/>
+              </a:ext>
+            </a:extLst>
+          </p:cNvPr>
+          <p:cNvSpPr txBox="1"/>
+          <p:nvPr/>
+        </p:nvSpPr>
+        <p:spPr>
+          <a:xfrm>
+            <a:off x="863353" y="2647710"/>
+            <a:ext cx="1143000" cy="369332"/>
+          </a:xfrm>
+          <a:prstGeom prst="rect">
+            <a:avLst/>
+          </a:prstGeom>
+          <a:noFill/>
+        </p:spPr>
+        <p:txBody>
+          <a:bodyPr wrap="square">
+            <a:spAutoFit/>
+          </a:bodyPr>
+          <a:lstStyle/>
+          <a:p>
+            <a:r>
+              <a:rPr lang="nl-NL" dirty="0" err="1"/>
+              <a:t>Raw</a:t>
+            </a:r>
+            <a:r>
+              <a:rPr lang="nl-NL" dirty="0"/>
+              <a:t> </a:t>
+            </a:r>
+            <a:r>
+              <a:rPr lang="nl-NL" dirty="0" err="1"/>
+              <a:t>frass</a:t>
+            </a:r>
+            <a:endParaRPr lang="en-US" dirty="0"/>
+          </a:p>
+        </p:txBody>
+      </p:sp>
+    </p:spTree>
+    <p:extLst>
+      <p:ext uri="{BB962C8B-B14F-4D97-AF65-F5344CB8AC3E}">
+        <p14:creationId xmlns:p14="http://schemas.microsoft.com/office/powerpoint/2010/main" val="1041882557"/>
+      </p:ext>
+    </p:extLst>
+  </p:cSld>
+  <p:clrMapOvr>
+    <a:masterClrMapping/>
+  </p:clrMapOvr>
+</p:sld>
+</file>
+
+<file path=ppt/slides/slide11.xml><?xml version="1.0" encoding="utf-8"?>
+<p:sld xmlns:a="http://schemas.openxmlformats.org/drawingml/2006/main" xmlns:r="http://schemas.openxmlformats.org/officeDocument/2006/relationships" xmlns:p="http://schemas.openxmlformats.org/presentationml/2006/main">
+  <p:cSld>
     <p:bg>
       <p:bgPr>
         <a:solidFill>
@@ -17989,7 +18371,7 @@
 </p:sld>
 </file>
 
-<file path=ppt/slides/slide11.xml><?xml version="1.0" encoding="utf-8"?>
+<file path=ppt/slides/slide12.xml><?xml version="1.0" encoding="utf-8"?>
 <p:sld xmlns:a="http://schemas.openxmlformats.org/drawingml/2006/main" xmlns:r="http://schemas.openxmlformats.org/officeDocument/2006/relationships" xmlns:p="http://schemas.openxmlformats.org/presentationml/2006/main">
   <p:cSld>
     <p:bg>
@@ -18801,7 +19183,7 @@
 </p:sld>
 </file>
 
-<file path=ppt/slides/slide12.xml><?xml version="1.0" encoding="utf-8"?>
+<file path=ppt/slides/slide13.xml><?xml version="1.0" encoding="utf-8"?>
 <p:sld xmlns:a="http://schemas.openxmlformats.org/drawingml/2006/main" xmlns:r="http://schemas.openxmlformats.org/officeDocument/2006/relationships" xmlns:p="http://schemas.openxmlformats.org/presentationml/2006/main">
   <p:cSld>
     <p:bg>
@@ -19648,7 +20030,7 @@
 </p:sld>
 </file>
 
-<file path=ppt/slides/slide13.xml><?xml version="1.0" encoding="utf-8"?>
+<file path=ppt/slides/slide14.xml><?xml version="1.0" encoding="utf-8"?>
 <p:sld xmlns:a="http://schemas.openxmlformats.org/drawingml/2006/main" xmlns:r="http://schemas.openxmlformats.org/officeDocument/2006/relationships" xmlns:p="http://schemas.openxmlformats.org/presentationml/2006/main">
   <p:cSld>
     <p:bg>
@@ -19787,7 +20169,7 @@
 </p:sld>
 </file>
 
-<file path=ppt/slides/slide14.xml><?xml version="1.0" encoding="utf-8"?>
+<file path=ppt/slides/slide15.xml><?xml version="1.0" encoding="utf-8"?>
 <p:sld xmlns:a="http://schemas.openxmlformats.org/drawingml/2006/main" xmlns:r="http://schemas.openxmlformats.org/officeDocument/2006/relationships" xmlns:p="http://schemas.openxmlformats.org/presentationml/2006/main">
   <p:cSld>
     <p:bg>
@@ -19918,7 +20300,7 @@
 </p:sld>
 </file>
 
-<file path=ppt/slides/slide15.xml><?xml version="1.0" encoding="utf-8"?>
+<file path=ppt/slides/slide16.xml><?xml version="1.0" encoding="utf-8"?>
 <p:sld xmlns:a="http://schemas.openxmlformats.org/drawingml/2006/main" xmlns:r="http://schemas.openxmlformats.org/officeDocument/2006/relationships" xmlns:p="http://schemas.openxmlformats.org/presentationml/2006/main">
   <p:cSld>
     <p:bg>
@@ -20598,7 +20980,7 @@
 </p:sld>
 </file>
 
-<file path=ppt/slides/slide16.xml><?xml version="1.0" encoding="utf-8"?>
+<file path=ppt/slides/slide17.xml><?xml version="1.0" encoding="utf-8"?>
 <p:sld xmlns:a="http://schemas.openxmlformats.org/drawingml/2006/main" xmlns:r="http://schemas.openxmlformats.org/officeDocument/2006/relationships" xmlns:p="http://schemas.openxmlformats.org/presentationml/2006/main">
   <p:cSld>
     <p:spTree>
@@ -20721,7 +21103,7 @@
 </p:sld>
 </file>
 
-<file path=ppt/slides/slide17.xml><?xml version="1.0" encoding="utf-8"?>
+<file path=ppt/slides/slide18.xml><?xml version="1.0" encoding="utf-8"?>
 <p:sld xmlns:a="http://schemas.openxmlformats.org/drawingml/2006/main" xmlns:r="http://schemas.openxmlformats.org/officeDocument/2006/relationships" xmlns:p="http://schemas.openxmlformats.org/presentationml/2006/main">
   <p:cSld>
     <p:spTree>
@@ -20844,7 +21226,7 @@
 </p:sld>
 </file>
 
-<file path=ppt/slides/slide18.xml><?xml version="1.0" encoding="utf-8"?>
+<file path=ppt/slides/slide19.xml><?xml version="1.0" encoding="utf-8"?>
 <p:sld xmlns:a="http://schemas.openxmlformats.org/drawingml/2006/main" xmlns:r="http://schemas.openxmlformats.org/officeDocument/2006/relationships" xmlns:p="http://schemas.openxmlformats.org/presentationml/2006/main">
   <p:cSld>
     <p:spTree>
@@ -20958,129 +21340,6 @@
     <p:extLst>
       <p:ext uri="{BB962C8B-B14F-4D97-AF65-F5344CB8AC3E}">
         <p14:creationId xmlns:p14="http://schemas.microsoft.com/office/powerpoint/2010/main" val="3920972104"/>
-      </p:ext>
-    </p:extLst>
-  </p:cSld>
-  <p:clrMapOvr>
-    <a:masterClrMapping/>
-  </p:clrMapOvr>
-</p:sld>
-</file>
-
-<file path=ppt/slides/slide19.xml><?xml version="1.0" encoding="utf-8"?>
-<p:sld xmlns:a="http://schemas.openxmlformats.org/drawingml/2006/main" xmlns:r="http://schemas.openxmlformats.org/officeDocument/2006/relationships" xmlns:p="http://schemas.openxmlformats.org/presentationml/2006/main">
-  <p:cSld>
-    <p:spTree>
-      <p:nvGrpSpPr>
-        <p:cNvPr id="1" name=""/>
-        <p:cNvGrpSpPr/>
-        <p:nvPr/>
-      </p:nvGrpSpPr>
-      <p:grpSpPr>
-        <a:xfrm>
-          <a:off x="0" y="0"/>
-          <a:ext cx="0" cy="0"/>
-          <a:chOff x="0" y="0"/>
-          <a:chExt cx="0" cy="0"/>
-        </a:xfrm>
-      </p:grpSpPr>
-      <p:grpSp>
-        <p:nvGrpSpPr>
-          <p:cNvPr id="6" name="Group 5">
-            <a:extLst>
-              <a:ext uri="{FF2B5EF4-FFF2-40B4-BE49-F238E27FC236}">
-                <a16:creationId xmlns:a16="http://schemas.microsoft.com/office/drawing/2014/main" id="{DA0DB87B-1E10-8B8B-B967-4C06052CDE15}"/>
-              </a:ext>
-            </a:extLst>
-          </p:cNvPr>
-          <p:cNvGrpSpPr/>
-          <p:nvPr/>
-        </p:nvGrpSpPr>
-        <p:grpSpPr>
-          <a:xfrm>
-            <a:off x="1070755" y="1528496"/>
-            <a:ext cx="7697276" cy="3810530"/>
-            <a:chOff x="1070755" y="1528496"/>
-            <a:chExt cx="7697276" cy="3810530"/>
-          </a:xfrm>
-        </p:grpSpPr>
-        <p:pic>
-          <p:nvPicPr>
-            <p:cNvPr id="3" name="Picture 2">
-              <a:extLst>
-                <a:ext uri="{FF2B5EF4-FFF2-40B4-BE49-F238E27FC236}">
-                  <a16:creationId xmlns:a16="http://schemas.microsoft.com/office/drawing/2014/main" id="{341C7544-B028-EE2B-1556-41FA88A1E1A5}"/>
-                </a:ext>
-              </a:extLst>
-            </p:cNvPr>
-            <p:cNvPicPr>
-              <a:picLocks noChangeAspect="1"/>
-            </p:cNvPicPr>
-            <p:nvPr/>
-          </p:nvPicPr>
-          <p:blipFill>
-            <a:blip r:embed="rId3">
-              <a:extLst>
-                <a:ext uri="{28A0092B-C50C-407E-A947-70E740481C1C}">
-                  <a14:useLocalDpi xmlns:a14="http://schemas.microsoft.com/office/drawing/2010/main" val="0"/>
-                </a:ext>
-              </a:extLst>
-            </a:blip>
-            <a:stretch>
-              <a:fillRect/>
-            </a:stretch>
-          </p:blipFill>
-          <p:spPr>
-            <a:xfrm>
-              <a:off x="4909868" y="1528496"/>
-              <a:ext cx="3858163" cy="3801005"/>
-            </a:xfrm>
-            <a:prstGeom prst="rect">
-              <a:avLst/>
-            </a:prstGeom>
-          </p:spPr>
-        </p:pic>
-        <p:pic>
-          <p:nvPicPr>
-            <p:cNvPr id="5" name="Picture 4">
-              <a:extLst>
-                <a:ext uri="{FF2B5EF4-FFF2-40B4-BE49-F238E27FC236}">
-                  <a16:creationId xmlns:a16="http://schemas.microsoft.com/office/drawing/2014/main" id="{185FB942-8A0C-CA6F-4648-2093978D1202}"/>
-                </a:ext>
-              </a:extLst>
-            </p:cNvPr>
-            <p:cNvPicPr>
-              <a:picLocks noChangeAspect="1"/>
-            </p:cNvPicPr>
-            <p:nvPr/>
-          </p:nvPicPr>
-          <p:blipFill>
-            <a:blip r:embed="rId4">
-              <a:extLst>
-                <a:ext uri="{28A0092B-C50C-407E-A947-70E740481C1C}">
-                  <a14:useLocalDpi xmlns:a14="http://schemas.microsoft.com/office/drawing/2010/main" val="0"/>
-                </a:ext>
-              </a:extLst>
-            </a:blip>
-            <a:stretch>
-              <a:fillRect/>
-            </a:stretch>
-          </p:blipFill>
-          <p:spPr>
-            <a:xfrm>
-              <a:off x="1070755" y="1538021"/>
-              <a:ext cx="3858163" cy="3801005"/>
-            </a:xfrm>
-            <a:prstGeom prst="rect">
-              <a:avLst/>
-            </a:prstGeom>
-          </p:spPr>
-        </p:pic>
-      </p:grpSp>
-    </p:spTree>
-    <p:extLst>
-      <p:ext uri="{BB962C8B-B14F-4D97-AF65-F5344CB8AC3E}">
-        <p14:creationId xmlns:p14="http://schemas.microsoft.com/office/powerpoint/2010/main" val="2133761034"/>
       </p:ext>
     </p:extLst>
   </p:cSld>
@@ -21777,6 +22036,129 @@
         </p:txBody>
       </p:sp>
     </p:spTree>
+  </p:cSld>
+  <p:clrMapOvr>
+    <a:masterClrMapping/>
+  </p:clrMapOvr>
+</p:sld>
+</file>
+
+<file path=ppt/slides/slide20.xml><?xml version="1.0" encoding="utf-8"?>
+<p:sld xmlns:a="http://schemas.openxmlformats.org/drawingml/2006/main" xmlns:r="http://schemas.openxmlformats.org/officeDocument/2006/relationships" xmlns:p="http://schemas.openxmlformats.org/presentationml/2006/main">
+  <p:cSld>
+    <p:spTree>
+      <p:nvGrpSpPr>
+        <p:cNvPr id="1" name=""/>
+        <p:cNvGrpSpPr/>
+        <p:nvPr/>
+      </p:nvGrpSpPr>
+      <p:grpSpPr>
+        <a:xfrm>
+          <a:off x="0" y="0"/>
+          <a:ext cx="0" cy="0"/>
+          <a:chOff x="0" y="0"/>
+          <a:chExt cx="0" cy="0"/>
+        </a:xfrm>
+      </p:grpSpPr>
+      <p:grpSp>
+        <p:nvGrpSpPr>
+          <p:cNvPr id="6" name="Group 5">
+            <a:extLst>
+              <a:ext uri="{FF2B5EF4-FFF2-40B4-BE49-F238E27FC236}">
+                <a16:creationId xmlns:a16="http://schemas.microsoft.com/office/drawing/2014/main" id="{DA0DB87B-1E10-8B8B-B967-4C06052CDE15}"/>
+              </a:ext>
+            </a:extLst>
+          </p:cNvPr>
+          <p:cNvGrpSpPr/>
+          <p:nvPr/>
+        </p:nvGrpSpPr>
+        <p:grpSpPr>
+          <a:xfrm>
+            <a:off x="1070755" y="1528496"/>
+            <a:ext cx="7697276" cy="3810530"/>
+            <a:chOff x="1070755" y="1528496"/>
+            <a:chExt cx="7697276" cy="3810530"/>
+          </a:xfrm>
+        </p:grpSpPr>
+        <p:pic>
+          <p:nvPicPr>
+            <p:cNvPr id="3" name="Picture 2">
+              <a:extLst>
+                <a:ext uri="{FF2B5EF4-FFF2-40B4-BE49-F238E27FC236}">
+                  <a16:creationId xmlns:a16="http://schemas.microsoft.com/office/drawing/2014/main" id="{341C7544-B028-EE2B-1556-41FA88A1E1A5}"/>
+                </a:ext>
+              </a:extLst>
+            </p:cNvPr>
+            <p:cNvPicPr>
+              <a:picLocks noChangeAspect="1"/>
+            </p:cNvPicPr>
+            <p:nvPr/>
+          </p:nvPicPr>
+          <p:blipFill>
+            <a:blip r:embed="rId3">
+              <a:extLst>
+                <a:ext uri="{28A0092B-C50C-407E-A947-70E740481C1C}">
+                  <a14:useLocalDpi xmlns:a14="http://schemas.microsoft.com/office/drawing/2010/main" val="0"/>
+                </a:ext>
+              </a:extLst>
+            </a:blip>
+            <a:stretch>
+              <a:fillRect/>
+            </a:stretch>
+          </p:blipFill>
+          <p:spPr>
+            <a:xfrm>
+              <a:off x="4909868" y="1528496"/>
+              <a:ext cx="3858163" cy="3801005"/>
+            </a:xfrm>
+            <a:prstGeom prst="rect">
+              <a:avLst/>
+            </a:prstGeom>
+          </p:spPr>
+        </p:pic>
+        <p:pic>
+          <p:nvPicPr>
+            <p:cNvPr id="5" name="Picture 4">
+              <a:extLst>
+                <a:ext uri="{FF2B5EF4-FFF2-40B4-BE49-F238E27FC236}">
+                  <a16:creationId xmlns:a16="http://schemas.microsoft.com/office/drawing/2014/main" id="{185FB942-8A0C-CA6F-4648-2093978D1202}"/>
+                </a:ext>
+              </a:extLst>
+            </p:cNvPr>
+            <p:cNvPicPr>
+              <a:picLocks noChangeAspect="1"/>
+            </p:cNvPicPr>
+            <p:nvPr/>
+          </p:nvPicPr>
+          <p:blipFill>
+            <a:blip r:embed="rId4">
+              <a:extLst>
+                <a:ext uri="{28A0092B-C50C-407E-A947-70E740481C1C}">
+                  <a14:useLocalDpi xmlns:a14="http://schemas.microsoft.com/office/drawing/2010/main" val="0"/>
+                </a:ext>
+              </a:extLst>
+            </a:blip>
+            <a:stretch>
+              <a:fillRect/>
+            </a:stretch>
+          </p:blipFill>
+          <p:spPr>
+            <a:xfrm>
+              <a:off x="1070755" y="1538021"/>
+              <a:ext cx="3858163" cy="3801005"/>
+            </a:xfrm>
+            <a:prstGeom prst="rect">
+              <a:avLst/>
+            </a:prstGeom>
+          </p:spPr>
+        </p:pic>
+      </p:grpSp>
+    </p:spTree>
+    <p:extLst>
+      <p:ext uri="{BB962C8B-B14F-4D97-AF65-F5344CB8AC3E}">
+        <p14:creationId xmlns:p14="http://schemas.microsoft.com/office/powerpoint/2010/main" val="2133761034"/>
+      </p:ext>
+    </p:extLst>
   </p:cSld>
   <p:clrMapOvr>
     <a:masterClrMapping/>
@@ -24954,14 +25336,14 @@
               </a:lstStyle>
               <a:p>
                 <a:r>
-                  <a:rPr lang="en-US" sz="1400" i="1" dirty="0">
+                  <a:rPr lang="en-US" sz="900" i="1" dirty="0">
                     <a:latin typeface="Arial" panose="020B0604020202020204" pitchFamily="34" charset="0"/>
                     <a:cs typeface="Arial" panose="020B0604020202020204" pitchFamily="34" charset="0"/>
                   </a:rPr>
                   <a:t>GLM</a:t>
                 </a:r>
                 <a:r>
-                  <a:rPr lang="en-US" sz="1400" i="1" cap="none" baseline="0" dirty="0">
+                  <a:rPr lang="en-US" sz="900" i="1" cap="none" baseline="0" dirty="0">
                     <a:effectLst/>
                     <a:latin typeface="Arial" panose="020B0604020202020204" pitchFamily="34" charset="0"/>
                     <a:cs typeface="Arial" panose="020B0604020202020204" pitchFamily="34" charset="0"/>
@@ -24969,7 +25351,7 @@
                   <a:t>:</a:t>
                 </a:r>
                 <a:r>
-                  <a:rPr lang="en-US" sz="1400" i="1" cap="none" dirty="0">
+                  <a:rPr lang="en-US" sz="900" i="1" cap="none" dirty="0">
                     <a:effectLst/>
                     <a:latin typeface="Arial" panose="020B0604020202020204" pitchFamily="34" charset="0"/>
                     <a:cs typeface="Arial" panose="020B0604020202020204" pitchFamily="34" charset="0"/>
@@ -24977,7 +25359,7 @@
                   <a:t> </a:t>
                 </a:r>
                 <a:r>
-                  <a:rPr lang="el-GR" sz="1400" i="1" cap="none" baseline="0" dirty="0">
+                  <a:rPr lang="el-GR" sz="900" i="1" cap="none" baseline="0" dirty="0">
                     <a:effectLst/>
                     <a:latin typeface="Arial" panose="020B0604020202020204" pitchFamily="34" charset="0"/>
                     <a:cs typeface="Arial" panose="020B0604020202020204" pitchFamily="34" charset="0"/>
@@ -24985,7 +25367,15 @@
                   <a:t>Χ</a:t>
                 </a:r>
                 <a:r>
-                  <a:rPr lang="el-GR" sz="1400" i="1" cap="none" baseline="30000" dirty="0">
+                  <a:rPr lang="en-GB" sz="900" i="1" cap="none" baseline="0" dirty="0">
+                    <a:effectLst/>
+                    <a:latin typeface="Arial" panose="020B0604020202020204" pitchFamily="34" charset="0"/>
+                    <a:cs typeface="Arial" panose="020B0604020202020204" pitchFamily="34" charset="0"/>
+                  </a:rPr>
+                  <a:t> </a:t>
+                </a:r>
+                <a:r>
+                  <a:rPr lang="el-GR" sz="800" i="1" cap="none" baseline="50000" dirty="0">
                     <a:effectLst/>
                     <a:latin typeface="Arial" panose="020B0604020202020204" pitchFamily="34" charset="0"/>
                     <a:cs typeface="Arial" panose="020B0604020202020204" pitchFamily="34" charset="0"/>
@@ -24993,7 +25383,7 @@
                   <a:t>2</a:t>
                 </a:r>
                 <a:r>
-                  <a:rPr lang="en-GB" sz="1400" i="1" cap="none" baseline="0" dirty="0">
+                  <a:rPr lang="en-GB" sz="900" i="1" cap="none" baseline="0" dirty="0">
                     <a:effectLst/>
                     <a:latin typeface="Arial" panose="020B0604020202020204" pitchFamily="34" charset="0"/>
                     <a:cs typeface="Arial" panose="020B0604020202020204" pitchFamily="34" charset="0"/>
@@ -25001,28 +25391,28 @@
                   <a:t> = 0</a:t>
                 </a:r>
                 <a:r>
-                  <a:rPr lang="en-GB" sz="1400" i="1" dirty="0">
+                  <a:rPr lang="en-GB" sz="900" i="1" dirty="0">
                     <a:latin typeface="Arial" panose="020B0604020202020204" pitchFamily="34" charset="0"/>
                     <a:cs typeface="Arial" panose="020B0604020202020204" pitchFamily="34" charset="0"/>
                   </a:rPr>
                   <a:t>.11</a:t>
                 </a:r>
                 <a:r>
-                  <a:rPr lang="en-US" sz="1400" i="1" dirty="0">
+                  <a:rPr lang="en-US" sz="900" i="1" dirty="0">
                     <a:latin typeface="Arial" panose="020B0604020202020204" pitchFamily="34" charset="0"/>
                     <a:cs typeface="Arial" panose="020B0604020202020204" pitchFamily="34" charset="0"/>
                   </a:rPr>
                   <a:t>; </a:t>
                 </a:r>
                 <a:r>
-                  <a:rPr lang="en-GB" sz="1400" i="1" dirty="0">
+                  <a:rPr lang="en-GB" sz="900" i="1" dirty="0">
                     <a:latin typeface="Arial" panose="020B0604020202020204" pitchFamily="34" charset="0"/>
                     <a:cs typeface="Arial" panose="020B0604020202020204" pitchFamily="34" charset="0"/>
                   </a:rPr>
                   <a:t>p </a:t>
                 </a:r>
                 <a:r>
-                  <a:rPr lang="en-GB" sz="1400" i="1" cap="none" baseline="0" dirty="0">
+                  <a:rPr lang="en-GB" sz="900" i="1" cap="none" baseline="0" dirty="0">
                     <a:effectLst/>
                     <a:latin typeface="Arial" panose="020B0604020202020204" pitchFamily="34" charset="0"/>
                     <a:cs typeface="Arial" panose="020B0604020202020204" pitchFamily="34" charset="0"/>
@@ -25030,28 +25420,28 @@
                   <a:t>= </a:t>
                 </a:r>
                 <a:r>
-                  <a:rPr lang="el-GR" sz="1400" i="1" dirty="0">
+                  <a:rPr lang="el-GR" sz="900" i="1" dirty="0">
                     <a:latin typeface="Arial" panose="020B0604020202020204" pitchFamily="34" charset="0"/>
                     <a:cs typeface="Arial" panose="020B0604020202020204" pitchFamily="34" charset="0"/>
                   </a:rPr>
                   <a:t>0.</a:t>
                 </a:r>
                 <a:r>
-                  <a:rPr lang="en-US" sz="1400" i="1" dirty="0">
+                  <a:rPr lang="en-US" sz="900" i="1" dirty="0">
                     <a:latin typeface="Arial" panose="020B0604020202020204" pitchFamily="34" charset="0"/>
                     <a:cs typeface="Arial" panose="020B0604020202020204" pitchFamily="34" charset="0"/>
                   </a:rPr>
                   <a:t>9468</a:t>
                 </a:r>
                 <a:r>
-                  <a:rPr lang="en-GB" sz="1400" i="1" cap="none" baseline="0" dirty="0">
+                  <a:rPr lang="en-GB" sz="900" i="1" cap="none" baseline="0" dirty="0">
                     <a:effectLst/>
                     <a:latin typeface="Arial" panose="020B0604020202020204" pitchFamily="34" charset="0"/>
                     <a:cs typeface="Arial" panose="020B0604020202020204" pitchFamily="34" charset="0"/>
                   </a:rPr>
                   <a:t> </a:t>
                 </a:r>
-                <a:endParaRPr lang="en-US" sz="1400" i="1" dirty="0">
+                <a:endParaRPr lang="en-US" sz="900" i="1" dirty="0">
                   <a:effectLst/>
                   <a:latin typeface="Arial" panose="020B0604020202020204" pitchFamily="34" charset="0"/>
                   <a:cs typeface="Arial" panose="020B0604020202020204" pitchFamily="34" charset="0"/>
@@ -25572,7 +25962,7 @@
               <p:spPr>
                 <a:xfrm>
                   <a:off x="6125616" y="2991771"/>
-                  <a:ext cx="5037092" cy="307778"/>
+                  <a:ext cx="5037092" cy="261610"/>
                 </a:xfrm>
                 <a:prstGeom prst="rect">
                   <a:avLst/>
@@ -25586,13 +25976,13 @@
                 <a:lstStyle/>
                 <a:p>
                   <a:r>
-                    <a:rPr lang="nl-NL" sz="1400" b="1" dirty="0">
+                    <a:rPr lang="nl-NL" sz="1100" b="1" dirty="0">
                       <a:latin typeface="Arial" panose="020B0604020202020204" pitchFamily="34" charset="0"/>
                       <a:cs typeface="Arial" panose="020B0604020202020204" pitchFamily="34" charset="0"/>
                     </a:rPr>
-                    <a:t>D: Time until fly emergence, trial 2</a:t>
+                    <a:t>D: Time until fly emergence, Trial 2</a:t>
                   </a:r>
-                  <a:endParaRPr lang="en-US" sz="1400" b="1" dirty="0">
+                  <a:endParaRPr lang="en-US" sz="1100" b="1" dirty="0">
                     <a:latin typeface="Arial" panose="020B0604020202020204" pitchFamily="34" charset="0"/>
                     <a:cs typeface="Arial" panose="020B0604020202020204" pitchFamily="34" charset="0"/>
                   </a:endParaRPr>
@@ -25616,6 +26006,65 @@
 </file>
 
 <file path=ppt/slides/slide8.xml><?xml version="1.0" encoding="utf-8"?>
+<p:sld xmlns:a="http://schemas.openxmlformats.org/drawingml/2006/main" xmlns:r="http://schemas.openxmlformats.org/officeDocument/2006/relationships" xmlns:p="http://schemas.openxmlformats.org/presentationml/2006/main">
+  <p:cSld>
+    <p:spTree>
+      <p:nvGrpSpPr>
+        <p:cNvPr id="1" name=""/>
+        <p:cNvGrpSpPr/>
+        <p:nvPr/>
+      </p:nvGrpSpPr>
+      <p:grpSpPr>
+        <a:xfrm>
+          <a:off x="0" y="0"/>
+          <a:ext cx="0" cy="0"/>
+          <a:chOff x="0" y="0"/>
+          <a:chExt cx="0" cy="0"/>
+        </a:xfrm>
+      </p:grpSpPr>
+      <p:pic>
+        <p:nvPicPr>
+          <p:cNvPr id="5" name="Picture 4">
+            <a:extLst>
+              <a:ext uri="{FF2B5EF4-FFF2-40B4-BE49-F238E27FC236}">
+                <a16:creationId xmlns:a16="http://schemas.microsoft.com/office/drawing/2014/main" id="{AD98059B-C810-B4BF-75D6-EDD4B9EC8B7D}"/>
+              </a:ext>
+            </a:extLst>
+          </p:cNvPr>
+          <p:cNvPicPr>
+            <a:picLocks noChangeAspect="1"/>
+          </p:cNvPicPr>
+          <p:nvPr/>
+        </p:nvPicPr>
+        <p:blipFill rotWithShape="1">
+          <a:blip r:embed="rId3"/>
+          <a:srcRect l="10391" r="10312"/>
+          <a:stretch/>
+        </p:blipFill>
+        <p:spPr>
+          <a:xfrm>
+            <a:off x="1266825" y="0"/>
+            <a:ext cx="9667876" cy="6857999"/>
+          </a:xfrm>
+          <a:prstGeom prst="rect">
+            <a:avLst/>
+          </a:prstGeom>
+        </p:spPr>
+      </p:pic>
+    </p:spTree>
+    <p:extLst>
+      <p:ext uri="{BB962C8B-B14F-4D97-AF65-F5344CB8AC3E}">
+        <p14:creationId xmlns:p14="http://schemas.microsoft.com/office/powerpoint/2010/main" val="3406319178"/>
+      </p:ext>
+    </p:extLst>
+  </p:cSld>
+  <p:clrMapOvr>
+    <a:masterClrMapping/>
+  </p:clrMapOvr>
+</p:sld>
+</file>
+
+<file path=ppt/slides/slide9.xml><?xml version="1.0" encoding="utf-8"?>
 <p:sld xmlns:a="http://schemas.openxmlformats.org/drawingml/2006/main" xmlns:r="http://schemas.openxmlformats.org/officeDocument/2006/relationships" xmlns:p="http://schemas.openxmlformats.org/presentationml/2006/main">
   <p:cSld>
     <p:spTree>
@@ -25905,299 +26354,6 @@
     <p:extLst>
       <p:ext uri="{BB962C8B-B14F-4D97-AF65-F5344CB8AC3E}">
         <p14:creationId xmlns:p14="http://schemas.microsoft.com/office/powerpoint/2010/main" val="259099966"/>
-      </p:ext>
-    </p:extLst>
-  </p:cSld>
-  <p:clrMapOvr>
-    <a:masterClrMapping/>
-  </p:clrMapOvr>
-</p:sld>
-</file>
-
-<file path=ppt/slides/slide9.xml><?xml version="1.0" encoding="utf-8"?>
-<p:sld xmlns:a="http://schemas.openxmlformats.org/drawingml/2006/main" xmlns:r="http://schemas.openxmlformats.org/officeDocument/2006/relationships" xmlns:p="http://schemas.openxmlformats.org/presentationml/2006/main">
-  <p:cSld>
-    <p:spTree>
-      <p:nvGrpSpPr>
-        <p:cNvPr id="1" name=""/>
-        <p:cNvGrpSpPr/>
-        <p:nvPr/>
-      </p:nvGrpSpPr>
-      <p:grpSpPr>
-        <a:xfrm>
-          <a:off x="0" y="0"/>
-          <a:ext cx="0" cy="0"/>
-          <a:chOff x="0" y="0"/>
-          <a:chExt cx="0" cy="0"/>
-        </a:xfrm>
-      </p:grpSpPr>
-      <p:grpSp>
-        <p:nvGrpSpPr>
-          <p:cNvPr id="11" name="Group 10">
-            <a:extLst>
-              <a:ext uri="{FF2B5EF4-FFF2-40B4-BE49-F238E27FC236}">
-                <a16:creationId xmlns:a16="http://schemas.microsoft.com/office/drawing/2014/main" id="{AE8B8D3E-2E74-722D-A5E7-7DE1F4005CCE}"/>
-              </a:ext>
-            </a:extLst>
-          </p:cNvPr>
-          <p:cNvGrpSpPr/>
-          <p:nvPr/>
-        </p:nvGrpSpPr>
-        <p:grpSpPr>
-          <a:xfrm>
-            <a:off x="3810000" y="87549"/>
-            <a:ext cx="4572000" cy="6770451"/>
-            <a:chOff x="3810000" y="87549"/>
-            <a:chExt cx="4572000" cy="6770451"/>
-          </a:xfrm>
-        </p:grpSpPr>
-        <p:grpSp>
-          <p:nvGrpSpPr>
-            <p:cNvPr id="9" name="Group 8">
-              <a:extLst>
-                <a:ext uri="{FF2B5EF4-FFF2-40B4-BE49-F238E27FC236}">
-                  <a16:creationId xmlns:a16="http://schemas.microsoft.com/office/drawing/2014/main" id="{D5EA3472-3995-B7A3-2B6B-4A2E5D901D67}"/>
-                </a:ext>
-              </a:extLst>
-            </p:cNvPr>
-            <p:cNvGrpSpPr/>
-            <p:nvPr/>
-          </p:nvGrpSpPr>
-          <p:grpSpPr>
-            <a:xfrm>
-              <a:off x="3810001" y="87549"/>
-              <a:ext cx="4571999" cy="3229584"/>
-              <a:chOff x="3810001" y="87549"/>
-              <a:chExt cx="4571999" cy="3229584"/>
-            </a:xfrm>
-          </p:grpSpPr>
-          <p:pic>
-            <p:nvPicPr>
-              <p:cNvPr id="3" name="Picture 2" descr="Chart, box and whisker chart&#10;&#10;Description automatically generated">
-                <a:extLst>
-                  <a:ext uri="{FF2B5EF4-FFF2-40B4-BE49-F238E27FC236}">
-                    <a16:creationId xmlns:a16="http://schemas.microsoft.com/office/drawing/2014/main" id="{234E1ED3-93F5-59D9-EEFD-59E0B1F2C411}"/>
-                  </a:ext>
-                </a:extLst>
-              </p:cNvPr>
-              <p:cNvPicPr>
-                <a:picLocks noChangeAspect="1"/>
-              </p:cNvPicPr>
-              <p:nvPr/>
-            </p:nvPicPr>
-            <p:blipFill rotWithShape="1">
-              <a:blip r:embed="rId3" cstate="print">
-                <a:extLst>
-                  <a:ext uri="{28A0092B-C50C-407E-A947-70E740481C1C}">
-                    <a14:useLocalDpi xmlns:a14="http://schemas.microsoft.com/office/drawing/2010/main" val="0"/>
-                  </a:ext>
-                </a:extLst>
-              </a:blip>
-              <a:srcRect l="1521" b="11702"/>
-              <a:stretch/>
-            </p:blipFill>
-            <p:spPr>
-              <a:xfrm>
-                <a:off x="3879542" y="87549"/>
-                <a:ext cx="4502458" cy="3229584"/>
-              </a:xfrm>
-              <a:prstGeom prst="rect">
-                <a:avLst/>
-              </a:prstGeom>
-            </p:spPr>
-          </p:pic>
-          <p:sp>
-            <p:nvSpPr>
-              <p:cNvPr id="7" name="TextBox 6">
-                <a:extLst>
-                  <a:ext uri="{FF2B5EF4-FFF2-40B4-BE49-F238E27FC236}">
-                    <a16:creationId xmlns:a16="http://schemas.microsoft.com/office/drawing/2014/main" id="{AB7B2DB1-1BB7-9E5B-834F-9B961E908E5F}"/>
-                  </a:ext>
-                </a:extLst>
-              </p:cNvPr>
-              <p:cNvSpPr txBox="1"/>
-              <p:nvPr/>
-            </p:nvSpPr>
-            <p:spPr>
-              <a:xfrm>
-                <a:off x="3810001" y="2882777"/>
-                <a:ext cx="317924" cy="322112"/>
-              </a:xfrm>
-              <a:prstGeom prst="rect">
-                <a:avLst/>
-              </a:prstGeom>
-              <a:noFill/>
-            </p:spPr>
-            <p:txBody>
-              <a:bodyPr wrap="square" rtlCol="0">
-                <a:normAutofit/>
-              </a:bodyPr>
-              <a:lstStyle/>
-              <a:p>
-                <a:pPr algn="ctr">
-                  <a:lnSpc>
-                    <a:spcPct val="90000"/>
-                  </a:lnSpc>
-                  <a:spcAft>
-                    <a:spcPts val="600"/>
-                  </a:spcAft>
-                </a:pPr>
-                <a:r>
-                  <a:rPr lang="en-US" sz="1200" b="1" dirty="0">
-                    <a:latin typeface="Arial" panose="020B0604020202020204" pitchFamily="34" charset="0"/>
-                    <a:cs typeface="Arial" panose="020B0604020202020204" pitchFamily="34" charset="0"/>
-                  </a:rPr>
-                  <a:t>A</a:t>
-                </a:r>
-              </a:p>
-            </p:txBody>
-          </p:sp>
-        </p:grpSp>
-        <p:grpSp>
-          <p:nvGrpSpPr>
-            <p:cNvPr id="10" name="Group 9">
-              <a:extLst>
-                <a:ext uri="{FF2B5EF4-FFF2-40B4-BE49-F238E27FC236}">
-                  <a16:creationId xmlns:a16="http://schemas.microsoft.com/office/drawing/2014/main" id="{56BF6CAC-5AB7-3ABD-DD66-47CF650FCFA0}"/>
-                </a:ext>
-              </a:extLst>
-            </p:cNvPr>
-            <p:cNvGrpSpPr/>
-            <p:nvPr/>
-          </p:nvGrpSpPr>
-          <p:grpSpPr>
-            <a:xfrm>
-              <a:off x="3810000" y="3317133"/>
-              <a:ext cx="4572000" cy="3540867"/>
-              <a:chOff x="3810000" y="3317133"/>
-              <a:chExt cx="4572000" cy="3540867"/>
-            </a:xfrm>
-          </p:grpSpPr>
-          <p:pic>
-            <p:nvPicPr>
-              <p:cNvPr id="6" name="Picture 5">
-                <a:extLst>
-                  <a:ext uri="{FF2B5EF4-FFF2-40B4-BE49-F238E27FC236}">
-                    <a16:creationId xmlns:a16="http://schemas.microsoft.com/office/drawing/2014/main" id="{9CD50F88-112A-B1F6-5658-5BFF1A6E2EFC}"/>
-                  </a:ext>
-                </a:extLst>
-              </p:cNvPr>
-              <p:cNvPicPr>
-                <a:picLocks noChangeAspect="1"/>
-              </p:cNvPicPr>
-              <p:nvPr/>
-            </p:nvPicPr>
-            <p:blipFill rotWithShape="1">
-              <a:blip r:embed="rId4"/>
-              <a:srcRect t="1596" b="1596"/>
-              <a:stretch/>
-            </p:blipFill>
-            <p:spPr>
-              <a:xfrm>
-                <a:off x="3879542" y="3317133"/>
-                <a:ext cx="4502458" cy="3540867"/>
-              </a:xfrm>
-              <a:prstGeom prst="rect">
-                <a:avLst/>
-              </a:prstGeom>
-            </p:spPr>
-          </p:pic>
-          <p:sp>
-            <p:nvSpPr>
-              <p:cNvPr id="8" name="TextBox 7">
-                <a:extLst>
-                  <a:ext uri="{FF2B5EF4-FFF2-40B4-BE49-F238E27FC236}">
-                    <a16:creationId xmlns:a16="http://schemas.microsoft.com/office/drawing/2014/main" id="{0F4B5DC6-F4A6-0DB1-97E4-7DFF7404DDDA}"/>
-                  </a:ext>
-                </a:extLst>
-              </p:cNvPr>
-              <p:cNvSpPr txBox="1"/>
-              <p:nvPr/>
-            </p:nvSpPr>
-            <p:spPr>
-              <a:xfrm>
-                <a:off x="3810000" y="6101531"/>
-                <a:ext cx="317925" cy="322113"/>
-              </a:xfrm>
-              <a:prstGeom prst="rect">
-                <a:avLst/>
-              </a:prstGeom>
-              <a:noFill/>
-            </p:spPr>
-            <p:txBody>
-              <a:bodyPr wrap="square" rtlCol="0">
-                <a:normAutofit/>
-              </a:bodyPr>
-              <a:lstStyle/>
-              <a:p>
-                <a:pPr>
-                  <a:lnSpc>
-                    <a:spcPct val="90000"/>
-                  </a:lnSpc>
-                  <a:spcAft>
-                    <a:spcPts val="600"/>
-                  </a:spcAft>
-                </a:pPr>
-                <a:r>
-                  <a:rPr lang="en-US" sz="1200" b="1" dirty="0">
-                    <a:latin typeface="Arial" panose="020B0604020202020204" pitchFamily="34" charset="0"/>
-                    <a:cs typeface="Arial" panose="020B0604020202020204" pitchFamily="34" charset="0"/>
-                  </a:rPr>
-                  <a:t>B</a:t>
-                </a:r>
-              </a:p>
-            </p:txBody>
-          </p:sp>
-        </p:grpSp>
-      </p:grpSp>
-      <p:sp>
-        <p:nvSpPr>
-          <p:cNvPr id="13" name="TextBox 12">
-            <a:extLst>
-              <a:ext uri="{FF2B5EF4-FFF2-40B4-BE49-F238E27FC236}">
-                <a16:creationId xmlns:a16="http://schemas.microsoft.com/office/drawing/2014/main" id="{F3C5D877-4145-F406-23A8-1C935B9E4423}"/>
-              </a:ext>
-            </a:extLst>
-          </p:cNvPr>
-          <p:cNvSpPr txBox="1"/>
-          <p:nvPr/>
-        </p:nvSpPr>
-        <p:spPr>
-          <a:xfrm>
-            <a:off x="863353" y="2647710"/>
-            <a:ext cx="1143000" cy="369332"/>
-          </a:xfrm>
-          <a:prstGeom prst="rect">
-            <a:avLst/>
-          </a:prstGeom>
-          <a:noFill/>
-        </p:spPr>
-        <p:txBody>
-          <a:bodyPr wrap="square">
-            <a:spAutoFit/>
-          </a:bodyPr>
-          <a:lstStyle/>
-          <a:p>
-            <a:r>
-              <a:rPr lang="nl-NL" dirty="0" err="1"/>
-              <a:t>Raw</a:t>
-            </a:r>
-            <a:r>
-              <a:rPr lang="nl-NL" dirty="0"/>
-              <a:t> </a:t>
-            </a:r>
-            <a:r>
-              <a:rPr lang="nl-NL" dirty="0" err="1"/>
-              <a:t>frass</a:t>
-            </a:r>
-            <a:endParaRPr lang="en-US" dirty="0"/>
-          </a:p>
-        </p:txBody>
-      </p:sp>
-    </p:spTree>
-    <p:extLst>
-      <p:ext uri="{BB962C8B-B14F-4D97-AF65-F5344CB8AC3E}">
-        <p14:creationId xmlns:p14="http://schemas.microsoft.com/office/powerpoint/2010/main" val="1041882557"/>
       </p:ext>
     </p:extLst>
   </p:cSld>
